--- a/Digital Health Card PPT.pptx
+++ b/Digital Health Card PPT.pptx
@@ -7691,9 +7691,38 @@
           <a:chExt cx="0" cy="0"/>
         </a:xfrm>
       </p:grpSpPr>
+      <p:sp>
+        <p:nvSpPr>
+          <p:cNvPr id="3" name="Rectangle 2"/>
+          <p:cNvSpPr/>
+          <p:nvPr/>
+        </p:nvSpPr>
+        <p:spPr>
+          <a:xfrm>
+            <a:off x="4004415" y="423860"/>
+            <a:ext cx="4447051" cy="707886"/>
+          </a:xfrm>
+          <a:prstGeom prst="rect">
+            <a:avLst/>
+          </a:prstGeom>
+        </p:spPr>
+        <p:txBody>
+          <a:bodyPr wrap="none">
+            <a:spAutoFit/>
+          </a:bodyPr>
+          <a:lstStyle/>
+          <a:p>
+            <a:r>
+              <a:rPr lang="en-US" sz="4000" b="1" dirty="0" smtClean="0"/>
+              <a:t>Data Flow Diagram</a:t>
+            </a:r>
+            <a:endParaRPr lang="en-IN" sz="4000" b="1" dirty="0"/>
+          </a:p>
+        </p:txBody>
+      </p:sp>
       <p:pic>
         <p:nvPicPr>
-          <p:cNvPr id="2" name="Picture 1"/>
+          <p:cNvPr id="4" name="Picture 3"/>
           <p:cNvPicPr>
             <a:picLocks noChangeAspect="1"/>
           </p:cNvPicPr>
@@ -7707,43 +7736,14 @@
         </p:blipFill>
         <p:spPr>
           <a:xfrm>
-            <a:off x="1378039" y="1558343"/>
-            <a:ext cx="8731876" cy="5125792"/>
+            <a:off x="850143" y="1460458"/>
+            <a:ext cx="10498015" cy="5223678"/>
           </a:xfrm>
           <a:prstGeom prst="rect">
             <a:avLst/>
           </a:prstGeom>
         </p:spPr>
       </p:pic>
-      <p:sp>
-        <p:nvSpPr>
-          <p:cNvPr id="3" name="Rectangle 2"/>
-          <p:cNvSpPr/>
-          <p:nvPr/>
-        </p:nvSpPr>
-        <p:spPr>
-          <a:xfrm>
-            <a:off x="4004415" y="423860"/>
-            <a:ext cx="4447051" cy="707886"/>
-          </a:xfrm>
-          <a:prstGeom prst="rect">
-            <a:avLst/>
-          </a:prstGeom>
-        </p:spPr>
-        <p:txBody>
-          <a:bodyPr wrap="none">
-            <a:spAutoFit/>
-          </a:bodyPr>
-          <a:lstStyle/>
-          <a:p>
-            <a:r>
-              <a:rPr lang="en-US" sz="4000" b="1" dirty="0" smtClean="0"/>
-              <a:t>Data Flow Diagram</a:t>
-            </a:r>
-            <a:endParaRPr lang="en-IN" sz="4000" b="1" dirty="0"/>
-          </a:p>
-        </p:txBody>
-      </p:sp>
     </p:spTree>
     <p:extLst>
       <p:ext uri="{BB962C8B-B14F-4D97-AF65-F5344CB8AC3E}">
@@ -8347,7 +8347,7 @@
         <p:spPr>
           <a:xfrm>
             <a:off x="1828800" y="1661375"/>
-            <a:ext cx="7250806" cy="3693319"/>
+            <a:ext cx="7250806" cy="4247317"/>
           </a:xfrm>
           <a:prstGeom prst="rect">
             <a:avLst/>
@@ -8407,8 +8407,21 @@
             </a:r>
             <a:r>
               <a:rPr lang="en-IN" dirty="0"/>
-              <a:t>Operating System: Windows 10 or Later</a:t>
-            </a:r>
+              <a:t>Operating System: </a:t>
+            </a:r>
+            <a:r>
+              <a:rPr lang="en-IN" dirty="0" smtClean="0"/>
+              <a:t>Any Operating System(Windows ,</a:t>
+            </a:r>
+            <a:r>
+              <a:rPr lang="en-IN" dirty="0" err="1" smtClean="0"/>
+              <a:t>Linux,MacOs</a:t>
+            </a:r>
+            <a:r>
+              <a:rPr lang="en-IN" dirty="0" smtClean="0"/>
+              <a:t>)</a:t>
+            </a:r>
+            <a:endParaRPr lang="en-IN" dirty="0"/>
           </a:p>
           <a:p>
             <a:r>
@@ -8417,7 +8430,19 @@
             </a:r>
             <a:r>
               <a:rPr lang="en-IN" dirty="0"/>
-              <a:t>Frontend: HTML, CSS, </a:t>
+              <a:t>Frontend: HTML, </a:t>
+            </a:r>
+            <a:r>
+              <a:rPr lang="en-IN" dirty="0" smtClean="0"/>
+              <a:t>CSS(</a:t>
+            </a:r>
+            <a:r>
+              <a:rPr lang="en-IN" dirty="0" err="1" smtClean="0"/>
+              <a:t>TalwindCSS</a:t>
+            </a:r>
+            <a:r>
+              <a:rPr lang="en-IN" dirty="0" smtClean="0"/>
+              <a:t>), </a:t>
             </a:r>
             <a:r>
               <a:rPr lang="en-IN" dirty="0" err="1"/>
@@ -8434,12 +8459,8 @@
               <a:t>           Backend: ASP.NET </a:t>
             </a:r>
             <a:r>
-              <a:rPr lang="en-IN" smtClean="0"/>
-              <a:t>Core 8.0 Web </a:t>
-            </a:r>
-            <a:r>
               <a:rPr lang="en-IN" dirty="0" smtClean="0"/>
-              <a:t>App</a:t>
+              <a:t>Core 8.0 Web App</a:t>
             </a:r>
             <a:endParaRPr lang="en-IN" dirty="0"/>
           </a:p>
@@ -8452,6 +8473,20 @@
               <a:rPr lang="en-IN" dirty="0" smtClean="0"/>
               <a:t>MYSQL</a:t>
             </a:r>
+          </a:p>
+          <a:p>
+            <a:r>
+              <a:rPr lang="en-US" dirty="0" smtClean="0"/>
+              <a:t>           Browser :Google Chrome / Mozilla </a:t>
+            </a:r>
+            <a:r>
+              <a:rPr lang="en-US" dirty="0" err="1" smtClean="0"/>
+              <a:t>FireFox</a:t>
+            </a:r>
+            <a:r>
+              <a:rPr lang="en-US" dirty="0" smtClean="0"/>
+              <a:t> / Microsoft Edge</a:t>
+            </a:r>
             <a:endParaRPr lang="en-IN" dirty="0"/>
           </a:p>
           <a:p>
@@ -8468,8 +8503,15 @@
           <a:p>
             <a:r>
               <a:rPr lang="en-IN" dirty="0"/>
-              <a:t>           IDE: Visual Studio, VS Code</a:t>
-            </a:r>
+              <a:t>           IDE: Visual Studio, VS </a:t>
+            </a:r>
+            <a:r>
+              <a:rPr lang="en-IN" dirty="0" smtClean="0"/>
+              <a:t>Code</a:t>
+            </a:r>
+          </a:p>
+          <a:p>
+            <a:endParaRPr lang="en-IN" dirty="0"/>
           </a:p>
           <a:p>
             <a:endParaRPr lang="en-IN" dirty="0"/>

--- a/Digital Health Card PPT.pptx
+++ b/Digital Health Card PPT.pptx
@@ -6,20 +6,20 @@
   </p:sldMasterIdLst>
   <p:sldIdLst>
     <p:sldId id="256" r:id="rId2"/>
-    <p:sldId id="263" r:id="rId3"/>
-    <p:sldId id="262" r:id="rId4"/>
-    <p:sldId id="257" r:id="rId5"/>
-    <p:sldId id="264" r:id="rId6"/>
-    <p:sldId id="258" r:id="rId7"/>
-    <p:sldId id="259" r:id="rId8"/>
-    <p:sldId id="260" r:id="rId9"/>
-    <p:sldId id="261" r:id="rId10"/>
-    <p:sldId id="276" r:id="rId11"/>
-    <p:sldId id="277" r:id="rId12"/>
-    <p:sldId id="272" r:id="rId13"/>
-    <p:sldId id="273" r:id="rId14"/>
-    <p:sldId id="274" r:id="rId15"/>
-    <p:sldId id="275" r:id="rId16"/>
+    <p:sldId id="284" r:id="rId3"/>
+    <p:sldId id="263" r:id="rId4"/>
+    <p:sldId id="262" r:id="rId5"/>
+    <p:sldId id="257" r:id="rId6"/>
+    <p:sldId id="264" r:id="rId7"/>
+    <p:sldId id="258" r:id="rId8"/>
+    <p:sldId id="259" r:id="rId9"/>
+    <p:sldId id="260" r:id="rId10"/>
+    <p:sldId id="261" r:id="rId11"/>
+    <p:sldId id="276" r:id="rId12"/>
+    <p:sldId id="277" r:id="rId13"/>
+    <p:sldId id="272" r:id="rId14"/>
+    <p:sldId id="273" r:id="rId15"/>
+    <p:sldId id="274" r:id="rId16"/>
     <p:sldId id="279" r:id="rId17"/>
     <p:sldId id="280" r:id="rId18"/>
     <p:sldId id="281" r:id="rId19"/>
@@ -6410,6 +6410,501 @@
       </p:grpSpPr>
       <p:sp>
         <p:nvSpPr>
+          <p:cNvPr id="2" name="Title 1"/>
+          <p:cNvSpPr>
+            <a:spLocks noGrp="1"/>
+          </p:cNvSpPr>
+          <p:nvPr>
+            <p:ph type="title"/>
+          </p:nvPr>
+        </p:nvSpPr>
+        <p:spPr/>
+        <p:txBody>
+          <a:bodyPr/>
+          <a:lstStyle/>
+          <a:p>
+            <a:r>
+              <a:rPr lang="en-IN" dirty="0"/>
+              <a:t>Limitations</a:t>
+            </a:r>
+          </a:p>
+        </p:txBody>
+      </p:sp>
+      <p:sp>
+        <p:nvSpPr>
+          <p:cNvPr id="5" name="Rectangle 2"/>
+          <p:cNvSpPr>
+            <a:spLocks noGrp="1" noChangeArrowheads="1"/>
+          </p:cNvSpPr>
+          <p:nvPr>
+            <p:ph idx="1"/>
+          </p:nvPr>
+        </p:nvSpPr>
+        <p:spPr bwMode="auto">
+          <a:xfrm>
+            <a:off x="1484311" y="2847637"/>
+            <a:ext cx="8738033" cy="1938992"/>
+          </a:xfrm>
+          <a:prstGeom prst="rect">
+            <a:avLst/>
+          </a:prstGeom>
+          <a:noFill/>
+          <a:ln>
+            <a:noFill/>
+          </a:ln>
+          <a:effectLst/>
+          <a:extLst>
+            <a:ext uri="{909E8E84-426E-40DD-AFC4-6F175D3DCCD1}">
+              <a14:hiddenFill xmlns:a14="http://schemas.microsoft.com/office/drawing/2010/main">
+                <a:solidFill>
+                  <a:schemeClr val="accent1"/>
+                </a:solidFill>
+              </a14:hiddenFill>
+            </a:ext>
+            <a:ext uri="{91240B29-F687-4F45-9708-019B960494DF}">
+              <a14:hiddenLine xmlns:a14="http://schemas.microsoft.com/office/drawing/2010/main" w="9525">
+                <a:solidFill>
+                  <a:schemeClr val="tx1"/>
+                </a:solidFill>
+                <a:miter lim="800000"/>
+                <a:headEnd/>
+                <a:tailEnd/>
+              </a14:hiddenLine>
+            </a:ext>
+            <a:ext uri="{AF507438-7753-43E0-B8FC-AC1667EBCBE1}">
+              <a14:hiddenEffects xmlns:a14="http://schemas.microsoft.com/office/drawing/2010/main">
+                <a:effectLst>
+                  <a:outerShdw dist="35921" dir="2700000" algn="ctr" rotWithShape="0">
+                    <a:schemeClr val="bg2"/>
+                  </a:outerShdw>
+                </a:effectLst>
+              </a14:hiddenEffects>
+            </a:ext>
+          </a:extLst>
+        </p:spPr>
+        <p:txBody>
+          <a:bodyPr vert="horz" wrap="none" lIns="91440" tIns="45720" rIns="91440" bIns="45720" numCol="1" anchor="ctr" anchorCtr="0" compatLnSpc="1">
+            <a:prstTxWarp prst="textNoShape">
+              <a:avLst/>
+            </a:prstTxWarp>
+            <a:spAutoFit/>
+          </a:bodyPr>
+          <a:lstStyle/>
+          <a:p>
+            <a:pPr marL="0" marR="0" lvl="0" indent="0" algn="l" defTabSz="914400" rtl="0" eaLnBrk="0" fontAlgn="base" latinLnBrk="0" hangingPunct="0">
+              <a:lnSpc>
+                <a:spcPct val="100000"/>
+              </a:lnSpc>
+              <a:spcBef>
+                <a:spcPct val="0"/>
+              </a:spcBef>
+              <a:spcAft>
+                <a:spcPct val="0"/>
+              </a:spcAft>
+              <a:buClrTx/>
+              <a:buSzTx/>
+              <a:buFontTx/>
+              <a:buChar char="•"/>
+              <a:tabLst/>
+            </a:pPr>
+            <a:r>
+              <a:rPr kumimoji="0" lang="en-US" sz="2000" b="0" i="0" u="none" strike="noStrike" cap="none" normalizeH="0" baseline="0" dirty="0" smtClean="0">
+                <a:ln>
+                  <a:noFill/>
+                </a:ln>
+                <a:solidFill>
+                  <a:schemeClr val="tx1"/>
+                </a:solidFill>
+                <a:effectLst/>
+                <a:latin typeface="Times New Roman" panose="02020603050405020304" pitchFamily="18" charset="0"/>
+                <a:cs typeface="Times New Roman" panose="02020603050405020304" pitchFamily="18" charset="0"/>
+              </a:rPr>
+              <a:t>Requires </a:t>
+            </a:r>
+            <a:r>
+              <a:rPr kumimoji="0" lang="en-US" sz="2000" b="1" i="0" u="none" strike="noStrike" cap="none" normalizeH="0" baseline="0" dirty="0" err="1" smtClean="0">
+                <a:ln>
+                  <a:noFill/>
+                </a:ln>
+                <a:solidFill>
+                  <a:schemeClr val="tx1"/>
+                </a:solidFill>
+                <a:effectLst/>
+                <a:latin typeface="Times New Roman" panose="02020603050405020304" pitchFamily="18" charset="0"/>
+                <a:cs typeface="Times New Roman" panose="02020603050405020304" pitchFamily="18" charset="0"/>
+              </a:rPr>
+              <a:t>Aadhaar</a:t>
+            </a:r>
+            <a:r>
+              <a:rPr kumimoji="0" lang="en-US" sz="2000" b="1" i="0" u="none" strike="noStrike" cap="none" normalizeH="0" baseline="0" dirty="0" smtClean="0">
+                <a:ln>
+                  <a:noFill/>
+                </a:ln>
+                <a:solidFill>
+                  <a:schemeClr val="tx1"/>
+                </a:solidFill>
+                <a:effectLst/>
+                <a:latin typeface="Times New Roman" panose="02020603050405020304" pitchFamily="18" charset="0"/>
+                <a:cs typeface="Times New Roman" panose="02020603050405020304" pitchFamily="18" charset="0"/>
+              </a:rPr>
+              <a:t> card and linked mobile number</a:t>
+            </a:r>
+            <a:r>
+              <a:rPr kumimoji="0" lang="en-US" sz="2000" b="0" i="0" u="none" strike="noStrike" cap="none" normalizeH="0" baseline="0" dirty="0" smtClean="0">
+                <a:ln>
+                  <a:noFill/>
+                </a:ln>
+                <a:solidFill>
+                  <a:schemeClr val="tx1"/>
+                </a:solidFill>
+                <a:effectLst/>
+                <a:latin typeface="Times New Roman" panose="02020603050405020304" pitchFamily="18" charset="0"/>
+                <a:cs typeface="Times New Roman" panose="02020603050405020304" pitchFamily="18" charset="0"/>
+              </a:rPr>
+              <a:t> for authentication.</a:t>
+            </a:r>
+          </a:p>
+          <a:p>
+            <a:pPr marL="0" marR="0" lvl="0" indent="0" algn="l" defTabSz="914400" rtl="0" eaLnBrk="0" fontAlgn="base" latinLnBrk="0" hangingPunct="0">
+              <a:lnSpc>
+                <a:spcPct val="100000"/>
+              </a:lnSpc>
+              <a:spcBef>
+                <a:spcPct val="0"/>
+              </a:spcBef>
+              <a:spcAft>
+                <a:spcPct val="0"/>
+              </a:spcAft>
+              <a:buClrTx/>
+              <a:buSzTx/>
+              <a:buFontTx/>
+              <a:buChar char="•"/>
+              <a:tabLst/>
+            </a:pPr>
+            <a:r>
+              <a:rPr kumimoji="0" lang="en-US" sz="2000" b="0" i="0" u="none" strike="noStrike" cap="none" normalizeH="0" baseline="0" dirty="0" smtClean="0">
+                <a:ln>
+                  <a:noFill/>
+                </a:ln>
+                <a:solidFill>
+                  <a:schemeClr val="tx1"/>
+                </a:solidFill>
+                <a:effectLst/>
+                <a:latin typeface="Times New Roman" panose="02020603050405020304" pitchFamily="18" charset="0"/>
+                <a:cs typeface="Times New Roman" panose="02020603050405020304" pitchFamily="18" charset="0"/>
+              </a:rPr>
+              <a:t>Needs </a:t>
+            </a:r>
+            <a:r>
+              <a:rPr kumimoji="0" lang="en-US" sz="2000" b="1" i="0" u="none" strike="noStrike" cap="none" normalizeH="0" baseline="0" dirty="0" smtClean="0">
+                <a:ln>
+                  <a:noFill/>
+                </a:ln>
+                <a:solidFill>
+                  <a:schemeClr val="tx1"/>
+                </a:solidFill>
+                <a:effectLst/>
+                <a:latin typeface="Times New Roman" panose="02020603050405020304" pitchFamily="18" charset="0"/>
+                <a:cs typeface="Times New Roman" panose="02020603050405020304" pitchFamily="18" charset="0"/>
+              </a:rPr>
+              <a:t>continuous internet connection</a:t>
+            </a:r>
+            <a:r>
+              <a:rPr kumimoji="0" lang="en-US" sz="2000" b="0" i="0" u="none" strike="noStrike" cap="none" normalizeH="0" baseline="0" dirty="0" smtClean="0">
+                <a:ln>
+                  <a:noFill/>
+                </a:ln>
+                <a:solidFill>
+                  <a:schemeClr val="tx1"/>
+                </a:solidFill>
+                <a:effectLst/>
+                <a:latin typeface="Times New Roman" panose="02020603050405020304" pitchFamily="18" charset="0"/>
+                <a:cs typeface="Times New Roman" panose="02020603050405020304" pitchFamily="18" charset="0"/>
+              </a:rPr>
+              <a:t> to work properly.</a:t>
+            </a:r>
+          </a:p>
+          <a:p>
+            <a:pPr marL="0" marR="0" lvl="0" indent="0" algn="l" defTabSz="914400" rtl="0" eaLnBrk="0" fontAlgn="base" latinLnBrk="0" hangingPunct="0">
+              <a:lnSpc>
+                <a:spcPct val="100000"/>
+              </a:lnSpc>
+              <a:spcBef>
+                <a:spcPct val="0"/>
+              </a:spcBef>
+              <a:spcAft>
+                <a:spcPct val="0"/>
+              </a:spcAft>
+              <a:buClrTx/>
+              <a:buSzTx/>
+              <a:buFontTx/>
+              <a:buChar char="•"/>
+              <a:tabLst/>
+            </a:pPr>
+            <a:r>
+              <a:rPr kumimoji="0" lang="en-US" sz="2000" b="0" i="0" u="none" strike="noStrike" cap="none" normalizeH="0" baseline="0" dirty="0" smtClean="0">
+                <a:ln>
+                  <a:noFill/>
+                </a:ln>
+                <a:solidFill>
+                  <a:schemeClr val="tx1"/>
+                </a:solidFill>
+                <a:effectLst/>
+                <a:latin typeface="Times New Roman" panose="02020603050405020304" pitchFamily="18" charset="0"/>
+                <a:cs typeface="Times New Roman" panose="02020603050405020304" pitchFamily="18" charset="0"/>
+              </a:rPr>
+              <a:t>Uses </a:t>
+            </a:r>
+            <a:r>
+              <a:rPr kumimoji="0" lang="en-US" sz="2000" b="1" i="0" u="none" strike="noStrike" cap="none" normalizeH="0" baseline="0" dirty="0" smtClean="0">
+                <a:ln>
+                  <a:noFill/>
+                </a:ln>
+                <a:solidFill>
+                  <a:schemeClr val="tx1"/>
+                </a:solidFill>
+                <a:effectLst/>
+                <a:latin typeface="Times New Roman" panose="02020603050405020304" pitchFamily="18" charset="0"/>
+                <a:cs typeface="Times New Roman" panose="02020603050405020304" pitchFamily="18" charset="0"/>
+              </a:rPr>
+              <a:t>hardcoded admin credentials</a:t>
+            </a:r>
+            <a:r>
+              <a:rPr kumimoji="0" lang="en-US" sz="2000" b="0" i="0" u="none" strike="noStrike" cap="none" normalizeH="0" baseline="0" dirty="0" smtClean="0">
+                <a:ln>
+                  <a:noFill/>
+                </a:ln>
+                <a:solidFill>
+                  <a:schemeClr val="tx1"/>
+                </a:solidFill>
+                <a:effectLst/>
+                <a:latin typeface="Times New Roman" panose="02020603050405020304" pitchFamily="18" charset="0"/>
+                <a:cs typeface="Times New Roman" panose="02020603050405020304" pitchFamily="18" charset="0"/>
+              </a:rPr>
+              <a:t>, which limits scalability.</a:t>
+            </a:r>
+          </a:p>
+          <a:p>
+            <a:pPr marL="0" marR="0" lvl="0" indent="0" algn="l" defTabSz="914400" rtl="0" eaLnBrk="0" fontAlgn="base" latinLnBrk="0" hangingPunct="0">
+              <a:lnSpc>
+                <a:spcPct val="100000"/>
+              </a:lnSpc>
+              <a:spcBef>
+                <a:spcPct val="0"/>
+              </a:spcBef>
+              <a:spcAft>
+                <a:spcPct val="0"/>
+              </a:spcAft>
+              <a:buClrTx/>
+              <a:buSzTx/>
+              <a:buFontTx/>
+              <a:buChar char="•"/>
+              <a:tabLst/>
+            </a:pPr>
+            <a:r>
+              <a:rPr kumimoji="0" lang="en-US" sz="2000" b="0" i="0" u="none" strike="noStrike" cap="none" normalizeH="0" baseline="0" dirty="0" smtClean="0">
+                <a:ln>
+                  <a:noFill/>
+                </a:ln>
+                <a:solidFill>
+                  <a:schemeClr val="tx1"/>
+                </a:solidFill>
+                <a:effectLst/>
+                <a:latin typeface="Times New Roman" panose="02020603050405020304" pitchFamily="18" charset="0"/>
+                <a:cs typeface="Times New Roman" panose="02020603050405020304" pitchFamily="18" charset="0"/>
+              </a:rPr>
+              <a:t>Emergency access depends on </a:t>
+            </a:r>
+            <a:r>
+              <a:rPr kumimoji="0" lang="en-US" sz="2000" b="1" i="0" u="none" strike="noStrike" cap="none" normalizeH="0" baseline="0" dirty="0" smtClean="0">
+                <a:ln>
+                  <a:noFill/>
+                </a:ln>
+                <a:solidFill>
+                  <a:schemeClr val="tx1"/>
+                </a:solidFill>
+                <a:effectLst/>
+                <a:latin typeface="Times New Roman" panose="02020603050405020304" pitchFamily="18" charset="0"/>
+                <a:cs typeface="Times New Roman" panose="02020603050405020304" pitchFamily="18" charset="0"/>
+              </a:rPr>
+              <a:t>admin/nominee approval</a:t>
+            </a:r>
+            <a:r>
+              <a:rPr kumimoji="0" lang="en-US" sz="2000" b="0" i="0" u="none" strike="noStrike" cap="none" normalizeH="0" baseline="0" dirty="0" smtClean="0">
+                <a:ln>
+                  <a:noFill/>
+                </a:ln>
+                <a:solidFill>
+                  <a:schemeClr val="tx1"/>
+                </a:solidFill>
+                <a:effectLst/>
+                <a:latin typeface="Times New Roman" panose="02020603050405020304" pitchFamily="18" charset="0"/>
+                <a:cs typeface="Times New Roman" panose="02020603050405020304" pitchFamily="18" charset="0"/>
+              </a:rPr>
+              <a:t>, which may cause delay.</a:t>
+            </a:r>
+          </a:p>
+          <a:p>
+            <a:pPr marL="0" marR="0" lvl="0" indent="0" algn="l" defTabSz="914400" rtl="0" eaLnBrk="0" fontAlgn="base" latinLnBrk="0" hangingPunct="0">
+              <a:lnSpc>
+                <a:spcPct val="100000"/>
+              </a:lnSpc>
+              <a:spcBef>
+                <a:spcPct val="0"/>
+              </a:spcBef>
+              <a:spcAft>
+                <a:spcPct val="0"/>
+              </a:spcAft>
+              <a:buClrTx/>
+              <a:buSzTx/>
+              <a:buFontTx/>
+              <a:buChar char="•"/>
+              <a:tabLst/>
+            </a:pPr>
+            <a:r>
+              <a:rPr kumimoji="0" lang="en-US" sz="2000" b="0" i="0" u="none" strike="noStrike" cap="none" normalizeH="0" baseline="0" dirty="0" smtClean="0">
+                <a:ln>
+                  <a:noFill/>
+                </a:ln>
+                <a:solidFill>
+                  <a:schemeClr val="tx1"/>
+                </a:solidFill>
+                <a:effectLst/>
+                <a:latin typeface="Times New Roman" panose="02020603050405020304" pitchFamily="18" charset="0"/>
+                <a:cs typeface="Times New Roman" panose="02020603050405020304" pitchFamily="18" charset="0"/>
+              </a:rPr>
+              <a:t>No </a:t>
+            </a:r>
+            <a:r>
+              <a:rPr kumimoji="0" lang="en-US" sz="2000" b="1" i="0" u="none" strike="noStrike" cap="none" normalizeH="0" baseline="0" dirty="0" smtClean="0">
+                <a:ln>
+                  <a:noFill/>
+                </a:ln>
+                <a:solidFill>
+                  <a:schemeClr val="tx1"/>
+                </a:solidFill>
+                <a:effectLst/>
+                <a:latin typeface="Times New Roman" panose="02020603050405020304" pitchFamily="18" charset="0"/>
+                <a:cs typeface="Times New Roman" panose="02020603050405020304" pitchFamily="18" charset="0"/>
+              </a:rPr>
+              <a:t>offline access</a:t>
+            </a:r>
+            <a:r>
+              <a:rPr kumimoji="0" lang="en-US" sz="2000" b="0" i="0" u="none" strike="noStrike" cap="none" normalizeH="0" baseline="0" dirty="0" smtClean="0">
+                <a:ln>
+                  <a:noFill/>
+                </a:ln>
+                <a:solidFill>
+                  <a:schemeClr val="tx1"/>
+                </a:solidFill>
+                <a:effectLst/>
+                <a:latin typeface="Times New Roman" panose="02020603050405020304" pitchFamily="18" charset="0"/>
+                <a:cs typeface="Times New Roman" panose="02020603050405020304" pitchFamily="18" charset="0"/>
+              </a:rPr>
+              <a:t> to medical records.</a:t>
+            </a:r>
+          </a:p>
+          <a:p>
+            <a:pPr marL="0" marR="0" lvl="0" indent="0" algn="l" defTabSz="914400" rtl="0" eaLnBrk="0" fontAlgn="base" latinLnBrk="0" hangingPunct="0">
+              <a:lnSpc>
+                <a:spcPct val="100000"/>
+              </a:lnSpc>
+              <a:spcBef>
+                <a:spcPct val="0"/>
+              </a:spcBef>
+              <a:spcAft>
+                <a:spcPct val="0"/>
+              </a:spcAft>
+              <a:buClrTx/>
+              <a:buSzTx/>
+              <a:buFontTx/>
+              <a:buChar char="•"/>
+              <a:tabLst/>
+            </a:pPr>
+            <a:r>
+              <a:rPr kumimoji="0" lang="en-US" sz="2000" b="0" i="0" u="none" strike="noStrike" cap="none" normalizeH="0" baseline="0" dirty="0" smtClean="0">
+                <a:ln>
+                  <a:noFill/>
+                </a:ln>
+                <a:solidFill>
+                  <a:schemeClr val="tx1"/>
+                </a:solidFill>
+                <a:effectLst/>
+                <a:latin typeface="Times New Roman" panose="02020603050405020304" pitchFamily="18" charset="0"/>
+                <a:cs typeface="Times New Roman" panose="02020603050405020304" pitchFamily="18" charset="0"/>
+              </a:rPr>
+              <a:t>Users with </a:t>
+            </a:r>
+            <a:r>
+              <a:rPr kumimoji="0" lang="en-US" sz="2000" b="1" i="0" u="none" strike="noStrike" cap="none" normalizeH="0" baseline="0" dirty="0" smtClean="0">
+                <a:ln>
+                  <a:noFill/>
+                </a:ln>
+                <a:solidFill>
+                  <a:schemeClr val="tx1"/>
+                </a:solidFill>
+                <a:effectLst/>
+                <a:latin typeface="Times New Roman" panose="02020603050405020304" pitchFamily="18" charset="0"/>
+                <a:cs typeface="Times New Roman" panose="02020603050405020304" pitchFamily="18" charset="0"/>
+              </a:rPr>
+              <a:t>low technical knowledge</a:t>
+            </a:r>
+            <a:r>
+              <a:rPr kumimoji="0" lang="en-US" sz="2000" b="0" i="0" u="none" strike="noStrike" cap="none" normalizeH="0" baseline="0" dirty="0" smtClean="0">
+                <a:ln>
+                  <a:noFill/>
+                </a:ln>
+                <a:solidFill>
+                  <a:schemeClr val="tx1"/>
+                </a:solidFill>
+                <a:effectLst/>
+                <a:latin typeface="Times New Roman" panose="02020603050405020304" pitchFamily="18" charset="0"/>
+                <a:cs typeface="Times New Roman" panose="02020603050405020304" pitchFamily="18" charset="0"/>
+              </a:rPr>
+              <a:t> may find it difficult to use</a:t>
+            </a:r>
+          </a:p>
+        </p:txBody>
+      </p:sp>
+    </p:spTree>
+    <p:extLst>
+      <p:ext uri="{BB962C8B-B14F-4D97-AF65-F5344CB8AC3E}">
+        <p14:creationId xmlns:p14="http://schemas.microsoft.com/office/powerpoint/2010/main" val="1407935658"/>
+      </p:ext>
+    </p:extLst>
+  </p:cSld>
+  <p:clrMapOvr>
+    <a:masterClrMapping/>
+  </p:clrMapOvr>
+  <p:timing>
+    <p:tnLst>
+      <p:par>
+        <p:cTn id="1" dur="indefinite" restart="never" nodeType="tmRoot"/>
+      </p:par>
+    </p:tnLst>
+  </p:timing>
+</p:sld>
+</file>
+
+<file path=ppt/slides/slide11.xml><?xml version="1.0" encoding="utf-8"?>
+<p:sld xmlns:a="http://schemas.openxmlformats.org/drawingml/2006/main" xmlns:r="http://schemas.openxmlformats.org/officeDocument/2006/relationships" xmlns:p="http://schemas.openxmlformats.org/presentationml/2006/main">
+  <p:cSld>
+    <p:spTree>
+      <p:nvGrpSpPr>
+        <p:cNvPr id="1" name=""/>
+        <p:cNvGrpSpPr/>
+        <p:nvPr/>
+      </p:nvGrpSpPr>
+      <p:grpSpPr>
+        <a:xfrm>
+          <a:off x="0" y="0"/>
+          <a:ext cx="0" cy="0"/>
+          <a:chOff x="0" y="0"/>
+          <a:chExt cx="0" cy="0"/>
+        </a:xfrm>
+      </p:grpSpPr>
+      <p:sp>
+        <p:nvSpPr>
           <p:cNvPr id="2" name="Rectangle 1"/>
           <p:cNvSpPr/>
           <p:nvPr/>
@@ -6456,7 +6951,7 @@
 </p:sld>
 </file>
 
-<file path=ppt/slides/slide11.xml><?xml version="1.0" encoding="utf-8"?>
+<file path=ppt/slides/slide12.xml><?xml version="1.0" encoding="utf-8"?>
 <p:sld xmlns:a="http://schemas.openxmlformats.org/drawingml/2006/main" xmlns:r="http://schemas.openxmlformats.org/officeDocument/2006/relationships" xmlns:p="http://schemas.openxmlformats.org/presentationml/2006/main">
   <p:cSld>
     <p:spTree>
@@ -6607,7 +7102,7 @@
 </p:sld>
 </file>
 
-<file path=ppt/slides/slide12.xml><?xml version="1.0" encoding="utf-8"?>
+<file path=ppt/slides/slide13.xml><?xml version="1.0" encoding="utf-8"?>
 <p:sld xmlns:a="http://schemas.openxmlformats.org/drawingml/2006/main" xmlns:r="http://schemas.openxmlformats.org/officeDocument/2006/relationships" xmlns:p="http://schemas.openxmlformats.org/presentationml/2006/main">
   <p:cSld>
     <p:spTree>
@@ -7087,7 +7582,7 @@
 </p:sld>
 </file>
 
-<file path=ppt/slides/slide13.xml><?xml version="1.0" encoding="utf-8"?>
+<file path=ppt/slides/slide14.xml><?xml version="1.0" encoding="utf-8"?>
 <p:sld xmlns:a="http://schemas.openxmlformats.org/drawingml/2006/main" xmlns:r="http://schemas.openxmlformats.org/officeDocument/2006/relationships" xmlns:p="http://schemas.openxmlformats.org/presentationml/2006/main">
   <p:cSld>
     <p:spTree>
@@ -7268,7 +7763,7 @@
 </p:sld>
 </file>
 
-<file path=ppt/slides/slide14.xml><?xml version="1.0" encoding="utf-8"?>
+<file path=ppt/slides/slide15.xml><?xml version="1.0" encoding="utf-8"?>
 <p:sld xmlns:a="http://schemas.openxmlformats.org/drawingml/2006/main" xmlns:r="http://schemas.openxmlformats.org/officeDocument/2006/relationships" xmlns:p="http://schemas.openxmlformats.org/presentationml/2006/main">
   <p:cSld>
     <p:spTree>
@@ -7419,261 +7914,6 @@
 </p:sld>
 </file>
 
-<file path=ppt/slides/slide15.xml><?xml version="1.0" encoding="utf-8"?>
-<p:sld xmlns:a="http://schemas.openxmlformats.org/drawingml/2006/main" xmlns:r="http://schemas.openxmlformats.org/officeDocument/2006/relationships" xmlns:p="http://schemas.openxmlformats.org/presentationml/2006/main">
-  <p:cSld>
-    <p:spTree>
-      <p:nvGrpSpPr>
-        <p:cNvPr id="1" name=""/>
-        <p:cNvGrpSpPr/>
-        <p:nvPr/>
-      </p:nvGrpSpPr>
-      <p:grpSpPr>
-        <a:xfrm>
-          <a:off x="0" y="0"/>
-          <a:ext cx="0" cy="0"/>
-          <a:chOff x="0" y="0"/>
-          <a:chExt cx="0" cy="0"/>
-        </a:xfrm>
-      </p:grpSpPr>
-      <p:sp>
-        <p:nvSpPr>
-          <p:cNvPr id="2" name="Rectangle 1"/>
-          <p:cNvSpPr/>
-          <p:nvPr/>
-        </p:nvSpPr>
-        <p:spPr>
-          <a:xfrm>
-            <a:off x="1940417" y="1263950"/>
-            <a:ext cx="6585398" cy="3477875"/>
-          </a:xfrm>
-          <a:prstGeom prst="rect">
-            <a:avLst/>
-          </a:prstGeom>
-        </p:spPr>
-        <p:txBody>
-          <a:bodyPr wrap="square">
-            <a:spAutoFit/>
-          </a:bodyPr>
-          <a:lstStyle/>
-          <a:p>
-            <a:r>
-              <a:rPr lang="en-US" sz="4000" b="1" dirty="0"/>
-              <a:t>Nominee </a:t>
-            </a:r>
-            <a:r>
-              <a:rPr lang="en-US" sz="4000" b="1" dirty="0" smtClean="0"/>
-              <a:t>Module</a:t>
-            </a:r>
-          </a:p>
-          <a:p>
-            <a:endParaRPr lang="en-US" sz="4000" b="1" dirty="0"/>
-          </a:p>
-          <a:p>
-            <a:endParaRPr lang="en-US" sz="4000" b="1" dirty="0"/>
-          </a:p>
-          <a:p>
-            <a:pPr>
-              <a:buFont typeface="Arial" panose="020B0604020202020204" pitchFamily="34" charset="0"/>
-              <a:buChar char="•"/>
-            </a:pPr>
-            <a:r>
-              <a:rPr lang="en-US" sz="2000" dirty="0">
-                <a:latin typeface="Times New Roman" panose="02020603050405020304" pitchFamily="18" charset="0"/>
-                <a:cs typeface="Times New Roman" panose="02020603050405020304" pitchFamily="18" charset="0"/>
-              </a:rPr>
-              <a:t>Nominee details linked with patient account.</a:t>
-            </a:r>
-          </a:p>
-          <a:p>
-            <a:pPr>
-              <a:buFont typeface="Arial" panose="020B0604020202020204" pitchFamily="34" charset="0"/>
-              <a:buChar char="•"/>
-            </a:pPr>
-            <a:r>
-              <a:rPr lang="en-US" sz="2000" dirty="0">
-                <a:latin typeface="Times New Roman" panose="02020603050405020304" pitchFamily="18" charset="0"/>
-                <a:cs typeface="Times New Roman" panose="02020603050405020304" pitchFamily="18" charset="0"/>
-              </a:rPr>
-              <a:t>Emergency access support during accidents or critical situations.</a:t>
-            </a:r>
-          </a:p>
-          <a:p>
-            <a:pPr>
-              <a:buFont typeface="Arial" panose="020B0604020202020204" pitchFamily="34" charset="0"/>
-              <a:buChar char="•"/>
-            </a:pPr>
-            <a:r>
-              <a:rPr lang="en-US" sz="2000" dirty="0">
-                <a:latin typeface="Times New Roman" panose="02020603050405020304" pitchFamily="18" charset="0"/>
-                <a:cs typeface="Times New Roman" panose="02020603050405020304" pitchFamily="18" charset="0"/>
-              </a:rPr>
-              <a:t>Admin-assisted authorization for doctor access in emergencies.</a:t>
-            </a:r>
-          </a:p>
-        </p:txBody>
-      </p:sp>
-      <p:sp>
-        <p:nvSpPr>
-          <p:cNvPr id="3" name="AutoShape 2" descr="https://chatgpt.com/backend-api/estuary/content?id=file_00000000f69471fa83d26132527ffe02&amp;ts=491620&amp;p=fs&amp;cid=1&amp;sig=53e5200ef6dfd87841cafb5c9ee4eef2876a5462ed897518a6e6d16e60bdb323&amp;v=0"/>
-          <p:cNvSpPr>
-            <a:spLocks noChangeAspect="1" noChangeArrowheads="1"/>
-          </p:cNvSpPr>
-          <p:nvPr/>
-        </p:nvSpPr>
-        <p:spPr bwMode="auto">
-          <a:xfrm>
-            <a:off x="155575" y="-144463"/>
-            <a:ext cx="304800" cy="304801"/>
-          </a:xfrm>
-          <a:prstGeom prst="rect">
-            <a:avLst/>
-          </a:prstGeom>
-          <a:noFill/>
-          <a:extLst>
-            <a:ext uri="{909E8E84-426E-40DD-AFC4-6F175D3DCCD1}">
-              <a14:hiddenFill xmlns:a14="http://schemas.microsoft.com/office/drawing/2010/main">
-                <a:solidFill>
-                  <a:srgbClr val="FFFFFF"/>
-                </a:solidFill>
-              </a14:hiddenFill>
-            </a:ext>
-          </a:extLst>
-        </p:spPr>
-        <p:txBody>
-          <a:bodyPr vert="horz" wrap="square" lIns="91440" tIns="45720" rIns="91440" bIns="45720" numCol="1" anchor="t" anchorCtr="0" compatLnSpc="1">
-            <a:prstTxWarp prst="textNoShape">
-              <a:avLst/>
-            </a:prstTxWarp>
-          </a:bodyPr>
-          <a:lstStyle/>
-          <a:p>
-            <a:endParaRPr lang="en-IN"/>
-          </a:p>
-        </p:txBody>
-      </p:sp>
-      <p:sp>
-        <p:nvSpPr>
-          <p:cNvPr id="4" name="AutoShape 4" descr="https://chatgpt.com/backend-api/estuary/content?id=file_00000000f69471fa83d26132527ffe02&amp;ts=491620&amp;p=fs&amp;cid=1&amp;sig=53e5200ef6dfd87841cafb5c9ee4eef2876a5462ed897518a6e6d16e60bdb323&amp;v=0"/>
-          <p:cNvSpPr>
-            <a:spLocks noChangeAspect="1" noChangeArrowheads="1"/>
-          </p:cNvSpPr>
-          <p:nvPr/>
-        </p:nvSpPr>
-        <p:spPr bwMode="auto">
-          <a:xfrm>
-            <a:off x="307975" y="7937"/>
-            <a:ext cx="304800" cy="304801"/>
-          </a:xfrm>
-          <a:prstGeom prst="rect">
-            <a:avLst/>
-          </a:prstGeom>
-          <a:noFill/>
-          <a:extLst>
-            <a:ext uri="{909E8E84-426E-40DD-AFC4-6F175D3DCCD1}">
-              <a14:hiddenFill xmlns:a14="http://schemas.microsoft.com/office/drawing/2010/main">
-                <a:solidFill>
-                  <a:srgbClr val="FFFFFF"/>
-                </a:solidFill>
-              </a14:hiddenFill>
-            </a:ext>
-          </a:extLst>
-        </p:spPr>
-        <p:txBody>
-          <a:bodyPr vert="horz" wrap="square" lIns="91440" tIns="45720" rIns="91440" bIns="45720" numCol="1" anchor="t" anchorCtr="0" compatLnSpc="1">
-            <a:prstTxWarp prst="textNoShape">
-              <a:avLst/>
-            </a:prstTxWarp>
-          </a:bodyPr>
-          <a:lstStyle/>
-          <a:p>
-            <a:endParaRPr lang="en-IN"/>
-          </a:p>
-        </p:txBody>
-      </p:sp>
-      <p:sp>
-        <p:nvSpPr>
-          <p:cNvPr id="5" name="AutoShape 6" descr="https://chatgpt.com/backend-api/estuary/content?id=file_00000000f69471fa83d26132527ffe02&amp;ts=491620&amp;p=fs&amp;cid=1&amp;sig=53e5200ef6dfd87841cafb5c9ee4eef2876a5462ed897518a6e6d16e60bdb323&amp;v=0"/>
-          <p:cNvSpPr>
-            <a:spLocks noChangeAspect="1" noChangeArrowheads="1"/>
-          </p:cNvSpPr>
-          <p:nvPr/>
-        </p:nvSpPr>
-        <p:spPr bwMode="auto">
-          <a:xfrm>
-            <a:off x="460375" y="160337"/>
-            <a:ext cx="304800" cy="304801"/>
-          </a:xfrm>
-          <a:prstGeom prst="rect">
-            <a:avLst/>
-          </a:prstGeom>
-          <a:noFill/>
-          <a:extLst>
-            <a:ext uri="{909E8E84-426E-40DD-AFC4-6F175D3DCCD1}">
-              <a14:hiddenFill xmlns:a14="http://schemas.microsoft.com/office/drawing/2010/main">
-                <a:solidFill>
-                  <a:srgbClr val="FFFFFF"/>
-                </a:solidFill>
-              </a14:hiddenFill>
-            </a:ext>
-          </a:extLst>
-        </p:spPr>
-        <p:txBody>
-          <a:bodyPr vert="horz" wrap="square" lIns="91440" tIns="45720" rIns="91440" bIns="45720" numCol="1" anchor="t" anchorCtr="0" compatLnSpc="1">
-            <a:prstTxWarp prst="textNoShape">
-              <a:avLst/>
-            </a:prstTxWarp>
-          </a:bodyPr>
-          <a:lstStyle/>
-          <a:p>
-            <a:endParaRPr lang="en-IN"/>
-          </a:p>
-        </p:txBody>
-      </p:sp>
-      <p:pic>
-        <p:nvPicPr>
-          <p:cNvPr id="6" name="Picture 5"/>
-          <p:cNvPicPr>
-            <a:picLocks noChangeAspect="1"/>
-          </p:cNvPicPr>
-          <p:nvPr/>
-        </p:nvPicPr>
-        <p:blipFill>
-          <a:blip r:embed="rId2"/>
-          <a:stretch>
-            <a:fillRect/>
-          </a:stretch>
-        </p:blipFill>
-        <p:spPr>
-          <a:xfrm>
-            <a:off x="8248100" y="0"/>
-            <a:ext cx="3943900" cy="6858000"/>
-          </a:xfrm>
-          <a:prstGeom prst="rect">
-            <a:avLst/>
-          </a:prstGeom>
-        </p:spPr>
-      </p:pic>
-    </p:spTree>
-    <p:extLst>
-      <p:ext uri="{BB962C8B-B14F-4D97-AF65-F5344CB8AC3E}">
-        <p14:creationId xmlns:p14="http://schemas.microsoft.com/office/powerpoint/2010/main" val="1930864157"/>
-      </p:ext>
-    </p:extLst>
-  </p:cSld>
-  <p:clrMapOvr>
-    <a:masterClrMapping/>
-  </p:clrMapOvr>
-  <p:timing>
-    <p:tnLst>
-      <p:par>
-        <p:cTn id="1" dur="indefinite" restart="never" nodeType="tmRoot"/>
-      </p:par>
-    </p:tnLst>
-  </p:timing>
-</p:sld>
-</file>
-
 <file path=ppt/slides/slide16.xml><?xml version="1.0" encoding="utf-8"?>
 <p:sld xmlns:a="http://schemas.openxmlformats.org/drawingml/2006/main" xmlns:r="http://schemas.openxmlformats.org/officeDocument/2006/relationships" xmlns:p="http://schemas.openxmlformats.org/presentationml/2006/main">
   <p:cSld>
@@ -7722,26 +7962,56 @@
       </p:sp>
       <p:pic>
         <p:nvPicPr>
-          <p:cNvPr id="4" name="Picture 3"/>
+          <p:cNvPr id="1026" name="Picture 2" descr="DFD2Diagram"/>
           <p:cNvPicPr>
-            <a:picLocks noChangeAspect="1"/>
+            <a:picLocks noChangeAspect="1" noChangeArrowheads="1"/>
           </p:cNvPicPr>
           <p:nvPr/>
         </p:nvPicPr>
         <p:blipFill>
-          <a:blip r:embed="rId2"/>
+          <a:blip r:embed="rId2">
+            <a:extLst>
+              <a:ext uri="{28A0092B-C50C-407E-A947-70E740481C1C}">
+                <a14:useLocalDpi xmlns:a14="http://schemas.microsoft.com/office/drawing/2010/main" val="0"/>
+              </a:ext>
+            </a:extLst>
+          </a:blip>
+          <a:srcRect/>
           <a:stretch>
             <a:fillRect/>
           </a:stretch>
         </p:blipFill>
-        <p:spPr>
+        <p:spPr bwMode="auto">
           <a:xfrm>
-            <a:off x="850143" y="1460458"/>
-            <a:ext cx="10498015" cy="5223678"/>
+            <a:off x="1313645" y="1532586"/>
+            <a:ext cx="10019763" cy="4971245"/>
           </a:xfrm>
           <a:prstGeom prst="rect">
             <a:avLst/>
           </a:prstGeom>
+          <a:noFill/>
+          <a:ln>
+            <a:noFill/>
+          </a:ln>
+          <a:extLst>
+            <a:ext uri="{909E8E84-426E-40DD-AFC4-6F175D3DCCD1}">
+              <a14:hiddenFill xmlns:a14="http://schemas.microsoft.com/office/drawing/2010/main">
+                <a:solidFill>
+                  <a:srgbClr val="FFFFFF"/>
+                </a:solidFill>
+              </a14:hiddenFill>
+            </a:ext>
+            <a:ext uri="{91240B29-F687-4F45-9708-019B960494DF}">
+              <a14:hiddenLine xmlns:a14="http://schemas.microsoft.com/office/drawing/2010/main" w="9525">
+                <a:solidFill>
+                  <a:srgbClr val="000000"/>
+                </a:solidFill>
+                <a:miter lim="800000"/>
+                <a:headEnd/>
+                <a:tailEnd/>
+              </a14:hiddenLine>
+            </a:ext>
+          </a:extLst>
         </p:spPr>
       </p:pic>
     </p:spTree>
@@ -7812,14 +8082,14 @@
       </p:sp>
       <p:pic>
         <p:nvPicPr>
-          <p:cNvPr id="1026" name="Picture 1"/>
+          <p:cNvPr id="2050" name="Picture 2" descr="ER2drawio"/>
           <p:cNvPicPr>
             <a:picLocks noChangeAspect="1" noChangeArrowheads="1"/>
           </p:cNvPicPr>
           <p:nvPr/>
         </p:nvPicPr>
         <p:blipFill>
-          <a:blip r:embed="rId2" cstate="print">
+          <a:blip r:embed="rId2">
             <a:extLst>
               <a:ext uri="{28A0092B-C50C-407E-A947-70E740481C1C}">
                 <a14:useLocalDpi xmlns:a14="http://schemas.microsoft.com/office/drawing/2010/main" val="0"/>
@@ -7833,8 +8103,8 @@
         </p:blipFill>
         <p:spPr bwMode="auto">
           <a:xfrm>
-            <a:off x="785611" y="1403797"/>
-            <a:ext cx="10831133" cy="5306096"/>
+            <a:off x="2191926" y="1197735"/>
+            <a:ext cx="7943747" cy="5374849"/>
           </a:xfrm>
           <a:prstGeom prst="rect">
             <a:avLst/>
@@ -7874,6 +8144,13 @@
   <p:clrMapOvr>
     <a:masterClrMapping/>
   </p:clrMapOvr>
+  <p:timing>
+    <p:tnLst>
+      <p:par>
+        <p:cTn id="1" dur="indefinite" restart="never" nodeType="tmRoot"/>
+      </p:par>
+    </p:tnLst>
+  </p:timing>
 </p:sld>
 </file>
 
@@ -7923,90 +8200,6 @@
           </a:p>
         </p:txBody>
       </p:sp>
-      <p:pic>
-        <p:nvPicPr>
-          <p:cNvPr id="2050" name="Picture 1"/>
-          <p:cNvPicPr>
-            <a:picLocks noChangeAspect="1" noChangeArrowheads="1"/>
-          </p:cNvPicPr>
-          <p:nvPr/>
-        </p:nvPicPr>
-        <p:blipFill>
-          <a:blip r:embed="rId2">
-            <a:extLst>
-              <a:ext uri="{28A0092B-C50C-407E-A947-70E740481C1C}">
-                <a14:useLocalDpi xmlns:a14="http://schemas.microsoft.com/office/drawing/2010/main" val="0"/>
-              </a:ext>
-            </a:extLst>
-          </a:blip>
-          <a:srcRect/>
-          <a:stretch>
-            <a:fillRect/>
-          </a:stretch>
-        </p:blipFill>
-        <p:spPr bwMode="auto">
-          <a:xfrm>
-            <a:off x="1326524" y="1447196"/>
-            <a:ext cx="9259909" cy="5249818"/>
-          </a:xfrm>
-          <a:prstGeom prst="rect">
-            <a:avLst/>
-          </a:prstGeom>
-          <a:noFill/>
-          <a:ln>
-            <a:noFill/>
-          </a:ln>
-          <a:extLst>
-            <a:ext uri="{909E8E84-426E-40DD-AFC4-6F175D3DCCD1}">
-              <a14:hiddenFill xmlns:a14="http://schemas.microsoft.com/office/drawing/2010/main">
-                <a:solidFill>
-                  <a:srgbClr val="FFFFFF"/>
-                </a:solidFill>
-              </a14:hiddenFill>
-            </a:ext>
-            <a:ext uri="{91240B29-F687-4F45-9708-019B960494DF}">
-              <a14:hiddenLine xmlns:a14="http://schemas.microsoft.com/office/drawing/2010/main" w="9525">
-                <a:solidFill>
-                  <a:srgbClr val="000000"/>
-                </a:solidFill>
-                <a:miter lim="800000"/>
-                <a:headEnd/>
-                <a:tailEnd/>
-              </a14:hiddenLine>
-            </a:ext>
-          </a:extLst>
-        </p:spPr>
-      </p:pic>
-    </p:spTree>
-    <p:extLst>
-      <p:ext uri="{BB962C8B-B14F-4D97-AF65-F5344CB8AC3E}">
-        <p14:creationId xmlns:p14="http://schemas.microsoft.com/office/powerpoint/2010/main" val="1447519128"/>
-      </p:ext>
-    </p:extLst>
-  </p:cSld>
-  <p:clrMapOvr>
-    <a:masterClrMapping/>
-  </p:clrMapOvr>
-</p:sld>
-</file>
-
-<file path=ppt/slides/slide19.xml><?xml version="1.0" encoding="utf-8"?>
-<p:sld xmlns:a="http://schemas.openxmlformats.org/drawingml/2006/main" xmlns:r="http://schemas.openxmlformats.org/officeDocument/2006/relationships" xmlns:p="http://schemas.openxmlformats.org/presentationml/2006/main">
-  <p:cSld>
-    <p:spTree>
-      <p:nvGrpSpPr>
-        <p:cNvPr id="1" name=""/>
-        <p:cNvGrpSpPr/>
-        <p:nvPr/>
-      </p:nvGrpSpPr>
-      <p:grpSpPr>
-        <a:xfrm>
-          <a:off x="0" y="0"/>
-          <a:ext cx="0" cy="0"/>
-          <a:chOff x="0" y="0"/>
-          <a:chExt cx="0" cy="0"/>
-        </a:xfrm>
-      </p:grpSpPr>
       <p:pic>
         <p:nvPicPr>
           <p:cNvPr id="3074" name="Picture 1"/>
@@ -8030,8 +8223,8 @@
         </p:blipFill>
         <p:spPr bwMode="auto">
           <a:xfrm>
-            <a:off x="1107584" y="1468192"/>
-            <a:ext cx="10393250" cy="4958365"/>
+            <a:off x="1262130" y="1041595"/>
+            <a:ext cx="9878096" cy="5694056"/>
           </a:xfrm>
           <a:prstGeom prst="rect">
             <a:avLst/>
@@ -8061,6 +8254,43 @@
           </a:extLst>
         </p:spPr>
       </p:pic>
+    </p:spTree>
+    <p:extLst>
+      <p:ext uri="{BB962C8B-B14F-4D97-AF65-F5344CB8AC3E}">
+        <p14:creationId xmlns:p14="http://schemas.microsoft.com/office/powerpoint/2010/main" val="1447519128"/>
+      </p:ext>
+    </p:extLst>
+  </p:cSld>
+  <p:clrMapOvr>
+    <a:masterClrMapping/>
+  </p:clrMapOvr>
+  <p:timing>
+    <p:tnLst>
+      <p:par>
+        <p:cTn id="1" dur="indefinite" restart="never" nodeType="tmRoot"/>
+      </p:par>
+    </p:tnLst>
+  </p:timing>
+</p:sld>
+</file>
+
+<file path=ppt/slides/slide19.xml><?xml version="1.0" encoding="utf-8"?>
+<p:sld xmlns:a="http://schemas.openxmlformats.org/drawingml/2006/main" xmlns:r="http://schemas.openxmlformats.org/officeDocument/2006/relationships" xmlns:p="http://schemas.openxmlformats.org/presentationml/2006/main">
+  <p:cSld>
+    <p:spTree>
+      <p:nvGrpSpPr>
+        <p:cNvPr id="1" name=""/>
+        <p:cNvGrpSpPr/>
+        <p:nvPr/>
+      </p:nvGrpSpPr>
+      <p:grpSpPr>
+        <a:xfrm>
+          <a:off x="0" y="0"/>
+          <a:ext cx="0" cy="0"/>
+          <a:chOff x="0" y="0"/>
+          <a:chExt cx="0" cy="0"/>
+        </a:xfrm>
+      </p:grpSpPr>
       <p:sp>
         <p:nvSpPr>
           <p:cNvPr id="2" name="Rectangle 1"/>
@@ -8090,6 +8320,60 @@
           </a:p>
         </p:txBody>
       </p:sp>
+      <p:pic>
+        <p:nvPicPr>
+          <p:cNvPr id="4098" name="Picture 2" descr="class2Diagram"/>
+          <p:cNvPicPr>
+            <a:picLocks noChangeAspect="1" noChangeArrowheads="1"/>
+          </p:cNvPicPr>
+          <p:nvPr/>
+        </p:nvPicPr>
+        <p:blipFill>
+          <a:blip r:embed="rId2">
+            <a:extLst>
+              <a:ext uri="{28A0092B-C50C-407E-A947-70E740481C1C}">
+                <a14:useLocalDpi xmlns:a14="http://schemas.microsoft.com/office/drawing/2010/main" val="0"/>
+              </a:ext>
+            </a:extLst>
+          </a:blip>
+          <a:srcRect/>
+          <a:stretch>
+            <a:fillRect/>
+          </a:stretch>
+        </p:blipFill>
+        <p:spPr bwMode="auto">
+          <a:xfrm>
+            <a:off x="1416676" y="1152525"/>
+            <a:ext cx="10174310" cy="5705475"/>
+          </a:xfrm>
+          <a:prstGeom prst="rect">
+            <a:avLst/>
+          </a:prstGeom>
+          <a:noFill/>
+          <a:ln>
+            <a:noFill/>
+          </a:ln>
+          <a:extLst>
+            <a:ext uri="{909E8E84-426E-40DD-AFC4-6F175D3DCCD1}">
+              <a14:hiddenFill xmlns:a14="http://schemas.microsoft.com/office/drawing/2010/main">
+                <a:solidFill>
+                  <a:srgbClr val="FFFFFF"/>
+                </a:solidFill>
+              </a14:hiddenFill>
+            </a:ext>
+            <a:ext uri="{91240B29-F687-4F45-9708-019B960494DF}">
+              <a14:hiddenLine xmlns:a14="http://schemas.microsoft.com/office/drawing/2010/main" w="9525">
+                <a:solidFill>
+                  <a:srgbClr val="000000"/>
+                </a:solidFill>
+                <a:miter lim="800000"/>
+                <a:headEnd/>
+                <a:tailEnd/>
+              </a14:hiddenLine>
+            </a:ext>
+          </a:extLst>
+        </p:spPr>
+      </p:pic>
     </p:spTree>
     <p:extLst>
       <p:ext uri="{BB962C8B-B14F-4D97-AF65-F5344CB8AC3E}">
@@ -8100,6 +8384,13 @@
   <p:clrMapOvr>
     <a:masterClrMapping/>
   </p:clrMapOvr>
+  <p:timing>
+    <p:tnLst>
+      <p:par>
+        <p:cTn id="1" dur="indefinite" restart="never" nodeType="tmRoot"/>
+      </p:par>
+    </p:tnLst>
+  </p:timing>
 </p:sld>
 </file>
 
@@ -8122,76 +8413,90 @@
       </p:grpSpPr>
       <p:sp>
         <p:nvSpPr>
-          <p:cNvPr id="2" name="Title 1"/>
-          <p:cNvSpPr>
-            <a:spLocks noGrp="1"/>
-          </p:cNvSpPr>
-          <p:nvPr>
-            <p:ph type="title"/>
-          </p:nvPr>
-        </p:nvSpPr>
-        <p:spPr/>
-        <p:txBody>
-          <a:bodyPr/>
-          <a:lstStyle/>
-          <a:p>
-            <a:r>
-              <a:rPr lang="en-US" dirty="0" smtClean="0"/>
-              <a:t>Abstract</a:t>
-            </a:r>
-            <a:endParaRPr lang="en-IN" dirty="0"/>
-          </a:p>
-        </p:txBody>
-      </p:sp>
-      <p:sp>
-        <p:nvSpPr>
-          <p:cNvPr id="3" name="Content Placeholder 2"/>
-          <p:cNvSpPr>
-            <a:spLocks noGrp="1"/>
-          </p:cNvSpPr>
-          <p:nvPr>
-            <p:ph idx="1"/>
-          </p:nvPr>
-        </p:nvSpPr>
-        <p:spPr/>
-        <p:txBody>
-          <a:bodyPr>
-            <a:normAutofit/>
+          <p:cNvPr id="2" name="TextBox 1"/>
+          <p:cNvSpPr txBox="1"/>
+          <p:nvPr/>
+        </p:nvSpPr>
+        <p:spPr>
+          <a:xfrm>
+            <a:off x="4069723" y="1275008"/>
+            <a:ext cx="3346172" cy="769441"/>
+          </a:xfrm>
+          <a:prstGeom prst="rect">
+            <a:avLst/>
+          </a:prstGeom>
+          <a:noFill/>
+        </p:spPr>
+        <p:txBody>
+          <a:bodyPr wrap="none" rtlCol="0">
+            <a:spAutoFit/>
           </a:bodyPr>
           <a:lstStyle/>
           <a:p>
             <a:r>
-              <a:rPr lang="en-US" sz="2000" dirty="0">
-                <a:latin typeface="Times New Roman" panose="02020603050405020304" pitchFamily="18" charset="0"/>
-                <a:cs typeface="Times New Roman" panose="02020603050405020304" pitchFamily="18" charset="0"/>
-              </a:rPr>
-              <a:t>The Digital Health Card System is a secure healthcare management platform that allows patients to access and manage their medical records digitally. The system eliminates the need for carrying physical medical reports by providing centralized, role-based access to patient health data. It involves five main entities: Admin, Patient, Doctor, Lab Technician, and Nominee. </a:t>
-            </a:r>
-            <a:r>
-              <a:rPr lang="en-US" sz="2000" dirty="0" err="1">
-                <a:latin typeface="Times New Roman" panose="02020603050405020304" pitchFamily="18" charset="0"/>
-                <a:cs typeface="Times New Roman" panose="02020603050405020304" pitchFamily="18" charset="0"/>
-              </a:rPr>
-              <a:t>Aadhaar</a:t>
-            </a:r>
-            <a:r>
-              <a:rPr lang="en-US" sz="2000" dirty="0">
-                <a:latin typeface="Times New Roman" panose="02020603050405020304" pitchFamily="18" charset="0"/>
-                <a:cs typeface="Times New Roman" panose="02020603050405020304" pitchFamily="18" charset="0"/>
-              </a:rPr>
-              <a:t>-based authentication, admin verification, and patient consent ensure data security, privacy, and controlled access to sensitive medical information.</a:t>
-            </a:r>
-            <a:endParaRPr lang="en-IN" sz="2000" dirty="0">
+              <a:rPr lang="en-US" sz="4400" dirty="0" err="1" smtClean="0">
+                <a:solidFill>
+                  <a:schemeClr val="accent1">
+                    <a:lumMod val="75000"/>
+                  </a:schemeClr>
+                </a:solidFill>
+                <a:latin typeface="Times New Roman" panose="02020603050405020304" pitchFamily="18" charset="0"/>
+                <a:cs typeface="Times New Roman" panose="02020603050405020304" pitchFamily="18" charset="0"/>
+              </a:rPr>
+              <a:t>Aarogya</a:t>
+            </a:r>
+            <a:r>
+              <a:rPr lang="en-US" sz="4400" dirty="0" smtClean="0">
+                <a:solidFill>
+                  <a:schemeClr val="accent1">
+                    <a:lumMod val="75000"/>
+                  </a:schemeClr>
+                </a:solidFill>
+                <a:latin typeface="Times New Roman" panose="02020603050405020304" pitchFamily="18" charset="0"/>
+                <a:cs typeface="Times New Roman" panose="02020603050405020304" pitchFamily="18" charset="0"/>
+              </a:rPr>
+              <a:t> Card</a:t>
+            </a:r>
+            <a:endParaRPr lang="en-IN" sz="4400" dirty="0">
+              <a:solidFill>
+                <a:schemeClr val="accent1">
+                  <a:lumMod val="75000"/>
+                </a:schemeClr>
+              </a:solidFill>
               <a:latin typeface="Times New Roman" panose="02020603050405020304" pitchFamily="18" charset="0"/>
               <a:cs typeface="Times New Roman" panose="02020603050405020304" pitchFamily="18" charset="0"/>
             </a:endParaRPr>
           </a:p>
         </p:txBody>
       </p:sp>
+      <p:pic>
+        <p:nvPicPr>
+          <p:cNvPr id="3" name="Picture 2"/>
+          <p:cNvPicPr>
+            <a:picLocks noChangeAspect="1"/>
+          </p:cNvPicPr>
+          <p:nvPr/>
+        </p:nvPicPr>
+        <p:blipFill>
+          <a:blip r:embed="rId2"/>
+          <a:stretch>
+            <a:fillRect/>
+          </a:stretch>
+        </p:blipFill>
+        <p:spPr>
+          <a:xfrm>
+            <a:off x="4836581" y="2994507"/>
+            <a:ext cx="2095792" cy="1409897"/>
+          </a:xfrm>
+          <a:prstGeom prst="rect">
+            <a:avLst/>
+          </a:prstGeom>
+        </p:spPr>
+      </p:pic>
     </p:spTree>
     <p:extLst>
       <p:ext uri="{BB962C8B-B14F-4D97-AF65-F5344CB8AC3E}">
-        <p14:creationId xmlns:p14="http://schemas.microsoft.com/office/powerpoint/2010/main" val="400998114"/>
+        <p14:creationId xmlns:p14="http://schemas.microsoft.com/office/powerpoint/2010/main" val="3621216924"/>
       </p:ext>
     </p:extLst>
   </p:cSld>
@@ -8225,9 +8530,38 @@
           <a:chExt cx="0" cy="0"/>
         </a:xfrm>
       </p:grpSpPr>
+      <p:sp>
+        <p:nvSpPr>
+          <p:cNvPr id="2" name="Rectangle 1"/>
+          <p:cNvSpPr/>
+          <p:nvPr/>
+        </p:nvSpPr>
+        <p:spPr>
+          <a:xfrm>
+            <a:off x="3964580" y="359467"/>
+            <a:ext cx="4357283" cy="707886"/>
+          </a:xfrm>
+          <a:prstGeom prst="rect">
+            <a:avLst/>
+          </a:prstGeom>
+        </p:spPr>
+        <p:txBody>
+          <a:bodyPr wrap="none">
+            <a:spAutoFit/>
+          </a:bodyPr>
+          <a:lstStyle/>
+          <a:p>
+            <a:r>
+              <a:rPr lang="en-US" sz="4000" b="1" dirty="0" smtClean="0"/>
+              <a:t>Sequence Diagram</a:t>
+            </a:r>
+            <a:endParaRPr lang="en-IN" sz="4000" b="1" dirty="0"/>
+          </a:p>
+        </p:txBody>
+      </p:sp>
       <p:pic>
         <p:nvPicPr>
-          <p:cNvPr id="4098" name="Picture 1"/>
+          <p:cNvPr id="5122" name="Picture 1"/>
           <p:cNvPicPr>
             <a:picLocks noChangeAspect="1" noChangeArrowheads="1"/>
           </p:cNvPicPr>
@@ -8248,8 +8582,8 @@
         </p:blipFill>
         <p:spPr bwMode="auto">
           <a:xfrm>
-            <a:off x="734094" y="1532587"/>
-            <a:ext cx="10818253" cy="5048518"/>
+            <a:off x="1068946" y="1504950"/>
+            <a:ext cx="10676586" cy="5353050"/>
           </a:xfrm>
           <a:prstGeom prst="rect">
             <a:avLst/>
@@ -8279,35 +8613,6 @@
           </a:extLst>
         </p:spPr>
       </p:pic>
-      <p:sp>
-        <p:nvSpPr>
-          <p:cNvPr id="2" name="Rectangle 1"/>
-          <p:cNvSpPr/>
-          <p:nvPr/>
-        </p:nvSpPr>
-        <p:spPr>
-          <a:xfrm>
-            <a:off x="3964580" y="359467"/>
-            <a:ext cx="4357283" cy="707886"/>
-          </a:xfrm>
-          <a:prstGeom prst="rect">
-            <a:avLst/>
-          </a:prstGeom>
-        </p:spPr>
-        <p:txBody>
-          <a:bodyPr wrap="none">
-            <a:spAutoFit/>
-          </a:bodyPr>
-          <a:lstStyle/>
-          <a:p>
-            <a:r>
-              <a:rPr lang="en-US" sz="4000" b="1" dirty="0" smtClean="0"/>
-              <a:t>Sequence Diagram</a:t>
-            </a:r>
-            <a:endParaRPr lang="en-IN" sz="4000" b="1" dirty="0"/>
-          </a:p>
-        </p:txBody>
-      </p:sp>
     </p:spTree>
     <p:extLst>
       <p:ext uri="{BB962C8B-B14F-4D97-AF65-F5344CB8AC3E}">
@@ -8318,6 +8623,13 @@
   <p:clrMapOvr>
     <a:masterClrMapping/>
   </p:clrMapOvr>
+  <p:timing>
+    <p:tnLst>
+      <p:par>
+        <p:cTn id="1" dur="indefinite" restart="never" nodeType="tmRoot"/>
+      </p:par>
+    </p:tnLst>
+  </p:timing>
 </p:sld>
 </file>
 
@@ -9273,7 +9585,7 @@
           <a:p>
             <a:r>
               <a:rPr lang="en-US" dirty="0" smtClean="0"/>
-              <a:t>Introduction</a:t>
+              <a:t>Abstract</a:t>
             </a:r>
             <a:endParaRPr lang="en-IN" dirty="0"/>
           </a:p>
@@ -9292,50 +9604,42 @@
         <p:spPr/>
         <p:txBody>
           <a:bodyPr>
-            <a:normAutofit fontScale="25000" lnSpcReduction="20000"/>
+            <a:normAutofit/>
           </a:bodyPr>
           <a:lstStyle/>
           <a:p>
             <a:r>
-              <a:rPr lang="en-US" sz="8000" dirty="0">
-                <a:latin typeface="Times New Roman" panose="02020603050405020304" pitchFamily="18" charset="0"/>
-                <a:cs typeface="Times New Roman" panose="02020603050405020304" pitchFamily="18" charset="0"/>
-              </a:rPr>
-              <a:t>In today’s fast-paced healthcare environment, managing medical records in physical form has become inefficient and unreliable. Patients often misplace reports or forget to carry them during consultations, leading to delays in diagnosis and treatment. Moreover, sharing medical data among healthcare providers remains a challenge due to the lack of a centralized and secure platform.</a:t>
-            </a:r>
-          </a:p>
-          <a:p>
-            <a:r>
-              <a:rPr lang="en-US" sz="8000" dirty="0">
-                <a:latin typeface="Times New Roman" panose="02020603050405020304" pitchFamily="18" charset="0"/>
-                <a:cs typeface="Times New Roman" panose="02020603050405020304" pitchFamily="18" charset="0"/>
-              </a:rPr>
-              <a:t>The Digital Health Card System addresses these challenges by providing a secure digital solution for storing and accessing patient medical records. The system uses </a:t>
-            </a:r>
-            <a:r>
-              <a:rPr lang="en-US" sz="8000" dirty="0" err="1">
+              <a:rPr lang="en-US" sz="2000" dirty="0">
+                <a:latin typeface="Times New Roman" panose="02020603050405020304" pitchFamily="18" charset="0"/>
+                <a:cs typeface="Times New Roman" panose="02020603050405020304" pitchFamily="18" charset="0"/>
+              </a:rPr>
+              <a:t>The Digital Health Card System is a secure healthcare management platform that allows patients to access and manage their medical records digitally. The system eliminates the need for carrying physical medical reports by providing centralized, role-based access to patient health data. It involves five main entities: Admin, Patient, Doctor, Lab Technician, and Nominee. </a:t>
+            </a:r>
+            <a:r>
+              <a:rPr lang="en-US" sz="2000" dirty="0" err="1">
                 <a:latin typeface="Times New Roman" panose="02020603050405020304" pitchFamily="18" charset="0"/>
                 <a:cs typeface="Times New Roman" panose="02020603050405020304" pitchFamily="18" charset="0"/>
               </a:rPr>
               <a:t>Aadhaar</a:t>
             </a:r>
             <a:r>
-              <a:rPr lang="en-US" sz="8000" dirty="0">
-                <a:latin typeface="Times New Roman" panose="02020603050405020304" pitchFamily="18" charset="0"/>
-                <a:cs typeface="Times New Roman" panose="02020603050405020304" pitchFamily="18" charset="0"/>
-              </a:rPr>
-              <a:t>-based authentication to uniquely identify patients and generates a Health Card ID that acts as a digital identity for accessing medical data. With role-based access control, the system ensures that only authorized users such as doctors and lab technicians can upload or modify patient data after admin verification. Additionally, the nominee-based emergency access mechanism allows doctors to access patient medical history during critical situations. This system aims to improve healthcare efficiency, data accessibility, and patient safety.</a:t>
-            </a:r>
-          </a:p>
-          <a:p>
-            <a:endParaRPr lang="en-IN" dirty="0"/>
+              <a:rPr lang="en-US" sz="2000" dirty="0">
+                <a:latin typeface="Times New Roman" panose="02020603050405020304" pitchFamily="18" charset="0"/>
+                <a:cs typeface="Times New Roman" panose="02020603050405020304" pitchFamily="18" charset="0"/>
+              </a:rPr>
+              <a:t>-based authentication, admin verification, and patient consent ensure data security, privacy, and controlled access to sensitive medical information.</a:t>
+            </a:r>
+            <a:endParaRPr lang="en-IN" sz="2000" dirty="0">
+              <a:latin typeface="Times New Roman" panose="02020603050405020304" pitchFamily="18" charset="0"/>
+              <a:cs typeface="Times New Roman" panose="02020603050405020304" pitchFamily="18" charset="0"/>
+            </a:endParaRPr>
           </a:p>
         </p:txBody>
       </p:sp>
     </p:spTree>
     <p:extLst>
       <p:ext uri="{BB962C8B-B14F-4D97-AF65-F5344CB8AC3E}">
-        <p14:creationId xmlns:p14="http://schemas.microsoft.com/office/powerpoint/2010/main" val="1476982468"/>
+        <p14:creationId xmlns:p14="http://schemas.microsoft.com/office/powerpoint/2010/main" val="400998114"/>
       </p:ext>
     </p:extLst>
   </p:cSld>
@@ -9386,7 +9690,7 @@
           <a:p>
             <a:r>
               <a:rPr lang="en-US" dirty="0" smtClean="0"/>
-              <a:t>Problem Statement</a:t>
+              <a:t>Introduction</a:t>
             </a:r>
             <a:endParaRPr lang="en-IN" dirty="0"/>
           </a:p>
@@ -9405,28 +9709,50 @@
         <p:spPr/>
         <p:txBody>
           <a:bodyPr>
-            <a:normAutofit/>
+            <a:normAutofit fontScale="25000" lnSpcReduction="20000"/>
           </a:bodyPr>
           <a:lstStyle/>
           <a:p>
             <a:r>
-              <a:rPr lang="en-US" sz="2000" dirty="0">
-                <a:latin typeface="Times New Roman" panose="02020603050405020304" pitchFamily="18" charset="0"/>
-                <a:cs typeface="Times New Roman" panose="02020603050405020304" pitchFamily="18" charset="0"/>
-              </a:rPr>
-              <a:t>In the existing healthcare system, patients are required to carry physical medical reports during hospital visits or emergencies. These reports can be misplaced, damaged, or unavailable when urgently needed. There is no centralized, secure, and easily accessible digital platform that allows patients, doctors, and laboratories to manage medical records efficiently. Additionally, unauthorized access to sensitive health data and lack of patient consent mechanisms create privacy and security concerns. Hence, there is a need for a secure digital system that enables electronic storage, controlled access, and easy retrieval of medical records using reliable authentication methods.</a:t>
-            </a:r>
-            <a:endParaRPr lang="en-IN" sz="2000" dirty="0">
-              <a:latin typeface="Times New Roman" panose="02020603050405020304" pitchFamily="18" charset="0"/>
-              <a:cs typeface="Times New Roman" panose="02020603050405020304" pitchFamily="18" charset="0"/>
-            </a:endParaRPr>
+              <a:rPr lang="en-US" sz="8000" dirty="0">
+                <a:latin typeface="Times New Roman" panose="02020603050405020304" pitchFamily="18" charset="0"/>
+                <a:cs typeface="Times New Roman" panose="02020603050405020304" pitchFamily="18" charset="0"/>
+              </a:rPr>
+              <a:t>In today’s fast-paced healthcare environment, managing medical records in physical form has become inefficient and unreliable. Patients often misplace reports or forget to carry them during consultations, leading to delays in diagnosis and treatment. Moreover, sharing medical data among healthcare providers remains a challenge due to the lack of a centralized and secure platform.</a:t>
+            </a:r>
+          </a:p>
+          <a:p>
+            <a:r>
+              <a:rPr lang="en-US" sz="8000" dirty="0">
+                <a:latin typeface="Times New Roman" panose="02020603050405020304" pitchFamily="18" charset="0"/>
+                <a:cs typeface="Times New Roman" panose="02020603050405020304" pitchFamily="18" charset="0"/>
+              </a:rPr>
+              <a:t>The Digital Health Card System addresses these challenges by providing a secure digital solution for storing and accessing patient medical records. The system uses </a:t>
+            </a:r>
+            <a:r>
+              <a:rPr lang="en-US" sz="8000" dirty="0" err="1">
+                <a:latin typeface="Times New Roman" panose="02020603050405020304" pitchFamily="18" charset="0"/>
+                <a:cs typeface="Times New Roman" panose="02020603050405020304" pitchFamily="18" charset="0"/>
+              </a:rPr>
+              <a:t>Aadhaar</a:t>
+            </a:r>
+            <a:r>
+              <a:rPr lang="en-US" sz="8000" dirty="0">
+                <a:latin typeface="Times New Roman" panose="02020603050405020304" pitchFamily="18" charset="0"/>
+                <a:cs typeface="Times New Roman" panose="02020603050405020304" pitchFamily="18" charset="0"/>
+              </a:rPr>
+              <a:t>-based authentication to uniquely identify patients and generates a Health Card ID that acts as a digital identity for accessing medical data. With role-based access control, the system ensures that only authorized users such as doctors and lab technicians can upload or modify patient data after admin verification. Additionally, the nominee-based emergency access mechanism allows doctors to access patient medical history during critical situations. This system aims to improve healthcare efficiency, data accessibility, and patient safety.</a:t>
+            </a:r>
+          </a:p>
+          <a:p>
+            <a:endParaRPr lang="en-IN" dirty="0"/>
           </a:p>
         </p:txBody>
       </p:sp>
     </p:spTree>
     <p:extLst>
       <p:ext uri="{BB962C8B-B14F-4D97-AF65-F5344CB8AC3E}">
-        <p14:creationId xmlns:p14="http://schemas.microsoft.com/office/powerpoint/2010/main" val="3751756247"/>
+        <p14:creationId xmlns:p14="http://schemas.microsoft.com/office/powerpoint/2010/main" val="1476982468"/>
       </p:ext>
     </p:extLst>
   </p:cSld>
@@ -9477,7 +9803,7 @@
           <a:p>
             <a:r>
               <a:rPr lang="en-US" dirty="0" smtClean="0"/>
-              <a:t>Project Overview</a:t>
+              <a:t>Problem Statement</a:t>
             </a:r>
             <a:endParaRPr lang="en-IN" dirty="0"/>
           </a:p>
@@ -9505,67 +9831,8 @@
                 <a:latin typeface="Times New Roman" panose="02020603050405020304" pitchFamily="18" charset="0"/>
                 <a:cs typeface="Times New Roman" panose="02020603050405020304" pitchFamily="18" charset="0"/>
               </a:rPr>
-              <a:t>The </a:t>
-            </a:r>
-            <a:r>
-              <a:rPr lang="en-US" sz="2000" b="1" dirty="0">
-                <a:latin typeface="Times New Roman" panose="02020603050405020304" pitchFamily="18" charset="0"/>
-                <a:cs typeface="Times New Roman" panose="02020603050405020304" pitchFamily="18" charset="0"/>
-              </a:rPr>
-              <a:t>Digital Health Card System</a:t>
-            </a:r>
-            <a:r>
-              <a:rPr lang="en-US" sz="2000" dirty="0">
-                <a:latin typeface="Times New Roman" panose="02020603050405020304" pitchFamily="18" charset="0"/>
-                <a:cs typeface="Times New Roman" panose="02020603050405020304" pitchFamily="18" charset="0"/>
-              </a:rPr>
-              <a:t> is designed to provide patients with secure digital access to their medical records, eliminating the need to carry physical reports. The system ensures centralized storage, controlled access, and role-based permissions for healthcare stakeholders.</a:t>
-            </a:r>
-          </a:p>
-          <a:p>
-            <a:r>
-              <a:rPr lang="en-US" sz="2000" dirty="0">
-                <a:latin typeface="Times New Roman" panose="02020603050405020304" pitchFamily="18" charset="0"/>
-                <a:cs typeface="Times New Roman" panose="02020603050405020304" pitchFamily="18" charset="0"/>
-              </a:rPr>
-              <a:t>The system consists of </a:t>
-            </a:r>
-            <a:r>
-              <a:rPr lang="en-US" sz="2000" b="1" dirty="0">
-                <a:latin typeface="Times New Roman" panose="02020603050405020304" pitchFamily="18" charset="0"/>
-                <a:cs typeface="Times New Roman" panose="02020603050405020304" pitchFamily="18" charset="0"/>
-              </a:rPr>
-              <a:t>five main entities</a:t>
-            </a:r>
-            <a:r>
-              <a:rPr lang="en-US" sz="2000" dirty="0">
-                <a:latin typeface="Times New Roman" panose="02020603050405020304" pitchFamily="18" charset="0"/>
-                <a:cs typeface="Times New Roman" panose="02020603050405020304" pitchFamily="18" charset="0"/>
-              </a:rPr>
-              <a:t>:</a:t>
-            </a:r>
-            <a:br>
-              <a:rPr lang="en-US" sz="2000" dirty="0">
-                <a:latin typeface="Times New Roman" panose="02020603050405020304" pitchFamily="18" charset="0"/>
-                <a:cs typeface="Times New Roman" panose="02020603050405020304" pitchFamily="18" charset="0"/>
-              </a:rPr>
-            </a:br>
-            <a:r>
-              <a:rPr lang="en-US" sz="2000" b="1" dirty="0">
-                <a:latin typeface="Times New Roman" panose="02020603050405020304" pitchFamily="18" charset="0"/>
-                <a:cs typeface="Times New Roman" panose="02020603050405020304" pitchFamily="18" charset="0"/>
-              </a:rPr>
-              <a:t>Admin, Patient, Doctor, Nominee, and Lab Technician</a:t>
-            </a:r>
-            <a:r>
-              <a:rPr lang="en-US" sz="2000" dirty="0">
-                <a:latin typeface="Times New Roman" panose="02020603050405020304" pitchFamily="18" charset="0"/>
-                <a:cs typeface="Times New Roman" panose="02020603050405020304" pitchFamily="18" charset="0"/>
-              </a:rPr>
-              <a:t>.</a:t>
-            </a:r>
-          </a:p>
-          <a:p>
+              <a:t>In the existing healthcare system, patients are required to carry physical medical reports during hospital visits or emergencies. These reports can be misplaced, damaged, or unavailable when urgently needed. There is no centralized, secure, and easily accessible digital platform that allows patients, doctors, and laboratories to manage medical records efficiently. Additionally, unauthorized access to sensitive health data and lack of patient consent mechanisms create privacy and security concerns. Hence, there is a need for a secure digital system that enables electronic storage, controlled access, and easy retrieval of medical records using reliable authentication methods.</a:t>
+            </a:r>
             <a:endParaRPr lang="en-IN" sz="2000" dirty="0">
               <a:latin typeface="Times New Roman" panose="02020603050405020304" pitchFamily="18" charset="0"/>
               <a:cs typeface="Times New Roman" panose="02020603050405020304" pitchFamily="18" charset="0"/>
@@ -9576,7 +9843,7 @@
     </p:spTree>
     <p:extLst>
       <p:ext uri="{BB962C8B-B14F-4D97-AF65-F5344CB8AC3E}">
-        <p14:creationId xmlns:p14="http://schemas.microsoft.com/office/powerpoint/2010/main" val="2276017397"/>
+        <p14:creationId xmlns:p14="http://schemas.microsoft.com/office/powerpoint/2010/main" val="3751756247"/>
       </p:ext>
     </p:extLst>
   </p:cSld>
@@ -9627,7 +9894,7 @@
           <a:p>
             <a:r>
               <a:rPr lang="en-US" dirty="0" smtClean="0"/>
-              <a:t>Aim</a:t>
+              <a:t>Project Overview</a:t>
             </a:r>
             <a:endParaRPr lang="en-IN" dirty="0"/>
           </a:p>
@@ -9651,33 +9918,71 @@
           <a:lstStyle/>
           <a:p>
             <a:r>
-              <a:rPr lang="en-US" sz="2000" dirty="0" smtClean="0">
+              <a:rPr lang="en-US" sz="2000" dirty="0">
                 <a:latin typeface="Times New Roman" panose="02020603050405020304" pitchFamily="18" charset="0"/>
                 <a:cs typeface="Times New Roman" panose="02020603050405020304" pitchFamily="18" charset="0"/>
               </a:rPr>
               <a:t>The </a:t>
             </a:r>
             <a:r>
+              <a:rPr lang="en-US" sz="2000" b="1" dirty="0">
+                <a:latin typeface="Times New Roman" panose="02020603050405020304" pitchFamily="18" charset="0"/>
+                <a:cs typeface="Times New Roman" panose="02020603050405020304" pitchFamily="18" charset="0"/>
+              </a:rPr>
+              <a:t>Digital Health Card System</a:t>
+            </a:r>
+            <a:r>
               <a:rPr lang="en-US" sz="2000" dirty="0">
                 <a:latin typeface="Times New Roman" panose="02020603050405020304" pitchFamily="18" charset="0"/>
                 <a:cs typeface="Times New Roman" panose="02020603050405020304" pitchFamily="18" charset="0"/>
               </a:rPr>
-              <a:t>aim of the </a:t>
+              <a:t> is designed to provide patients with secure digital access to their medical records, eliminating the need to carry physical reports. The system ensures centralized storage, controlled access, and role-based permissions for healthcare stakeholders.</a:t>
+            </a:r>
+          </a:p>
+          <a:p>
+            <a:r>
+              <a:rPr lang="en-US" sz="2000" dirty="0">
+                <a:latin typeface="Times New Roman" panose="02020603050405020304" pitchFamily="18" charset="0"/>
+                <a:cs typeface="Times New Roman" panose="02020603050405020304" pitchFamily="18" charset="0"/>
+              </a:rPr>
+              <a:t>The system consists of </a:t>
             </a:r>
             <a:r>
               <a:rPr lang="en-US" sz="2000" b="1" dirty="0">
                 <a:latin typeface="Times New Roman" panose="02020603050405020304" pitchFamily="18" charset="0"/>
                 <a:cs typeface="Times New Roman" panose="02020603050405020304" pitchFamily="18" charset="0"/>
               </a:rPr>
-              <a:t>Digital Health Card System</a:t>
+              <a:t>five main entities</a:t>
             </a:r>
             <a:r>
               <a:rPr lang="en-US" sz="2000" dirty="0">
                 <a:latin typeface="Times New Roman" panose="02020603050405020304" pitchFamily="18" charset="0"/>
                 <a:cs typeface="Times New Roman" panose="02020603050405020304" pitchFamily="18" charset="0"/>
               </a:rPr>
-              <a:t> is to provide a secure, centralized, and digital platform for managing patient medical records, enabling easy access to health information for patients, doctors, and lab technicians while eliminating the need for carrying physical medical reports</a:t>
-            </a:r>
+              <a:t>:</a:t>
+            </a:r>
+            <a:br>
+              <a:rPr lang="en-US" sz="2000" dirty="0">
+                <a:latin typeface="Times New Roman" panose="02020603050405020304" pitchFamily="18" charset="0"/>
+                <a:cs typeface="Times New Roman" panose="02020603050405020304" pitchFamily="18" charset="0"/>
+              </a:rPr>
+            </a:br>
+            <a:r>
+              <a:rPr lang="en-US" sz="2000" b="1" dirty="0">
+                <a:latin typeface="Times New Roman" panose="02020603050405020304" pitchFamily="18" charset="0"/>
+                <a:cs typeface="Times New Roman" panose="02020603050405020304" pitchFamily="18" charset="0"/>
+              </a:rPr>
+              <a:t>Admin, Patient, Doctor, Nominee, and Lab Technician</a:t>
+            </a:r>
+            <a:r>
+              <a:rPr lang="en-US" sz="2000" dirty="0">
+                <a:latin typeface="Times New Roman" panose="02020603050405020304" pitchFamily="18" charset="0"/>
+                <a:cs typeface="Times New Roman" panose="02020603050405020304" pitchFamily="18" charset="0"/>
+              </a:rPr>
+              <a:t>.</a:t>
+            </a:r>
+          </a:p>
+          <a:p>
             <a:endParaRPr lang="en-IN" sz="2000" dirty="0">
               <a:latin typeface="Times New Roman" panose="02020603050405020304" pitchFamily="18" charset="0"/>
               <a:cs typeface="Times New Roman" panose="02020603050405020304" pitchFamily="18" charset="0"/>
@@ -9688,7 +9993,7 @@
     </p:spTree>
     <p:extLst>
       <p:ext uri="{BB962C8B-B14F-4D97-AF65-F5344CB8AC3E}">
-        <p14:creationId xmlns:p14="http://schemas.microsoft.com/office/powerpoint/2010/main" val="2545217266"/>
+        <p14:creationId xmlns:p14="http://schemas.microsoft.com/office/powerpoint/2010/main" val="2276017397"/>
       </p:ext>
     </p:extLst>
   </p:cSld>
@@ -9739,7 +10044,7 @@
           <a:p>
             <a:r>
               <a:rPr lang="en-US" dirty="0" smtClean="0"/>
-              <a:t>Objective</a:t>
+              <a:t>Aim</a:t>
             </a:r>
             <a:endParaRPr lang="en-IN" dirty="0"/>
           </a:p>
@@ -9747,652 +10052,60 @@
       </p:sp>
       <p:sp>
         <p:nvSpPr>
-          <p:cNvPr id="5" name="Rectangle 3"/>
-          <p:cNvSpPr>
-            <a:spLocks noGrp="1" noChangeArrowheads="1"/>
+          <p:cNvPr id="3" name="Content Placeholder 2"/>
+          <p:cNvSpPr>
+            <a:spLocks noGrp="1"/>
           </p:cNvSpPr>
           <p:nvPr>
             <p:ph idx="1"/>
           </p:nvPr>
         </p:nvSpPr>
-        <p:spPr bwMode="auto">
-          <a:xfrm>
-            <a:off x="1484312" y="2490164"/>
-            <a:ext cx="9436973" cy="3477875"/>
-          </a:xfrm>
-          <a:prstGeom prst="rect">
-            <a:avLst/>
-          </a:prstGeom>
-          <a:noFill/>
-          <a:ln>
-            <a:noFill/>
-          </a:ln>
-          <a:effectLst/>
-          <a:extLst>
-            <a:ext uri="{909E8E84-426E-40DD-AFC4-6F175D3DCCD1}">
-              <a14:hiddenFill xmlns:a14="http://schemas.microsoft.com/office/drawing/2010/main">
-                <a:solidFill>
-                  <a:schemeClr val="accent1"/>
-                </a:solidFill>
-              </a14:hiddenFill>
-            </a:ext>
-            <a:ext uri="{91240B29-F687-4F45-9708-019B960494DF}">
-              <a14:hiddenLine xmlns:a14="http://schemas.microsoft.com/office/drawing/2010/main" w="9525">
-                <a:solidFill>
-                  <a:schemeClr val="tx1"/>
-                </a:solidFill>
-                <a:miter lim="800000"/>
-                <a:headEnd/>
-                <a:tailEnd/>
-              </a14:hiddenLine>
-            </a:ext>
-            <a:ext uri="{AF507438-7753-43E0-B8FC-AC1667EBCBE1}">
-              <a14:hiddenEffects xmlns:a14="http://schemas.microsoft.com/office/drawing/2010/main">
-                <a:effectLst>
-                  <a:outerShdw dist="35921" dir="2700000" algn="ctr" rotWithShape="0">
-                    <a:schemeClr val="bg2"/>
-                  </a:outerShdw>
-                </a:effectLst>
-              </a14:hiddenEffects>
-            </a:ext>
-          </a:extLst>
-        </p:spPr>
-        <p:txBody>
-          <a:bodyPr vert="horz" wrap="square" lIns="91440" tIns="45720" rIns="91440" bIns="45720" numCol="1" anchor="ctr" anchorCtr="0" compatLnSpc="1">
-            <a:prstTxWarp prst="textNoShape">
-              <a:avLst/>
-            </a:prstTxWarp>
-            <a:spAutoFit/>
+        <p:spPr/>
+        <p:txBody>
+          <a:bodyPr>
+            <a:normAutofit/>
           </a:bodyPr>
           <a:lstStyle/>
           <a:p>
-            <a:pPr marL="0" marR="0" lvl="0" indent="0" algn="l" defTabSz="914400" rtl="0" eaLnBrk="0" fontAlgn="base" latinLnBrk="0" hangingPunct="0">
-              <a:lnSpc>
-                <a:spcPct val="100000"/>
-              </a:lnSpc>
-              <a:spcBef>
-                <a:spcPct val="0"/>
-              </a:spcBef>
-              <a:spcAft>
-                <a:spcPct val="0"/>
-              </a:spcAft>
-              <a:buClrTx/>
-              <a:buSzTx/>
-              <a:buFontTx/>
-              <a:buChar char="•"/>
-              <a:tabLst/>
-            </a:pPr>
-            <a:r>
-              <a:rPr kumimoji="0" lang="en-US" sz="2000" b="0" i="0" u="none" strike="noStrike" cap="none" normalizeH="0" baseline="0" dirty="0" smtClean="0">
-                <a:ln>
-                  <a:noFill/>
-                </a:ln>
-                <a:solidFill>
-                  <a:schemeClr val="tx1"/>
-                </a:solidFill>
-                <a:effectLst/>
-                <a:latin typeface="Times New Roman" panose="02020603050405020304" pitchFamily="18" charset="0"/>
-                <a:cs typeface="Times New Roman" panose="02020603050405020304" pitchFamily="18" charset="0"/>
-              </a:rPr>
-              <a:t>To develop a </a:t>
-            </a:r>
-            <a:r>
-              <a:rPr kumimoji="0" lang="en-US" sz="2000" b="1" i="0" u="none" strike="noStrike" cap="none" normalizeH="0" baseline="0" dirty="0" smtClean="0">
-                <a:ln>
-                  <a:noFill/>
-                </a:ln>
-                <a:solidFill>
-                  <a:schemeClr val="tx1"/>
-                </a:solidFill>
-                <a:effectLst/>
+            <a:r>
+              <a:rPr lang="en-US" sz="2000" dirty="0" smtClean="0">
+                <a:latin typeface="Times New Roman" panose="02020603050405020304" pitchFamily="18" charset="0"/>
+                <a:cs typeface="Times New Roman" panose="02020603050405020304" pitchFamily="18" charset="0"/>
+              </a:rPr>
+              <a:t>The </a:t>
+            </a:r>
+            <a:r>
+              <a:rPr lang="en-US" sz="2000" dirty="0">
+                <a:latin typeface="Times New Roman" panose="02020603050405020304" pitchFamily="18" charset="0"/>
+                <a:cs typeface="Times New Roman" panose="02020603050405020304" pitchFamily="18" charset="0"/>
+              </a:rPr>
+              <a:t>aim of the </a:t>
+            </a:r>
+            <a:r>
+              <a:rPr lang="en-US" sz="2000" b="1" dirty="0">
                 <a:latin typeface="Times New Roman" panose="02020603050405020304" pitchFamily="18" charset="0"/>
                 <a:cs typeface="Times New Roman" panose="02020603050405020304" pitchFamily="18" charset="0"/>
               </a:rPr>
               <a:t>Digital Health Card System</a:t>
             </a:r>
             <a:r>
-              <a:rPr kumimoji="0" lang="en-US" sz="2000" b="0" i="0" u="none" strike="noStrike" cap="none" normalizeH="0" baseline="0" dirty="0" smtClean="0">
-                <a:ln>
-                  <a:noFill/>
-                </a:ln>
-                <a:solidFill>
-                  <a:schemeClr val="tx1"/>
-                </a:solidFill>
-                <a:effectLst/>
-                <a:latin typeface="Times New Roman" panose="02020603050405020304" pitchFamily="18" charset="0"/>
-                <a:cs typeface="Times New Roman" panose="02020603050405020304" pitchFamily="18" charset="0"/>
-              </a:rPr>
-              <a:t> that allows patients to access medical records digitally.</a:t>
-            </a:r>
-          </a:p>
-          <a:p>
-            <a:pPr marL="0" marR="0" lvl="0" indent="0" algn="l" defTabSz="914400" rtl="0" eaLnBrk="0" fontAlgn="base" latinLnBrk="0" hangingPunct="0">
-              <a:lnSpc>
-                <a:spcPct val="100000"/>
-              </a:lnSpc>
-              <a:spcBef>
-                <a:spcPct val="0"/>
-              </a:spcBef>
-              <a:spcAft>
-                <a:spcPct val="0"/>
-              </a:spcAft>
-              <a:buClrTx/>
-              <a:buSzTx/>
-              <a:buFontTx/>
-              <a:buChar char="•"/>
-              <a:tabLst/>
-            </a:pPr>
-            <a:r>
-              <a:rPr kumimoji="0" lang="en-US" sz="2000" b="0" i="0" u="none" strike="noStrike" cap="none" normalizeH="0" baseline="0" dirty="0" smtClean="0">
-                <a:ln>
-                  <a:noFill/>
-                </a:ln>
-                <a:solidFill>
-                  <a:schemeClr val="tx1"/>
-                </a:solidFill>
-                <a:effectLst/>
-                <a:latin typeface="Times New Roman" panose="02020603050405020304" pitchFamily="18" charset="0"/>
-                <a:cs typeface="Times New Roman" panose="02020603050405020304" pitchFamily="18" charset="0"/>
-              </a:rPr>
-              <a:t>To eliminate the need for carrying </a:t>
-            </a:r>
-            <a:r>
-              <a:rPr kumimoji="0" lang="en-US" sz="2000" b="1" i="0" u="none" strike="noStrike" cap="none" normalizeH="0" baseline="0" dirty="0" smtClean="0">
-                <a:ln>
-                  <a:noFill/>
-                </a:ln>
-                <a:solidFill>
-                  <a:schemeClr val="tx1"/>
-                </a:solidFill>
-                <a:effectLst/>
-                <a:latin typeface="Times New Roman" panose="02020603050405020304" pitchFamily="18" charset="0"/>
-                <a:cs typeface="Times New Roman" panose="02020603050405020304" pitchFamily="18" charset="0"/>
-              </a:rPr>
-              <a:t>physical medical reports</a:t>
-            </a:r>
-            <a:r>
-              <a:rPr kumimoji="0" lang="en-US" sz="2000" b="0" i="0" u="none" strike="noStrike" cap="none" normalizeH="0" baseline="0" dirty="0" smtClean="0">
-                <a:ln>
-                  <a:noFill/>
-                </a:ln>
-                <a:solidFill>
-                  <a:schemeClr val="tx1"/>
-                </a:solidFill>
-                <a:effectLst/>
-                <a:latin typeface="Times New Roman" panose="02020603050405020304" pitchFamily="18" charset="0"/>
-                <a:cs typeface="Times New Roman" panose="02020603050405020304" pitchFamily="18" charset="0"/>
-              </a:rPr>
-              <a:t>.</a:t>
-            </a:r>
-          </a:p>
-          <a:p>
-            <a:pPr marL="0" marR="0" lvl="0" indent="0" algn="l" defTabSz="914400" rtl="0" eaLnBrk="0" fontAlgn="base" latinLnBrk="0" hangingPunct="0">
-              <a:lnSpc>
-                <a:spcPct val="100000"/>
-              </a:lnSpc>
-              <a:spcBef>
-                <a:spcPct val="0"/>
-              </a:spcBef>
-              <a:spcAft>
-                <a:spcPct val="0"/>
-              </a:spcAft>
-              <a:buClrTx/>
-              <a:buSzTx/>
-              <a:buFontTx/>
-              <a:buChar char="•"/>
-              <a:tabLst/>
-            </a:pPr>
-            <a:r>
-              <a:rPr kumimoji="0" lang="en-US" sz="2000" b="0" i="0" u="none" strike="noStrike" cap="none" normalizeH="0" baseline="0" dirty="0" smtClean="0">
-                <a:ln>
-                  <a:noFill/>
-                </a:ln>
-                <a:solidFill>
-                  <a:schemeClr val="tx1"/>
-                </a:solidFill>
-                <a:effectLst/>
-                <a:latin typeface="Times New Roman" panose="02020603050405020304" pitchFamily="18" charset="0"/>
-                <a:cs typeface="Times New Roman" panose="02020603050405020304" pitchFamily="18" charset="0"/>
-              </a:rPr>
-              <a:t>To implement </a:t>
-            </a:r>
-            <a:r>
-              <a:rPr kumimoji="0" lang="en-US" sz="2000" b="1" i="0" u="none" strike="noStrike" cap="none" normalizeH="0" baseline="0" dirty="0" err="1" smtClean="0">
-                <a:ln>
-                  <a:noFill/>
-                </a:ln>
-                <a:solidFill>
-                  <a:schemeClr val="tx1"/>
-                </a:solidFill>
-                <a:effectLst/>
-                <a:latin typeface="Times New Roman" panose="02020603050405020304" pitchFamily="18" charset="0"/>
-                <a:cs typeface="Times New Roman" panose="02020603050405020304" pitchFamily="18" charset="0"/>
-              </a:rPr>
-              <a:t>Aadhaar</a:t>
-            </a:r>
-            <a:r>
-              <a:rPr kumimoji="0" lang="en-US" sz="2000" b="1" i="0" u="none" strike="noStrike" cap="none" normalizeH="0" baseline="0" dirty="0" smtClean="0">
-                <a:ln>
-                  <a:noFill/>
-                </a:ln>
-                <a:solidFill>
-                  <a:schemeClr val="tx1"/>
-                </a:solidFill>
-                <a:effectLst/>
-                <a:latin typeface="Times New Roman" panose="02020603050405020304" pitchFamily="18" charset="0"/>
-                <a:cs typeface="Times New Roman" panose="02020603050405020304" pitchFamily="18" charset="0"/>
-              </a:rPr>
-              <a:t>-based authentication and OTP verification</a:t>
-            </a:r>
-            <a:r>
-              <a:rPr kumimoji="0" lang="en-US" sz="2000" b="0" i="0" u="none" strike="noStrike" cap="none" normalizeH="0" baseline="0" dirty="0" smtClean="0">
-                <a:ln>
-                  <a:noFill/>
-                </a:ln>
-                <a:solidFill>
-                  <a:schemeClr val="tx1"/>
-                </a:solidFill>
-                <a:effectLst/>
-                <a:latin typeface="Times New Roman" panose="02020603050405020304" pitchFamily="18" charset="0"/>
-                <a:cs typeface="Times New Roman" panose="02020603050405020304" pitchFamily="18" charset="0"/>
-              </a:rPr>
-              <a:t> for secure patient registration and login.</a:t>
-            </a:r>
-          </a:p>
-          <a:p>
-            <a:pPr marL="0" marR="0" lvl="0" indent="0" algn="l" defTabSz="914400" rtl="0" eaLnBrk="0" fontAlgn="base" latinLnBrk="0" hangingPunct="0">
-              <a:lnSpc>
-                <a:spcPct val="100000"/>
-              </a:lnSpc>
-              <a:spcBef>
-                <a:spcPct val="0"/>
-              </a:spcBef>
-              <a:spcAft>
-                <a:spcPct val="0"/>
-              </a:spcAft>
-              <a:buClrTx/>
-              <a:buSzTx/>
-              <a:buFontTx/>
-              <a:buChar char="•"/>
-              <a:tabLst/>
-            </a:pPr>
-            <a:r>
-              <a:rPr kumimoji="0" lang="en-US" sz="2000" b="0" i="0" u="none" strike="noStrike" cap="none" normalizeH="0" baseline="0" dirty="0" smtClean="0">
-                <a:ln>
-                  <a:noFill/>
-                </a:ln>
-                <a:solidFill>
-                  <a:schemeClr val="tx1"/>
-                </a:solidFill>
-                <a:effectLst/>
-                <a:latin typeface="Times New Roman" panose="02020603050405020304" pitchFamily="18" charset="0"/>
-                <a:cs typeface="Times New Roman" panose="02020603050405020304" pitchFamily="18" charset="0"/>
-              </a:rPr>
-              <a:t>To generate a </a:t>
-            </a:r>
-            <a:r>
-              <a:rPr kumimoji="0" lang="en-US" sz="2000" b="1" i="0" u="none" strike="noStrike" cap="none" normalizeH="0" baseline="0" dirty="0" smtClean="0">
-                <a:ln>
-                  <a:noFill/>
-                </a:ln>
-                <a:solidFill>
-                  <a:schemeClr val="tx1"/>
-                </a:solidFill>
-                <a:effectLst/>
-                <a:latin typeface="Times New Roman" panose="02020603050405020304" pitchFamily="18" charset="0"/>
-                <a:cs typeface="Times New Roman" panose="02020603050405020304" pitchFamily="18" charset="0"/>
-              </a:rPr>
-              <a:t>unique Health Card ID (HC + </a:t>
-            </a:r>
-            <a:r>
-              <a:rPr kumimoji="0" lang="en-US" sz="2000" b="1" i="0" u="none" strike="noStrike" cap="none" normalizeH="0" baseline="0" dirty="0" err="1" smtClean="0">
-                <a:ln>
-                  <a:noFill/>
-                </a:ln>
-                <a:solidFill>
-                  <a:schemeClr val="tx1"/>
-                </a:solidFill>
-                <a:effectLst/>
-                <a:latin typeface="Times New Roman" panose="02020603050405020304" pitchFamily="18" charset="0"/>
-                <a:cs typeface="Times New Roman" panose="02020603050405020304" pitchFamily="18" charset="0"/>
-              </a:rPr>
-              <a:t>Aadhaar</a:t>
-            </a:r>
-            <a:r>
-              <a:rPr kumimoji="0" lang="en-US" sz="2000" b="1" i="0" u="none" strike="noStrike" cap="none" normalizeH="0" baseline="0" dirty="0" smtClean="0">
-                <a:ln>
-                  <a:noFill/>
-                </a:ln>
-                <a:solidFill>
-                  <a:schemeClr val="tx1"/>
-                </a:solidFill>
-                <a:effectLst/>
-                <a:latin typeface="Times New Roman" panose="02020603050405020304" pitchFamily="18" charset="0"/>
-                <a:cs typeface="Times New Roman" panose="02020603050405020304" pitchFamily="18" charset="0"/>
-              </a:rPr>
-              <a:t> Number)</a:t>
-            </a:r>
-            <a:r>
-              <a:rPr kumimoji="0" lang="en-US" sz="2000" b="0" i="0" u="none" strike="noStrike" cap="none" normalizeH="0" baseline="0" dirty="0" smtClean="0">
-                <a:ln>
-                  <a:noFill/>
-                </a:ln>
-                <a:solidFill>
-                  <a:schemeClr val="tx1"/>
-                </a:solidFill>
-                <a:effectLst/>
-                <a:latin typeface="Times New Roman" panose="02020603050405020304" pitchFamily="18" charset="0"/>
-                <a:cs typeface="Times New Roman" panose="02020603050405020304" pitchFamily="18" charset="0"/>
-              </a:rPr>
-              <a:t> for each patient.</a:t>
-            </a:r>
-          </a:p>
-          <a:p>
-            <a:pPr marL="0" marR="0" lvl="0" indent="0" algn="l" defTabSz="914400" rtl="0" eaLnBrk="0" fontAlgn="base" latinLnBrk="0" hangingPunct="0">
-              <a:lnSpc>
-                <a:spcPct val="100000"/>
-              </a:lnSpc>
-              <a:spcBef>
-                <a:spcPct val="0"/>
-              </a:spcBef>
-              <a:spcAft>
-                <a:spcPct val="0"/>
-              </a:spcAft>
-              <a:buClrTx/>
-              <a:buSzTx/>
-              <a:buFontTx/>
-              <a:buChar char="•"/>
-              <a:tabLst/>
-            </a:pPr>
-            <a:r>
-              <a:rPr kumimoji="0" lang="en-US" sz="2000" b="0" i="0" u="none" strike="noStrike" cap="none" normalizeH="0" baseline="0" dirty="0" smtClean="0">
-                <a:ln>
-                  <a:noFill/>
-                </a:ln>
-                <a:solidFill>
-                  <a:schemeClr val="tx1"/>
-                </a:solidFill>
-                <a:effectLst/>
-                <a:latin typeface="Times New Roman" panose="02020603050405020304" pitchFamily="18" charset="0"/>
-                <a:cs typeface="Times New Roman" panose="02020603050405020304" pitchFamily="18" charset="0"/>
-              </a:rPr>
-              <a:t>To provide </a:t>
-            </a:r>
-            <a:r>
-              <a:rPr kumimoji="0" lang="en-US" sz="2000" b="1" i="0" u="none" strike="noStrike" cap="none" normalizeH="0" baseline="0" dirty="0" smtClean="0">
-                <a:ln>
-                  <a:noFill/>
-                </a:ln>
-                <a:solidFill>
-                  <a:schemeClr val="tx1"/>
-                </a:solidFill>
-                <a:effectLst/>
-                <a:latin typeface="Times New Roman" panose="02020603050405020304" pitchFamily="18" charset="0"/>
-                <a:cs typeface="Times New Roman" panose="02020603050405020304" pitchFamily="18" charset="0"/>
-              </a:rPr>
-              <a:t>role-based access</a:t>
-            </a:r>
-            <a:r>
-              <a:rPr kumimoji="0" lang="en-US" sz="2000" b="0" i="0" u="none" strike="noStrike" cap="none" normalizeH="0" baseline="0" dirty="0" smtClean="0">
-                <a:ln>
-                  <a:noFill/>
-                </a:ln>
-                <a:solidFill>
-                  <a:schemeClr val="tx1"/>
-                </a:solidFill>
-                <a:effectLst/>
-                <a:latin typeface="Times New Roman" panose="02020603050405020304" pitchFamily="18" charset="0"/>
-                <a:cs typeface="Times New Roman" panose="02020603050405020304" pitchFamily="18" charset="0"/>
-              </a:rPr>
-              <a:t> for Admin, Patient, Doctor, Lab Technician, and Nominee.</a:t>
-            </a:r>
-          </a:p>
-          <a:p>
-            <a:pPr marL="0" marR="0" lvl="0" indent="0" algn="l" defTabSz="914400" rtl="0" eaLnBrk="0" fontAlgn="base" latinLnBrk="0" hangingPunct="0">
-              <a:lnSpc>
-                <a:spcPct val="100000"/>
-              </a:lnSpc>
-              <a:spcBef>
-                <a:spcPct val="0"/>
-              </a:spcBef>
-              <a:spcAft>
-                <a:spcPct val="0"/>
-              </a:spcAft>
-              <a:buClrTx/>
-              <a:buSzTx/>
-              <a:buFontTx/>
-              <a:buChar char="•"/>
-              <a:tabLst/>
-            </a:pPr>
-            <a:r>
-              <a:rPr kumimoji="0" lang="en-US" sz="2000" b="0" i="0" u="none" strike="noStrike" cap="none" normalizeH="0" baseline="0" dirty="0" smtClean="0">
-                <a:ln>
-                  <a:noFill/>
-                </a:ln>
-                <a:solidFill>
-                  <a:schemeClr val="tx1"/>
-                </a:solidFill>
-                <a:effectLst/>
-                <a:latin typeface="Times New Roman" panose="02020603050405020304" pitchFamily="18" charset="0"/>
-                <a:cs typeface="Times New Roman" panose="02020603050405020304" pitchFamily="18" charset="0"/>
-              </a:rPr>
-              <a:t>To ensure </a:t>
-            </a:r>
-            <a:r>
-              <a:rPr kumimoji="0" lang="en-US" sz="2000" b="1" i="0" u="none" strike="noStrike" cap="none" normalizeH="0" baseline="0" dirty="0" smtClean="0">
-                <a:ln>
-                  <a:noFill/>
-                </a:ln>
-                <a:solidFill>
-                  <a:schemeClr val="tx1"/>
-                </a:solidFill>
-                <a:effectLst/>
-                <a:latin typeface="Times New Roman" panose="02020603050405020304" pitchFamily="18" charset="0"/>
-                <a:cs typeface="Times New Roman" panose="02020603050405020304" pitchFamily="18" charset="0"/>
-              </a:rPr>
-              <a:t>admin verification</a:t>
-            </a:r>
-            <a:r>
-              <a:rPr kumimoji="0" lang="en-US" sz="2000" b="0" i="0" u="none" strike="noStrike" cap="none" normalizeH="0" baseline="0" dirty="0" smtClean="0">
-                <a:ln>
-                  <a:noFill/>
-                </a:ln>
-                <a:solidFill>
-                  <a:schemeClr val="tx1"/>
-                </a:solidFill>
-                <a:effectLst/>
-                <a:latin typeface="Times New Roman" panose="02020603050405020304" pitchFamily="18" charset="0"/>
-                <a:cs typeface="Times New Roman" panose="02020603050405020304" pitchFamily="18" charset="0"/>
-              </a:rPr>
-              <a:t> of doctors and lab technicians before system access.</a:t>
-            </a:r>
-          </a:p>
-          <a:p>
-            <a:pPr marL="0" marR="0" lvl="0" indent="0" algn="l" defTabSz="914400" rtl="0" eaLnBrk="0" fontAlgn="base" latinLnBrk="0" hangingPunct="0">
-              <a:lnSpc>
-                <a:spcPct val="100000"/>
-              </a:lnSpc>
-              <a:spcBef>
-                <a:spcPct val="0"/>
-              </a:spcBef>
-              <a:spcAft>
-                <a:spcPct val="0"/>
-              </a:spcAft>
-              <a:buClrTx/>
-              <a:buSzTx/>
-              <a:buFontTx/>
-              <a:buChar char="•"/>
-              <a:tabLst/>
-            </a:pPr>
-            <a:r>
-              <a:rPr kumimoji="0" lang="en-US" sz="2000" b="0" i="0" u="none" strike="noStrike" cap="none" normalizeH="0" baseline="0" dirty="0" smtClean="0">
-                <a:ln>
-                  <a:noFill/>
-                </a:ln>
-                <a:solidFill>
-                  <a:schemeClr val="tx1"/>
-                </a:solidFill>
-                <a:effectLst/>
-                <a:latin typeface="Times New Roman" panose="02020603050405020304" pitchFamily="18" charset="0"/>
-                <a:cs typeface="Times New Roman" panose="02020603050405020304" pitchFamily="18" charset="0"/>
-              </a:rPr>
-              <a:t>To allow doctors and lab technicians to </a:t>
-            </a:r>
-            <a:r>
-              <a:rPr kumimoji="0" lang="en-US" sz="2000" b="1" i="0" u="none" strike="noStrike" cap="none" normalizeH="0" baseline="0" dirty="0" smtClean="0">
-                <a:ln>
-                  <a:noFill/>
-                </a:ln>
-                <a:solidFill>
-                  <a:schemeClr val="tx1"/>
-                </a:solidFill>
-                <a:effectLst/>
-                <a:latin typeface="Times New Roman" panose="02020603050405020304" pitchFamily="18" charset="0"/>
-                <a:cs typeface="Times New Roman" panose="02020603050405020304" pitchFamily="18" charset="0"/>
-              </a:rPr>
-              <a:t>upload and manage medical reports digitally</a:t>
-            </a:r>
-            <a:r>
-              <a:rPr kumimoji="0" lang="en-US" sz="2000" b="0" i="0" u="none" strike="noStrike" cap="none" normalizeH="0" baseline="0" dirty="0" smtClean="0">
-                <a:ln>
-                  <a:noFill/>
-                </a:ln>
-                <a:solidFill>
-                  <a:schemeClr val="tx1"/>
-                </a:solidFill>
-                <a:effectLst/>
-                <a:latin typeface="Times New Roman" panose="02020603050405020304" pitchFamily="18" charset="0"/>
-                <a:cs typeface="Times New Roman" panose="02020603050405020304" pitchFamily="18" charset="0"/>
-              </a:rPr>
-              <a:t>.</a:t>
-            </a:r>
-          </a:p>
-          <a:p>
-            <a:pPr marL="0" marR="0" lvl="0" indent="0" algn="l" defTabSz="914400" rtl="0" eaLnBrk="0" fontAlgn="base" latinLnBrk="0" hangingPunct="0">
-              <a:lnSpc>
-                <a:spcPct val="100000"/>
-              </a:lnSpc>
-              <a:spcBef>
-                <a:spcPct val="0"/>
-              </a:spcBef>
-              <a:spcAft>
-                <a:spcPct val="0"/>
-              </a:spcAft>
-              <a:buClrTx/>
-              <a:buSzTx/>
-              <a:buFontTx/>
-              <a:buChar char="•"/>
-              <a:tabLst/>
-            </a:pPr>
-            <a:r>
-              <a:rPr kumimoji="0" lang="en-US" sz="2000" b="0" i="0" u="none" strike="noStrike" cap="none" normalizeH="0" baseline="0" dirty="0" smtClean="0">
-                <a:ln>
-                  <a:noFill/>
-                </a:ln>
-                <a:solidFill>
-                  <a:schemeClr val="tx1"/>
-                </a:solidFill>
-                <a:effectLst/>
-                <a:latin typeface="Times New Roman" panose="02020603050405020304" pitchFamily="18" charset="0"/>
-                <a:cs typeface="Times New Roman" panose="02020603050405020304" pitchFamily="18" charset="0"/>
-              </a:rPr>
-              <a:t>To provide </a:t>
-            </a:r>
-            <a:r>
-              <a:rPr kumimoji="0" lang="en-US" sz="2000" b="1" i="0" u="none" strike="noStrike" cap="none" normalizeH="0" baseline="0" dirty="0" smtClean="0">
-                <a:ln>
-                  <a:noFill/>
-                </a:ln>
-                <a:solidFill>
-                  <a:schemeClr val="tx1"/>
-                </a:solidFill>
-                <a:effectLst/>
-                <a:latin typeface="Times New Roman" panose="02020603050405020304" pitchFamily="18" charset="0"/>
-                <a:cs typeface="Times New Roman" panose="02020603050405020304" pitchFamily="18" charset="0"/>
-              </a:rPr>
-              <a:t>patient consent-based access</a:t>
-            </a:r>
-            <a:r>
-              <a:rPr kumimoji="0" lang="en-US" sz="2000" b="0" i="0" u="none" strike="noStrike" cap="none" normalizeH="0" baseline="0" dirty="0" smtClean="0">
-                <a:ln>
-                  <a:noFill/>
-                </a:ln>
-                <a:solidFill>
-                  <a:schemeClr val="tx1"/>
-                </a:solidFill>
-                <a:effectLst/>
-                <a:latin typeface="Times New Roman" panose="02020603050405020304" pitchFamily="18" charset="0"/>
-                <a:cs typeface="Times New Roman" panose="02020603050405020304" pitchFamily="18" charset="0"/>
-              </a:rPr>
-              <a:t> to doctors for viewing medical records.</a:t>
-            </a:r>
-          </a:p>
-          <a:p>
-            <a:pPr marL="0" marR="0" lvl="0" indent="0" algn="l" defTabSz="914400" rtl="0" eaLnBrk="0" fontAlgn="base" latinLnBrk="0" hangingPunct="0">
-              <a:lnSpc>
-                <a:spcPct val="100000"/>
-              </a:lnSpc>
-              <a:spcBef>
-                <a:spcPct val="0"/>
-              </a:spcBef>
-              <a:spcAft>
-                <a:spcPct val="0"/>
-              </a:spcAft>
-              <a:buClrTx/>
-              <a:buSzTx/>
-              <a:buFontTx/>
-              <a:buChar char="•"/>
-              <a:tabLst/>
-            </a:pPr>
-            <a:r>
-              <a:rPr kumimoji="0" lang="en-US" sz="2000" b="0" i="0" u="none" strike="noStrike" cap="none" normalizeH="0" baseline="0" dirty="0" smtClean="0">
-                <a:ln>
-                  <a:noFill/>
-                </a:ln>
-                <a:solidFill>
-                  <a:schemeClr val="tx1"/>
-                </a:solidFill>
-                <a:effectLst/>
-                <a:latin typeface="Times New Roman" panose="02020603050405020304" pitchFamily="18" charset="0"/>
-                <a:cs typeface="Times New Roman" panose="02020603050405020304" pitchFamily="18" charset="0"/>
-              </a:rPr>
-              <a:t>To support </a:t>
-            </a:r>
-            <a:r>
-              <a:rPr kumimoji="0" lang="en-US" sz="2000" b="1" i="0" u="none" strike="noStrike" cap="none" normalizeH="0" baseline="0" dirty="0" smtClean="0">
-                <a:ln>
-                  <a:noFill/>
-                </a:ln>
-                <a:solidFill>
-                  <a:schemeClr val="tx1"/>
-                </a:solidFill>
-                <a:effectLst/>
-                <a:latin typeface="Times New Roman" panose="02020603050405020304" pitchFamily="18" charset="0"/>
-                <a:cs typeface="Times New Roman" panose="02020603050405020304" pitchFamily="18" charset="0"/>
-              </a:rPr>
-              <a:t>emergency access</a:t>
-            </a:r>
-            <a:r>
-              <a:rPr kumimoji="0" lang="en-US" sz="2000" b="0" i="0" u="none" strike="noStrike" cap="none" normalizeH="0" baseline="0" dirty="0" smtClean="0">
-                <a:ln>
-                  <a:noFill/>
-                </a:ln>
-                <a:solidFill>
-                  <a:schemeClr val="tx1"/>
-                </a:solidFill>
-                <a:effectLst/>
-                <a:latin typeface="Times New Roman" panose="02020603050405020304" pitchFamily="18" charset="0"/>
-                <a:cs typeface="Times New Roman" panose="02020603050405020304" pitchFamily="18" charset="0"/>
-              </a:rPr>
-              <a:t> through nominee authorization.</a:t>
-            </a:r>
+              <a:rPr lang="en-US" sz="2000" dirty="0">
+                <a:latin typeface="Times New Roman" panose="02020603050405020304" pitchFamily="18" charset="0"/>
+                <a:cs typeface="Times New Roman" panose="02020603050405020304" pitchFamily="18" charset="0"/>
+              </a:rPr>
+              <a:t> is to provide a secure, centralized, and digital platform for managing patient medical records, enabling easy access to health information for patients, doctors, and lab technicians while eliminating the need for carrying physical medical reports</a:t>
+            </a:r>
+            <a:endParaRPr lang="en-IN" sz="2000" dirty="0">
+              <a:latin typeface="Times New Roman" panose="02020603050405020304" pitchFamily="18" charset="0"/>
+              <a:cs typeface="Times New Roman" panose="02020603050405020304" pitchFamily="18" charset="0"/>
+            </a:endParaRPr>
           </a:p>
         </p:txBody>
       </p:sp>
     </p:spTree>
     <p:extLst>
       <p:ext uri="{BB962C8B-B14F-4D97-AF65-F5344CB8AC3E}">
-        <p14:creationId xmlns:p14="http://schemas.microsoft.com/office/powerpoint/2010/main" val="3686323613"/>
+        <p14:creationId xmlns:p14="http://schemas.microsoft.com/office/powerpoint/2010/main" val="2545217266"/>
       </p:ext>
     </p:extLst>
   </p:cSld>
@@ -10442,111 +10155,529 @@
           <a:lstStyle/>
           <a:p>
             <a:r>
-              <a:rPr lang="en-IN" dirty="0"/>
-              <a:t>Scope of the Project</a:t>
-            </a:r>
-          </a:p>
-        </p:txBody>
-      </p:sp>
-      <p:sp>
-        <p:nvSpPr>
-          <p:cNvPr id="3" name="Content Placeholder 2"/>
-          <p:cNvSpPr>
-            <a:spLocks noGrp="1"/>
+              <a:rPr lang="en-US" dirty="0" smtClean="0"/>
+              <a:t>Objective</a:t>
+            </a:r>
+            <a:endParaRPr lang="en-IN" dirty="0"/>
+          </a:p>
+        </p:txBody>
+      </p:sp>
+      <p:sp>
+        <p:nvSpPr>
+          <p:cNvPr id="5" name="Rectangle 3"/>
+          <p:cNvSpPr>
+            <a:spLocks noGrp="1" noChangeArrowheads="1"/>
           </p:cNvSpPr>
           <p:nvPr>
             <p:ph idx="1"/>
           </p:nvPr>
         </p:nvSpPr>
-        <p:spPr>
+        <p:spPr bwMode="auto">
           <a:xfrm>
-            <a:off x="1484311" y="3040486"/>
-            <a:ext cx="10018713" cy="3124201"/>
+            <a:off x="1484312" y="2490164"/>
+            <a:ext cx="9436973" cy="3477875"/>
           </a:xfrm>
+          <a:prstGeom prst="rect">
+            <a:avLst/>
+          </a:prstGeom>
+          <a:noFill/>
+          <a:ln>
+            <a:noFill/>
+          </a:ln>
+          <a:effectLst/>
+          <a:extLst>
+            <a:ext uri="{909E8E84-426E-40DD-AFC4-6F175D3DCCD1}">
+              <a14:hiddenFill xmlns:a14="http://schemas.microsoft.com/office/drawing/2010/main">
+                <a:solidFill>
+                  <a:schemeClr val="accent1"/>
+                </a:solidFill>
+              </a14:hiddenFill>
+            </a:ext>
+            <a:ext uri="{91240B29-F687-4F45-9708-019B960494DF}">
+              <a14:hiddenLine xmlns:a14="http://schemas.microsoft.com/office/drawing/2010/main" w="9525">
+                <a:solidFill>
+                  <a:schemeClr val="tx1"/>
+                </a:solidFill>
+                <a:miter lim="800000"/>
+                <a:headEnd/>
+                <a:tailEnd/>
+              </a14:hiddenLine>
+            </a:ext>
+            <a:ext uri="{AF507438-7753-43E0-B8FC-AC1667EBCBE1}">
+              <a14:hiddenEffects xmlns:a14="http://schemas.microsoft.com/office/drawing/2010/main">
+                <a:effectLst>
+                  <a:outerShdw dist="35921" dir="2700000" algn="ctr" rotWithShape="0">
+                    <a:schemeClr val="bg2"/>
+                  </a:outerShdw>
+                </a:effectLst>
+              </a14:hiddenEffects>
+            </a:ext>
+          </a:extLst>
         </p:spPr>
         <p:txBody>
-          <a:bodyPr>
-            <a:noAutofit/>
+          <a:bodyPr vert="horz" wrap="square" lIns="91440" tIns="45720" rIns="91440" bIns="45720" numCol="1" anchor="ctr" anchorCtr="0" compatLnSpc="1">
+            <a:prstTxWarp prst="textNoShape">
+              <a:avLst/>
+            </a:prstTxWarp>
+            <a:spAutoFit/>
           </a:bodyPr>
           <a:lstStyle/>
           <a:p>
-            <a:r>
-              <a:rPr lang="en-US" sz="2000" dirty="0">
-                <a:latin typeface="Times New Roman" panose="02020603050405020304" pitchFamily="18" charset="0"/>
-                <a:cs typeface="Times New Roman" panose="02020603050405020304" pitchFamily="18" charset="0"/>
-              </a:rPr>
-              <a:t>The scope of the Digital Health Card System includes:</a:t>
-            </a:r>
-          </a:p>
-          <a:p>
-            <a:r>
-              <a:rPr lang="en-US" sz="2000" dirty="0">
-                <a:latin typeface="Times New Roman" panose="02020603050405020304" pitchFamily="18" charset="0"/>
-                <a:cs typeface="Times New Roman" panose="02020603050405020304" pitchFamily="18" charset="0"/>
-              </a:rPr>
-              <a:t>Secure storage and management of patient health records.</a:t>
-            </a:r>
-          </a:p>
-          <a:p>
-            <a:r>
-              <a:rPr lang="en-US" sz="2000" dirty="0" err="1">
+            <a:pPr marL="0" marR="0" lvl="0" indent="0" algn="l" defTabSz="914400" rtl="0" eaLnBrk="0" fontAlgn="base" latinLnBrk="0" hangingPunct="0">
+              <a:lnSpc>
+                <a:spcPct val="100000"/>
+              </a:lnSpc>
+              <a:spcBef>
+                <a:spcPct val="0"/>
+              </a:spcBef>
+              <a:spcAft>
+                <a:spcPct val="0"/>
+              </a:spcAft>
+              <a:buClrTx/>
+              <a:buSzTx/>
+              <a:buFontTx/>
+              <a:buChar char="•"/>
+              <a:tabLst/>
+            </a:pPr>
+            <a:r>
+              <a:rPr kumimoji="0" lang="en-US" sz="2000" b="0" i="0" u="none" strike="noStrike" cap="none" normalizeH="0" baseline="0" dirty="0" smtClean="0">
+                <a:ln>
+                  <a:noFill/>
+                </a:ln>
+                <a:solidFill>
+                  <a:schemeClr val="tx1"/>
+                </a:solidFill>
+                <a:effectLst/>
+                <a:latin typeface="Times New Roman" panose="02020603050405020304" pitchFamily="18" charset="0"/>
+                <a:cs typeface="Times New Roman" panose="02020603050405020304" pitchFamily="18" charset="0"/>
+              </a:rPr>
+              <a:t>To develop a </a:t>
+            </a:r>
+            <a:r>
+              <a:rPr kumimoji="0" lang="en-US" sz="2000" b="1" i="0" u="none" strike="noStrike" cap="none" normalizeH="0" baseline="0" dirty="0" smtClean="0">
+                <a:ln>
+                  <a:noFill/>
+                </a:ln>
+                <a:solidFill>
+                  <a:schemeClr val="tx1"/>
+                </a:solidFill>
+                <a:effectLst/>
+                <a:latin typeface="Times New Roman" panose="02020603050405020304" pitchFamily="18" charset="0"/>
+                <a:cs typeface="Times New Roman" panose="02020603050405020304" pitchFamily="18" charset="0"/>
+              </a:rPr>
+              <a:t>Digital Health Card System</a:t>
+            </a:r>
+            <a:r>
+              <a:rPr kumimoji="0" lang="en-US" sz="2000" b="0" i="0" u="none" strike="noStrike" cap="none" normalizeH="0" baseline="0" dirty="0" smtClean="0">
+                <a:ln>
+                  <a:noFill/>
+                </a:ln>
+                <a:solidFill>
+                  <a:schemeClr val="tx1"/>
+                </a:solidFill>
+                <a:effectLst/>
+                <a:latin typeface="Times New Roman" panose="02020603050405020304" pitchFamily="18" charset="0"/>
+                <a:cs typeface="Times New Roman" panose="02020603050405020304" pitchFamily="18" charset="0"/>
+              </a:rPr>
+              <a:t> that allows patients to access medical records digitally.</a:t>
+            </a:r>
+          </a:p>
+          <a:p>
+            <a:pPr marL="0" marR="0" lvl="0" indent="0" algn="l" defTabSz="914400" rtl="0" eaLnBrk="0" fontAlgn="base" latinLnBrk="0" hangingPunct="0">
+              <a:lnSpc>
+                <a:spcPct val="100000"/>
+              </a:lnSpc>
+              <a:spcBef>
+                <a:spcPct val="0"/>
+              </a:spcBef>
+              <a:spcAft>
+                <a:spcPct val="0"/>
+              </a:spcAft>
+              <a:buClrTx/>
+              <a:buSzTx/>
+              <a:buFontTx/>
+              <a:buChar char="•"/>
+              <a:tabLst/>
+            </a:pPr>
+            <a:r>
+              <a:rPr kumimoji="0" lang="en-US" sz="2000" b="0" i="0" u="none" strike="noStrike" cap="none" normalizeH="0" baseline="0" dirty="0" smtClean="0">
+                <a:ln>
+                  <a:noFill/>
+                </a:ln>
+                <a:solidFill>
+                  <a:schemeClr val="tx1"/>
+                </a:solidFill>
+                <a:effectLst/>
+                <a:latin typeface="Times New Roman" panose="02020603050405020304" pitchFamily="18" charset="0"/>
+                <a:cs typeface="Times New Roman" panose="02020603050405020304" pitchFamily="18" charset="0"/>
+              </a:rPr>
+              <a:t>To eliminate the need for carrying </a:t>
+            </a:r>
+            <a:r>
+              <a:rPr kumimoji="0" lang="en-US" sz="2000" b="1" i="0" u="none" strike="noStrike" cap="none" normalizeH="0" baseline="0" dirty="0" smtClean="0">
+                <a:ln>
+                  <a:noFill/>
+                </a:ln>
+                <a:solidFill>
+                  <a:schemeClr val="tx1"/>
+                </a:solidFill>
+                <a:effectLst/>
+                <a:latin typeface="Times New Roman" panose="02020603050405020304" pitchFamily="18" charset="0"/>
+                <a:cs typeface="Times New Roman" panose="02020603050405020304" pitchFamily="18" charset="0"/>
+              </a:rPr>
+              <a:t>physical medical reports</a:t>
+            </a:r>
+            <a:r>
+              <a:rPr kumimoji="0" lang="en-US" sz="2000" b="0" i="0" u="none" strike="noStrike" cap="none" normalizeH="0" baseline="0" dirty="0" smtClean="0">
+                <a:ln>
+                  <a:noFill/>
+                </a:ln>
+                <a:solidFill>
+                  <a:schemeClr val="tx1"/>
+                </a:solidFill>
+                <a:effectLst/>
+                <a:latin typeface="Times New Roman" panose="02020603050405020304" pitchFamily="18" charset="0"/>
+                <a:cs typeface="Times New Roman" panose="02020603050405020304" pitchFamily="18" charset="0"/>
+              </a:rPr>
+              <a:t>.</a:t>
+            </a:r>
+          </a:p>
+          <a:p>
+            <a:pPr marL="0" marR="0" lvl="0" indent="0" algn="l" defTabSz="914400" rtl="0" eaLnBrk="0" fontAlgn="base" latinLnBrk="0" hangingPunct="0">
+              <a:lnSpc>
+                <a:spcPct val="100000"/>
+              </a:lnSpc>
+              <a:spcBef>
+                <a:spcPct val="0"/>
+              </a:spcBef>
+              <a:spcAft>
+                <a:spcPct val="0"/>
+              </a:spcAft>
+              <a:buClrTx/>
+              <a:buSzTx/>
+              <a:buFontTx/>
+              <a:buChar char="•"/>
+              <a:tabLst/>
+            </a:pPr>
+            <a:r>
+              <a:rPr kumimoji="0" lang="en-US" sz="2000" b="0" i="0" u="none" strike="noStrike" cap="none" normalizeH="0" baseline="0" dirty="0" smtClean="0">
+                <a:ln>
+                  <a:noFill/>
+                </a:ln>
+                <a:solidFill>
+                  <a:schemeClr val="tx1"/>
+                </a:solidFill>
+                <a:effectLst/>
+                <a:latin typeface="Times New Roman" panose="02020603050405020304" pitchFamily="18" charset="0"/>
+                <a:cs typeface="Times New Roman" panose="02020603050405020304" pitchFamily="18" charset="0"/>
+              </a:rPr>
+              <a:t>To implement </a:t>
+            </a:r>
+            <a:r>
+              <a:rPr kumimoji="0" lang="en-US" sz="2000" b="1" i="0" u="none" strike="noStrike" cap="none" normalizeH="0" baseline="0" dirty="0" err="1" smtClean="0">
+                <a:ln>
+                  <a:noFill/>
+                </a:ln>
+                <a:solidFill>
+                  <a:schemeClr val="tx1"/>
+                </a:solidFill>
+                <a:effectLst/>
                 <a:latin typeface="Times New Roman" panose="02020603050405020304" pitchFamily="18" charset="0"/>
                 <a:cs typeface="Times New Roman" panose="02020603050405020304" pitchFamily="18" charset="0"/>
               </a:rPr>
               <a:t>Aadhaar</a:t>
             </a:r>
             <a:r>
-              <a:rPr lang="en-US" sz="2000" dirty="0">
-                <a:latin typeface="Times New Roman" panose="02020603050405020304" pitchFamily="18" charset="0"/>
-                <a:cs typeface="Times New Roman" panose="02020603050405020304" pitchFamily="18" charset="0"/>
-              </a:rPr>
-              <a:t>-based patient identity verification.</a:t>
-            </a:r>
-          </a:p>
-          <a:p>
-            <a:r>
-              <a:rPr lang="en-US" sz="2000" dirty="0">
-                <a:latin typeface="Times New Roman" panose="02020603050405020304" pitchFamily="18" charset="0"/>
-                <a:cs typeface="Times New Roman" panose="02020603050405020304" pitchFamily="18" charset="0"/>
-              </a:rPr>
-              <a:t>Digital access to prescriptions, lab reports, and medical history.</a:t>
-            </a:r>
-          </a:p>
-          <a:p>
-            <a:r>
-              <a:rPr lang="en-US" sz="2000" dirty="0">
-                <a:latin typeface="Times New Roman" panose="02020603050405020304" pitchFamily="18" charset="0"/>
-                <a:cs typeface="Times New Roman" panose="02020603050405020304" pitchFamily="18" charset="0"/>
-              </a:rPr>
-              <a:t>Admin-controlled verification of healthcare professionals.</a:t>
-            </a:r>
-          </a:p>
-          <a:p>
-            <a:r>
-              <a:rPr lang="en-US" sz="2000" dirty="0">
-                <a:latin typeface="Times New Roman" panose="02020603050405020304" pitchFamily="18" charset="0"/>
-                <a:cs typeface="Times New Roman" panose="02020603050405020304" pitchFamily="18" charset="0"/>
-              </a:rPr>
-              <a:t>Consent-based and emergency access mechanisms.</a:t>
-            </a:r>
-          </a:p>
-          <a:p>
-            <a:r>
-              <a:rPr lang="en-US" sz="2000" dirty="0">
-                <a:latin typeface="Times New Roman" panose="02020603050405020304" pitchFamily="18" charset="0"/>
-                <a:cs typeface="Times New Roman" panose="02020603050405020304" pitchFamily="18" charset="0"/>
-              </a:rPr>
-              <a:t>The system is designed for </a:t>
-            </a:r>
-            <a:r>
-              <a:rPr lang="en-US" sz="2000" b="1" dirty="0">
-                <a:latin typeface="Times New Roman" panose="02020603050405020304" pitchFamily="18" charset="0"/>
-                <a:cs typeface="Times New Roman" panose="02020603050405020304" pitchFamily="18" charset="0"/>
-              </a:rPr>
-              <a:t>hospitals, clinics, diagnostic labs, and patients</a:t>
-            </a:r>
-            <a:r>
-              <a:rPr lang="en-US" sz="2000" dirty="0">
+              <a:rPr kumimoji="0" lang="en-US" sz="2000" b="1" i="0" u="none" strike="noStrike" cap="none" normalizeH="0" baseline="0" dirty="0" smtClean="0">
+                <a:ln>
+                  <a:noFill/>
+                </a:ln>
+                <a:solidFill>
+                  <a:schemeClr val="tx1"/>
+                </a:solidFill>
+                <a:effectLst/>
+                <a:latin typeface="Times New Roman" panose="02020603050405020304" pitchFamily="18" charset="0"/>
+                <a:cs typeface="Times New Roman" panose="02020603050405020304" pitchFamily="18" charset="0"/>
+              </a:rPr>
+              <a:t>-based authentication and OTP verification</a:t>
+            </a:r>
+            <a:r>
+              <a:rPr kumimoji="0" lang="en-US" sz="2000" b="0" i="0" u="none" strike="noStrike" cap="none" normalizeH="0" baseline="0" dirty="0" smtClean="0">
+                <a:ln>
+                  <a:noFill/>
+                </a:ln>
+                <a:solidFill>
+                  <a:schemeClr val="tx1"/>
+                </a:solidFill>
+                <a:effectLst/>
+                <a:latin typeface="Times New Roman" panose="02020603050405020304" pitchFamily="18" charset="0"/>
+                <a:cs typeface="Times New Roman" panose="02020603050405020304" pitchFamily="18" charset="0"/>
+              </a:rPr>
+              <a:t> for secure patient registration and login.</a:t>
+            </a:r>
+          </a:p>
+          <a:p>
+            <a:pPr marL="0" marR="0" lvl="0" indent="0" algn="l" defTabSz="914400" rtl="0" eaLnBrk="0" fontAlgn="base" latinLnBrk="0" hangingPunct="0">
+              <a:lnSpc>
+                <a:spcPct val="100000"/>
+              </a:lnSpc>
+              <a:spcBef>
+                <a:spcPct val="0"/>
+              </a:spcBef>
+              <a:spcAft>
+                <a:spcPct val="0"/>
+              </a:spcAft>
+              <a:buClrTx/>
+              <a:buSzTx/>
+              <a:buFontTx/>
+              <a:buChar char="•"/>
+              <a:tabLst/>
+            </a:pPr>
+            <a:r>
+              <a:rPr kumimoji="0" lang="en-US" sz="2000" b="0" i="0" u="none" strike="noStrike" cap="none" normalizeH="0" baseline="0" dirty="0" smtClean="0">
+                <a:ln>
+                  <a:noFill/>
+                </a:ln>
+                <a:solidFill>
+                  <a:schemeClr val="tx1"/>
+                </a:solidFill>
+                <a:effectLst/>
+                <a:latin typeface="Times New Roman" panose="02020603050405020304" pitchFamily="18" charset="0"/>
+                <a:cs typeface="Times New Roman" panose="02020603050405020304" pitchFamily="18" charset="0"/>
+              </a:rPr>
+              <a:t>To generate a </a:t>
+            </a:r>
+            <a:r>
+              <a:rPr kumimoji="0" lang="en-US" sz="2000" b="1" i="0" u="none" strike="noStrike" cap="none" normalizeH="0" baseline="0" dirty="0" smtClean="0">
+                <a:ln>
+                  <a:noFill/>
+                </a:ln>
+                <a:solidFill>
+                  <a:schemeClr val="tx1"/>
+                </a:solidFill>
+                <a:effectLst/>
+                <a:latin typeface="Times New Roman" panose="02020603050405020304" pitchFamily="18" charset="0"/>
+                <a:cs typeface="Times New Roman" panose="02020603050405020304" pitchFamily="18" charset="0"/>
+              </a:rPr>
+              <a:t>unique Health Card ID (HC + </a:t>
+            </a:r>
+            <a:r>
+              <a:rPr kumimoji="0" lang="en-US" sz="2000" b="1" i="0" u="none" strike="noStrike" cap="none" normalizeH="0" baseline="0" dirty="0" err="1" smtClean="0">
+                <a:ln>
+                  <a:noFill/>
+                </a:ln>
+                <a:solidFill>
+                  <a:schemeClr val="tx1"/>
+                </a:solidFill>
+                <a:effectLst/>
+                <a:latin typeface="Times New Roman" panose="02020603050405020304" pitchFamily="18" charset="0"/>
+                <a:cs typeface="Times New Roman" panose="02020603050405020304" pitchFamily="18" charset="0"/>
+              </a:rPr>
+              <a:t>Aadhaar</a:t>
+            </a:r>
+            <a:r>
+              <a:rPr kumimoji="0" lang="en-US" sz="2000" b="1" i="0" u="none" strike="noStrike" cap="none" normalizeH="0" baseline="0" dirty="0" smtClean="0">
+                <a:ln>
+                  <a:noFill/>
+                </a:ln>
+                <a:solidFill>
+                  <a:schemeClr val="tx1"/>
+                </a:solidFill>
+                <a:effectLst/>
+                <a:latin typeface="Times New Roman" panose="02020603050405020304" pitchFamily="18" charset="0"/>
+                <a:cs typeface="Times New Roman" panose="02020603050405020304" pitchFamily="18" charset="0"/>
+              </a:rPr>
+              <a:t> Number)</a:t>
+            </a:r>
+            <a:r>
+              <a:rPr kumimoji="0" lang="en-US" sz="2000" b="0" i="0" u="none" strike="noStrike" cap="none" normalizeH="0" baseline="0" dirty="0" smtClean="0">
+                <a:ln>
+                  <a:noFill/>
+                </a:ln>
+                <a:solidFill>
+                  <a:schemeClr val="tx1"/>
+                </a:solidFill>
+                <a:effectLst/>
+                <a:latin typeface="Times New Roman" panose="02020603050405020304" pitchFamily="18" charset="0"/>
+                <a:cs typeface="Times New Roman" panose="02020603050405020304" pitchFamily="18" charset="0"/>
+              </a:rPr>
+              <a:t> for each patient.</a:t>
+            </a:r>
+          </a:p>
+          <a:p>
+            <a:pPr marL="0" marR="0" lvl="0" indent="0" algn="l" defTabSz="914400" rtl="0" eaLnBrk="0" fontAlgn="base" latinLnBrk="0" hangingPunct="0">
+              <a:lnSpc>
+                <a:spcPct val="100000"/>
+              </a:lnSpc>
+              <a:spcBef>
+                <a:spcPct val="0"/>
+              </a:spcBef>
+              <a:spcAft>
+                <a:spcPct val="0"/>
+              </a:spcAft>
+              <a:buClrTx/>
+              <a:buSzTx/>
+              <a:buFontTx/>
+              <a:buChar char="•"/>
+              <a:tabLst/>
+            </a:pPr>
+            <a:r>
+              <a:rPr kumimoji="0" lang="en-US" sz="2000" b="0" i="0" u="none" strike="noStrike" cap="none" normalizeH="0" baseline="0" dirty="0" smtClean="0">
+                <a:ln>
+                  <a:noFill/>
+                </a:ln>
+                <a:solidFill>
+                  <a:schemeClr val="tx1"/>
+                </a:solidFill>
+                <a:effectLst/>
+                <a:latin typeface="Times New Roman" panose="02020603050405020304" pitchFamily="18" charset="0"/>
+                <a:cs typeface="Times New Roman" panose="02020603050405020304" pitchFamily="18" charset="0"/>
+              </a:rPr>
+              <a:t>To provide </a:t>
+            </a:r>
+            <a:r>
+              <a:rPr kumimoji="0" lang="en-US" sz="2000" b="1" i="0" u="none" strike="noStrike" cap="none" normalizeH="0" baseline="0" dirty="0" smtClean="0">
+                <a:ln>
+                  <a:noFill/>
+                </a:ln>
+                <a:solidFill>
+                  <a:schemeClr val="tx1"/>
+                </a:solidFill>
+                <a:effectLst/>
+                <a:latin typeface="Times New Roman" panose="02020603050405020304" pitchFamily="18" charset="0"/>
+                <a:cs typeface="Times New Roman" panose="02020603050405020304" pitchFamily="18" charset="0"/>
+              </a:rPr>
+              <a:t>role-based access</a:t>
+            </a:r>
+            <a:r>
+              <a:rPr kumimoji="0" lang="en-US" sz="2000" b="0" i="0" u="none" strike="noStrike" cap="none" normalizeH="0" baseline="0" dirty="0" smtClean="0">
+                <a:ln>
+                  <a:noFill/>
+                </a:ln>
+                <a:solidFill>
+                  <a:schemeClr val="tx1"/>
+                </a:solidFill>
+                <a:effectLst/>
+                <a:latin typeface="Times New Roman" panose="02020603050405020304" pitchFamily="18" charset="0"/>
+                <a:cs typeface="Times New Roman" panose="02020603050405020304" pitchFamily="18" charset="0"/>
+              </a:rPr>
+              <a:t> for Admin, Patient, Doctor, Lab Technician, and Nominee.</a:t>
+            </a:r>
+          </a:p>
+          <a:p>
+            <a:pPr marL="0" marR="0" lvl="0" indent="0" algn="l" defTabSz="914400" rtl="0" eaLnBrk="0" fontAlgn="base" latinLnBrk="0" hangingPunct="0">
+              <a:lnSpc>
+                <a:spcPct val="100000"/>
+              </a:lnSpc>
+              <a:spcBef>
+                <a:spcPct val="0"/>
+              </a:spcBef>
+              <a:spcAft>
+                <a:spcPct val="0"/>
+              </a:spcAft>
+              <a:buClrTx/>
+              <a:buSzTx/>
+              <a:buFontTx/>
+              <a:buChar char="•"/>
+              <a:tabLst/>
+            </a:pPr>
+            <a:r>
+              <a:rPr kumimoji="0" lang="en-US" sz="2000" b="0" i="0" u="none" strike="noStrike" cap="none" normalizeH="0" baseline="0" dirty="0" smtClean="0">
+                <a:ln>
+                  <a:noFill/>
+                </a:ln>
+                <a:solidFill>
+                  <a:schemeClr val="tx1"/>
+                </a:solidFill>
+                <a:effectLst/>
+                <a:latin typeface="Times New Roman" panose="02020603050405020304" pitchFamily="18" charset="0"/>
+                <a:cs typeface="Times New Roman" panose="02020603050405020304" pitchFamily="18" charset="0"/>
+              </a:rPr>
+              <a:t>To ensure </a:t>
+            </a:r>
+            <a:r>
+              <a:rPr kumimoji="0" lang="en-US" sz="2000" b="1" i="0" u="none" strike="noStrike" cap="none" normalizeH="0" baseline="0" dirty="0" smtClean="0">
+                <a:ln>
+                  <a:noFill/>
+                </a:ln>
+                <a:solidFill>
+                  <a:schemeClr val="tx1"/>
+                </a:solidFill>
+                <a:effectLst/>
+                <a:latin typeface="Times New Roman" panose="02020603050405020304" pitchFamily="18" charset="0"/>
+                <a:cs typeface="Times New Roman" panose="02020603050405020304" pitchFamily="18" charset="0"/>
+              </a:rPr>
+              <a:t>admin verification</a:t>
+            </a:r>
+            <a:r>
+              <a:rPr kumimoji="0" lang="en-US" sz="2000" b="0" i="0" u="none" strike="noStrike" cap="none" normalizeH="0" baseline="0" dirty="0" smtClean="0">
+                <a:ln>
+                  <a:noFill/>
+                </a:ln>
+                <a:solidFill>
+                  <a:schemeClr val="tx1"/>
+                </a:solidFill>
+                <a:effectLst/>
+                <a:latin typeface="Times New Roman" panose="02020603050405020304" pitchFamily="18" charset="0"/>
+                <a:cs typeface="Times New Roman" panose="02020603050405020304" pitchFamily="18" charset="0"/>
+              </a:rPr>
+              <a:t> of doctors and lab technicians before system access.</a:t>
+            </a:r>
+          </a:p>
+          <a:p>
+            <a:pPr marL="0" marR="0" lvl="0" indent="0" algn="l" defTabSz="914400" rtl="0" eaLnBrk="0" fontAlgn="base" latinLnBrk="0" hangingPunct="0">
+              <a:lnSpc>
+                <a:spcPct val="100000"/>
+              </a:lnSpc>
+              <a:spcBef>
+                <a:spcPct val="0"/>
+              </a:spcBef>
+              <a:spcAft>
+                <a:spcPct val="0"/>
+              </a:spcAft>
+              <a:buClrTx/>
+              <a:buSzTx/>
+              <a:buFontTx/>
+              <a:buChar char="•"/>
+              <a:tabLst/>
+            </a:pPr>
+            <a:r>
+              <a:rPr kumimoji="0" lang="en-US" sz="2000" b="0" i="0" u="none" strike="noStrike" cap="none" normalizeH="0" baseline="0" dirty="0" smtClean="0">
+                <a:ln>
+                  <a:noFill/>
+                </a:ln>
+                <a:solidFill>
+                  <a:schemeClr val="tx1"/>
+                </a:solidFill>
+                <a:effectLst/>
+                <a:latin typeface="Times New Roman" panose="02020603050405020304" pitchFamily="18" charset="0"/>
+                <a:cs typeface="Times New Roman" panose="02020603050405020304" pitchFamily="18" charset="0"/>
+              </a:rPr>
+              <a:t>To allow doctors and lab technicians to </a:t>
+            </a:r>
+            <a:r>
+              <a:rPr kumimoji="0" lang="en-US" sz="2000" b="1" i="0" u="none" strike="noStrike" cap="none" normalizeH="0" baseline="0" dirty="0" smtClean="0">
+                <a:ln>
+                  <a:noFill/>
+                </a:ln>
+                <a:solidFill>
+                  <a:schemeClr val="tx1"/>
+                </a:solidFill>
+                <a:effectLst/>
+                <a:latin typeface="Times New Roman" panose="02020603050405020304" pitchFamily="18" charset="0"/>
+                <a:cs typeface="Times New Roman" panose="02020603050405020304" pitchFamily="18" charset="0"/>
+              </a:rPr>
+              <a:t>upload and manage medical reports digitally</a:t>
+            </a:r>
+            <a:r>
+              <a:rPr kumimoji="0" lang="en-US" sz="2000" b="0" i="0" u="none" strike="noStrike" cap="none" normalizeH="0" baseline="0" dirty="0" smtClean="0">
+                <a:ln>
+                  <a:noFill/>
+                </a:ln>
+                <a:solidFill>
+                  <a:schemeClr val="tx1"/>
+                </a:solidFill>
+                <a:effectLst/>
                 <a:latin typeface="Times New Roman" panose="02020603050405020304" pitchFamily="18" charset="0"/>
                 <a:cs typeface="Times New Roman" panose="02020603050405020304" pitchFamily="18" charset="0"/>
               </a:rPr>
@@ -10554,40 +10685,131 @@
             </a:r>
           </a:p>
           <a:p>
-            <a:r>
-              <a:rPr lang="en-US" sz="2000" dirty="0">
-                <a:latin typeface="Times New Roman" panose="02020603050405020304" pitchFamily="18" charset="0"/>
-                <a:cs typeface="Times New Roman" panose="02020603050405020304" pitchFamily="18" charset="0"/>
-              </a:rPr>
-              <a:t>The project focuses on </a:t>
-            </a:r>
-            <a:r>
-              <a:rPr lang="en-US" sz="2000" b="1" dirty="0">
-                <a:latin typeface="Times New Roman" panose="02020603050405020304" pitchFamily="18" charset="0"/>
-                <a:cs typeface="Times New Roman" panose="02020603050405020304" pitchFamily="18" charset="0"/>
-              </a:rPr>
-              <a:t>digital record management</a:t>
-            </a:r>
-            <a:r>
-              <a:rPr lang="en-US" sz="2000" dirty="0">
-                <a:latin typeface="Times New Roman" panose="02020603050405020304" pitchFamily="18" charset="0"/>
-                <a:cs typeface="Times New Roman" panose="02020603050405020304" pitchFamily="18" charset="0"/>
-              </a:rPr>
-              <a:t> and does not replace medical diagnosis or treatment processes.</a:t>
-            </a:r>
-          </a:p>
-          <a:p>
-            <a:endParaRPr lang="en-US" sz="2000" dirty="0">
-              <a:latin typeface="Times New Roman" panose="02020603050405020304" pitchFamily="18" charset="0"/>
-              <a:cs typeface="Times New Roman" panose="02020603050405020304" pitchFamily="18" charset="0"/>
-            </a:endParaRPr>
+            <a:pPr marL="0" marR="0" lvl="0" indent="0" algn="l" defTabSz="914400" rtl="0" eaLnBrk="0" fontAlgn="base" latinLnBrk="0" hangingPunct="0">
+              <a:lnSpc>
+                <a:spcPct val="100000"/>
+              </a:lnSpc>
+              <a:spcBef>
+                <a:spcPct val="0"/>
+              </a:spcBef>
+              <a:spcAft>
+                <a:spcPct val="0"/>
+              </a:spcAft>
+              <a:buClrTx/>
+              <a:buSzTx/>
+              <a:buFontTx/>
+              <a:buChar char="•"/>
+              <a:tabLst/>
+            </a:pPr>
+            <a:r>
+              <a:rPr kumimoji="0" lang="en-US" sz="2000" b="0" i="0" u="none" strike="noStrike" cap="none" normalizeH="0" baseline="0" dirty="0" smtClean="0">
+                <a:ln>
+                  <a:noFill/>
+                </a:ln>
+                <a:solidFill>
+                  <a:schemeClr val="tx1"/>
+                </a:solidFill>
+                <a:effectLst/>
+                <a:latin typeface="Times New Roman" panose="02020603050405020304" pitchFamily="18" charset="0"/>
+                <a:cs typeface="Times New Roman" panose="02020603050405020304" pitchFamily="18" charset="0"/>
+              </a:rPr>
+              <a:t>To provide </a:t>
+            </a:r>
+            <a:r>
+              <a:rPr kumimoji="0" lang="en-US" sz="2000" b="1" i="0" u="none" strike="noStrike" cap="none" normalizeH="0" baseline="0" dirty="0" smtClean="0">
+                <a:ln>
+                  <a:noFill/>
+                </a:ln>
+                <a:solidFill>
+                  <a:schemeClr val="tx1"/>
+                </a:solidFill>
+                <a:effectLst/>
+                <a:latin typeface="Times New Roman" panose="02020603050405020304" pitchFamily="18" charset="0"/>
+                <a:cs typeface="Times New Roman" panose="02020603050405020304" pitchFamily="18" charset="0"/>
+              </a:rPr>
+              <a:t>patient consent-based access</a:t>
+            </a:r>
+            <a:r>
+              <a:rPr kumimoji="0" lang="en-US" sz="2000" b="0" i="0" u="none" strike="noStrike" cap="none" normalizeH="0" baseline="0" dirty="0" smtClean="0">
+                <a:ln>
+                  <a:noFill/>
+                </a:ln>
+                <a:solidFill>
+                  <a:schemeClr val="tx1"/>
+                </a:solidFill>
+                <a:effectLst/>
+                <a:latin typeface="Times New Roman" panose="02020603050405020304" pitchFamily="18" charset="0"/>
+                <a:cs typeface="Times New Roman" panose="02020603050405020304" pitchFamily="18" charset="0"/>
+              </a:rPr>
+              <a:t> to doctors for viewing medical records.</a:t>
+            </a:r>
+          </a:p>
+          <a:p>
+            <a:pPr marL="0" marR="0" lvl="0" indent="0" algn="l" defTabSz="914400" rtl="0" eaLnBrk="0" fontAlgn="base" latinLnBrk="0" hangingPunct="0">
+              <a:lnSpc>
+                <a:spcPct val="100000"/>
+              </a:lnSpc>
+              <a:spcBef>
+                <a:spcPct val="0"/>
+              </a:spcBef>
+              <a:spcAft>
+                <a:spcPct val="0"/>
+              </a:spcAft>
+              <a:buClrTx/>
+              <a:buSzTx/>
+              <a:buFontTx/>
+              <a:buChar char="•"/>
+              <a:tabLst/>
+            </a:pPr>
+            <a:r>
+              <a:rPr kumimoji="0" lang="en-US" sz="2000" b="0" i="0" u="none" strike="noStrike" cap="none" normalizeH="0" baseline="0" dirty="0" smtClean="0">
+                <a:ln>
+                  <a:noFill/>
+                </a:ln>
+                <a:solidFill>
+                  <a:schemeClr val="tx1"/>
+                </a:solidFill>
+                <a:effectLst/>
+                <a:latin typeface="Times New Roman" panose="02020603050405020304" pitchFamily="18" charset="0"/>
+                <a:cs typeface="Times New Roman" panose="02020603050405020304" pitchFamily="18" charset="0"/>
+              </a:rPr>
+              <a:t>To support </a:t>
+            </a:r>
+            <a:r>
+              <a:rPr kumimoji="0" lang="en-US" sz="2000" b="1" i="0" u="none" strike="noStrike" cap="none" normalizeH="0" baseline="0" dirty="0" smtClean="0">
+                <a:ln>
+                  <a:noFill/>
+                </a:ln>
+                <a:solidFill>
+                  <a:schemeClr val="tx1"/>
+                </a:solidFill>
+                <a:effectLst/>
+                <a:latin typeface="Times New Roman" panose="02020603050405020304" pitchFamily="18" charset="0"/>
+                <a:cs typeface="Times New Roman" panose="02020603050405020304" pitchFamily="18" charset="0"/>
+              </a:rPr>
+              <a:t>emergency access</a:t>
+            </a:r>
+            <a:r>
+              <a:rPr kumimoji="0" lang="en-US" sz="2000" b="0" i="0" u="none" strike="noStrike" cap="none" normalizeH="0" baseline="0" dirty="0" smtClean="0">
+                <a:ln>
+                  <a:noFill/>
+                </a:ln>
+                <a:solidFill>
+                  <a:schemeClr val="tx1"/>
+                </a:solidFill>
+                <a:effectLst/>
+                <a:latin typeface="Times New Roman" panose="02020603050405020304" pitchFamily="18" charset="0"/>
+                <a:cs typeface="Times New Roman" panose="02020603050405020304" pitchFamily="18" charset="0"/>
+              </a:rPr>
+              <a:t> through nominee authorization.</a:t>
+            </a:r>
           </a:p>
         </p:txBody>
       </p:sp>
     </p:spTree>
     <p:extLst>
       <p:ext uri="{BB962C8B-B14F-4D97-AF65-F5344CB8AC3E}">
-        <p14:creationId xmlns:p14="http://schemas.microsoft.com/office/powerpoint/2010/main" val="2332142558"/>
+        <p14:creationId xmlns:p14="http://schemas.microsoft.com/office/powerpoint/2010/main" val="3686323613"/>
       </p:ext>
     </p:extLst>
   </p:cSld>
@@ -10638,451 +10860,151 @@
           <a:p>
             <a:r>
               <a:rPr lang="en-IN" dirty="0"/>
-              <a:t>Limitations</a:t>
-            </a:r>
-          </a:p>
-        </p:txBody>
-      </p:sp>
-      <p:sp>
-        <p:nvSpPr>
-          <p:cNvPr id="5" name="Rectangle 2"/>
-          <p:cNvSpPr>
-            <a:spLocks noGrp="1" noChangeArrowheads="1"/>
+              <a:t>Scope of the Project</a:t>
+            </a:r>
+          </a:p>
+        </p:txBody>
+      </p:sp>
+      <p:sp>
+        <p:nvSpPr>
+          <p:cNvPr id="3" name="Content Placeholder 2"/>
+          <p:cNvSpPr>
+            <a:spLocks noGrp="1"/>
           </p:cNvSpPr>
           <p:nvPr>
             <p:ph idx="1"/>
           </p:nvPr>
         </p:nvSpPr>
-        <p:spPr bwMode="auto">
+        <p:spPr>
           <a:xfrm>
-            <a:off x="1484311" y="2847637"/>
-            <a:ext cx="8738033" cy="1938992"/>
+            <a:off x="1484311" y="3040486"/>
+            <a:ext cx="10018713" cy="3124201"/>
           </a:xfrm>
-          <a:prstGeom prst="rect">
-            <a:avLst/>
-          </a:prstGeom>
-          <a:noFill/>
-          <a:ln>
-            <a:noFill/>
-          </a:ln>
-          <a:effectLst/>
-          <a:extLst>
-            <a:ext uri="{909E8E84-426E-40DD-AFC4-6F175D3DCCD1}">
-              <a14:hiddenFill xmlns:a14="http://schemas.microsoft.com/office/drawing/2010/main">
-                <a:solidFill>
-                  <a:schemeClr val="accent1"/>
-                </a:solidFill>
-              </a14:hiddenFill>
-            </a:ext>
-            <a:ext uri="{91240B29-F687-4F45-9708-019B960494DF}">
-              <a14:hiddenLine xmlns:a14="http://schemas.microsoft.com/office/drawing/2010/main" w="9525">
-                <a:solidFill>
-                  <a:schemeClr val="tx1"/>
-                </a:solidFill>
-                <a:miter lim="800000"/>
-                <a:headEnd/>
-                <a:tailEnd/>
-              </a14:hiddenLine>
-            </a:ext>
-            <a:ext uri="{AF507438-7753-43E0-B8FC-AC1667EBCBE1}">
-              <a14:hiddenEffects xmlns:a14="http://schemas.microsoft.com/office/drawing/2010/main">
-                <a:effectLst>
-                  <a:outerShdw dist="35921" dir="2700000" algn="ctr" rotWithShape="0">
-                    <a:schemeClr val="bg2"/>
-                  </a:outerShdw>
-                </a:effectLst>
-              </a14:hiddenEffects>
-            </a:ext>
-          </a:extLst>
         </p:spPr>
         <p:txBody>
-          <a:bodyPr vert="horz" wrap="none" lIns="91440" tIns="45720" rIns="91440" bIns="45720" numCol="1" anchor="ctr" anchorCtr="0" compatLnSpc="1">
-            <a:prstTxWarp prst="textNoShape">
-              <a:avLst/>
-            </a:prstTxWarp>
-            <a:spAutoFit/>
+          <a:bodyPr>
+            <a:noAutofit/>
           </a:bodyPr>
           <a:lstStyle/>
           <a:p>
-            <a:pPr marL="0" marR="0" lvl="0" indent="0" algn="l" defTabSz="914400" rtl="0" eaLnBrk="0" fontAlgn="base" latinLnBrk="0" hangingPunct="0">
-              <a:lnSpc>
-                <a:spcPct val="100000"/>
-              </a:lnSpc>
-              <a:spcBef>
-                <a:spcPct val="0"/>
-              </a:spcBef>
-              <a:spcAft>
-                <a:spcPct val="0"/>
-              </a:spcAft>
-              <a:buClrTx/>
-              <a:buSzTx/>
-              <a:buFontTx/>
-              <a:buChar char="•"/>
-              <a:tabLst/>
-            </a:pPr>
-            <a:r>
-              <a:rPr kumimoji="0" lang="en-US" sz="2000" b="0" i="0" u="none" strike="noStrike" cap="none" normalizeH="0" baseline="0" dirty="0" smtClean="0">
-                <a:ln>
-                  <a:noFill/>
-                </a:ln>
-                <a:solidFill>
-                  <a:schemeClr val="tx1"/>
-                </a:solidFill>
-                <a:effectLst/>
-                <a:latin typeface="Times New Roman" panose="02020603050405020304" pitchFamily="18" charset="0"/>
-                <a:cs typeface="Times New Roman" panose="02020603050405020304" pitchFamily="18" charset="0"/>
-              </a:rPr>
-              <a:t>Requires </a:t>
-            </a:r>
-            <a:r>
-              <a:rPr kumimoji="0" lang="en-US" sz="2000" b="1" i="0" u="none" strike="noStrike" cap="none" normalizeH="0" baseline="0" dirty="0" err="1" smtClean="0">
-                <a:ln>
-                  <a:noFill/>
-                </a:ln>
-                <a:solidFill>
-                  <a:schemeClr val="tx1"/>
-                </a:solidFill>
-                <a:effectLst/>
+            <a:r>
+              <a:rPr lang="en-US" sz="2000" dirty="0">
+                <a:latin typeface="Times New Roman" panose="02020603050405020304" pitchFamily="18" charset="0"/>
+                <a:cs typeface="Times New Roman" panose="02020603050405020304" pitchFamily="18" charset="0"/>
+              </a:rPr>
+              <a:t>The scope of the Digital Health Card System includes:</a:t>
+            </a:r>
+          </a:p>
+          <a:p>
+            <a:r>
+              <a:rPr lang="en-US" sz="2000" dirty="0">
+                <a:latin typeface="Times New Roman" panose="02020603050405020304" pitchFamily="18" charset="0"/>
+                <a:cs typeface="Times New Roman" panose="02020603050405020304" pitchFamily="18" charset="0"/>
+              </a:rPr>
+              <a:t>Secure storage and management of patient health records.</a:t>
+            </a:r>
+          </a:p>
+          <a:p>
+            <a:r>
+              <a:rPr lang="en-US" sz="2000" dirty="0" err="1">
                 <a:latin typeface="Times New Roman" panose="02020603050405020304" pitchFamily="18" charset="0"/>
                 <a:cs typeface="Times New Roman" panose="02020603050405020304" pitchFamily="18" charset="0"/>
               </a:rPr>
               <a:t>Aadhaar</a:t>
             </a:r>
             <a:r>
-              <a:rPr kumimoji="0" lang="en-US" sz="2000" b="1" i="0" u="none" strike="noStrike" cap="none" normalizeH="0" baseline="0" dirty="0" smtClean="0">
-                <a:ln>
-                  <a:noFill/>
-                </a:ln>
-                <a:solidFill>
-                  <a:schemeClr val="tx1"/>
-                </a:solidFill>
-                <a:effectLst/>
-                <a:latin typeface="Times New Roman" panose="02020603050405020304" pitchFamily="18" charset="0"/>
-                <a:cs typeface="Times New Roman" panose="02020603050405020304" pitchFamily="18" charset="0"/>
-              </a:rPr>
-              <a:t> card and linked mobile number</a:t>
-            </a:r>
-            <a:r>
-              <a:rPr kumimoji="0" lang="en-US" sz="2000" b="0" i="0" u="none" strike="noStrike" cap="none" normalizeH="0" baseline="0" dirty="0" smtClean="0">
-                <a:ln>
-                  <a:noFill/>
-                </a:ln>
-                <a:solidFill>
-                  <a:schemeClr val="tx1"/>
-                </a:solidFill>
-                <a:effectLst/>
-                <a:latin typeface="Times New Roman" panose="02020603050405020304" pitchFamily="18" charset="0"/>
-                <a:cs typeface="Times New Roman" panose="02020603050405020304" pitchFamily="18" charset="0"/>
-              </a:rPr>
-              <a:t> for authentication.</a:t>
-            </a:r>
-          </a:p>
-          <a:p>
-            <a:pPr marL="0" marR="0" lvl="0" indent="0" algn="l" defTabSz="914400" rtl="0" eaLnBrk="0" fontAlgn="base" latinLnBrk="0" hangingPunct="0">
-              <a:lnSpc>
-                <a:spcPct val="100000"/>
-              </a:lnSpc>
-              <a:spcBef>
-                <a:spcPct val="0"/>
-              </a:spcBef>
-              <a:spcAft>
-                <a:spcPct val="0"/>
-              </a:spcAft>
-              <a:buClrTx/>
-              <a:buSzTx/>
-              <a:buFontTx/>
-              <a:buChar char="•"/>
-              <a:tabLst/>
-            </a:pPr>
-            <a:r>
-              <a:rPr kumimoji="0" lang="en-US" sz="2000" b="0" i="0" u="none" strike="noStrike" cap="none" normalizeH="0" baseline="0" dirty="0" smtClean="0">
-                <a:ln>
-                  <a:noFill/>
-                </a:ln>
-                <a:solidFill>
-                  <a:schemeClr val="tx1"/>
-                </a:solidFill>
-                <a:effectLst/>
-                <a:latin typeface="Times New Roman" panose="02020603050405020304" pitchFamily="18" charset="0"/>
-                <a:cs typeface="Times New Roman" panose="02020603050405020304" pitchFamily="18" charset="0"/>
-              </a:rPr>
-              <a:t>Needs </a:t>
-            </a:r>
-            <a:r>
-              <a:rPr kumimoji="0" lang="en-US" sz="2000" b="1" i="0" u="none" strike="noStrike" cap="none" normalizeH="0" baseline="0" dirty="0" smtClean="0">
-                <a:ln>
-                  <a:noFill/>
-                </a:ln>
-                <a:solidFill>
-                  <a:schemeClr val="tx1"/>
-                </a:solidFill>
-                <a:effectLst/>
-                <a:latin typeface="Times New Roman" panose="02020603050405020304" pitchFamily="18" charset="0"/>
-                <a:cs typeface="Times New Roman" panose="02020603050405020304" pitchFamily="18" charset="0"/>
-              </a:rPr>
-              <a:t>continuous internet connection</a:t>
-            </a:r>
-            <a:r>
-              <a:rPr kumimoji="0" lang="en-US" sz="2000" b="0" i="0" u="none" strike="noStrike" cap="none" normalizeH="0" baseline="0" dirty="0" smtClean="0">
-                <a:ln>
-                  <a:noFill/>
-                </a:ln>
-                <a:solidFill>
-                  <a:schemeClr val="tx1"/>
-                </a:solidFill>
-                <a:effectLst/>
-                <a:latin typeface="Times New Roman" panose="02020603050405020304" pitchFamily="18" charset="0"/>
-                <a:cs typeface="Times New Roman" panose="02020603050405020304" pitchFamily="18" charset="0"/>
-              </a:rPr>
-              <a:t> to work properly.</a:t>
-            </a:r>
-          </a:p>
-          <a:p>
-            <a:pPr marL="0" marR="0" lvl="0" indent="0" algn="l" defTabSz="914400" rtl="0" eaLnBrk="0" fontAlgn="base" latinLnBrk="0" hangingPunct="0">
-              <a:lnSpc>
-                <a:spcPct val="100000"/>
-              </a:lnSpc>
-              <a:spcBef>
-                <a:spcPct val="0"/>
-              </a:spcBef>
-              <a:spcAft>
-                <a:spcPct val="0"/>
-              </a:spcAft>
-              <a:buClrTx/>
-              <a:buSzTx/>
-              <a:buFontTx/>
-              <a:buChar char="•"/>
-              <a:tabLst/>
-            </a:pPr>
-            <a:r>
-              <a:rPr kumimoji="0" lang="en-US" sz="2000" b="0" i="0" u="none" strike="noStrike" cap="none" normalizeH="0" baseline="0" dirty="0" smtClean="0">
-                <a:ln>
-                  <a:noFill/>
-                </a:ln>
-                <a:solidFill>
-                  <a:schemeClr val="tx1"/>
-                </a:solidFill>
-                <a:effectLst/>
-                <a:latin typeface="Times New Roman" panose="02020603050405020304" pitchFamily="18" charset="0"/>
-                <a:cs typeface="Times New Roman" panose="02020603050405020304" pitchFamily="18" charset="0"/>
-              </a:rPr>
-              <a:t>Uses </a:t>
-            </a:r>
-            <a:r>
-              <a:rPr kumimoji="0" lang="en-US" sz="2000" b="1" i="0" u="none" strike="noStrike" cap="none" normalizeH="0" baseline="0" dirty="0" smtClean="0">
-                <a:ln>
-                  <a:noFill/>
-                </a:ln>
-                <a:solidFill>
-                  <a:schemeClr val="tx1"/>
-                </a:solidFill>
-                <a:effectLst/>
-                <a:latin typeface="Times New Roman" panose="02020603050405020304" pitchFamily="18" charset="0"/>
-                <a:cs typeface="Times New Roman" panose="02020603050405020304" pitchFamily="18" charset="0"/>
-              </a:rPr>
-              <a:t>hardcoded admin credentials</a:t>
-            </a:r>
-            <a:r>
-              <a:rPr kumimoji="0" lang="en-US" sz="2000" b="0" i="0" u="none" strike="noStrike" cap="none" normalizeH="0" baseline="0" dirty="0" smtClean="0">
-                <a:ln>
-                  <a:noFill/>
-                </a:ln>
-                <a:solidFill>
-                  <a:schemeClr val="tx1"/>
-                </a:solidFill>
-                <a:effectLst/>
-                <a:latin typeface="Times New Roman" panose="02020603050405020304" pitchFamily="18" charset="0"/>
-                <a:cs typeface="Times New Roman" panose="02020603050405020304" pitchFamily="18" charset="0"/>
-              </a:rPr>
-              <a:t>, which limits scalability.</a:t>
-            </a:r>
-          </a:p>
-          <a:p>
-            <a:pPr marL="0" marR="0" lvl="0" indent="0" algn="l" defTabSz="914400" rtl="0" eaLnBrk="0" fontAlgn="base" latinLnBrk="0" hangingPunct="0">
-              <a:lnSpc>
-                <a:spcPct val="100000"/>
-              </a:lnSpc>
-              <a:spcBef>
-                <a:spcPct val="0"/>
-              </a:spcBef>
-              <a:spcAft>
-                <a:spcPct val="0"/>
-              </a:spcAft>
-              <a:buClrTx/>
-              <a:buSzTx/>
-              <a:buFontTx/>
-              <a:buChar char="•"/>
-              <a:tabLst/>
-            </a:pPr>
-            <a:r>
-              <a:rPr kumimoji="0" lang="en-US" sz="2000" b="0" i="0" u="none" strike="noStrike" cap="none" normalizeH="0" baseline="0" dirty="0" smtClean="0">
-                <a:ln>
-                  <a:noFill/>
-                </a:ln>
-                <a:solidFill>
-                  <a:schemeClr val="tx1"/>
-                </a:solidFill>
-                <a:effectLst/>
-                <a:latin typeface="Times New Roman" panose="02020603050405020304" pitchFamily="18" charset="0"/>
-                <a:cs typeface="Times New Roman" panose="02020603050405020304" pitchFamily="18" charset="0"/>
-              </a:rPr>
-              <a:t>Emergency access depends on </a:t>
-            </a:r>
-            <a:r>
-              <a:rPr kumimoji="0" lang="en-US" sz="2000" b="1" i="0" u="none" strike="noStrike" cap="none" normalizeH="0" baseline="0" dirty="0" smtClean="0">
-                <a:ln>
-                  <a:noFill/>
-                </a:ln>
-                <a:solidFill>
-                  <a:schemeClr val="tx1"/>
-                </a:solidFill>
-                <a:effectLst/>
-                <a:latin typeface="Times New Roman" panose="02020603050405020304" pitchFamily="18" charset="0"/>
-                <a:cs typeface="Times New Roman" panose="02020603050405020304" pitchFamily="18" charset="0"/>
-              </a:rPr>
-              <a:t>admin/nominee approval</a:t>
-            </a:r>
-            <a:r>
-              <a:rPr kumimoji="0" lang="en-US" sz="2000" b="0" i="0" u="none" strike="noStrike" cap="none" normalizeH="0" baseline="0" dirty="0" smtClean="0">
-                <a:ln>
-                  <a:noFill/>
-                </a:ln>
-                <a:solidFill>
-                  <a:schemeClr val="tx1"/>
-                </a:solidFill>
-                <a:effectLst/>
-                <a:latin typeface="Times New Roman" panose="02020603050405020304" pitchFamily="18" charset="0"/>
-                <a:cs typeface="Times New Roman" panose="02020603050405020304" pitchFamily="18" charset="0"/>
-              </a:rPr>
-              <a:t>, which may cause delay.</a:t>
-            </a:r>
-          </a:p>
-          <a:p>
-            <a:pPr marL="0" marR="0" lvl="0" indent="0" algn="l" defTabSz="914400" rtl="0" eaLnBrk="0" fontAlgn="base" latinLnBrk="0" hangingPunct="0">
-              <a:lnSpc>
-                <a:spcPct val="100000"/>
-              </a:lnSpc>
-              <a:spcBef>
-                <a:spcPct val="0"/>
-              </a:spcBef>
-              <a:spcAft>
-                <a:spcPct val="0"/>
-              </a:spcAft>
-              <a:buClrTx/>
-              <a:buSzTx/>
-              <a:buFontTx/>
-              <a:buChar char="•"/>
-              <a:tabLst/>
-            </a:pPr>
-            <a:r>
-              <a:rPr kumimoji="0" lang="en-US" sz="2000" b="0" i="0" u="none" strike="noStrike" cap="none" normalizeH="0" baseline="0" dirty="0" smtClean="0">
-                <a:ln>
-                  <a:noFill/>
-                </a:ln>
-                <a:solidFill>
-                  <a:schemeClr val="tx1"/>
-                </a:solidFill>
-                <a:effectLst/>
-                <a:latin typeface="Times New Roman" panose="02020603050405020304" pitchFamily="18" charset="0"/>
-                <a:cs typeface="Times New Roman" panose="02020603050405020304" pitchFamily="18" charset="0"/>
-              </a:rPr>
-              <a:t>No </a:t>
-            </a:r>
-            <a:r>
-              <a:rPr kumimoji="0" lang="en-US" sz="2000" b="1" i="0" u="none" strike="noStrike" cap="none" normalizeH="0" baseline="0" dirty="0" smtClean="0">
-                <a:ln>
-                  <a:noFill/>
-                </a:ln>
-                <a:solidFill>
-                  <a:schemeClr val="tx1"/>
-                </a:solidFill>
-                <a:effectLst/>
-                <a:latin typeface="Times New Roman" panose="02020603050405020304" pitchFamily="18" charset="0"/>
-                <a:cs typeface="Times New Roman" panose="02020603050405020304" pitchFamily="18" charset="0"/>
-              </a:rPr>
-              <a:t>offline access</a:t>
-            </a:r>
-            <a:r>
-              <a:rPr kumimoji="0" lang="en-US" sz="2000" b="0" i="0" u="none" strike="noStrike" cap="none" normalizeH="0" baseline="0" dirty="0" smtClean="0">
-                <a:ln>
-                  <a:noFill/>
-                </a:ln>
-                <a:solidFill>
-                  <a:schemeClr val="tx1"/>
-                </a:solidFill>
-                <a:effectLst/>
-                <a:latin typeface="Times New Roman" panose="02020603050405020304" pitchFamily="18" charset="0"/>
-                <a:cs typeface="Times New Roman" panose="02020603050405020304" pitchFamily="18" charset="0"/>
-              </a:rPr>
-              <a:t> to medical records.</a:t>
-            </a:r>
-          </a:p>
-          <a:p>
-            <a:pPr marL="0" marR="0" lvl="0" indent="0" algn="l" defTabSz="914400" rtl="0" eaLnBrk="0" fontAlgn="base" latinLnBrk="0" hangingPunct="0">
-              <a:lnSpc>
-                <a:spcPct val="100000"/>
-              </a:lnSpc>
-              <a:spcBef>
-                <a:spcPct val="0"/>
-              </a:spcBef>
-              <a:spcAft>
-                <a:spcPct val="0"/>
-              </a:spcAft>
-              <a:buClrTx/>
-              <a:buSzTx/>
-              <a:buFontTx/>
-              <a:buChar char="•"/>
-              <a:tabLst/>
-            </a:pPr>
-            <a:r>
-              <a:rPr kumimoji="0" lang="en-US" sz="2000" b="0" i="0" u="none" strike="noStrike" cap="none" normalizeH="0" baseline="0" dirty="0" smtClean="0">
-                <a:ln>
-                  <a:noFill/>
-                </a:ln>
-                <a:solidFill>
-                  <a:schemeClr val="tx1"/>
-                </a:solidFill>
-                <a:effectLst/>
-                <a:latin typeface="Times New Roman" panose="02020603050405020304" pitchFamily="18" charset="0"/>
-                <a:cs typeface="Times New Roman" panose="02020603050405020304" pitchFamily="18" charset="0"/>
-              </a:rPr>
-              <a:t>Users with </a:t>
-            </a:r>
-            <a:r>
-              <a:rPr kumimoji="0" lang="en-US" sz="2000" b="1" i="0" u="none" strike="noStrike" cap="none" normalizeH="0" baseline="0" dirty="0" smtClean="0">
-                <a:ln>
-                  <a:noFill/>
-                </a:ln>
-                <a:solidFill>
-                  <a:schemeClr val="tx1"/>
-                </a:solidFill>
-                <a:effectLst/>
-                <a:latin typeface="Times New Roman" panose="02020603050405020304" pitchFamily="18" charset="0"/>
-                <a:cs typeface="Times New Roman" panose="02020603050405020304" pitchFamily="18" charset="0"/>
-              </a:rPr>
-              <a:t>low technical knowledge</a:t>
-            </a:r>
-            <a:r>
-              <a:rPr kumimoji="0" lang="en-US" sz="2000" b="0" i="0" u="none" strike="noStrike" cap="none" normalizeH="0" baseline="0" dirty="0" smtClean="0">
-                <a:ln>
-                  <a:noFill/>
-                </a:ln>
-                <a:solidFill>
-                  <a:schemeClr val="tx1"/>
-                </a:solidFill>
-                <a:effectLst/>
-                <a:latin typeface="Times New Roman" panose="02020603050405020304" pitchFamily="18" charset="0"/>
-                <a:cs typeface="Times New Roman" panose="02020603050405020304" pitchFamily="18" charset="0"/>
-              </a:rPr>
-              <a:t> may find it difficult to use</a:t>
-            </a:r>
+              <a:rPr lang="en-US" sz="2000" dirty="0">
+                <a:latin typeface="Times New Roman" panose="02020603050405020304" pitchFamily="18" charset="0"/>
+                <a:cs typeface="Times New Roman" panose="02020603050405020304" pitchFamily="18" charset="0"/>
+              </a:rPr>
+              <a:t>-based patient identity verification.</a:t>
+            </a:r>
+          </a:p>
+          <a:p>
+            <a:r>
+              <a:rPr lang="en-US" sz="2000" dirty="0">
+                <a:latin typeface="Times New Roman" panose="02020603050405020304" pitchFamily="18" charset="0"/>
+                <a:cs typeface="Times New Roman" panose="02020603050405020304" pitchFamily="18" charset="0"/>
+              </a:rPr>
+              <a:t>Digital access to prescriptions, lab reports, and medical history.</a:t>
+            </a:r>
+          </a:p>
+          <a:p>
+            <a:r>
+              <a:rPr lang="en-US" sz="2000" dirty="0">
+                <a:latin typeface="Times New Roman" panose="02020603050405020304" pitchFamily="18" charset="0"/>
+                <a:cs typeface="Times New Roman" panose="02020603050405020304" pitchFamily="18" charset="0"/>
+              </a:rPr>
+              <a:t>Admin-controlled verification of healthcare professionals.</a:t>
+            </a:r>
+          </a:p>
+          <a:p>
+            <a:r>
+              <a:rPr lang="en-US" sz="2000" dirty="0">
+                <a:latin typeface="Times New Roman" panose="02020603050405020304" pitchFamily="18" charset="0"/>
+                <a:cs typeface="Times New Roman" panose="02020603050405020304" pitchFamily="18" charset="0"/>
+              </a:rPr>
+              <a:t>Consent-based and emergency access mechanisms.</a:t>
+            </a:r>
+          </a:p>
+          <a:p>
+            <a:r>
+              <a:rPr lang="en-US" sz="2000" dirty="0">
+                <a:latin typeface="Times New Roman" panose="02020603050405020304" pitchFamily="18" charset="0"/>
+                <a:cs typeface="Times New Roman" panose="02020603050405020304" pitchFamily="18" charset="0"/>
+              </a:rPr>
+              <a:t>The system is designed for </a:t>
+            </a:r>
+            <a:r>
+              <a:rPr lang="en-US" sz="2000" b="1" dirty="0">
+                <a:latin typeface="Times New Roman" panose="02020603050405020304" pitchFamily="18" charset="0"/>
+                <a:cs typeface="Times New Roman" panose="02020603050405020304" pitchFamily="18" charset="0"/>
+              </a:rPr>
+              <a:t>hospitals, clinics, diagnostic labs, and patients</a:t>
+            </a:r>
+            <a:r>
+              <a:rPr lang="en-US" sz="2000" dirty="0">
+                <a:latin typeface="Times New Roman" panose="02020603050405020304" pitchFamily="18" charset="0"/>
+                <a:cs typeface="Times New Roman" panose="02020603050405020304" pitchFamily="18" charset="0"/>
+              </a:rPr>
+              <a:t>.</a:t>
+            </a:r>
+          </a:p>
+          <a:p>
+            <a:r>
+              <a:rPr lang="en-US" sz="2000" dirty="0">
+                <a:latin typeface="Times New Roman" panose="02020603050405020304" pitchFamily="18" charset="0"/>
+                <a:cs typeface="Times New Roman" panose="02020603050405020304" pitchFamily="18" charset="0"/>
+              </a:rPr>
+              <a:t>The project focuses on </a:t>
+            </a:r>
+            <a:r>
+              <a:rPr lang="en-US" sz="2000" b="1" dirty="0">
+                <a:latin typeface="Times New Roman" panose="02020603050405020304" pitchFamily="18" charset="0"/>
+                <a:cs typeface="Times New Roman" panose="02020603050405020304" pitchFamily="18" charset="0"/>
+              </a:rPr>
+              <a:t>digital record management</a:t>
+            </a:r>
+            <a:r>
+              <a:rPr lang="en-US" sz="2000" dirty="0">
+                <a:latin typeface="Times New Roman" panose="02020603050405020304" pitchFamily="18" charset="0"/>
+                <a:cs typeface="Times New Roman" panose="02020603050405020304" pitchFamily="18" charset="0"/>
+              </a:rPr>
+              <a:t> and does not replace medical diagnosis or treatment processes.</a:t>
+            </a:r>
+          </a:p>
+          <a:p>
+            <a:endParaRPr lang="en-US" sz="2000" dirty="0">
+              <a:latin typeface="Times New Roman" panose="02020603050405020304" pitchFamily="18" charset="0"/>
+              <a:cs typeface="Times New Roman" panose="02020603050405020304" pitchFamily="18" charset="0"/>
+            </a:endParaRPr>
           </a:p>
         </p:txBody>
       </p:sp>
     </p:spTree>
     <p:extLst>
       <p:ext uri="{BB962C8B-B14F-4D97-AF65-F5344CB8AC3E}">
-        <p14:creationId xmlns:p14="http://schemas.microsoft.com/office/powerpoint/2010/main" val="1407935658"/>
+        <p14:creationId xmlns:p14="http://schemas.microsoft.com/office/powerpoint/2010/main" val="2332142558"/>
       </p:ext>
     </p:extLst>
   </p:cSld>

--- a/Digital Health Card PPT.pptx
+++ b/Digital Health Card PPT.pptx
@@ -6,20 +6,20 @@
   </p:sldMasterIdLst>
   <p:sldIdLst>
     <p:sldId id="256" r:id="rId2"/>
-    <p:sldId id="263" r:id="rId3"/>
-    <p:sldId id="262" r:id="rId4"/>
-    <p:sldId id="257" r:id="rId5"/>
-    <p:sldId id="264" r:id="rId6"/>
-    <p:sldId id="258" r:id="rId7"/>
-    <p:sldId id="259" r:id="rId8"/>
-    <p:sldId id="260" r:id="rId9"/>
-    <p:sldId id="261" r:id="rId10"/>
-    <p:sldId id="276" r:id="rId11"/>
-    <p:sldId id="277" r:id="rId12"/>
-    <p:sldId id="272" r:id="rId13"/>
-    <p:sldId id="273" r:id="rId14"/>
-    <p:sldId id="274" r:id="rId15"/>
-    <p:sldId id="275" r:id="rId16"/>
+    <p:sldId id="284" r:id="rId3"/>
+    <p:sldId id="263" r:id="rId4"/>
+    <p:sldId id="262" r:id="rId5"/>
+    <p:sldId id="257" r:id="rId6"/>
+    <p:sldId id="264" r:id="rId7"/>
+    <p:sldId id="258" r:id="rId8"/>
+    <p:sldId id="259" r:id="rId9"/>
+    <p:sldId id="260" r:id="rId10"/>
+    <p:sldId id="261" r:id="rId11"/>
+    <p:sldId id="276" r:id="rId12"/>
+    <p:sldId id="277" r:id="rId13"/>
+    <p:sldId id="272" r:id="rId14"/>
+    <p:sldId id="273" r:id="rId15"/>
+    <p:sldId id="274" r:id="rId16"/>
     <p:sldId id="279" r:id="rId17"/>
     <p:sldId id="280" r:id="rId18"/>
     <p:sldId id="281" r:id="rId19"/>
@@ -6410,6 +6410,501 @@
       </p:grpSpPr>
       <p:sp>
         <p:nvSpPr>
+          <p:cNvPr id="2" name="Title 1"/>
+          <p:cNvSpPr>
+            <a:spLocks noGrp="1"/>
+          </p:cNvSpPr>
+          <p:nvPr>
+            <p:ph type="title"/>
+          </p:nvPr>
+        </p:nvSpPr>
+        <p:spPr/>
+        <p:txBody>
+          <a:bodyPr/>
+          <a:lstStyle/>
+          <a:p>
+            <a:r>
+              <a:rPr lang="en-IN" dirty="0"/>
+              <a:t>Limitations</a:t>
+            </a:r>
+          </a:p>
+        </p:txBody>
+      </p:sp>
+      <p:sp>
+        <p:nvSpPr>
+          <p:cNvPr id="5" name="Rectangle 2"/>
+          <p:cNvSpPr>
+            <a:spLocks noGrp="1" noChangeArrowheads="1"/>
+          </p:cNvSpPr>
+          <p:nvPr>
+            <p:ph idx="1"/>
+          </p:nvPr>
+        </p:nvSpPr>
+        <p:spPr bwMode="auto">
+          <a:xfrm>
+            <a:off x="1484311" y="2847637"/>
+            <a:ext cx="8738033" cy="1938992"/>
+          </a:xfrm>
+          <a:prstGeom prst="rect">
+            <a:avLst/>
+          </a:prstGeom>
+          <a:noFill/>
+          <a:ln>
+            <a:noFill/>
+          </a:ln>
+          <a:effectLst/>
+          <a:extLst>
+            <a:ext uri="{909E8E84-426E-40DD-AFC4-6F175D3DCCD1}">
+              <a14:hiddenFill xmlns:a14="http://schemas.microsoft.com/office/drawing/2010/main">
+                <a:solidFill>
+                  <a:schemeClr val="accent1"/>
+                </a:solidFill>
+              </a14:hiddenFill>
+            </a:ext>
+            <a:ext uri="{91240B29-F687-4F45-9708-019B960494DF}">
+              <a14:hiddenLine xmlns:a14="http://schemas.microsoft.com/office/drawing/2010/main" w="9525">
+                <a:solidFill>
+                  <a:schemeClr val="tx1"/>
+                </a:solidFill>
+                <a:miter lim="800000"/>
+                <a:headEnd/>
+                <a:tailEnd/>
+              </a14:hiddenLine>
+            </a:ext>
+            <a:ext uri="{AF507438-7753-43E0-B8FC-AC1667EBCBE1}">
+              <a14:hiddenEffects xmlns:a14="http://schemas.microsoft.com/office/drawing/2010/main">
+                <a:effectLst>
+                  <a:outerShdw dist="35921" dir="2700000" algn="ctr" rotWithShape="0">
+                    <a:schemeClr val="bg2"/>
+                  </a:outerShdw>
+                </a:effectLst>
+              </a14:hiddenEffects>
+            </a:ext>
+          </a:extLst>
+        </p:spPr>
+        <p:txBody>
+          <a:bodyPr vert="horz" wrap="none" lIns="91440" tIns="45720" rIns="91440" bIns="45720" numCol="1" anchor="ctr" anchorCtr="0" compatLnSpc="1">
+            <a:prstTxWarp prst="textNoShape">
+              <a:avLst/>
+            </a:prstTxWarp>
+            <a:spAutoFit/>
+          </a:bodyPr>
+          <a:lstStyle/>
+          <a:p>
+            <a:pPr marL="0" marR="0" lvl="0" indent="0" algn="l" defTabSz="914400" rtl="0" eaLnBrk="0" fontAlgn="base" latinLnBrk="0" hangingPunct="0">
+              <a:lnSpc>
+                <a:spcPct val="100000"/>
+              </a:lnSpc>
+              <a:spcBef>
+                <a:spcPct val="0"/>
+              </a:spcBef>
+              <a:spcAft>
+                <a:spcPct val="0"/>
+              </a:spcAft>
+              <a:buClrTx/>
+              <a:buSzTx/>
+              <a:buFontTx/>
+              <a:buChar char="•"/>
+              <a:tabLst/>
+            </a:pPr>
+            <a:r>
+              <a:rPr kumimoji="0" lang="en-US" sz="2000" b="0" i="0" u="none" strike="noStrike" cap="none" normalizeH="0" baseline="0" dirty="0" smtClean="0">
+                <a:ln>
+                  <a:noFill/>
+                </a:ln>
+                <a:solidFill>
+                  <a:schemeClr val="tx1"/>
+                </a:solidFill>
+                <a:effectLst/>
+                <a:latin typeface="Times New Roman" panose="02020603050405020304" pitchFamily="18" charset="0"/>
+                <a:cs typeface="Times New Roman" panose="02020603050405020304" pitchFamily="18" charset="0"/>
+              </a:rPr>
+              <a:t>Requires </a:t>
+            </a:r>
+            <a:r>
+              <a:rPr kumimoji="0" lang="en-US" sz="2000" b="1" i="0" u="none" strike="noStrike" cap="none" normalizeH="0" baseline="0" dirty="0" err="1" smtClean="0">
+                <a:ln>
+                  <a:noFill/>
+                </a:ln>
+                <a:solidFill>
+                  <a:schemeClr val="tx1"/>
+                </a:solidFill>
+                <a:effectLst/>
+                <a:latin typeface="Times New Roman" panose="02020603050405020304" pitchFamily="18" charset="0"/>
+                <a:cs typeface="Times New Roman" panose="02020603050405020304" pitchFamily="18" charset="0"/>
+              </a:rPr>
+              <a:t>Aadhaar</a:t>
+            </a:r>
+            <a:r>
+              <a:rPr kumimoji="0" lang="en-US" sz="2000" b="1" i="0" u="none" strike="noStrike" cap="none" normalizeH="0" baseline="0" dirty="0" smtClean="0">
+                <a:ln>
+                  <a:noFill/>
+                </a:ln>
+                <a:solidFill>
+                  <a:schemeClr val="tx1"/>
+                </a:solidFill>
+                <a:effectLst/>
+                <a:latin typeface="Times New Roman" panose="02020603050405020304" pitchFamily="18" charset="0"/>
+                <a:cs typeface="Times New Roman" panose="02020603050405020304" pitchFamily="18" charset="0"/>
+              </a:rPr>
+              <a:t> card and linked mobile number</a:t>
+            </a:r>
+            <a:r>
+              <a:rPr kumimoji="0" lang="en-US" sz="2000" b="0" i="0" u="none" strike="noStrike" cap="none" normalizeH="0" baseline="0" dirty="0" smtClean="0">
+                <a:ln>
+                  <a:noFill/>
+                </a:ln>
+                <a:solidFill>
+                  <a:schemeClr val="tx1"/>
+                </a:solidFill>
+                <a:effectLst/>
+                <a:latin typeface="Times New Roman" panose="02020603050405020304" pitchFamily="18" charset="0"/>
+                <a:cs typeface="Times New Roman" panose="02020603050405020304" pitchFamily="18" charset="0"/>
+              </a:rPr>
+              <a:t> for authentication.</a:t>
+            </a:r>
+          </a:p>
+          <a:p>
+            <a:pPr marL="0" marR="0" lvl="0" indent="0" algn="l" defTabSz="914400" rtl="0" eaLnBrk="0" fontAlgn="base" latinLnBrk="0" hangingPunct="0">
+              <a:lnSpc>
+                <a:spcPct val="100000"/>
+              </a:lnSpc>
+              <a:spcBef>
+                <a:spcPct val="0"/>
+              </a:spcBef>
+              <a:spcAft>
+                <a:spcPct val="0"/>
+              </a:spcAft>
+              <a:buClrTx/>
+              <a:buSzTx/>
+              <a:buFontTx/>
+              <a:buChar char="•"/>
+              <a:tabLst/>
+            </a:pPr>
+            <a:r>
+              <a:rPr kumimoji="0" lang="en-US" sz="2000" b="0" i="0" u="none" strike="noStrike" cap="none" normalizeH="0" baseline="0" dirty="0" smtClean="0">
+                <a:ln>
+                  <a:noFill/>
+                </a:ln>
+                <a:solidFill>
+                  <a:schemeClr val="tx1"/>
+                </a:solidFill>
+                <a:effectLst/>
+                <a:latin typeface="Times New Roman" panose="02020603050405020304" pitchFamily="18" charset="0"/>
+                <a:cs typeface="Times New Roman" panose="02020603050405020304" pitchFamily="18" charset="0"/>
+              </a:rPr>
+              <a:t>Needs </a:t>
+            </a:r>
+            <a:r>
+              <a:rPr kumimoji="0" lang="en-US" sz="2000" b="1" i="0" u="none" strike="noStrike" cap="none" normalizeH="0" baseline="0" dirty="0" smtClean="0">
+                <a:ln>
+                  <a:noFill/>
+                </a:ln>
+                <a:solidFill>
+                  <a:schemeClr val="tx1"/>
+                </a:solidFill>
+                <a:effectLst/>
+                <a:latin typeface="Times New Roman" panose="02020603050405020304" pitchFamily="18" charset="0"/>
+                <a:cs typeface="Times New Roman" panose="02020603050405020304" pitchFamily="18" charset="0"/>
+              </a:rPr>
+              <a:t>continuous internet connection</a:t>
+            </a:r>
+            <a:r>
+              <a:rPr kumimoji="0" lang="en-US" sz="2000" b="0" i="0" u="none" strike="noStrike" cap="none" normalizeH="0" baseline="0" dirty="0" smtClean="0">
+                <a:ln>
+                  <a:noFill/>
+                </a:ln>
+                <a:solidFill>
+                  <a:schemeClr val="tx1"/>
+                </a:solidFill>
+                <a:effectLst/>
+                <a:latin typeface="Times New Roman" panose="02020603050405020304" pitchFamily="18" charset="0"/>
+                <a:cs typeface="Times New Roman" panose="02020603050405020304" pitchFamily="18" charset="0"/>
+              </a:rPr>
+              <a:t> to work properly.</a:t>
+            </a:r>
+          </a:p>
+          <a:p>
+            <a:pPr marL="0" marR="0" lvl="0" indent="0" algn="l" defTabSz="914400" rtl="0" eaLnBrk="0" fontAlgn="base" latinLnBrk="0" hangingPunct="0">
+              <a:lnSpc>
+                <a:spcPct val="100000"/>
+              </a:lnSpc>
+              <a:spcBef>
+                <a:spcPct val="0"/>
+              </a:spcBef>
+              <a:spcAft>
+                <a:spcPct val="0"/>
+              </a:spcAft>
+              <a:buClrTx/>
+              <a:buSzTx/>
+              <a:buFontTx/>
+              <a:buChar char="•"/>
+              <a:tabLst/>
+            </a:pPr>
+            <a:r>
+              <a:rPr kumimoji="0" lang="en-US" sz="2000" b="0" i="0" u="none" strike="noStrike" cap="none" normalizeH="0" baseline="0" dirty="0" smtClean="0">
+                <a:ln>
+                  <a:noFill/>
+                </a:ln>
+                <a:solidFill>
+                  <a:schemeClr val="tx1"/>
+                </a:solidFill>
+                <a:effectLst/>
+                <a:latin typeface="Times New Roman" panose="02020603050405020304" pitchFamily="18" charset="0"/>
+                <a:cs typeface="Times New Roman" panose="02020603050405020304" pitchFamily="18" charset="0"/>
+              </a:rPr>
+              <a:t>Uses </a:t>
+            </a:r>
+            <a:r>
+              <a:rPr kumimoji="0" lang="en-US" sz="2000" b="1" i="0" u="none" strike="noStrike" cap="none" normalizeH="0" baseline="0" dirty="0" smtClean="0">
+                <a:ln>
+                  <a:noFill/>
+                </a:ln>
+                <a:solidFill>
+                  <a:schemeClr val="tx1"/>
+                </a:solidFill>
+                <a:effectLst/>
+                <a:latin typeface="Times New Roman" panose="02020603050405020304" pitchFamily="18" charset="0"/>
+                <a:cs typeface="Times New Roman" panose="02020603050405020304" pitchFamily="18" charset="0"/>
+              </a:rPr>
+              <a:t>hardcoded admin credentials</a:t>
+            </a:r>
+            <a:r>
+              <a:rPr kumimoji="0" lang="en-US" sz="2000" b="0" i="0" u="none" strike="noStrike" cap="none" normalizeH="0" baseline="0" dirty="0" smtClean="0">
+                <a:ln>
+                  <a:noFill/>
+                </a:ln>
+                <a:solidFill>
+                  <a:schemeClr val="tx1"/>
+                </a:solidFill>
+                <a:effectLst/>
+                <a:latin typeface="Times New Roman" panose="02020603050405020304" pitchFamily="18" charset="0"/>
+                <a:cs typeface="Times New Roman" panose="02020603050405020304" pitchFamily="18" charset="0"/>
+              </a:rPr>
+              <a:t>, which limits scalability.</a:t>
+            </a:r>
+          </a:p>
+          <a:p>
+            <a:pPr marL="0" marR="0" lvl="0" indent="0" algn="l" defTabSz="914400" rtl="0" eaLnBrk="0" fontAlgn="base" latinLnBrk="0" hangingPunct="0">
+              <a:lnSpc>
+                <a:spcPct val="100000"/>
+              </a:lnSpc>
+              <a:spcBef>
+                <a:spcPct val="0"/>
+              </a:spcBef>
+              <a:spcAft>
+                <a:spcPct val="0"/>
+              </a:spcAft>
+              <a:buClrTx/>
+              <a:buSzTx/>
+              <a:buFontTx/>
+              <a:buChar char="•"/>
+              <a:tabLst/>
+            </a:pPr>
+            <a:r>
+              <a:rPr kumimoji="0" lang="en-US" sz="2000" b="0" i="0" u="none" strike="noStrike" cap="none" normalizeH="0" baseline="0" dirty="0" smtClean="0">
+                <a:ln>
+                  <a:noFill/>
+                </a:ln>
+                <a:solidFill>
+                  <a:schemeClr val="tx1"/>
+                </a:solidFill>
+                <a:effectLst/>
+                <a:latin typeface="Times New Roman" panose="02020603050405020304" pitchFamily="18" charset="0"/>
+                <a:cs typeface="Times New Roman" panose="02020603050405020304" pitchFamily="18" charset="0"/>
+              </a:rPr>
+              <a:t>Emergency access depends on </a:t>
+            </a:r>
+            <a:r>
+              <a:rPr kumimoji="0" lang="en-US" sz="2000" b="1" i="0" u="none" strike="noStrike" cap="none" normalizeH="0" baseline="0" dirty="0" smtClean="0">
+                <a:ln>
+                  <a:noFill/>
+                </a:ln>
+                <a:solidFill>
+                  <a:schemeClr val="tx1"/>
+                </a:solidFill>
+                <a:effectLst/>
+                <a:latin typeface="Times New Roman" panose="02020603050405020304" pitchFamily="18" charset="0"/>
+                <a:cs typeface="Times New Roman" panose="02020603050405020304" pitchFamily="18" charset="0"/>
+              </a:rPr>
+              <a:t>admin/nominee approval</a:t>
+            </a:r>
+            <a:r>
+              <a:rPr kumimoji="0" lang="en-US" sz="2000" b="0" i="0" u="none" strike="noStrike" cap="none" normalizeH="0" baseline="0" dirty="0" smtClean="0">
+                <a:ln>
+                  <a:noFill/>
+                </a:ln>
+                <a:solidFill>
+                  <a:schemeClr val="tx1"/>
+                </a:solidFill>
+                <a:effectLst/>
+                <a:latin typeface="Times New Roman" panose="02020603050405020304" pitchFamily="18" charset="0"/>
+                <a:cs typeface="Times New Roman" panose="02020603050405020304" pitchFamily="18" charset="0"/>
+              </a:rPr>
+              <a:t>, which may cause delay.</a:t>
+            </a:r>
+          </a:p>
+          <a:p>
+            <a:pPr marL="0" marR="0" lvl="0" indent="0" algn="l" defTabSz="914400" rtl="0" eaLnBrk="0" fontAlgn="base" latinLnBrk="0" hangingPunct="0">
+              <a:lnSpc>
+                <a:spcPct val="100000"/>
+              </a:lnSpc>
+              <a:spcBef>
+                <a:spcPct val="0"/>
+              </a:spcBef>
+              <a:spcAft>
+                <a:spcPct val="0"/>
+              </a:spcAft>
+              <a:buClrTx/>
+              <a:buSzTx/>
+              <a:buFontTx/>
+              <a:buChar char="•"/>
+              <a:tabLst/>
+            </a:pPr>
+            <a:r>
+              <a:rPr kumimoji="0" lang="en-US" sz="2000" b="0" i="0" u="none" strike="noStrike" cap="none" normalizeH="0" baseline="0" dirty="0" smtClean="0">
+                <a:ln>
+                  <a:noFill/>
+                </a:ln>
+                <a:solidFill>
+                  <a:schemeClr val="tx1"/>
+                </a:solidFill>
+                <a:effectLst/>
+                <a:latin typeface="Times New Roman" panose="02020603050405020304" pitchFamily="18" charset="0"/>
+                <a:cs typeface="Times New Roman" panose="02020603050405020304" pitchFamily="18" charset="0"/>
+              </a:rPr>
+              <a:t>No </a:t>
+            </a:r>
+            <a:r>
+              <a:rPr kumimoji="0" lang="en-US" sz="2000" b="1" i="0" u="none" strike="noStrike" cap="none" normalizeH="0" baseline="0" dirty="0" smtClean="0">
+                <a:ln>
+                  <a:noFill/>
+                </a:ln>
+                <a:solidFill>
+                  <a:schemeClr val="tx1"/>
+                </a:solidFill>
+                <a:effectLst/>
+                <a:latin typeface="Times New Roman" panose="02020603050405020304" pitchFamily="18" charset="0"/>
+                <a:cs typeface="Times New Roman" panose="02020603050405020304" pitchFamily="18" charset="0"/>
+              </a:rPr>
+              <a:t>offline access</a:t>
+            </a:r>
+            <a:r>
+              <a:rPr kumimoji="0" lang="en-US" sz="2000" b="0" i="0" u="none" strike="noStrike" cap="none" normalizeH="0" baseline="0" dirty="0" smtClean="0">
+                <a:ln>
+                  <a:noFill/>
+                </a:ln>
+                <a:solidFill>
+                  <a:schemeClr val="tx1"/>
+                </a:solidFill>
+                <a:effectLst/>
+                <a:latin typeface="Times New Roman" panose="02020603050405020304" pitchFamily="18" charset="0"/>
+                <a:cs typeface="Times New Roman" panose="02020603050405020304" pitchFamily="18" charset="0"/>
+              </a:rPr>
+              <a:t> to medical records.</a:t>
+            </a:r>
+          </a:p>
+          <a:p>
+            <a:pPr marL="0" marR="0" lvl="0" indent="0" algn="l" defTabSz="914400" rtl="0" eaLnBrk="0" fontAlgn="base" latinLnBrk="0" hangingPunct="0">
+              <a:lnSpc>
+                <a:spcPct val="100000"/>
+              </a:lnSpc>
+              <a:spcBef>
+                <a:spcPct val="0"/>
+              </a:spcBef>
+              <a:spcAft>
+                <a:spcPct val="0"/>
+              </a:spcAft>
+              <a:buClrTx/>
+              <a:buSzTx/>
+              <a:buFontTx/>
+              <a:buChar char="•"/>
+              <a:tabLst/>
+            </a:pPr>
+            <a:r>
+              <a:rPr kumimoji="0" lang="en-US" sz="2000" b="0" i="0" u="none" strike="noStrike" cap="none" normalizeH="0" baseline="0" dirty="0" smtClean="0">
+                <a:ln>
+                  <a:noFill/>
+                </a:ln>
+                <a:solidFill>
+                  <a:schemeClr val="tx1"/>
+                </a:solidFill>
+                <a:effectLst/>
+                <a:latin typeface="Times New Roman" panose="02020603050405020304" pitchFamily="18" charset="0"/>
+                <a:cs typeface="Times New Roman" panose="02020603050405020304" pitchFamily="18" charset="0"/>
+              </a:rPr>
+              <a:t>Users with </a:t>
+            </a:r>
+            <a:r>
+              <a:rPr kumimoji="0" lang="en-US" sz="2000" b="1" i="0" u="none" strike="noStrike" cap="none" normalizeH="0" baseline="0" dirty="0" smtClean="0">
+                <a:ln>
+                  <a:noFill/>
+                </a:ln>
+                <a:solidFill>
+                  <a:schemeClr val="tx1"/>
+                </a:solidFill>
+                <a:effectLst/>
+                <a:latin typeface="Times New Roman" panose="02020603050405020304" pitchFamily="18" charset="0"/>
+                <a:cs typeface="Times New Roman" panose="02020603050405020304" pitchFamily="18" charset="0"/>
+              </a:rPr>
+              <a:t>low technical knowledge</a:t>
+            </a:r>
+            <a:r>
+              <a:rPr kumimoji="0" lang="en-US" sz="2000" b="0" i="0" u="none" strike="noStrike" cap="none" normalizeH="0" baseline="0" dirty="0" smtClean="0">
+                <a:ln>
+                  <a:noFill/>
+                </a:ln>
+                <a:solidFill>
+                  <a:schemeClr val="tx1"/>
+                </a:solidFill>
+                <a:effectLst/>
+                <a:latin typeface="Times New Roman" panose="02020603050405020304" pitchFamily="18" charset="0"/>
+                <a:cs typeface="Times New Roman" panose="02020603050405020304" pitchFamily="18" charset="0"/>
+              </a:rPr>
+              <a:t> may find it difficult to use</a:t>
+            </a:r>
+          </a:p>
+        </p:txBody>
+      </p:sp>
+    </p:spTree>
+    <p:extLst>
+      <p:ext uri="{BB962C8B-B14F-4D97-AF65-F5344CB8AC3E}">
+        <p14:creationId xmlns:p14="http://schemas.microsoft.com/office/powerpoint/2010/main" val="1407935658"/>
+      </p:ext>
+    </p:extLst>
+  </p:cSld>
+  <p:clrMapOvr>
+    <a:masterClrMapping/>
+  </p:clrMapOvr>
+  <p:timing>
+    <p:tnLst>
+      <p:par>
+        <p:cTn id="1" dur="indefinite" restart="never" nodeType="tmRoot"/>
+      </p:par>
+    </p:tnLst>
+  </p:timing>
+</p:sld>
+</file>
+
+<file path=ppt/slides/slide11.xml><?xml version="1.0" encoding="utf-8"?>
+<p:sld xmlns:a="http://schemas.openxmlformats.org/drawingml/2006/main" xmlns:r="http://schemas.openxmlformats.org/officeDocument/2006/relationships" xmlns:p="http://schemas.openxmlformats.org/presentationml/2006/main">
+  <p:cSld>
+    <p:spTree>
+      <p:nvGrpSpPr>
+        <p:cNvPr id="1" name=""/>
+        <p:cNvGrpSpPr/>
+        <p:nvPr/>
+      </p:nvGrpSpPr>
+      <p:grpSpPr>
+        <a:xfrm>
+          <a:off x="0" y="0"/>
+          <a:ext cx="0" cy="0"/>
+          <a:chOff x="0" y="0"/>
+          <a:chExt cx="0" cy="0"/>
+        </a:xfrm>
+      </p:grpSpPr>
+      <p:sp>
+        <p:nvSpPr>
           <p:cNvPr id="2" name="Rectangle 1"/>
           <p:cNvSpPr/>
           <p:nvPr/>
@@ -6456,7 +6951,7 @@
 </p:sld>
 </file>
 
-<file path=ppt/slides/slide11.xml><?xml version="1.0" encoding="utf-8"?>
+<file path=ppt/slides/slide12.xml><?xml version="1.0" encoding="utf-8"?>
 <p:sld xmlns:a="http://schemas.openxmlformats.org/drawingml/2006/main" xmlns:r="http://schemas.openxmlformats.org/officeDocument/2006/relationships" xmlns:p="http://schemas.openxmlformats.org/presentationml/2006/main">
   <p:cSld>
     <p:spTree>
@@ -6607,7 +7102,7 @@
 </p:sld>
 </file>
 
-<file path=ppt/slides/slide12.xml><?xml version="1.0" encoding="utf-8"?>
+<file path=ppt/slides/slide13.xml><?xml version="1.0" encoding="utf-8"?>
 <p:sld xmlns:a="http://schemas.openxmlformats.org/drawingml/2006/main" xmlns:r="http://schemas.openxmlformats.org/officeDocument/2006/relationships" xmlns:p="http://schemas.openxmlformats.org/presentationml/2006/main">
   <p:cSld>
     <p:spTree>
@@ -7087,7 +7582,7 @@
 </p:sld>
 </file>
 
-<file path=ppt/slides/slide13.xml><?xml version="1.0" encoding="utf-8"?>
+<file path=ppt/slides/slide14.xml><?xml version="1.0" encoding="utf-8"?>
 <p:sld xmlns:a="http://schemas.openxmlformats.org/drawingml/2006/main" xmlns:r="http://schemas.openxmlformats.org/officeDocument/2006/relationships" xmlns:p="http://schemas.openxmlformats.org/presentationml/2006/main">
   <p:cSld>
     <p:spTree>
@@ -7268,7 +7763,7 @@
 </p:sld>
 </file>
 
-<file path=ppt/slides/slide14.xml><?xml version="1.0" encoding="utf-8"?>
+<file path=ppt/slides/slide15.xml><?xml version="1.0" encoding="utf-8"?>
 <p:sld xmlns:a="http://schemas.openxmlformats.org/drawingml/2006/main" xmlns:r="http://schemas.openxmlformats.org/officeDocument/2006/relationships" xmlns:p="http://schemas.openxmlformats.org/presentationml/2006/main">
   <p:cSld>
     <p:spTree>
@@ -7419,261 +7914,6 @@
 </p:sld>
 </file>
 
-<file path=ppt/slides/slide15.xml><?xml version="1.0" encoding="utf-8"?>
-<p:sld xmlns:a="http://schemas.openxmlformats.org/drawingml/2006/main" xmlns:r="http://schemas.openxmlformats.org/officeDocument/2006/relationships" xmlns:p="http://schemas.openxmlformats.org/presentationml/2006/main">
-  <p:cSld>
-    <p:spTree>
-      <p:nvGrpSpPr>
-        <p:cNvPr id="1" name=""/>
-        <p:cNvGrpSpPr/>
-        <p:nvPr/>
-      </p:nvGrpSpPr>
-      <p:grpSpPr>
-        <a:xfrm>
-          <a:off x="0" y="0"/>
-          <a:ext cx="0" cy="0"/>
-          <a:chOff x="0" y="0"/>
-          <a:chExt cx="0" cy="0"/>
-        </a:xfrm>
-      </p:grpSpPr>
-      <p:sp>
-        <p:nvSpPr>
-          <p:cNvPr id="2" name="Rectangle 1"/>
-          <p:cNvSpPr/>
-          <p:nvPr/>
-        </p:nvSpPr>
-        <p:spPr>
-          <a:xfrm>
-            <a:off x="1940417" y="1263950"/>
-            <a:ext cx="6585398" cy="3477875"/>
-          </a:xfrm>
-          <a:prstGeom prst="rect">
-            <a:avLst/>
-          </a:prstGeom>
-        </p:spPr>
-        <p:txBody>
-          <a:bodyPr wrap="square">
-            <a:spAutoFit/>
-          </a:bodyPr>
-          <a:lstStyle/>
-          <a:p>
-            <a:r>
-              <a:rPr lang="en-US" sz="4000" b="1" dirty="0"/>
-              <a:t>Nominee </a:t>
-            </a:r>
-            <a:r>
-              <a:rPr lang="en-US" sz="4000" b="1" dirty="0" smtClean="0"/>
-              <a:t>Module</a:t>
-            </a:r>
-          </a:p>
-          <a:p>
-            <a:endParaRPr lang="en-US" sz="4000" b="1" dirty="0"/>
-          </a:p>
-          <a:p>
-            <a:endParaRPr lang="en-US" sz="4000" b="1" dirty="0"/>
-          </a:p>
-          <a:p>
-            <a:pPr>
-              <a:buFont typeface="Arial" panose="020B0604020202020204" pitchFamily="34" charset="0"/>
-              <a:buChar char="•"/>
-            </a:pPr>
-            <a:r>
-              <a:rPr lang="en-US" sz="2000" dirty="0">
-                <a:latin typeface="Times New Roman" panose="02020603050405020304" pitchFamily="18" charset="0"/>
-                <a:cs typeface="Times New Roman" panose="02020603050405020304" pitchFamily="18" charset="0"/>
-              </a:rPr>
-              <a:t>Nominee details linked with patient account.</a:t>
-            </a:r>
-          </a:p>
-          <a:p>
-            <a:pPr>
-              <a:buFont typeface="Arial" panose="020B0604020202020204" pitchFamily="34" charset="0"/>
-              <a:buChar char="•"/>
-            </a:pPr>
-            <a:r>
-              <a:rPr lang="en-US" sz="2000" dirty="0">
-                <a:latin typeface="Times New Roman" panose="02020603050405020304" pitchFamily="18" charset="0"/>
-                <a:cs typeface="Times New Roman" panose="02020603050405020304" pitchFamily="18" charset="0"/>
-              </a:rPr>
-              <a:t>Emergency access support during accidents or critical situations.</a:t>
-            </a:r>
-          </a:p>
-          <a:p>
-            <a:pPr>
-              <a:buFont typeface="Arial" panose="020B0604020202020204" pitchFamily="34" charset="0"/>
-              <a:buChar char="•"/>
-            </a:pPr>
-            <a:r>
-              <a:rPr lang="en-US" sz="2000" dirty="0">
-                <a:latin typeface="Times New Roman" panose="02020603050405020304" pitchFamily="18" charset="0"/>
-                <a:cs typeface="Times New Roman" panose="02020603050405020304" pitchFamily="18" charset="0"/>
-              </a:rPr>
-              <a:t>Admin-assisted authorization for doctor access in emergencies.</a:t>
-            </a:r>
-          </a:p>
-        </p:txBody>
-      </p:sp>
-      <p:sp>
-        <p:nvSpPr>
-          <p:cNvPr id="3" name="AutoShape 2" descr="https://chatgpt.com/backend-api/estuary/content?id=file_00000000f69471fa83d26132527ffe02&amp;ts=491620&amp;p=fs&amp;cid=1&amp;sig=53e5200ef6dfd87841cafb5c9ee4eef2876a5462ed897518a6e6d16e60bdb323&amp;v=0"/>
-          <p:cNvSpPr>
-            <a:spLocks noChangeAspect="1" noChangeArrowheads="1"/>
-          </p:cNvSpPr>
-          <p:nvPr/>
-        </p:nvSpPr>
-        <p:spPr bwMode="auto">
-          <a:xfrm>
-            <a:off x="155575" y="-144463"/>
-            <a:ext cx="304800" cy="304801"/>
-          </a:xfrm>
-          <a:prstGeom prst="rect">
-            <a:avLst/>
-          </a:prstGeom>
-          <a:noFill/>
-          <a:extLst>
-            <a:ext uri="{909E8E84-426E-40DD-AFC4-6F175D3DCCD1}">
-              <a14:hiddenFill xmlns:a14="http://schemas.microsoft.com/office/drawing/2010/main">
-                <a:solidFill>
-                  <a:srgbClr val="FFFFFF"/>
-                </a:solidFill>
-              </a14:hiddenFill>
-            </a:ext>
-          </a:extLst>
-        </p:spPr>
-        <p:txBody>
-          <a:bodyPr vert="horz" wrap="square" lIns="91440" tIns="45720" rIns="91440" bIns="45720" numCol="1" anchor="t" anchorCtr="0" compatLnSpc="1">
-            <a:prstTxWarp prst="textNoShape">
-              <a:avLst/>
-            </a:prstTxWarp>
-          </a:bodyPr>
-          <a:lstStyle/>
-          <a:p>
-            <a:endParaRPr lang="en-IN"/>
-          </a:p>
-        </p:txBody>
-      </p:sp>
-      <p:sp>
-        <p:nvSpPr>
-          <p:cNvPr id="4" name="AutoShape 4" descr="https://chatgpt.com/backend-api/estuary/content?id=file_00000000f69471fa83d26132527ffe02&amp;ts=491620&amp;p=fs&amp;cid=1&amp;sig=53e5200ef6dfd87841cafb5c9ee4eef2876a5462ed897518a6e6d16e60bdb323&amp;v=0"/>
-          <p:cNvSpPr>
-            <a:spLocks noChangeAspect="1" noChangeArrowheads="1"/>
-          </p:cNvSpPr>
-          <p:nvPr/>
-        </p:nvSpPr>
-        <p:spPr bwMode="auto">
-          <a:xfrm>
-            <a:off x="307975" y="7937"/>
-            <a:ext cx="304800" cy="304801"/>
-          </a:xfrm>
-          <a:prstGeom prst="rect">
-            <a:avLst/>
-          </a:prstGeom>
-          <a:noFill/>
-          <a:extLst>
-            <a:ext uri="{909E8E84-426E-40DD-AFC4-6F175D3DCCD1}">
-              <a14:hiddenFill xmlns:a14="http://schemas.microsoft.com/office/drawing/2010/main">
-                <a:solidFill>
-                  <a:srgbClr val="FFFFFF"/>
-                </a:solidFill>
-              </a14:hiddenFill>
-            </a:ext>
-          </a:extLst>
-        </p:spPr>
-        <p:txBody>
-          <a:bodyPr vert="horz" wrap="square" lIns="91440" tIns="45720" rIns="91440" bIns="45720" numCol="1" anchor="t" anchorCtr="0" compatLnSpc="1">
-            <a:prstTxWarp prst="textNoShape">
-              <a:avLst/>
-            </a:prstTxWarp>
-          </a:bodyPr>
-          <a:lstStyle/>
-          <a:p>
-            <a:endParaRPr lang="en-IN"/>
-          </a:p>
-        </p:txBody>
-      </p:sp>
-      <p:sp>
-        <p:nvSpPr>
-          <p:cNvPr id="5" name="AutoShape 6" descr="https://chatgpt.com/backend-api/estuary/content?id=file_00000000f69471fa83d26132527ffe02&amp;ts=491620&amp;p=fs&amp;cid=1&amp;sig=53e5200ef6dfd87841cafb5c9ee4eef2876a5462ed897518a6e6d16e60bdb323&amp;v=0"/>
-          <p:cNvSpPr>
-            <a:spLocks noChangeAspect="1" noChangeArrowheads="1"/>
-          </p:cNvSpPr>
-          <p:nvPr/>
-        </p:nvSpPr>
-        <p:spPr bwMode="auto">
-          <a:xfrm>
-            <a:off x="460375" y="160337"/>
-            <a:ext cx="304800" cy="304801"/>
-          </a:xfrm>
-          <a:prstGeom prst="rect">
-            <a:avLst/>
-          </a:prstGeom>
-          <a:noFill/>
-          <a:extLst>
-            <a:ext uri="{909E8E84-426E-40DD-AFC4-6F175D3DCCD1}">
-              <a14:hiddenFill xmlns:a14="http://schemas.microsoft.com/office/drawing/2010/main">
-                <a:solidFill>
-                  <a:srgbClr val="FFFFFF"/>
-                </a:solidFill>
-              </a14:hiddenFill>
-            </a:ext>
-          </a:extLst>
-        </p:spPr>
-        <p:txBody>
-          <a:bodyPr vert="horz" wrap="square" lIns="91440" tIns="45720" rIns="91440" bIns="45720" numCol="1" anchor="t" anchorCtr="0" compatLnSpc="1">
-            <a:prstTxWarp prst="textNoShape">
-              <a:avLst/>
-            </a:prstTxWarp>
-          </a:bodyPr>
-          <a:lstStyle/>
-          <a:p>
-            <a:endParaRPr lang="en-IN"/>
-          </a:p>
-        </p:txBody>
-      </p:sp>
-      <p:pic>
-        <p:nvPicPr>
-          <p:cNvPr id="6" name="Picture 5"/>
-          <p:cNvPicPr>
-            <a:picLocks noChangeAspect="1"/>
-          </p:cNvPicPr>
-          <p:nvPr/>
-        </p:nvPicPr>
-        <p:blipFill>
-          <a:blip r:embed="rId2"/>
-          <a:stretch>
-            <a:fillRect/>
-          </a:stretch>
-        </p:blipFill>
-        <p:spPr>
-          <a:xfrm>
-            <a:off x="8248100" y="0"/>
-            <a:ext cx="3943900" cy="6858000"/>
-          </a:xfrm>
-          <a:prstGeom prst="rect">
-            <a:avLst/>
-          </a:prstGeom>
-        </p:spPr>
-      </p:pic>
-    </p:spTree>
-    <p:extLst>
-      <p:ext uri="{BB962C8B-B14F-4D97-AF65-F5344CB8AC3E}">
-        <p14:creationId xmlns:p14="http://schemas.microsoft.com/office/powerpoint/2010/main" val="1930864157"/>
-      </p:ext>
-    </p:extLst>
-  </p:cSld>
-  <p:clrMapOvr>
-    <a:masterClrMapping/>
-  </p:clrMapOvr>
-  <p:timing>
-    <p:tnLst>
-      <p:par>
-        <p:cTn id="1" dur="indefinite" restart="never" nodeType="tmRoot"/>
-      </p:par>
-    </p:tnLst>
-  </p:timing>
-</p:sld>
-</file>
-
 <file path=ppt/slides/slide16.xml><?xml version="1.0" encoding="utf-8"?>
 <p:sld xmlns:a="http://schemas.openxmlformats.org/drawingml/2006/main" xmlns:r="http://schemas.openxmlformats.org/officeDocument/2006/relationships" xmlns:p="http://schemas.openxmlformats.org/presentationml/2006/main">
   <p:cSld>
@@ -7722,26 +7962,56 @@
       </p:sp>
       <p:pic>
         <p:nvPicPr>
-          <p:cNvPr id="4" name="Picture 3"/>
+          <p:cNvPr id="1026" name="Picture 2" descr="DFD2Diagram"/>
           <p:cNvPicPr>
-            <a:picLocks noChangeAspect="1"/>
+            <a:picLocks noChangeAspect="1" noChangeArrowheads="1"/>
           </p:cNvPicPr>
           <p:nvPr/>
         </p:nvPicPr>
         <p:blipFill>
-          <a:blip r:embed="rId2"/>
+          <a:blip r:embed="rId2">
+            <a:extLst>
+              <a:ext uri="{28A0092B-C50C-407E-A947-70E740481C1C}">
+                <a14:useLocalDpi xmlns:a14="http://schemas.microsoft.com/office/drawing/2010/main" val="0"/>
+              </a:ext>
+            </a:extLst>
+          </a:blip>
+          <a:srcRect/>
           <a:stretch>
             <a:fillRect/>
           </a:stretch>
         </p:blipFill>
-        <p:spPr>
+        <p:spPr bwMode="auto">
           <a:xfrm>
-            <a:off x="850143" y="1460458"/>
-            <a:ext cx="10498015" cy="5223678"/>
+            <a:off x="1313645" y="1532586"/>
+            <a:ext cx="10019763" cy="4971245"/>
           </a:xfrm>
           <a:prstGeom prst="rect">
             <a:avLst/>
           </a:prstGeom>
+          <a:noFill/>
+          <a:ln>
+            <a:noFill/>
+          </a:ln>
+          <a:extLst>
+            <a:ext uri="{909E8E84-426E-40DD-AFC4-6F175D3DCCD1}">
+              <a14:hiddenFill xmlns:a14="http://schemas.microsoft.com/office/drawing/2010/main">
+                <a:solidFill>
+                  <a:srgbClr val="FFFFFF"/>
+                </a:solidFill>
+              </a14:hiddenFill>
+            </a:ext>
+            <a:ext uri="{91240B29-F687-4F45-9708-019B960494DF}">
+              <a14:hiddenLine xmlns:a14="http://schemas.microsoft.com/office/drawing/2010/main" w="9525">
+                <a:solidFill>
+                  <a:srgbClr val="000000"/>
+                </a:solidFill>
+                <a:miter lim="800000"/>
+                <a:headEnd/>
+                <a:tailEnd/>
+              </a14:hiddenLine>
+            </a:ext>
+          </a:extLst>
         </p:spPr>
       </p:pic>
     </p:spTree>
@@ -7812,14 +8082,14 @@
       </p:sp>
       <p:pic>
         <p:nvPicPr>
-          <p:cNvPr id="1026" name="Picture 1"/>
+          <p:cNvPr id="2051" name="Picture 3" descr="ER2drawio (2)"/>
           <p:cNvPicPr>
             <a:picLocks noChangeAspect="1" noChangeArrowheads="1"/>
           </p:cNvPicPr>
           <p:nvPr/>
         </p:nvPicPr>
         <p:blipFill>
-          <a:blip r:embed="rId2" cstate="print">
+          <a:blip r:embed="rId2">
             <a:extLst>
               <a:ext uri="{28A0092B-C50C-407E-A947-70E740481C1C}">
                 <a14:useLocalDpi xmlns:a14="http://schemas.microsoft.com/office/drawing/2010/main" val="0"/>
@@ -7833,8 +8103,8 @@
         </p:blipFill>
         <p:spPr bwMode="auto">
           <a:xfrm>
-            <a:off x="785611" y="1403797"/>
-            <a:ext cx="10831133" cy="5306096"/>
+            <a:off x="1571223" y="1041595"/>
+            <a:ext cx="10393250" cy="5642540"/>
           </a:xfrm>
           <a:prstGeom prst="rect">
             <a:avLst/>
@@ -7874,6 +8144,13 @@
   <p:clrMapOvr>
     <a:masterClrMapping/>
   </p:clrMapOvr>
+  <p:timing>
+    <p:tnLst>
+      <p:par>
+        <p:cTn id="1" dur="indefinite" restart="never" nodeType="tmRoot"/>
+      </p:par>
+    </p:tnLst>
+  </p:timing>
 </p:sld>
 </file>
 
@@ -7923,90 +8200,6 @@
           </a:p>
         </p:txBody>
       </p:sp>
-      <p:pic>
-        <p:nvPicPr>
-          <p:cNvPr id="2050" name="Picture 1"/>
-          <p:cNvPicPr>
-            <a:picLocks noChangeAspect="1" noChangeArrowheads="1"/>
-          </p:cNvPicPr>
-          <p:nvPr/>
-        </p:nvPicPr>
-        <p:blipFill>
-          <a:blip r:embed="rId2">
-            <a:extLst>
-              <a:ext uri="{28A0092B-C50C-407E-A947-70E740481C1C}">
-                <a14:useLocalDpi xmlns:a14="http://schemas.microsoft.com/office/drawing/2010/main" val="0"/>
-              </a:ext>
-            </a:extLst>
-          </a:blip>
-          <a:srcRect/>
-          <a:stretch>
-            <a:fillRect/>
-          </a:stretch>
-        </p:blipFill>
-        <p:spPr bwMode="auto">
-          <a:xfrm>
-            <a:off x="1326524" y="1447196"/>
-            <a:ext cx="9259909" cy="5249818"/>
-          </a:xfrm>
-          <a:prstGeom prst="rect">
-            <a:avLst/>
-          </a:prstGeom>
-          <a:noFill/>
-          <a:ln>
-            <a:noFill/>
-          </a:ln>
-          <a:extLst>
-            <a:ext uri="{909E8E84-426E-40DD-AFC4-6F175D3DCCD1}">
-              <a14:hiddenFill xmlns:a14="http://schemas.microsoft.com/office/drawing/2010/main">
-                <a:solidFill>
-                  <a:srgbClr val="FFFFFF"/>
-                </a:solidFill>
-              </a14:hiddenFill>
-            </a:ext>
-            <a:ext uri="{91240B29-F687-4F45-9708-019B960494DF}">
-              <a14:hiddenLine xmlns:a14="http://schemas.microsoft.com/office/drawing/2010/main" w="9525">
-                <a:solidFill>
-                  <a:srgbClr val="000000"/>
-                </a:solidFill>
-                <a:miter lim="800000"/>
-                <a:headEnd/>
-                <a:tailEnd/>
-              </a14:hiddenLine>
-            </a:ext>
-          </a:extLst>
-        </p:spPr>
-      </p:pic>
-    </p:spTree>
-    <p:extLst>
-      <p:ext uri="{BB962C8B-B14F-4D97-AF65-F5344CB8AC3E}">
-        <p14:creationId xmlns:p14="http://schemas.microsoft.com/office/powerpoint/2010/main" val="1447519128"/>
-      </p:ext>
-    </p:extLst>
-  </p:cSld>
-  <p:clrMapOvr>
-    <a:masterClrMapping/>
-  </p:clrMapOvr>
-</p:sld>
-</file>
-
-<file path=ppt/slides/slide19.xml><?xml version="1.0" encoding="utf-8"?>
-<p:sld xmlns:a="http://schemas.openxmlformats.org/drawingml/2006/main" xmlns:r="http://schemas.openxmlformats.org/officeDocument/2006/relationships" xmlns:p="http://schemas.openxmlformats.org/presentationml/2006/main">
-  <p:cSld>
-    <p:spTree>
-      <p:nvGrpSpPr>
-        <p:cNvPr id="1" name=""/>
-        <p:cNvGrpSpPr/>
-        <p:nvPr/>
-      </p:nvGrpSpPr>
-      <p:grpSpPr>
-        <a:xfrm>
-          <a:off x="0" y="0"/>
-          <a:ext cx="0" cy="0"/>
-          <a:chOff x="0" y="0"/>
-          <a:chExt cx="0" cy="0"/>
-        </a:xfrm>
-      </p:grpSpPr>
       <p:pic>
         <p:nvPicPr>
           <p:cNvPr id="3074" name="Picture 1"/>
@@ -8030,8 +8223,8 @@
         </p:blipFill>
         <p:spPr bwMode="auto">
           <a:xfrm>
-            <a:off x="1107584" y="1468192"/>
-            <a:ext cx="10393250" cy="4958365"/>
+            <a:off x="1262130" y="1041595"/>
+            <a:ext cx="9878096" cy="5694056"/>
           </a:xfrm>
           <a:prstGeom prst="rect">
             <a:avLst/>
@@ -8061,6 +8254,43 @@
           </a:extLst>
         </p:spPr>
       </p:pic>
+    </p:spTree>
+    <p:extLst>
+      <p:ext uri="{BB962C8B-B14F-4D97-AF65-F5344CB8AC3E}">
+        <p14:creationId xmlns:p14="http://schemas.microsoft.com/office/powerpoint/2010/main" val="1447519128"/>
+      </p:ext>
+    </p:extLst>
+  </p:cSld>
+  <p:clrMapOvr>
+    <a:masterClrMapping/>
+  </p:clrMapOvr>
+  <p:timing>
+    <p:tnLst>
+      <p:par>
+        <p:cTn id="1" dur="indefinite" restart="never" nodeType="tmRoot"/>
+      </p:par>
+    </p:tnLst>
+  </p:timing>
+</p:sld>
+</file>
+
+<file path=ppt/slides/slide19.xml><?xml version="1.0" encoding="utf-8"?>
+<p:sld xmlns:a="http://schemas.openxmlformats.org/drawingml/2006/main" xmlns:r="http://schemas.openxmlformats.org/officeDocument/2006/relationships" xmlns:p="http://schemas.openxmlformats.org/presentationml/2006/main">
+  <p:cSld>
+    <p:spTree>
+      <p:nvGrpSpPr>
+        <p:cNvPr id="1" name=""/>
+        <p:cNvGrpSpPr/>
+        <p:nvPr/>
+      </p:nvGrpSpPr>
+      <p:grpSpPr>
+        <a:xfrm>
+          <a:off x="0" y="0"/>
+          <a:ext cx="0" cy="0"/>
+          <a:chOff x="0" y="0"/>
+          <a:chExt cx="0" cy="0"/>
+        </a:xfrm>
+      </p:grpSpPr>
       <p:sp>
         <p:nvSpPr>
           <p:cNvPr id="2" name="Rectangle 1"/>
@@ -8090,6 +8320,60 @@
           </a:p>
         </p:txBody>
       </p:sp>
+      <p:pic>
+        <p:nvPicPr>
+          <p:cNvPr id="4098" name="Picture 2" descr="class2Diagram"/>
+          <p:cNvPicPr>
+            <a:picLocks noChangeAspect="1" noChangeArrowheads="1"/>
+          </p:cNvPicPr>
+          <p:nvPr/>
+        </p:nvPicPr>
+        <p:blipFill>
+          <a:blip r:embed="rId2">
+            <a:extLst>
+              <a:ext uri="{28A0092B-C50C-407E-A947-70E740481C1C}">
+                <a14:useLocalDpi xmlns:a14="http://schemas.microsoft.com/office/drawing/2010/main" val="0"/>
+              </a:ext>
+            </a:extLst>
+          </a:blip>
+          <a:srcRect/>
+          <a:stretch>
+            <a:fillRect/>
+          </a:stretch>
+        </p:blipFill>
+        <p:spPr bwMode="auto">
+          <a:xfrm>
+            <a:off x="1416676" y="1152525"/>
+            <a:ext cx="10174310" cy="5705475"/>
+          </a:xfrm>
+          <a:prstGeom prst="rect">
+            <a:avLst/>
+          </a:prstGeom>
+          <a:noFill/>
+          <a:ln>
+            <a:noFill/>
+          </a:ln>
+          <a:extLst>
+            <a:ext uri="{909E8E84-426E-40DD-AFC4-6F175D3DCCD1}">
+              <a14:hiddenFill xmlns:a14="http://schemas.microsoft.com/office/drawing/2010/main">
+                <a:solidFill>
+                  <a:srgbClr val="FFFFFF"/>
+                </a:solidFill>
+              </a14:hiddenFill>
+            </a:ext>
+            <a:ext uri="{91240B29-F687-4F45-9708-019B960494DF}">
+              <a14:hiddenLine xmlns:a14="http://schemas.microsoft.com/office/drawing/2010/main" w="9525">
+                <a:solidFill>
+                  <a:srgbClr val="000000"/>
+                </a:solidFill>
+                <a:miter lim="800000"/>
+                <a:headEnd/>
+                <a:tailEnd/>
+              </a14:hiddenLine>
+            </a:ext>
+          </a:extLst>
+        </p:spPr>
+      </p:pic>
     </p:spTree>
     <p:extLst>
       <p:ext uri="{BB962C8B-B14F-4D97-AF65-F5344CB8AC3E}">
@@ -8100,6 +8384,13 @@
   <p:clrMapOvr>
     <a:masterClrMapping/>
   </p:clrMapOvr>
+  <p:timing>
+    <p:tnLst>
+      <p:par>
+        <p:cTn id="1" dur="indefinite" restart="never" nodeType="tmRoot"/>
+      </p:par>
+    </p:tnLst>
+  </p:timing>
 </p:sld>
 </file>
 
@@ -8122,76 +8413,90 @@
       </p:grpSpPr>
       <p:sp>
         <p:nvSpPr>
-          <p:cNvPr id="2" name="Title 1"/>
-          <p:cNvSpPr>
-            <a:spLocks noGrp="1"/>
-          </p:cNvSpPr>
-          <p:nvPr>
-            <p:ph type="title"/>
-          </p:nvPr>
-        </p:nvSpPr>
-        <p:spPr/>
-        <p:txBody>
-          <a:bodyPr/>
-          <a:lstStyle/>
-          <a:p>
-            <a:r>
-              <a:rPr lang="en-US" dirty="0" smtClean="0"/>
-              <a:t>Abstract</a:t>
-            </a:r>
-            <a:endParaRPr lang="en-IN" dirty="0"/>
-          </a:p>
-        </p:txBody>
-      </p:sp>
-      <p:sp>
-        <p:nvSpPr>
-          <p:cNvPr id="3" name="Content Placeholder 2"/>
-          <p:cNvSpPr>
-            <a:spLocks noGrp="1"/>
-          </p:cNvSpPr>
-          <p:nvPr>
-            <p:ph idx="1"/>
-          </p:nvPr>
-        </p:nvSpPr>
-        <p:spPr/>
-        <p:txBody>
-          <a:bodyPr>
-            <a:normAutofit/>
+          <p:cNvPr id="2" name="TextBox 1"/>
+          <p:cNvSpPr txBox="1"/>
+          <p:nvPr/>
+        </p:nvSpPr>
+        <p:spPr>
+          <a:xfrm>
+            <a:off x="4069723" y="1275008"/>
+            <a:ext cx="3346172" cy="769441"/>
+          </a:xfrm>
+          <a:prstGeom prst="rect">
+            <a:avLst/>
+          </a:prstGeom>
+          <a:noFill/>
+        </p:spPr>
+        <p:txBody>
+          <a:bodyPr wrap="none" rtlCol="0">
+            <a:spAutoFit/>
           </a:bodyPr>
           <a:lstStyle/>
           <a:p>
             <a:r>
-              <a:rPr lang="en-US" sz="2000" dirty="0">
-                <a:latin typeface="Times New Roman" panose="02020603050405020304" pitchFamily="18" charset="0"/>
-                <a:cs typeface="Times New Roman" panose="02020603050405020304" pitchFamily="18" charset="0"/>
-              </a:rPr>
-              <a:t>The Digital Health Card System is a secure healthcare management platform that allows patients to access and manage their medical records digitally. The system eliminates the need for carrying physical medical reports by providing centralized, role-based access to patient health data. It involves five main entities: Admin, Patient, Doctor, Lab Technician, and Nominee. </a:t>
-            </a:r>
-            <a:r>
-              <a:rPr lang="en-US" sz="2000" dirty="0" err="1">
-                <a:latin typeface="Times New Roman" panose="02020603050405020304" pitchFamily="18" charset="0"/>
-                <a:cs typeface="Times New Roman" panose="02020603050405020304" pitchFamily="18" charset="0"/>
-              </a:rPr>
-              <a:t>Aadhaar</a:t>
-            </a:r>
-            <a:r>
-              <a:rPr lang="en-US" sz="2000" dirty="0">
-                <a:latin typeface="Times New Roman" panose="02020603050405020304" pitchFamily="18" charset="0"/>
-                <a:cs typeface="Times New Roman" panose="02020603050405020304" pitchFamily="18" charset="0"/>
-              </a:rPr>
-              <a:t>-based authentication, admin verification, and patient consent ensure data security, privacy, and controlled access to sensitive medical information.</a:t>
-            </a:r>
-            <a:endParaRPr lang="en-IN" sz="2000" dirty="0">
+              <a:rPr lang="en-US" sz="4400" dirty="0" err="1" smtClean="0">
+                <a:solidFill>
+                  <a:schemeClr val="accent1">
+                    <a:lumMod val="75000"/>
+                  </a:schemeClr>
+                </a:solidFill>
+                <a:latin typeface="Times New Roman" panose="02020603050405020304" pitchFamily="18" charset="0"/>
+                <a:cs typeface="Times New Roman" panose="02020603050405020304" pitchFamily="18" charset="0"/>
+              </a:rPr>
+              <a:t>Aarogya</a:t>
+            </a:r>
+            <a:r>
+              <a:rPr lang="en-US" sz="4400" dirty="0" smtClean="0">
+                <a:solidFill>
+                  <a:schemeClr val="accent1">
+                    <a:lumMod val="75000"/>
+                  </a:schemeClr>
+                </a:solidFill>
+                <a:latin typeface="Times New Roman" panose="02020603050405020304" pitchFamily="18" charset="0"/>
+                <a:cs typeface="Times New Roman" panose="02020603050405020304" pitchFamily="18" charset="0"/>
+              </a:rPr>
+              <a:t> Card</a:t>
+            </a:r>
+            <a:endParaRPr lang="en-IN" sz="4400" dirty="0">
+              <a:solidFill>
+                <a:schemeClr val="accent1">
+                  <a:lumMod val="75000"/>
+                </a:schemeClr>
+              </a:solidFill>
               <a:latin typeface="Times New Roman" panose="02020603050405020304" pitchFamily="18" charset="0"/>
               <a:cs typeface="Times New Roman" panose="02020603050405020304" pitchFamily="18" charset="0"/>
             </a:endParaRPr>
           </a:p>
         </p:txBody>
       </p:sp>
+      <p:pic>
+        <p:nvPicPr>
+          <p:cNvPr id="3" name="Picture 2"/>
+          <p:cNvPicPr>
+            <a:picLocks noChangeAspect="1"/>
+          </p:cNvPicPr>
+          <p:nvPr/>
+        </p:nvPicPr>
+        <p:blipFill>
+          <a:blip r:embed="rId2"/>
+          <a:stretch>
+            <a:fillRect/>
+          </a:stretch>
+        </p:blipFill>
+        <p:spPr>
+          <a:xfrm>
+            <a:off x="4836581" y="2994507"/>
+            <a:ext cx="2095792" cy="1409897"/>
+          </a:xfrm>
+          <a:prstGeom prst="rect">
+            <a:avLst/>
+          </a:prstGeom>
+        </p:spPr>
+      </p:pic>
     </p:spTree>
     <p:extLst>
       <p:ext uri="{BB962C8B-B14F-4D97-AF65-F5344CB8AC3E}">
-        <p14:creationId xmlns:p14="http://schemas.microsoft.com/office/powerpoint/2010/main" val="400998114"/>
+        <p14:creationId xmlns:p14="http://schemas.microsoft.com/office/powerpoint/2010/main" val="3621216924"/>
       </p:ext>
     </p:extLst>
   </p:cSld>
@@ -8225,9 +8530,38 @@
           <a:chExt cx="0" cy="0"/>
         </a:xfrm>
       </p:grpSpPr>
+      <p:sp>
+        <p:nvSpPr>
+          <p:cNvPr id="2" name="Rectangle 1"/>
+          <p:cNvSpPr/>
+          <p:nvPr/>
+        </p:nvSpPr>
+        <p:spPr>
+          <a:xfrm>
+            <a:off x="3964580" y="359467"/>
+            <a:ext cx="4357283" cy="707886"/>
+          </a:xfrm>
+          <a:prstGeom prst="rect">
+            <a:avLst/>
+          </a:prstGeom>
+        </p:spPr>
+        <p:txBody>
+          <a:bodyPr wrap="none">
+            <a:spAutoFit/>
+          </a:bodyPr>
+          <a:lstStyle/>
+          <a:p>
+            <a:r>
+              <a:rPr lang="en-US" sz="4000" b="1" dirty="0" smtClean="0"/>
+              <a:t>Sequence Diagram</a:t>
+            </a:r>
+            <a:endParaRPr lang="en-IN" sz="4000" b="1" dirty="0"/>
+          </a:p>
+        </p:txBody>
+      </p:sp>
       <p:pic>
         <p:nvPicPr>
-          <p:cNvPr id="4098" name="Picture 1"/>
+          <p:cNvPr id="5122" name="Picture 1"/>
           <p:cNvPicPr>
             <a:picLocks noChangeAspect="1" noChangeArrowheads="1"/>
           </p:cNvPicPr>
@@ -8248,8 +8582,8 @@
         </p:blipFill>
         <p:spPr bwMode="auto">
           <a:xfrm>
-            <a:off x="734094" y="1532587"/>
-            <a:ext cx="10818253" cy="5048518"/>
+            <a:off x="1068946" y="1504950"/>
+            <a:ext cx="10676586" cy="5353050"/>
           </a:xfrm>
           <a:prstGeom prst="rect">
             <a:avLst/>
@@ -8279,35 +8613,6 @@
           </a:extLst>
         </p:spPr>
       </p:pic>
-      <p:sp>
-        <p:nvSpPr>
-          <p:cNvPr id="2" name="Rectangle 1"/>
-          <p:cNvSpPr/>
-          <p:nvPr/>
-        </p:nvSpPr>
-        <p:spPr>
-          <a:xfrm>
-            <a:off x="3964580" y="359467"/>
-            <a:ext cx="4357283" cy="707886"/>
-          </a:xfrm>
-          <a:prstGeom prst="rect">
-            <a:avLst/>
-          </a:prstGeom>
-        </p:spPr>
-        <p:txBody>
-          <a:bodyPr wrap="none">
-            <a:spAutoFit/>
-          </a:bodyPr>
-          <a:lstStyle/>
-          <a:p>
-            <a:r>
-              <a:rPr lang="en-US" sz="4000" b="1" dirty="0" smtClean="0"/>
-              <a:t>Sequence Diagram</a:t>
-            </a:r>
-            <a:endParaRPr lang="en-IN" sz="4000" b="1" dirty="0"/>
-          </a:p>
-        </p:txBody>
-      </p:sp>
     </p:spTree>
     <p:extLst>
       <p:ext uri="{BB962C8B-B14F-4D97-AF65-F5344CB8AC3E}">
@@ -8318,6 +8623,13 @@
   <p:clrMapOvr>
     <a:masterClrMapping/>
   </p:clrMapOvr>
+  <p:timing>
+    <p:tnLst>
+      <p:par>
+        <p:cTn id="1" dur="indefinite" restart="never" nodeType="tmRoot"/>
+      </p:par>
+    </p:tnLst>
+  </p:timing>
 </p:sld>
 </file>
 
@@ -9273,7 +9585,7 @@
           <a:p>
             <a:r>
               <a:rPr lang="en-US" dirty="0" smtClean="0"/>
-              <a:t>Introduction</a:t>
+              <a:t>Abstract</a:t>
             </a:r>
             <a:endParaRPr lang="en-IN" dirty="0"/>
           </a:p>
@@ -9292,50 +9604,42 @@
         <p:spPr/>
         <p:txBody>
           <a:bodyPr>
-            <a:normAutofit fontScale="25000" lnSpcReduction="20000"/>
+            <a:normAutofit/>
           </a:bodyPr>
           <a:lstStyle/>
           <a:p>
             <a:r>
-              <a:rPr lang="en-US" sz="8000" dirty="0">
-                <a:latin typeface="Times New Roman" panose="02020603050405020304" pitchFamily="18" charset="0"/>
-                <a:cs typeface="Times New Roman" panose="02020603050405020304" pitchFamily="18" charset="0"/>
-              </a:rPr>
-              <a:t>In today’s fast-paced healthcare environment, managing medical records in physical form has become inefficient and unreliable. Patients often misplace reports or forget to carry them during consultations, leading to delays in diagnosis and treatment. Moreover, sharing medical data among healthcare providers remains a challenge due to the lack of a centralized and secure platform.</a:t>
-            </a:r>
-          </a:p>
-          <a:p>
-            <a:r>
-              <a:rPr lang="en-US" sz="8000" dirty="0">
-                <a:latin typeface="Times New Roman" panose="02020603050405020304" pitchFamily="18" charset="0"/>
-                <a:cs typeface="Times New Roman" panose="02020603050405020304" pitchFamily="18" charset="0"/>
-              </a:rPr>
-              <a:t>The Digital Health Card System addresses these challenges by providing a secure digital solution for storing and accessing patient medical records. The system uses </a:t>
-            </a:r>
-            <a:r>
-              <a:rPr lang="en-US" sz="8000" dirty="0" err="1">
+              <a:rPr lang="en-US" sz="2000" dirty="0">
+                <a:latin typeface="Times New Roman" panose="02020603050405020304" pitchFamily="18" charset="0"/>
+                <a:cs typeface="Times New Roman" panose="02020603050405020304" pitchFamily="18" charset="0"/>
+              </a:rPr>
+              <a:t>The Digital Health Card System is a secure healthcare management platform that allows patients to access and manage their medical records digitally. The system eliminates the need for carrying physical medical reports by providing centralized, role-based access to patient health data. It involves five main entities: Admin, Patient, Doctor, Lab Technician, and Nominee. </a:t>
+            </a:r>
+            <a:r>
+              <a:rPr lang="en-US" sz="2000" dirty="0" err="1">
                 <a:latin typeface="Times New Roman" panose="02020603050405020304" pitchFamily="18" charset="0"/>
                 <a:cs typeface="Times New Roman" panose="02020603050405020304" pitchFamily="18" charset="0"/>
               </a:rPr>
               <a:t>Aadhaar</a:t>
             </a:r>
             <a:r>
-              <a:rPr lang="en-US" sz="8000" dirty="0">
-                <a:latin typeface="Times New Roman" panose="02020603050405020304" pitchFamily="18" charset="0"/>
-                <a:cs typeface="Times New Roman" panose="02020603050405020304" pitchFamily="18" charset="0"/>
-              </a:rPr>
-              <a:t>-based authentication to uniquely identify patients and generates a Health Card ID that acts as a digital identity for accessing medical data. With role-based access control, the system ensures that only authorized users such as doctors and lab technicians can upload or modify patient data after admin verification. Additionally, the nominee-based emergency access mechanism allows doctors to access patient medical history during critical situations. This system aims to improve healthcare efficiency, data accessibility, and patient safety.</a:t>
-            </a:r>
-          </a:p>
-          <a:p>
-            <a:endParaRPr lang="en-IN" dirty="0"/>
+              <a:rPr lang="en-US" sz="2000" dirty="0">
+                <a:latin typeface="Times New Roman" panose="02020603050405020304" pitchFamily="18" charset="0"/>
+                <a:cs typeface="Times New Roman" panose="02020603050405020304" pitchFamily="18" charset="0"/>
+              </a:rPr>
+              <a:t>-based authentication, admin verification, and patient consent ensure data security, privacy, and controlled access to sensitive medical information.</a:t>
+            </a:r>
+            <a:endParaRPr lang="en-IN" sz="2000" dirty="0">
+              <a:latin typeface="Times New Roman" panose="02020603050405020304" pitchFamily="18" charset="0"/>
+              <a:cs typeface="Times New Roman" panose="02020603050405020304" pitchFamily="18" charset="0"/>
+            </a:endParaRPr>
           </a:p>
         </p:txBody>
       </p:sp>
     </p:spTree>
     <p:extLst>
       <p:ext uri="{BB962C8B-B14F-4D97-AF65-F5344CB8AC3E}">
-        <p14:creationId xmlns:p14="http://schemas.microsoft.com/office/powerpoint/2010/main" val="1476982468"/>
+        <p14:creationId xmlns:p14="http://schemas.microsoft.com/office/powerpoint/2010/main" val="400998114"/>
       </p:ext>
     </p:extLst>
   </p:cSld>
@@ -9386,7 +9690,7 @@
           <a:p>
             <a:r>
               <a:rPr lang="en-US" dirty="0" smtClean="0"/>
-              <a:t>Problem Statement</a:t>
+              <a:t>Introduction</a:t>
             </a:r>
             <a:endParaRPr lang="en-IN" dirty="0"/>
           </a:p>
@@ -9405,28 +9709,50 @@
         <p:spPr/>
         <p:txBody>
           <a:bodyPr>
-            <a:normAutofit/>
+            <a:normAutofit fontScale="25000" lnSpcReduction="20000"/>
           </a:bodyPr>
           <a:lstStyle/>
           <a:p>
             <a:r>
-              <a:rPr lang="en-US" sz="2000" dirty="0">
-                <a:latin typeface="Times New Roman" panose="02020603050405020304" pitchFamily="18" charset="0"/>
-                <a:cs typeface="Times New Roman" panose="02020603050405020304" pitchFamily="18" charset="0"/>
-              </a:rPr>
-              <a:t>In the existing healthcare system, patients are required to carry physical medical reports during hospital visits or emergencies. These reports can be misplaced, damaged, or unavailable when urgently needed. There is no centralized, secure, and easily accessible digital platform that allows patients, doctors, and laboratories to manage medical records efficiently. Additionally, unauthorized access to sensitive health data and lack of patient consent mechanisms create privacy and security concerns. Hence, there is a need for a secure digital system that enables electronic storage, controlled access, and easy retrieval of medical records using reliable authentication methods.</a:t>
-            </a:r>
-            <a:endParaRPr lang="en-IN" sz="2000" dirty="0">
-              <a:latin typeface="Times New Roman" panose="02020603050405020304" pitchFamily="18" charset="0"/>
-              <a:cs typeface="Times New Roman" panose="02020603050405020304" pitchFamily="18" charset="0"/>
-            </a:endParaRPr>
+              <a:rPr lang="en-US" sz="8000" dirty="0">
+                <a:latin typeface="Times New Roman" panose="02020603050405020304" pitchFamily="18" charset="0"/>
+                <a:cs typeface="Times New Roman" panose="02020603050405020304" pitchFamily="18" charset="0"/>
+              </a:rPr>
+              <a:t>In today’s fast-paced healthcare environment, managing medical records in physical form has become inefficient and unreliable. Patients often misplace reports or forget to carry them during consultations, leading to delays in diagnosis and treatment. Moreover, sharing medical data among healthcare providers remains a challenge due to the lack of a centralized and secure platform.</a:t>
+            </a:r>
+          </a:p>
+          <a:p>
+            <a:r>
+              <a:rPr lang="en-US" sz="8000" dirty="0">
+                <a:latin typeface="Times New Roman" panose="02020603050405020304" pitchFamily="18" charset="0"/>
+                <a:cs typeface="Times New Roman" panose="02020603050405020304" pitchFamily="18" charset="0"/>
+              </a:rPr>
+              <a:t>The Digital Health Card System addresses these challenges by providing a secure digital solution for storing and accessing patient medical records. The system uses </a:t>
+            </a:r>
+            <a:r>
+              <a:rPr lang="en-US" sz="8000" dirty="0" err="1">
+                <a:latin typeface="Times New Roman" panose="02020603050405020304" pitchFamily="18" charset="0"/>
+                <a:cs typeface="Times New Roman" panose="02020603050405020304" pitchFamily="18" charset="0"/>
+              </a:rPr>
+              <a:t>Aadhaar</a:t>
+            </a:r>
+            <a:r>
+              <a:rPr lang="en-US" sz="8000" dirty="0">
+                <a:latin typeface="Times New Roman" panose="02020603050405020304" pitchFamily="18" charset="0"/>
+                <a:cs typeface="Times New Roman" panose="02020603050405020304" pitchFamily="18" charset="0"/>
+              </a:rPr>
+              <a:t>-based authentication to uniquely identify patients and generates a Health Card ID that acts as a digital identity for accessing medical data. With role-based access control, the system ensures that only authorized users such as doctors and lab technicians can upload or modify patient data after admin verification. Additionally, the nominee-based emergency access mechanism allows doctors to access patient medical history during critical situations. This system aims to improve healthcare efficiency, data accessibility, and patient safety.</a:t>
+            </a:r>
+          </a:p>
+          <a:p>
+            <a:endParaRPr lang="en-IN" dirty="0"/>
           </a:p>
         </p:txBody>
       </p:sp>
     </p:spTree>
     <p:extLst>
       <p:ext uri="{BB962C8B-B14F-4D97-AF65-F5344CB8AC3E}">
-        <p14:creationId xmlns:p14="http://schemas.microsoft.com/office/powerpoint/2010/main" val="3751756247"/>
+        <p14:creationId xmlns:p14="http://schemas.microsoft.com/office/powerpoint/2010/main" val="1476982468"/>
       </p:ext>
     </p:extLst>
   </p:cSld>
@@ -9477,7 +9803,7 @@
           <a:p>
             <a:r>
               <a:rPr lang="en-US" dirty="0" smtClean="0"/>
-              <a:t>Project Overview</a:t>
+              <a:t>Problem Statement</a:t>
             </a:r>
             <a:endParaRPr lang="en-IN" dirty="0"/>
           </a:p>
@@ -9505,67 +9831,8 @@
                 <a:latin typeface="Times New Roman" panose="02020603050405020304" pitchFamily="18" charset="0"/>
                 <a:cs typeface="Times New Roman" panose="02020603050405020304" pitchFamily="18" charset="0"/>
               </a:rPr>
-              <a:t>The </a:t>
-            </a:r>
-            <a:r>
-              <a:rPr lang="en-US" sz="2000" b="1" dirty="0">
-                <a:latin typeface="Times New Roman" panose="02020603050405020304" pitchFamily="18" charset="0"/>
-                <a:cs typeface="Times New Roman" panose="02020603050405020304" pitchFamily="18" charset="0"/>
-              </a:rPr>
-              <a:t>Digital Health Card System</a:t>
-            </a:r>
-            <a:r>
-              <a:rPr lang="en-US" sz="2000" dirty="0">
-                <a:latin typeface="Times New Roman" panose="02020603050405020304" pitchFamily="18" charset="0"/>
-                <a:cs typeface="Times New Roman" panose="02020603050405020304" pitchFamily="18" charset="0"/>
-              </a:rPr>
-              <a:t> is designed to provide patients with secure digital access to their medical records, eliminating the need to carry physical reports. The system ensures centralized storage, controlled access, and role-based permissions for healthcare stakeholders.</a:t>
-            </a:r>
-          </a:p>
-          <a:p>
-            <a:r>
-              <a:rPr lang="en-US" sz="2000" dirty="0">
-                <a:latin typeface="Times New Roman" panose="02020603050405020304" pitchFamily="18" charset="0"/>
-                <a:cs typeface="Times New Roman" panose="02020603050405020304" pitchFamily="18" charset="0"/>
-              </a:rPr>
-              <a:t>The system consists of </a:t>
-            </a:r>
-            <a:r>
-              <a:rPr lang="en-US" sz="2000" b="1" dirty="0">
-                <a:latin typeface="Times New Roman" panose="02020603050405020304" pitchFamily="18" charset="0"/>
-                <a:cs typeface="Times New Roman" panose="02020603050405020304" pitchFamily="18" charset="0"/>
-              </a:rPr>
-              <a:t>five main entities</a:t>
-            </a:r>
-            <a:r>
-              <a:rPr lang="en-US" sz="2000" dirty="0">
-                <a:latin typeface="Times New Roman" panose="02020603050405020304" pitchFamily="18" charset="0"/>
-                <a:cs typeface="Times New Roman" panose="02020603050405020304" pitchFamily="18" charset="0"/>
-              </a:rPr>
-              <a:t>:</a:t>
-            </a:r>
-            <a:br>
-              <a:rPr lang="en-US" sz="2000" dirty="0">
-                <a:latin typeface="Times New Roman" panose="02020603050405020304" pitchFamily="18" charset="0"/>
-                <a:cs typeface="Times New Roman" panose="02020603050405020304" pitchFamily="18" charset="0"/>
-              </a:rPr>
-            </a:br>
-            <a:r>
-              <a:rPr lang="en-US" sz="2000" b="1" dirty="0">
-                <a:latin typeface="Times New Roman" panose="02020603050405020304" pitchFamily="18" charset="0"/>
-                <a:cs typeface="Times New Roman" panose="02020603050405020304" pitchFamily="18" charset="0"/>
-              </a:rPr>
-              <a:t>Admin, Patient, Doctor, Nominee, and Lab Technician</a:t>
-            </a:r>
-            <a:r>
-              <a:rPr lang="en-US" sz="2000" dirty="0">
-                <a:latin typeface="Times New Roman" panose="02020603050405020304" pitchFamily="18" charset="0"/>
-                <a:cs typeface="Times New Roman" panose="02020603050405020304" pitchFamily="18" charset="0"/>
-              </a:rPr>
-              <a:t>.</a:t>
-            </a:r>
-          </a:p>
-          <a:p>
+              <a:t>In the existing healthcare system, patients are required to carry physical medical reports during hospital visits or emergencies. These reports can be misplaced, damaged, or unavailable when urgently needed. There is no centralized, secure, and easily accessible digital platform that allows patients, doctors, and laboratories to manage medical records efficiently. Additionally, unauthorized access to sensitive health data and lack of patient consent mechanisms create privacy and security concerns. Hence, there is a need for a secure digital system that enables electronic storage, controlled access, and easy retrieval of medical records using reliable authentication methods.</a:t>
+            </a:r>
             <a:endParaRPr lang="en-IN" sz="2000" dirty="0">
               <a:latin typeface="Times New Roman" panose="02020603050405020304" pitchFamily="18" charset="0"/>
               <a:cs typeface="Times New Roman" panose="02020603050405020304" pitchFamily="18" charset="0"/>
@@ -9576,7 +9843,7 @@
     </p:spTree>
     <p:extLst>
       <p:ext uri="{BB962C8B-B14F-4D97-AF65-F5344CB8AC3E}">
-        <p14:creationId xmlns:p14="http://schemas.microsoft.com/office/powerpoint/2010/main" val="2276017397"/>
+        <p14:creationId xmlns:p14="http://schemas.microsoft.com/office/powerpoint/2010/main" val="3751756247"/>
       </p:ext>
     </p:extLst>
   </p:cSld>
@@ -9627,7 +9894,7 @@
           <a:p>
             <a:r>
               <a:rPr lang="en-US" dirty="0" smtClean="0"/>
-              <a:t>Aim</a:t>
+              <a:t>Project Overview</a:t>
             </a:r>
             <a:endParaRPr lang="en-IN" dirty="0"/>
           </a:p>
@@ -9651,33 +9918,71 @@
           <a:lstStyle/>
           <a:p>
             <a:r>
-              <a:rPr lang="en-US" sz="2000" dirty="0" smtClean="0">
+              <a:rPr lang="en-US" sz="2000" dirty="0">
                 <a:latin typeface="Times New Roman" panose="02020603050405020304" pitchFamily="18" charset="0"/>
                 <a:cs typeface="Times New Roman" panose="02020603050405020304" pitchFamily="18" charset="0"/>
               </a:rPr>
               <a:t>The </a:t>
             </a:r>
             <a:r>
+              <a:rPr lang="en-US" sz="2000" b="1" dirty="0">
+                <a:latin typeface="Times New Roman" panose="02020603050405020304" pitchFamily="18" charset="0"/>
+                <a:cs typeface="Times New Roman" panose="02020603050405020304" pitchFamily="18" charset="0"/>
+              </a:rPr>
+              <a:t>Digital Health Card System</a:t>
+            </a:r>
+            <a:r>
               <a:rPr lang="en-US" sz="2000" dirty="0">
                 <a:latin typeface="Times New Roman" panose="02020603050405020304" pitchFamily="18" charset="0"/>
                 <a:cs typeface="Times New Roman" panose="02020603050405020304" pitchFamily="18" charset="0"/>
               </a:rPr>
-              <a:t>aim of the </a:t>
+              <a:t> is designed to provide patients with secure digital access to their medical records, eliminating the need to carry physical reports. The system ensures centralized storage, controlled access, and role-based permissions for healthcare stakeholders.</a:t>
+            </a:r>
+          </a:p>
+          <a:p>
+            <a:r>
+              <a:rPr lang="en-US" sz="2000" dirty="0">
+                <a:latin typeface="Times New Roman" panose="02020603050405020304" pitchFamily="18" charset="0"/>
+                <a:cs typeface="Times New Roman" panose="02020603050405020304" pitchFamily="18" charset="0"/>
+              </a:rPr>
+              <a:t>The system consists of </a:t>
             </a:r>
             <a:r>
               <a:rPr lang="en-US" sz="2000" b="1" dirty="0">
                 <a:latin typeface="Times New Roman" panose="02020603050405020304" pitchFamily="18" charset="0"/>
                 <a:cs typeface="Times New Roman" panose="02020603050405020304" pitchFamily="18" charset="0"/>
               </a:rPr>
-              <a:t>Digital Health Card System</a:t>
+              <a:t>five main entities</a:t>
             </a:r>
             <a:r>
               <a:rPr lang="en-US" sz="2000" dirty="0">
                 <a:latin typeface="Times New Roman" panose="02020603050405020304" pitchFamily="18" charset="0"/>
                 <a:cs typeface="Times New Roman" panose="02020603050405020304" pitchFamily="18" charset="0"/>
               </a:rPr>
-              <a:t> is to provide a secure, centralized, and digital platform for managing patient medical records, enabling easy access to health information for patients, doctors, and lab technicians while eliminating the need for carrying physical medical reports</a:t>
-            </a:r>
+              <a:t>:</a:t>
+            </a:r>
+            <a:br>
+              <a:rPr lang="en-US" sz="2000" dirty="0">
+                <a:latin typeface="Times New Roman" panose="02020603050405020304" pitchFamily="18" charset="0"/>
+                <a:cs typeface="Times New Roman" panose="02020603050405020304" pitchFamily="18" charset="0"/>
+              </a:rPr>
+            </a:br>
+            <a:r>
+              <a:rPr lang="en-US" sz="2000" b="1" dirty="0">
+                <a:latin typeface="Times New Roman" panose="02020603050405020304" pitchFamily="18" charset="0"/>
+                <a:cs typeface="Times New Roman" panose="02020603050405020304" pitchFamily="18" charset="0"/>
+              </a:rPr>
+              <a:t>Admin, Patient, Doctor, Nominee, and Lab Technician</a:t>
+            </a:r>
+            <a:r>
+              <a:rPr lang="en-US" sz="2000" dirty="0">
+                <a:latin typeface="Times New Roman" panose="02020603050405020304" pitchFamily="18" charset="0"/>
+                <a:cs typeface="Times New Roman" panose="02020603050405020304" pitchFamily="18" charset="0"/>
+              </a:rPr>
+              <a:t>.</a:t>
+            </a:r>
+          </a:p>
+          <a:p>
             <a:endParaRPr lang="en-IN" sz="2000" dirty="0">
               <a:latin typeface="Times New Roman" panose="02020603050405020304" pitchFamily="18" charset="0"/>
               <a:cs typeface="Times New Roman" panose="02020603050405020304" pitchFamily="18" charset="0"/>
@@ -9688,7 +9993,7 @@
     </p:spTree>
     <p:extLst>
       <p:ext uri="{BB962C8B-B14F-4D97-AF65-F5344CB8AC3E}">
-        <p14:creationId xmlns:p14="http://schemas.microsoft.com/office/powerpoint/2010/main" val="2545217266"/>
+        <p14:creationId xmlns:p14="http://schemas.microsoft.com/office/powerpoint/2010/main" val="2276017397"/>
       </p:ext>
     </p:extLst>
   </p:cSld>
@@ -9739,7 +10044,7 @@
           <a:p>
             <a:r>
               <a:rPr lang="en-US" dirty="0" smtClean="0"/>
-              <a:t>Objective</a:t>
+              <a:t>Aim</a:t>
             </a:r>
             <a:endParaRPr lang="en-IN" dirty="0"/>
           </a:p>
@@ -9747,652 +10052,60 @@
       </p:sp>
       <p:sp>
         <p:nvSpPr>
-          <p:cNvPr id="5" name="Rectangle 3"/>
-          <p:cNvSpPr>
-            <a:spLocks noGrp="1" noChangeArrowheads="1"/>
+          <p:cNvPr id="3" name="Content Placeholder 2"/>
+          <p:cNvSpPr>
+            <a:spLocks noGrp="1"/>
           </p:cNvSpPr>
           <p:nvPr>
             <p:ph idx="1"/>
           </p:nvPr>
         </p:nvSpPr>
-        <p:spPr bwMode="auto">
-          <a:xfrm>
-            <a:off x="1484312" y="2490164"/>
-            <a:ext cx="9436973" cy="3477875"/>
-          </a:xfrm>
-          <a:prstGeom prst="rect">
-            <a:avLst/>
-          </a:prstGeom>
-          <a:noFill/>
-          <a:ln>
-            <a:noFill/>
-          </a:ln>
-          <a:effectLst/>
-          <a:extLst>
-            <a:ext uri="{909E8E84-426E-40DD-AFC4-6F175D3DCCD1}">
-              <a14:hiddenFill xmlns:a14="http://schemas.microsoft.com/office/drawing/2010/main">
-                <a:solidFill>
-                  <a:schemeClr val="accent1"/>
-                </a:solidFill>
-              </a14:hiddenFill>
-            </a:ext>
-            <a:ext uri="{91240B29-F687-4F45-9708-019B960494DF}">
-              <a14:hiddenLine xmlns:a14="http://schemas.microsoft.com/office/drawing/2010/main" w="9525">
-                <a:solidFill>
-                  <a:schemeClr val="tx1"/>
-                </a:solidFill>
-                <a:miter lim="800000"/>
-                <a:headEnd/>
-                <a:tailEnd/>
-              </a14:hiddenLine>
-            </a:ext>
-            <a:ext uri="{AF507438-7753-43E0-B8FC-AC1667EBCBE1}">
-              <a14:hiddenEffects xmlns:a14="http://schemas.microsoft.com/office/drawing/2010/main">
-                <a:effectLst>
-                  <a:outerShdw dist="35921" dir="2700000" algn="ctr" rotWithShape="0">
-                    <a:schemeClr val="bg2"/>
-                  </a:outerShdw>
-                </a:effectLst>
-              </a14:hiddenEffects>
-            </a:ext>
-          </a:extLst>
-        </p:spPr>
-        <p:txBody>
-          <a:bodyPr vert="horz" wrap="square" lIns="91440" tIns="45720" rIns="91440" bIns="45720" numCol="1" anchor="ctr" anchorCtr="0" compatLnSpc="1">
-            <a:prstTxWarp prst="textNoShape">
-              <a:avLst/>
-            </a:prstTxWarp>
-            <a:spAutoFit/>
+        <p:spPr/>
+        <p:txBody>
+          <a:bodyPr>
+            <a:normAutofit/>
           </a:bodyPr>
           <a:lstStyle/>
           <a:p>
-            <a:pPr marL="0" marR="0" lvl="0" indent="0" algn="l" defTabSz="914400" rtl="0" eaLnBrk="0" fontAlgn="base" latinLnBrk="0" hangingPunct="0">
-              <a:lnSpc>
-                <a:spcPct val="100000"/>
-              </a:lnSpc>
-              <a:spcBef>
-                <a:spcPct val="0"/>
-              </a:spcBef>
-              <a:spcAft>
-                <a:spcPct val="0"/>
-              </a:spcAft>
-              <a:buClrTx/>
-              <a:buSzTx/>
-              <a:buFontTx/>
-              <a:buChar char="•"/>
-              <a:tabLst/>
-            </a:pPr>
-            <a:r>
-              <a:rPr kumimoji="0" lang="en-US" sz="2000" b="0" i="0" u="none" strike="noStrike" cap="none" normalizeH="0" baseline="0" dirty="0" smtClean="0">
-                <a:ln>
-                  <a:noFill/>
-                </a:ln>
-                <a:solidFill>
-                  <a:schemeClr val="tx1"/>
-                </a:solidFill>
-                <a:effectLst/>
-                <a:latin typeface="Times New Roman" panose="02020603050405020304" pitchFamily="18" charset="0"/>
-                <a:cs typeface="Times New Roman" panose="02020603050405020304" pitchFamily="18" charset="0"/>
-              </a:rPr>
-              <a:t>To develop a </a:t>
-            </a:r>
-            <a:r>
-              <a:rPr kumimoji="0" lang="en-US" sz="2000" b="1" i="0" u="none" strike="noStrike" cap="none" normalizeH="0" baseline="0" dirty="0" smtClean="0">
-                <a:ln>
-                  <a:noFill/>
-                </a:ln>
-                <a:solidFill>
-                  <a:schemeClr val="tx1"/>
-                </a:solidFill>
-                <a:effectLst/>
+            <a:r>
+              <a:rPr lang="en-US" sz="2000" dirty="0" smtClean="0">
+                <a:latin typeface="Times New Roman" panose="02020603050405020304" pitchFamily="18" charset="0"/>
+                <a:cs typeface="Times New Roman" panose="02020603050405020304" pitchFamily="18" charset="0"/>
+              </a:rPr>
+              <a:t>The </a:t>
+            </a:r>
+            <a:r>
+              <a:rPr lang="en-US" sz="2000" dirty="0">
+                <a:latin typeface="Times New Roman" panose="02020603050405020304" pitchFamily="18" charset="0"/>
+                <a:cs typeface="Times New Roman" panose="02020603050405020304" pitchFamily="18" charset="0"/>
+              </a:rPr>
+              <a:t>aim of the </a:t>
+            </a:r>
+            <a:r>
+              <a:rPr lang="en-US" sz="2000" b="1" dirty="0">
                 <a:latin typeface="Times New Roman" panose="02020603050405020304" pitchFamily="18" charset="0"/>
                 <a:cs typeface="Times New Roman" panose="02020603050405020304" pitchFamily="18" charset="0"/>
               </a:rPr>
               <a:t>Digital Health Card System</a:t>
             </a:r>
             <a:r>
-              <a:rPr kumimoji="0" lang="en-US" sz="2000" b="0" i="0" u="none" strike="noStrike" cap="none" normalizeH="0" baseline="0" dirty="0" smtClean="0">
-                <a:ln>
-                  <a:noFill/>
-                </a:ln>
-                <a:solidFill>
-                  <a:schemeClr val="tx1"/>
-                </a:solidFill>
-                <a:effectLst/>
-                <a:latin typeface="Times New Roman" panose="02020603050405020304" pitchFamily="18" charset="0"/>
-                <a:cs typeface="Times New Roman" panose="02020603050405020304" pitchFamily="18" charset="0"/>
-              </a:rPr>
-              <a:t> that allows patients to access medical records digitally.</a:t>
-            </a:r>
-          </a:p>
-          <a:p>
-            <a:pPr marL="0" marR="0" lvl="0" indent="0" algn="l" defTabSz="914400" rtl="0" eaLnBrk="0" fontAlgn="base" latinLnBrk="0" hangingPunct="0">
-              <a:lnSpc>
-                <a:spcPct val="100000"/>
-              </a:lnSpc>
-              <a:spcBef>
-                <a:spcPct val="0"/>
-              </a:spcBef>
-              <a:spcAft>
-                <a:spcPct val="0"/>
-              </a:spcAft>
-              <a:buClrTx/>
-              <a:buSzTx/>
-              <a:buFontTx/>
-              <a:buChar char="•"/>
-              <a:tabLst/>
-            </a:pPr>
-            <a:r>
-              <a:rPr kumimoji="0" lang="en-US" sz="2000" b="0" i="0" u="none" strike="noStrike" cap="none" normalizeH="0" baseline="0" dirty="0" smtClean="0">
-                <a:ln>
-                  <a:noFill/>
-                </a:ln>
-                <a:solidFill>
-                  <a:schemeClr val="tx1"/>
-                </a:solidFill>
-                <a:effectLst/>
-                <a:latin typeface="Times New Roman" panose="02020603050405020304" pitchFamily="18" charset="0"/>
-                <a:cs typeface="Times New Roman" panose="02020603050405020304" pitchFamily="18" charset="0"/>
-              </a:rPr>
-              <a:t>To eliminate the need for carrying </a:t>
-            </a:r>
-            <a:r>
-              <a:rPr kumimoji="0" lang="en-US" sz="2000" b="1" i="0" u="none" strike="noStrike" cap="none" normalizeH="0" baseline="0" dirty="0" smtClean="0">
-                <a:ln>
-                  <a:noFill/>
-                </a:ln>
-                <a:solidFill>
-                  <a:schemeClr val="tx1"/>
-                </a:solidFill>
-                <a:effectLst/>
-                <a:latin typeface="Times New Roman" panose="02020603050405020304" pitchFamily="18" charset="0"/>
-                <a:cs typeface="Times New Roman" panose="02020603050405020304" pitchFamily="18" charset="0"/>
-              </a:rPr>
-              <a:t>physical medical reports</a:t>
-            </a:r>
-            <a:r>
-              <a:rPr kumimoji="0" lang="en-US" sz="2000" b="0" i="0" u="none" strike="noStrike" cap="none" normalizeH="0" baseline="0" dirty="0" smtClean="0">
-                <a:ln>
-                  <a:noFill/>
-                </a:ln>
-                <a:solidFill>
-                  <a:schemeClr val="tx1"/>
-                </a:solidFill>
-                <a:effectLst/>
-                <a:latin typeface="Times New Roman" panose="02020603050405020304" pitchFamily="18" charset="0"/>
-                <a:cs typeface="Times New Roman" panose="02020603050405020304" pitchFamily="18" charset="0"/>
-              </a:rPr>
-              <a:t>.</a:t>
-            </a:r>
-          </a:p>
-          <a:p>
-            <a:pPr marL="0" marR="0" lvl="0" indent="0" algn="l" defTabSz="914400" rtl="0" eaLnBrk="0" fontAlgn="base" latinLnBrk="0" hangingPunct="0">
-              <a:lnSpc>
-                <a:spcPct val="100000"/>
-              </a:lnSpc>
-              <a:spcBef>
-                <a:spcPct val="0"/>
-              </a:spcBef>
-              <a:spcAft>
-                <a:spcPct val="0"/>
-              </a:spcAft>
-              <a:buClrTx/>
-              <a:buSzTx/>
-              <a:buFontTx/>
-              <a:buChar char="•"/>
-              <a:tabLst/>
-            </a:pPr>
-            <a:r>
-              <a:rPr kumimoji="0" lang="en-US" sz="2000" b="0" i="0" u="none" strike="noStrike" cap="none" normalizeH="0" baseline="0" dirty="0" smtClean="0">
-                <a:ln>
-                  <a:noFill/>
-                </a:ln>
-                <a:solidFill>
-                  <a:schemeClr val="tx1"/>
-                </a:solidFill>
-                <a:effectLst/>
-                <a:latin typeface="Times New Roman" panose="02020603050405020304" pitchFamily="18" charset="0"/>
-                <a:cs typeface="Times New Roman" panose="02020603050405020304" pitchFamily="18" charset="0"/>
-              </a:rPr>
-              <a:t>To implement </a:t>
-            </a:r>
-            <a:r>
-              <a:rPr kumimoji="0" lang="en-US" sz="2000" b="1" i="0" u="none" strike="noStrike" cap="none" normalizeH="0" baseline="0" dirty="0" err="1" smtClean="0">
-                <a:ln>
-                  <a:noFill/>
-                </a:ln>
-                <a:solidFill>
-                  <a:schemeClr val="tx1"/>
-                </a:solidFill>
-                <a:effectLst/>
-                <a:latin typeface="Times New Roman" panose="02020603050405020304" pitchFamily="18" charset="0"/>
-                <a:cs typeface="Times New Roman" panose="02020603050405020304" pitchFamily="18" charset="0"/>
-              </a:rPr>
-              <a:t>Aadhaar</a:t>
-            </a:r>
-            <a:r>
-              <a:rPr kumimoji="0" lang="en-US" sz="2000" b="1" i="0" u="none" strike="noStrike" cap="none" normalizeH="0" baseline="0" dirty="0" smtClean="0">
-                <a:ln>
-                  <a:noFill/>
-                </a:ln>
-                <a:solidFill>
-                  <a:schemeClr val="tx1"/>
-                </a:solidFill>
-                <a:effectLst/>
-                <a:latin typeface="Times New Roman" panose="02020603050405020304" pitchFamily="18" charset="0"/>
-                <a:cs typeface="Times New Roman" panose="02020603050405020304" pitchFamily="18" charset="0"/>
-              </a:rPr>
-              <a:t>-based authentication and OTP verification</a:t>
-            </a:r>
-            <a:r>
-              <a:rPr kumimoji="0" lang="en-US" sz="2000" b="0" i="0" u="none" strike="noStrike" cap="none" normalizeH="0" baseline="0" dirty="0" smtClean="0">
-                <a:ln>
-                  <a:noFill/>
-                </a:ln>
-                <a:solidFill>
-                  <a:schemeClr val="tx1"/>
-                </a:solidFill>
-                <a:effectLst/>
-                <a:latin typeface="Times New Roman" panose="02020603050405020304" pitchFamily="18" charset="0"/>
-                <a:cs typeface="Times New Roman" panose="02020603050405020304" pitchFamily="18" charset="0"/>
-              </a:rPr>
-              <a:t> for secure patient registration and login.</a:t>
-            </a:r>
-          </a:p>
-          <a:p>
-            <a:pPr marL="0" marR="0" lvl="0" indent="0" algn="l" defTabSz="914400" rtl="0" eaLnBrk="0" fontAlgn="base" latinLnBrk="0" hangingPunct="0">
-              <a:lnSpc>
-                <a:spcPct val="100000"/>
-              </a:lnSpc>
-              <a:spcBef>
-                <a:spcPct val="0"/>
-              </a:spcBef>
-              <a:spcAft>
-                <a:spcPct val="0"/>
-              </a:spcAft>
-              <a:buClrTx/>
-              <a:buSzTx/>
-              <a:buFontTx/>
-              <a:buChar char="•"/>
-              <a:tabLst/>
-            </a:pPr>
-            <a:r>
-              <a:rPr kumimoji="0" lang="en-US" sz="2000" b="0" i="0" u="none" strike="noStrike" cap="none" normalizeH="0" baseline="0" dirty="0" smtClean="0">
-                <a:ln>
-                  <a:noFill/>
-                </a:ln>
-                <a:solidFill>
-                  <a:schemeClr val="tx1"/>
-                </a:solidFill>
-                <a:effectLst/>
-                <a:latin typeface="Times New Roman" panose="02020603050405020304" pitchFamily="18" charset="0"/>
-                <a:cs typeface="Times New Roman" panose="02020603050405020304" pitchFamily="18" charset="0"/>
-              </a:rPr>
-              <a:t>To generate a </a:t>
-            </a:r>
-            <a:r>
-              <a:rPr kumimoji="0" lang="en-US" sz="2000" b="1" i="0" u="none" strike="noStrike" cap="none" normalizeH="0" baseline="0" dirty="0" smtClean="0">
-                <a:ln>
-                  <a:noFill/>
-                </a:ln>
-                <a:solidFill>
-                  <a:schemeClr val="tx1"/>
-                </a:solidFill>
-                <a:effectLst/>
-                <a:latin typeface="Times New Roman" panose="02020603050405020304" pitchFamily="18" charset="0"/>
-                <a:cs typeface="Times New Roman" panose="02020603050405020304" pitchFamily="18" charset="0"/>
-              </a:rPr>
-              <a:t>unique Health Card ID (HC + </a:t>
-            </a:r>
-            <a:r>
-              <a:rPr kumimoji="0" lang="en-US" sz="2000" b="1" i="0" u="none" strike="noStrike" cap="none" normalizeH="0" baseline="0" dirty="0" err="1" smtClean="0">
-                <a:ln>
-                  <a:noFill/>
-                </a:ln>
-                <a:solidFill>
-                  <a:schemeClr val="tx1"/>
-                </a:solidFill>
-                <a:effectLst/>
-                <a:latin typeface="Times New Roman" panose="02020603050405020304" pitchFamily="18" charset="0"/>
-                <a:cs typeface="Times New Roman" panose="02020603050405020304" pitchFamily="18" charset="0"/>
-              </a:rPr>
-              <a:t>Aadhaar</a:t>
-            </a:r>
-            <a:r>
-              <a:rPr kumimoji="0" lang="en-US" sz="2000" b="1" i="0" u="none" strike="noStrike" cap="none" normalizeH="0" baseline="0" dirty="0" smtClean="0">
-                <a:ln>
-                  <a:noFill/>
-                </a:ln>
-                <a:solidFill>
-                  <a:schemeClr val="tx1"/>
-                </a:solidFill>
-                <a:effectLst/>
-                <a:latin typeface="Times New Roman" panose="02020603050405020304" pitchFamily="18" charset="0"/>
-                <a:cs typeface="Times New Roman" panose="02020603050405020304" pitchFamily="18" charset="0"/>
-              </a:rPr>
-              <a:t> Number)</a:t>
-            </a:r>
-            <a:r>
-              <a:rPr kumimoji="0" lang="en-US" sz="2000" b="0" i="0" u="none" strike="noStrike" cap="none" normalizeH="0" baseline="0" dirty="0" smtClean="0">
-                <a:ln>
-                  <a:noFill/>
-                </a:ln>
-                <a:solidFill>
-                  <a:schemeClr val="tx1"/>
-                </a:solidFill>
-                <a:effectLst/>
-                <a:latin typeface="Times New Roman" panose="02020603050405020304" pitchFamily="18" charset="0"/>
-                <a:cs typeface="Times New Roman" panose="02020603050405020304" pitchFamily="18" charset="0"/>
-              </a:rPr>
-              <a:t> for each patient.</a:t>
-            </a:r>
-          </a:p>
-          <a:p>
-            <a:pPr marL="0" marR="0" lvl="0" indent="0" algn="l" defTabSz="914400" rtl="0" eaLnBrk="0" fontAlgn="base" latinLnBrk="0" hangingPunct="0">
-              <a:lnSpc>
-                <a:spcPct val="100000"/>
-              </a:lnSpc>
-              <a:spcBef>
-                <a:spcPct val="0"/>
-              </a:spcBef>
-              <a:spcAft>
-                <a:spcPct val="0"/>
-              </a:spcAft>
-              <a:buClrTx/>
-              <a:buSzTx/>
-              <a:buFontTx/>
-              <a:buChar char="•"/>
-              <a:tabLst/>
-            </a:pPr>
-            <a:r>
-              <a:rPr kumimoji="0" lang="en-US" sz="2000" b="0" i="0" u="none" strike="noStrike" cap="none" normalizeH="0" baseline="0" dirty="0" smtClean="0">
-                <a:ln>
-                  <a:noFill/>
-                </a:ln>
-                <a:solidFill>
-                  <a:schemeClr val="tx1"/>
-                </a:solidFill>
-                <a:effectLst/>
-                <a:latin typeface="Times New Roman" panose="02020603050405020304" pitchFamily="18" charset="0"/>
-                <a:cs typeface="Times New Roman" panose="02020603050405020304" pitchFamily="18" charset="0"/>
-              </a:rPr>
-              <a:t>To provide </a:t>
-            </a:r>
-            <a:r>
-              <a:rPr kumimoji="0" lang="en-US" sz="2000" b="1" i="0" u="none" strike="noStrike" cap="none" normalizeH="0" baseline="0" dirty="0" smtClean="0">
-                <a:ln>
-                  <a:noFill/>
-                </a:ln>
-                <a:solidFill>
-                  <a:schemeClr val="tx1"/>
-                </a:solidFill>
-                <a:effectLst/>
-                <a:latin typeface="Times New Roman" panose="02020603050405020304" pitchFamily="18" charset="0"/>
-                <a:cs typeface="Times New Roman" panose="02020603050405020304" pitchFamily="18" charset="0"/>
-              </a:rPr>
-              <a:t>role-based access</a:t>
-            </a:r>
-            <a:r>
-              <a:rPr kumimoji="0" lang="en-US" sz="2000" b="0" i="0" u="none" strike="noStrike" cap="none" normalizeH="0" baseline="0" dirty="0" smtClean="0">
-                <a:ln>
-                  <a:noFill/>
-                </a:ln>
-                <a:solidFill>
-                  <a:schemeClr val="tx1"/>
-                </a:solidFill>
-                <a:effectLst/>
-                <a:latin typeface="Times New Roman" panose="02020603050405020304" pitchFamily="18" charset="0"/>
-                <a:cs typeface="Times New Roman" panose="02020603050405020304" pitchFamily="18" charset="0"/>
-              </a:rPr>
-              <a:t> for Admin, Patient, Doctor, Lab Technician, and Nominee.</a:t>
-            </a:r>
-          </a:p>
-          <a:p>
-            <a:pPr marL="0" marR="0" lvl="0" indent="0" algn="l" defTabSz="914400" rtl="0" eaLnBrk="0" fontAlgn="base" latinLnBrk="0" hangingPunct="0">
-              <a:lnSpc>
-                <a:spcPct val="100000"/>
-              </a:lnSpc>
-              <a:spcBef>
-                <a:spcPct val="0"/>
-              </a:spcBef>
-              <a:spcAft>
-                <a:spcPct val="0"/>
-              </a:spcAft>
-              <a:buClrTx/>
-              <a:buSzTx/>
-              <a:buFontTx/>
-              <a:buChar char="•"/>
-              <a:tabLst/>
-            </a:pPr>
-            <a:r>
-              <a:rPr kumimoji="0" lang="en-US" sz="2000" b="0" i="0" u="none" strike="noStrike" cap="none" normalizeH="0" baseline="0" dirty="0" smtClean="0">
-                <a:ln>
-                  <a:noFill/>
-                </a:ln>
-                <a:solidFill>
-                  <a:schemeClr val="tx1"/>
-                </a:solidFill>
-                <a:effectLst/>
-                <a:latin typeface="Times New Roman" panose="02020603050405020304" pitchFamily="18" charset="0"/>
-                <a:cs typeface="Times New Roman" panose="02020603050405020304" pitchFamily="18" charset="0"/>
-              </a:rPr>
-              <a:t>To ensure </a:t>
-            </a:r>
-            <a:r>
-              <a:rPr kumimoji="0" lang="en-US" sz="2000" b="1" i="0" u="none" strike="noStrike" cap="none" normalizeH="0" baseline="0" dirty="0" smtClean="0">
-                <a:ln>
-                  <a:noFill/>
-                </a:ln>
-                <a:solidFill>
-                  <a:schemeClr val="tx1"/>
-                </a:solidFill>
-                <a:effectLst/>
-                <a:latin typeface="Times New Roman" panose="02020603050405020304" pitchFamily="18" charset="0"/>
-                <a:cs typeface="Times New Roman" panose="02020603050405020304" pitchFamily="18" charset="0"/>
-              </a:rPr>
-              <a:t>admin verification</a:t>
-            </a:r>
-            <a:r>
-              <a:rPr kumimoji="0" lang="en-US" sz="2000" b="0" i="0" u="none" strike="noStrike" cap="none" normalizeH="0" baseline="0" dirty="0" smtClean="0">
-                <a:ln>
-                  <a:noFill/>
-                </a:ln>
-                <a:solidFill>
-                  <a:schemeClr val="tx1"/>
-                </a:solidFill>
-                <a:effectLst/>
-                <a:latin typeface="Times New Roman" panose="02020603050405020304" pitchFamily="18" charset="0"/>
-                <a:cs typeface="Times New Roman" panose="02020603050405020304" pitchFamily="18" charset="0"/>
-              </a:rPr>
-              <a:t> of doctors and lab technicians before system access.</a:t>
-            </a:r>
-          </a:p>
-          <a:p>
-            <a:pPr marL="0" marR="0" lvl="0" indent="0" algn="l" defTabSz="914400" rtl="0" eaLnBrk="0" fontAlgn="base" latinLnBrk="0" hangingPunct="0">
-              <a:lnSpc>
-                <a:spcPct val="100000"/>
-              </a:lnSpc>
-              <a:spcBef>
-                <a:spcPct val="0"/>
-              </a:spcBef>
-              <a:spcAft>
-                <a:spcPct val="0"/>
-              </a:spcAft>
-              <a:buClrTx/>
-              <a:buSzTx/>
-              <a:buFontTx/>
-              <a:buChar char="•"/>
-              <a:tabLst/>
-            </a:pPr>
-            <a:r>
-              <a:rPr kumimoji="0" lang="en-US" sz="2000" b="0" i="0" u="none" strike="noStrike" cap="none" normalizeH="0" baseline="0" dirty="0" smtClean="0">
-                <a:ln>
-                  <a:noFill/>
-                </a:ln>
-                <a:solidFill>
-                  <a:schemeClr val="tx1"/>
-                </a:solidFill>
-                <a:effectLst/>
-                <a:latin typeface="Times New Roman" panose="02020603050405020304" pitchFamily="18" charset="0"/>
-                <a:cs typeface="Times New Roman" panose="02020603050405020304" pitchFamily="18" charset="0"/>
-              </a:rPr>
-              <a:t>To allow doctors and lab technicians to </a:t>
-            </a:r>
-            <a:r>
-              <a:rPr kumimoji="0" lang="en-US" sz="2000" b="1" i="0" u="none" strike="noStrike" cap="none" normalizeH="0" baseline="0" dirty="0" smtClean="0">
-                <a:ln>
-                  <a:noFill/>
-                </a:ln>
-                <a:solidFill>
-                  <a:schemeClr val="tx1"/>
-                </a:solidFill>
-                <a:effectLst/>
-                <a:latin typeface="Times New Roman" panose="02020603050405020304" pitchFamily="18" charset="0"/>
-                <a:cs typeface="Times New Roman" panose="02020603050405020304" pitchFamily="18" charset="0"/>
-              </a:rPr>
-              <a:t>upload and manage medical reports digitally</a:t>
-            </a:r>
-            <a:r>
-              <a:rPr kumimoji="0" lang="en-US" sz="2000" b="0" i="0" u="none" strike="noStrike" cap="none" normalizeH="0" baseline="0" dirty="0" smtClean="0">
-                <a:ln>
-                  <a:noFill/>
-                </a:ln>
-                <a:solidFill>
-                  <a:schemeClr val="tx1"/>
-                </a:solidFill>
-                <a:effectLst/>
-                <a:latin typeface="Times New Roman" panose="02020603050405020304" pitchFamily="18" charset="0"/>
-                <a:cs typeface="Times New Roman" panose="02020603050405020304" pitchFamily="18" charset="0"/>
-              </a:rPr>
-              <a:t>.</a:t>
-            </a:r>
-          </a:p>
-          <a:p>
-            <a:pPr marL="0" marR="0" lvl="0" indent="0" algn="l" defTabSz="914400" rtl="0" eaLnBrk="0" fontAlgn="base" latinLnBrk="0" hangingPunct="0">
-              <a:lnSpc>
-                <a:spcPct val="100000"/>
-              </a:lnSpc>
-              <a:spcBef>
-                <a:spcPct val="0"/>
-              </a:spcBef>
-              <a:spcAft>
-                <a:spcPct val="0"/>
-              </a:spcAft>
-              <a:buClrTx/>
-              <a:buSzTx/>
-              <a:buFontTx/>
-              <a:buChar char="•"/>
-              <a:tabLst/>
-            </a:pPr>
-            <a:r>
-              <a:rPr kumimoji="0" lang="en-US" sz="2000" b="0" i="0" u="none" strike="noStrike" cap="none" normalizeH="0" baseline="0" dirty="0" smtClean="0">
-                <a:ln>
-                  <a:noFill/>
-                </a:ln>
-                <a:solidFill>
-                  <a:schemeClr val="tx1"/>
-                </a:solidFill>
-                <a:effectLst/>
-                <a:latin typeface="Times New Roman" panose="02020603050405020304" pitchFamily="18" charset="0"/>
-                <a:cs typeface="Times New Roman" panose="02020603050405020304" pitchFamily="18" charset="0"/>
-              </a:rPr>
-              <a:t>To provide </a:t>
-            </a:r>
-            <a:r>
-              <a:rPr kumimoji="0" lang="en-US" sz="2000" b="1" i="0" u="none" strike="noStrike" cap="none" normalizeH="0" baseline="0" dirty="0" smtClean="0">
-                <a:ln>
-                  <a:noFill/>
-                </a:ln>
-                <a:solidFill>
-                  <a:schemeClr val="tx1"/>
-                </a:solidFill>
-                <a:effectLst/>
-                <a:latin typeface="Times New Roman" panose="02020603050405020304" pitchFamily="18" charset="0"/>
-                <a:cs typeface="Times New Roman" panose="02020603050405020304" pitchFamily="18" charset="0"/>
-              </a:rPr>
-              <a:t>patient consent-based access</a:t>
-            </a:r>
-            <a:r>
-              <a:rPr kumimoji="0" lang="en-US" sz="2000" b="0" i="0" u="none" strike="noStrike" cap="none" normalizeH="0" baseline="0" dirty="0" smtClean="0">
-                <a:ln>
-                  <a:noFill/>
-                </a:ln>
-                <a:solidFill>
-                  <a:schemeClr val="tx1"/>
-                </a:solidFill>
-                <a:effectLst/>
-                <a:latin typeface="Times New Roman" panose="02020603050405020304" pitchFamily="18" charset="0"/>
-                <a:cs typeface="Times New Roman" panose="02020603050405020304" pitchFamily="18" charset="0"/>
-              </a:rPr>
-              <a:t> to doctors for viewing medical records.</a:t>
-            </a:r>
-          </a:p>
-          <a:p>
-            <a:pPr marL="0" marR="0" lvl="0" indent="0" algn="l" defTabSz="914400" rtl="0" eaLnBrk="0" fontAlgn="base" latinLnBrk="0" hangingPunct="0">
-              <a:lnSpc>
-                <a:spcPct val="100000"/>
-              </a:lnSpc>
-              <a:spcBef>
-                <a:spcPct val="0"/>
-              </a:spcBef>
-              <a:spcAft>
-                <a:spcPct val="0"/>
-              </a:spcAft>
-              <a:buClrTx/>
-              <a:buSzTx/>
-              <a:buFontTx/>
-              <a:buChar char="•"/>
-              <a:tabLst/>
-            </a:pPr>
-            <a:r>
-              <a:rPr kumimoji="0" lang="en-US" sz="2000" b="0" i="0" u="none" strike="noStrike" cap="none" normalizeH="0" baseline="0" dirty="0" smtClean="0">
-                <a:ln>
-                  <a:noFill/>
-                </a:ln>
-                <a:solidFill>
-                  <a:schemeClr val="tx1"/>
-                </a:solidFill>
-                <a:effectLst/>
-                <a:latin typeface="Times New Roman" panose="02020603050405020304" pitchFamily="18" charset="0"/>
-                <a:cs typeface="Times New Roman" panose="02020603050405020304" pitchFamily="18" charset="0"/>
-              </a:rPr>
-              <a:t>To support </a:t>
-            </a:r>
-            <a:r>
-              <a:rPr kumimoji="0" lang="en-US" sz="2000" b="1" i="0" u="none" strike="noStrike" cap="none" normalizeH="0" baseline="0" dirty="0" smtClean="0">
-                <a:ln>
-                  <a:noFill/>
-                </a:ln>
-                <a:solidFill>
-                  <a:schemeClr val="tx1"/>
-                </a:solidFill>
-                <a:effectLst/>
-                <a:latin typeface="Times New Roman" panose="02020603050405020304" pitchFamily="18" charset="0"/>
-                <a:cs typeface="Times New Roman" panose="02020603050405020304" pitchFamily="18" charset="0"/>
-              </a:rPr>
-              <a:t>emergency access</a:t>
-            </a:r>
-            <a:r>
-              <a:rPr kumimoji="0" lang="en-US" sz="2000" b="0" i="0" u="none" strike="noStrike" cap="none" normalizeH="0" baseline="0" dirty="0" smtClean="0">
-                <a:ln>
-                  <a:noFill/>
-                </a:ln>
-                <a:solidFill>
-                  <a:schemeClr val="tx1"/>
-                </a:solidFill>
-                <a:effectLst/>
-                <a:latin typeface="Times New Roman" panose="02020603050405020304" pitchFamily="18" charset="0"/>
-                <a:cs typeface="Times New Roman" panose="02020603050405020304" pitchFamily="18" charset="0"/>
-              </a:rPr>
-              <a:t> through nominee authorization.</a:t>
-            </a:r>
+              <a:rPr lang="en-US" sz="2000" dirty="0">
+                <a:latin typeface="Times New Roman" panose="02020603050405020304" pitchFamily="18" charset="0"/>
+                <a:cs typeface="Times New Roman" panose="02020603050405020304" pitchFamily="18" charset="0"/>
+              </a:rPr>
+              <a:t> is to provide a secure, centralized, and digital platform for managing patient medical records, enabling easy access to health information for patients, doctors, and lab technicians while eliminating the need for carrying physical medical reports</a:t>
+            </a:r>
+            <a:endParaRPr lang="en-IN" sz="2000" dirty="0">
+              <a:latin typeface="Times New Roman" panose="02020603050405020304" pitchFamily="18" charset="0"/>
+              <a:cs typeface="Times New Roman" panose="02020603050405020304" pitchFamily="18" charset="0"/>
+            </a:endParaRPr>
           </a:p>
         </p:txBody>
       </p:sp>
     </p:spTree>
     <p:extLst>
       <p:ext uri="{BB962C8B-B14F-4D97-AF65-F5344CB8AC3E}">
-        <p14:creationId xmlns:p14="http://schemas.microsoft.com/office/powerpoint/2010/main" val="3686323613"/>
+        <p14:creationId xmlns:p14="http://schemas.microsoft.com/office/powerpoint/2010/main" val="2545217266"/>
       </p:ext>
     </p:extLst>
   </p:cSld>
@@ -10442,111 +10155,529 @@
           <a:lstStyle/>
           <a:p>
             <a:r>
-              <a:rPr lang="en-IN" dirty="0"/>
-              <a:t>Scope of the Project</a:t>
-            </a:r>
-          </a:p>
-        </p:txBody>
-      </p:sp>
-      <p:sp>
-        <p:nvSpPr>
-          <p:cNvPr id="3" name="Content Placeholder 2"/>
-          <p:cNvSpPr>
-            <a:spLocks noGrp="1"/>
+              <a:rPr lang="en-US" dirty="0" smtClean="0"/>
+              <a:t>Objective</a:t>
+            </a:r>
+            <a:endParaRPr lang="en-IN" dirty="0"/>
+          </a:p>
+        </p:txBody>
+      </p:sp>
+      <p:sp>
+        <p:nvSpPr>
+          <p:cNvPr id="5" name="Rectangle 3"/>
+          <p:cNvSpPr>
+            <a:spLocks noGrp="1" noChangeArrowheads="1"/>
           </p:cNvSpPr>
           <p:nvPr>
             <p:ph idx="1"/>
           </p:nvPr>
         </p:nvSpPr>
-        <p:spPr>
+        <p:spPr bwMode="auto">
           <a:xfrm>
-            <a:off x="1484311" y="3040486"/>
-            <a:ext cx="10018713" cy="3124201"/>
+            <a:off x="1484312" y="2490164"/>
+            <a:ext cx="9436973" cy="3477875"/>
           </a:xfrm>
+          <a:prstGeom prst="rect">
+            <a:avLst/>
+          </a:prstGeom>
+          <a:noFill/>
+          <a:ln>
+            <a:noFill/>
+          </a:ln>
+          <a:effectLst/>
+          <a:extLst>
+            <a:ext uri="{909E8E84-426E-40DD-AFC4-6F175D3DCCD1}">
+              <a14:hiddenFill xmlns:a14="http://schemas.microsoft.com/office/drawing/2010/main">
+                <a:solidFill>
+                  <a:schemeClr val="accent1"/>
+                </a:solidFill>
+              </a14:hiddenFill>
+            </a:ext>
+            <a:ext uri="{91240B29-F687-4F45-9708-019B960494DF}">
+              <a14:hiddenLine xmlns:a14="http://schemas.microsoft.com/office/drawing/2010/main" w="9525">
+                <a:solidFill>
+                  <a:schemeClr val="tx1"/>
+                </a:solidFill>
+                <a:miter lim="800000"/>
+                <a:headEnd/>
+                <a:tailEnd/>
+              </a14:hiddenLine>
+            </a:ext>
+            <a:ext uri="{AF507438-7753-43E0-B8FC-AC1667EBCBE1}">
+              <a14:hiddenEffects xmlns:a14="http://schemas.microsoft.com/office/drawing/2010/main">
+                <a:effectLst>
+                  <a:outerShdw dist="35921" dir="2700000" algn="ctr" rotWithShape="0">
+                    <a:schemeClr val="bg2"/>
+                  </a:outerShdw>
+                </a:effectLst>
+              </a14:hiddenEffects>
+            </a:ext>
+          </a:extLst>
         </p:spPr>
         <p:txBody>
-          <a:bodyPr>
-            <a:noAutofit/>
+          <a:bodyPr vert="horz" wrap="square" lIns="91440" tIns="45720" rIns="91440" bIns="45720" numCol="1" anchor="ctr" anchorCtr="0" compatLnSpc="1">
+            <a:prstTxWarp prst="textNoShape">
+              <a:avLst/>
+            </a:prstTxWarp>
+            <a:spAutoFit/>
           </a:bodyPr>
           <a:lstStyle/>
           <a:p>
-            <a:r>
-              <a:rPr lang="en-US" sz="2000" dirty="0">
-                <a:latin typeface="Times New Roman" panose="02020603050405020304" pitchFamily="18" charset="0"/>
-                <a:cs typeface="Times New Roman" panose="02020603050405020304" pitchFamily="18" charset="0"/>
-              </a:rPr>
-              <a:t>The scope of the Digital Health Card System includes:</a:t>
-            </a:r>
-          </a:p>
-          <a:p>
-            <a:r>
-              <a:rPr lang="en-US" sz="2000" dirty="0">
-                <a:latin typeface="Times New Roman" panose="02020603050405020304" pitchFamily="18" charset="0"/>
-                <a:cs typeface="Times New Roman" panose="02020603050405020304" pitchFamily="18" charset="0"/>
-              </a:rPr>
-              <a:t>Secure storage and management of patient health records.</a:t>
-            </a:r>
-          </a:p>
-          <a:p>
-            <a:r>
-              <a:rPr lang="en-US" sz="2000" dirty="0" err="1">
+            <a:pPr marL="0" marR="0" lvl="0" indent="0" algn="l" defTabSz="914400" rtl="0" eaLnBrk="0" fontAlgn="base" latinLnBrk="0" hangingPunct="0">
+              <a:lnSpc>
+                <a:spcPct val="100000"/>
+              </a:lnSpc>
+              <a:spcBef>
+                <a:spcPct val="0"/>
+              </a:spcBef>
+              <a:spcAft>
+                <a:spcPct val="0"/>
+              </a:spcAft>
+              <a:buClrTx/>
+              <a:buSzTx/>
+              <a:buFontTx/>
+              <a:buChar char="•"/>
+              <a:tabLst/>
+            </a:pPr>
+            <a:r>
+              <a:rPr kumimoji="0" lang="en-US" sz="2000" b="0" i="0" u="none" strike="noStrike" cap="none" normalizeH="0" baseline="0" dirty="0" smtClean="0">
+                <a:ln>
+                  <a:noFill/>
+                </a:ln>
+                <a:solidFill>
+                  <a:schemeClr val="tx1"/>
+                </a:solidFill>
+                <a:effectLst/>
+                <a:latin typeface="Times New Roman" panose="02020603050405020304" pitchFamily="18" charset="0"/>
+                <a:cs typeface="Times New Roman" panose="02020603050405020304" pitchFamily="18" charset="0"/>
+              </a:rPr>
+              <a:t>To develop a </a:t>
+            </a:r>
+            <a:r>
+              <a:rPr kumimoji="0" lang="en-US" sz="2000" b="1" i="0" u="none" strike="noStrike" cap="none" normalizeH="0" baseline="0" dirty="0" smtClean="0">
+                <a:ln>
+                  <a:noFill/>
+                </a:ln>
+                <a:solidFill>
+                  <a:schemeClr val="tx1"/>
+                </a:solidFill>
+                <a:effectLst/>
+                <a:latin typeface="Times New Roman" panose="02020603050405020304" pitchFamily="18" charset="0"/>
+                <a:cs typeface="Times New Roman" panose="02020603050405020304" pitchFamily="18" charset="0"/>
+              </a:rPr>
+              <a:t>Digital Health Card System</a:t>
+            </a:r>
+            <a:r>
+              <a:rPr kumimoji="0" lang="en-US" sz="2000" b="0" i="0" u="none" strike="noStrike" cap="none" normalizeH="0" baseline="0" dirty="0" smtClean="0">
+                <a:ln>
+                  <a:noFill/>
+                </a:ln>
+                <a:solidFill>
+                  <a:schemeClr val="tx1"/>
+                </a:solidFill>
+                <a:effectLst/>
+                <a:latin typeface="Times New Roman" panose="02020603050405020304" pitchFamily="18" charset="0"/>
+                <a:cs typeface="Times New Roman" panose="02020603050405020304" pitchFamily="18" charset="0"/>
+              </a:rPr>
+              <a:t> that allows patients to access medical records digitally.</a:t>
+            </a:r>
+          </a:p>
+          <a:p>
+            <a:pPr marL="0" marR="0" lvl="0" indent="0" algn="l" defTabSz="914400" rtl="0" eaLnBrk="0" fontAlgn="base" latinLnBrk="0" hangingPunct="0">
+              <a:lnSpc>
+                <a:spcPct val="100000"/>
+              </a:lnSpc>
+              <a:spcBef>
+                <a:spcPct val="0"/>
+              </a:spcBef>
+              <a:spcAft>
+                <a:spcPct val="0"/>
+              </a:spcAft>
+              <a:buClrTx/>
+              <a:buSzTx/>
+              <a:buFontTx/>
+              <a:buChar char="•"/>
+              <a:tabLst/>
+            </a:pPr>
+            <a:r>
+              <a:rPr kumimoji="0" lang="en-US" sz="2000" b="0" i="0" u="none" strike="noStrike" cap="none" normalizeH="0" baseline="0" dirty="0" smtClean="0">
+                <a:ln>
+                  <a:noFill/>
+                </a:ln>
+                <a:solidFill>
+                  <a:schemeClr val="tx1"/>
+                </a:solidFill>
+                <a:effectLst/>
+                <a:latin typeface="Times New Roman" panose="02020603050405020304" pitchFamily="18" charset="0"/>
+                <a:cs typeface="Times New Roman" panose="02020603050405020304" pitchFamily="18" charset="0"/>
+              </a:rPr>
+              <a:t>To eliminate the need for carrying </a:t>
+            </a:r>
+            <a:r>
+              <a:rPr kumimoji="0" lang="en-US" sz="2000" b="1" i="0" u="none" strike="noStrike" cap="none" normalizeH="0" baseline="0" dirty="0" smtClean="0">
+                <a:ln>
+                  <a:noFill/>
+                </a:ln>
+                <a:solidFill>
+                  <a:schemeClr val="tx1"/>
+                </a:solidFill>
+                <a:effectLst/>
+                <a:latin typeface="Times New Roman" panose="02020603050405020304" pitchFamily="18" charset="0"/>
+                <a:cs typeface="Times New Roman" panose="02020603050405020304" pitchFamily="18" charset="0"/>
+              </a:rPr>
+              <a:t>physical medical reports</a:t>
+            </a:r>
+            <a:r>
+              <a:rPr kumimoji="0" lang="en-US" sz="2000" b="0" i="0" u="none" strike="noStrike" cap="none" normalizeH="0" baseline="0" dirty="0" smtClean="0">
+                <a:ln>
+                  <a:noFill/>
+                </a:ln>
+                <a:solidFill>
+                  <a:schemeClr val="tx1"/>
+                </a:solidFill>
+                <a:effectLst/>
+                <a:latin typeface="Times New Roman" panose="02020603050405020304" pitchFamily="18" charset="0"/>
+                <a:cs typeface="Times New Roman" panose="02020603050405020304" pitchFamily="18" charset="0"/>
+              </a:rPr>
+              <a:t>.</a:t>
+            </a:r>
+          </a:p>
+          <a:p>
+            <a:pPr marL="0" marR="0" lvl="0" indent="0" algn="l" defTabSz="914400" rtl="0" eaLnBrk="0" fontAlgn="base" latinLnBrk="0" hangingPunct="0">
+              <a:lnSpc>
+                <a:spcPct val="100000"/>
+              </a:lnSpc>
+              <a:spcBef>
+                <a:spcPct val="0"/>
+              </a:spcBef>
+              <a:spcAft>
+                <a:spcPct val="0"/>
+              </a:spcAft>
+              <a:buClrTx/>
+              <a:buSzTx/>
+              <a:buFontTx/>
+              <a:buChar char="•"/>
+              <a:tabLst/>
+            </a:pPr>
+            <a:r>
+              <a:rPr kumimoji="0" lang="en-US" sz="2000" b="0" i="0" u="none" strike="noStrike" cap="none" normalizeH="0" baseline="0" dirty="0" smtClean="0">
+                <a:ln>
+                  <a:noFill/>
+                </a:ln>
+                <a:solidFill>
+                  <a:schemeClr val="tx1"/>
+                </a:solidFill>
+                <a:effectLst/>
+                <a:latin typeface="Times New Roman" panose="02020603050405020304" pitchFamily="18" charset="0"/>
+                <a:cs typeface="Times New Roman" panose="02020603050405020304" pitchFamily="18" charset="0"/>
+              </a:rPr>
+              <a:t>To implement </a:t>
+            </a:r>
+            <a:r>
+              <a:rPr kumimoji="0" lang="en-US" sz="2000" b="1" i="0" u="none" strike="noStrike" cap="none" normalizeH="0" baseline="0" dirty="0" err="1" smtClean="0">
+                <a:ln>
+                  <a:noFill/>
+                </a:ln>
+                <a:solidFill>
+                  <a:schemeClr val="tx1"/>
+                </a:solidFill>
+                <a:effectLst/>
                 <a:latin typeface="Times New Roman" panose="02020603050405020304" pitchFamily="18" charset="0"/>
                 <a:cs typeface="Times New Roman" panose="02020603050405020304" pitchFamily="18" charset="0"/>
               </a:rPr>
               <a:t>Aadhaar</a:t>
             </a:r>
             <a:r>
-              <a:rPr lang="en-US" sz="2000" dirty="0">
-                <a:latin typeface="Times New Roman" panose="02020603050405020304" pitchFamily="18" charset="0"/>
-                <a:cs typeface="Times New Roman" panose="02020603050405020304" pitchFamily="18" charset="0"/>
-              </a:rPr>
-              <a:t>-based patient identity verification.</a:t>
-            </a:r>
-          </a:p>
-          <a:p>
-            <a:r>
-              <a:rPr lang="en-US" sz="2000" dirty="0">
-                <a:latin typeface="Times New Roman" panose="02020603050405020304" pitchFamily="18" charset="0"/>
-                <a:cs typeface="Times New Roman" panose="02020603050405020304" pitchFamily="18" charset="0"/>
-              </a:rPr>
-              <a:t>Digital access to prescriptions, lab reports, and medical history.</a:t>
-            </a:r>
-          </a:p>
-          <a:p>
-            <a:r>
-              <a:rPr lang="en-US" sz="2000" dirty="0">
-                <a:latin typeface="Times New Roman" panose="02020603050405020304" pitchFamily="18" charset="0"/>
-                <a:cs typeface="Times New Roman" panose="02020603050405020304" pitchFamily="18" charset="0"/>
-              </a:rPr>
-              <a:t>Admin-controlled verification of healthcare professionals.</a:t>
-            </a:r>
-          </a:p>
-          <a:p>
-            <a:r>
-              <a:rPr lang="en-US" sz="2000" dirty="0">
-                <a:latin typeface="Times New Roman" panose="02020603050405020304" pitchFamily="18" charset="0"/>
-                <a:cs typeface="Times New Roman" panose="02020603050405020304" pitchFamily="18" charset="0"/>
-              </a:rPr>
-              <a:t>Consent-based and emergency access mechanisms.</a:t>
-            </a:r>
-          </a:p>
-          <a:p>
-            <a:r>
-              <a:rPr lang="en-US" sz="2000" dirty="0">
-                <a:latin typeface="Times New Roman" panose="02020603050405020304" pitchFamily="18" charset="0"/>
-                <a:cs typeface="Times New Roman" panose="02020603050405020304" pitchFamily="18" charset="0"/>
-              </a:rPr>
-              <a:t>The system is designed for </a:t>
-            </a:r>
-            <a:r>
-              <a:rPr lang="en-US" sz="2000" b="1" dirty="0">
-                <a:latin typeface="Times New Roman" panose="02020603050405020304" pitchFamily="18" charset="0"/>
-                <a:cs typeface="Times New Roman" panose="02020603050405020304" pitchFamily="18" charset="0"/>
-              </a:rPr>
-              <a:t>hospitals, clinics, diagnostic labs, and patients</a:t>
-            </a:r>
-            <a:r>
-              <a:rPr lang="en-US" sz="2000" dirty="0">
+              <a:rPr kumimoji="0" lang="en-US" sz="2000" b="1" i="0" u="none" strike="noStrike" cap="none" normalizeH="0" baseline="0" dirty="0" smtClean="0">
+                <a:ln>
+                  <a:noFill/>
+                </a:ln>
+                <a:solidFill>
+                  <a:schemeClr val="tx1"/>
+                </a:solidFill>
+                <a:effectLst/>
+                <a:latin typeface="Times New Roman" panose="02020603050405020304" pitchFamily="18" charset="0"/>
+                <a:cs typeface="Times New Roman" panose="02020603050405020304" pitchFamily="18" charset="0"/>
+              </a:rPr>
+              <a:t>-based authentication and OTP verification</a:t>
+            </a:r>
+            <a:r>
+              <a:rPr kumimoji="0" lang="en-US" sz="2000" b="0" i="0" u="none" strike="noStrike" cap="none" normalizeH="0" baseline="0" dirty="0" smtClean="0">
+                <a:ln>
+                  <a:noFill/>
+                </a:ln>
+                <a:solidFill>
+                  <a:schemeClr val="tx1"/>
+                </a:solidFill>
+                <a:effectLst/>
+                <a:latin typeface="Times New Roman" panose="02020603050405020304" pitchFamily="18" charset="0"/>
+                <a:cs typeface="Times New Roman" panose="02020603050405020304" pitchFamily="18" charset="0"/>
+              </a:rPr>
+              <a:t> for secure patient registration and login.</a:t>
+            </a:r>
+          </a:p>
+          <a:p>
+            <a:pPr marL="0" marR="0" lvl="0" indent="0" algn="l" defTabSz="914400" rtl="0" eaLnBrk="0" fontAlgn="base" latinLnBrk="0" hangingPunct="0">
+              <a:lnSpc>
+                <a:spcPct val="100000"/>
+              </a:lnSpc>
+              <a:spcBef>
+                <a:spcPct val="0"/>
+              </a:spcBef>
+              <a:spcAft>
+                <a:spcPct val="0"/>
+              </a:spcAft>
+              <a:buClrTx/>
+              <a:buSzTx/>
+              <a:buFontTx/>
+              <a:buChar char="•"/>
+              <a:tabLst/>
+            </a:pPr>
+            <a:r>
+              <a:rPr kumimoji="0" lang="en-US" sz="2000" b="0" i="0" u="none" strike="noStrike" cap="none" normalizeH="0" baseline="0" dirty="0" smtClean="0">
+                <a:ln>
+                  <a:noFill/>
+                </a:ln>
+                <a:solidFill>
+                  <a:schemeClr val="tx1"/>
+                </a:solidFill>
+                <a:effectLst/>
+                <a:latin typeface="Times New Roman" panose="02020603050405020304" pitchFamily="18" charset="0"/>
+                <a:cs typeface="Times New Roman" panose="02020603050405020304" pitchFamily="18" charset="0"/>
+              </a:rPr>
+              <a:t>To generate a </a:t>
+            </a:r>
+            <a:r>
+              <a:rPr kumimoji="0" lang="en-US" sz="2000" b="1" i="0" u="none" strike="noStrike" cap="none" normalizeH="0" baseline="0" dirty="0" smtClean="0">
+                <a:ln>
+                  <a:noFill/>
+                </a:ln>
+                <a:solidFill>
+                  <a:schemeClr val="tx1"/>
+                </a:solidFill>
+                <a:effectLst/>
+                <a:latin typeface="Times New Roman" panose="02020603050405020304" pitchFamily="18" charset="0"/>
+                <a:cs typeface="Times New Roman" panose="02020603050405020304" pitchFamily="18" charset="0"/>
+              </a:rPr>
+              <a:t>unique Health Card ID (HC + </a:t>
+            </a:r>
+            <a:r>
+              <a:rPr kumimoji="0" lang="en-US" sz="2000" b="1" i="0" u="none" strike="noStrike" cap="none" normalizeH="0" baseline="0" dirty="0" err="1" smtClean="0">
+                <a:ln>
+                  <a:noFill/>
+                </a:ln>
+                <a:solidFill>
+                  <a:schemeClr val="tx1"/>
+                </a:solidFill>
+                <a:effectLst/>
+                <a:latin typeface="Times New Roman" panose="02020603050405020304" pitchFamily="18" charset="0"/>
+                <a:cs typeface="Times New Roman" panose="02020603050405020304" pitchFamily="18" charset="0"/>
+              </a:rPr>
+              <a:t>Aadhaar</a:t>
+            </a:r>
+            <a:r>
+              <a:rPr kumimoji="0" lang="en-US" sz="2000" b="1" i="0" u="none" strike="noStrike" cap="none" normalizeH="0" baseline="0" dirty="0" smtClean="0">
+                <a:ln>
+                  <a:noFill/>
+                </a:ln>
+                <a:solidFill>
+                  <a:schemeClr val="tx1"/>
+                </a:solidFill>
+                <a:effectLst/>
+                <a:latin typeface="Times New Roman" panose="02020603050405020304" pitchFamily="18" charset="0"/>
+                <a:cs typeface="Times New Roman" panose="02020603050405020304" pitchFamily="18" charset="0"/>
+              </a:rPr>
+              <a:t> Number)</a:t>
+            </a:r>
+            <a:r>
+              <a:rPr kumimoji="0" lang="en-US" sz="2000" b="0" i="0" u="none" strike="noStrike" cap="none" normalizeH="0" baseline="0" dirty="0" smtClean="0">
+                <a:ln>
+                  <a:noFill/>
+                </a:ln>
+                <a:solidFill>
+                  <a:schemeClr val="tx1"/>
+                </a:solidFill>
+                <a:effectLst/>
+                <a:latin typeface="Times New Roman" panose="02020603050405020304" pitchFamily="18" charset="0"/>
+                <a:cs typeface="Times New Roman" panose="02020603050405020304" pitchFamily="18" charset="0"/>
+              </a:rPr>
+              <a:t> for each patient.</a:t>
+            </a:r>
+          </a:p>
+          <a:p>
+            <a:pPr marL="0" marR="0" lvl="0" indent="0" algn="l" defTabSz="914400" rtl="0" eaLnBrk="0" fontAlgn="base" latinLnBrk="0" hangingPunct="0">
+              <a:lnSpc>
+                <a:spcPct val="100000"/>
+              </a:lnSpc>
+              <a:spcBef>
+                <a:spcPct val="0"/>
+              </a:spcBef>
+              <a:spcAft>
+                <a:spcPct val="0"/>
+              </a:spcAft>
+              <a:buClrTx/>
+              <a:buSzTx/>
+              <a:buFontTx/>
+              <a:buChar char="•"/>
+              <a:tabLst/>
+            </a:pPr>
+            <a:r>
+              <a:rPr kumimoji="0" lang="en-US" sz="2000" b="0" i="0" u="none" strike="noStrike" cap="none" normalizeH="0" baseline="0" dirty="0" smtClean="0">
+                <a:ln>
+                  <a:noFill/>
+                </a:ln>
+                <a:solidFill>
+                  <a:schemeClr val="tx1"/>
+                </a:solidFill>
+                <a:effectLst/>
+                <a:latin typeface="Times New Roman" panose="02020603050405020304" pitchFamily="18" charset="0"/>
+                <a:cs typeface="Times New Roman" panose="02020603050405020304" pitchFamily="18" charset="0"/>
+              </a:rPr>
+              <a:t>To provide </a:t>
+            </a:r>
+            <a:r>
+              <a:rPr kumimoji="0" lang="en-US" sz="2000" b="1" i="0" u="none" strike="noStrike" cap="none" normalizeH="0" baseline="0" dirty="0" smtClean="0">
+                <a:ln>
+                  <a:noFill/>
+                </a:ln>
+                <a:solidFill>
+                  <a:schemeClr val="tx1"/>
+                </a:solidFill>
+                <a:effectLst/>
+                <a:latin typeface="Times New Roman" panose="02020603050405020304" pitchFamily="18" charset="0"/>
+                <a:cs typeface="Times New Roman" panose="02020603050405020304" pitchFamily="18" charset="0"/>
+              </a:rPr>
+              <a:t>role-based access</a:t>
+            </a:r>
+            <a:r>
+              <a:rPr kumimoji="0" lang="en-US" sz="2000" b="0" i="0" u="none" strike="noStrike" cap="none" normalizeH="0" baseline="0" dirty="0" smtClean="0">
+                <a:ln>
+                  <a:noFill/>
+                </a:ln>
+                <a:solidFill>
+                  <a:schemeClr val="tx1"/>
+                </a:solidFill>
+                <a:effectLst/>
+                <a:latin typeface="Times New Roman" panose="02020603050405020304" pitchFamily="18" charset="0"/>
+                <a:cs typeface="Times New Roman" panose="02020603050405020304" pitchFamily="18" charset="0"/>
+              </a:rPr>
+              <a:t> for Admin, Patient, Doctor, Lab Technician, and Nominee.</a:t>
+            </a:r>
+          </a:p>
+          <a:p>
+            <a:pPr marL="0" marR="0" lvl="0" indent="0" algn="l" defTabSz="914400" rtl="0" eaLnBrk="0" fontAlgn="base" latinLnBrk="0" hangingPunct="0">
+              <a:lnSpc>
+                <a:spcPct val="100000"/>
+              </a:lnSpc>
+              <a:spcBef>
+                <a:spcPct val="0"/>
+              </a:spcBef>
+              <a:spcAft>
+                <a:spcPct val="0"/>
+              </a:spcAft>
+              <a:buClrTx/>
+              <a:buSzTx/>
+              <a:buFontTx/>
+              <a:buChar char="•"/>
+              <a:tabLst/>
+            </a:pPr>
+            <a:r>
+              <a:rPr kumimoji="0" lang="en-US" sz="2000" b="0" i="0" u="none" strike="noStrike" cap="none" normalizeH="0" baseline="0" dirty="0" smtClean="0">
+                <a:ln>
+                  <a:noFill/>
+                </a:ln>
+                <a:solidFill>
+                  <a:schemeClr val="tx1"/>
+                </a:solidFill>
+                <a:effectLst/>
+                <a:latin typeface="Times New Roman" panose="02020603050405020304" pitchFamily="18" charset="0"/>
+                <a:cs typeface="Times New Roman" panose="02020603050405020304" pitchFamily="18" charset="0"/>
+              </a:rPr>
+              <a:t>To ensure </a:t>
+            </a:r>
+            <a:r>
+              <a:rPr kumimoji="0" lang="en-US" sz="2000" b="1" i="0" u="none" strike="noStrike" cap="none" normalizeH="0" baseline="0" dirty="0" smtClean="0">
+                <a:ln>
+                  <a:noFill/>
+                </a:ln>
+                <a:solidFill>
+                  <a:schemeClr val="tx1"/>
+                </a:solidFill>
+                <a:effectLst/>
+                <a:latin typeface="Times New Roman" panose="02020603050405020304" pitchFamily="18" charset="0"/>
+                <a:cs typeface="Times New Roman" panose="02020603050405020304" pitchFamily="18" charset="0"/>
+              </a:rPr>
+              <a:t>admin verification</a:t>
+            </a:r>
+            <a:r>
+              <a:rPr kumimoji="0" lang="en-US" sz="2000" b="0" i="0" u="none" strike="noStrike" cap="none" normalizeH="0" baseline="0" dirty="0" smtClean="0">
+                <a:ln>
+                  <a:noFill/>
+                </a:ln>
+                <a:solidFill>
+                  <a:schemeClr val="tx1"/>
+                </a:solidFill>
+                <a:effectLst/>
+                <a:latin typeface="Times New Roman" panose="02020603050405020304" pitchFamily="18" charset="0"/>
+                <a:cs typeface="Times New Roman" panose="02020603050405020304" pitchFamily="18" charset="0"/>
+              </a:rPr>
+              <a:t> of doctors and lab technicians before system access.</a:t>
+            </a:r>
+          </a:p>
+          <a:p>
+            <a:pPr marL="0" marR="0" lvl="0" indent="0" algn="l" defTabSz="914400" rtl="0" eaLnBrk="0" fontAlgn="base" latinLnBrk="0" hangingPunct="0">
+              <a:lnSpc>
+                <a:spcPct val="100000"/>
+              </a:lnSpc>
+              <a:spcBef>
+                <a:spcPct val="0"/>
+              </a:spcBef>
+              <a:spcAft>
+                <a:spcPct val="0"/>
+              </a:spcAft>
+              <a:buClrTx/>
+              <a:buSzTx/>
+              <a:buFontTx/>
+              <a:buChar char="•"/>
+              <a:tabLst/>
+            </a:pPr>
+            <a:r>
+              <a:rPr kumimoji="0" lang="en-US" sz="2000" b="0" i="0" u="none" strike="noStrike" cap="none" normalizeH="0" baseline="0" dirty="0" smtClean="0">
+                <a:ln>
+                  <a:noFill/>
+                </a:ln>
+                <a:solidFill>
+                  <a:schemeClr val="tx1"/>
+                </a:solidFill>
+                <a:effectLst/>
+                <a:latin typeface="Times New Roman" panose="02020603050405020304" pitchFamily="18" charset="0"/>
+                <a:cs typeface="Times New Roman" panose="02020603050405020304" pitchFamily="18" charset="0"/>
+              </a:rPr>
+              <a:t>To allow doctors and lab technicians to </a:t>
+            </a:r>
+            <a:r>
+              <a:rPr kumimoji="0" lang="en-US" sz="2000" b="1" i="0" u="none" strike="noStrike" cap="none" normalizeH="0" baseline="0" dirty="0" smtClean="0">
+                <a:ln>
+                  <a:noFill/>
+                </a:ln>
+                <a:solidFill>
+                  <a:schemeClr val="tx1"/>
+                </a:solidFill>
+                <a:effectLst/>
+                <a:latin typeface="Times New Roman" panose="02020603050405020304" pitchFamily="18" charset="0"/>
+                <a:cs typeface="Times New Roman" panose="02020603050405020304" pitchFamily="18" charset="0"/>
+              </a:rPr>
+              <a:t>upload and manage medical reports digitally</a:t>
+            </a:r>
+            <a:r>
+              <a:rPr kumimoji="0" lang="en-US" sz="2000" b="0" i="0" u="none" strike="noStrike" cap="none" normalizeH="0" baseline="0" dirty="0" smtClean="0">
+                <a:ln>
+                  <a:noFill/>
+                </a:ln>
+                <a:solidFill>
+                  <a:schemeClr val="tx1"/>
+                </a:solidFill>
+                <a:effectLst/>
                 <a:latin typeface="Times New Roman" panose="02020603050405020304" pitchFamily="18" charset="0"/>
                 <a:cs typeface="Times New Roman" panose="02020603050405020304" pitchFamily="18" charset="0"/>
               </a:rPr>
@@ -10554,40 +10685,131 @@
             </a:r>
           </a:p>
           <a:p>
-            <a:r>
-              <a:rPr lang="en-US" sz="2000" dirty="0">
-                <a:latin typeface="Times New Roman" panose="02020603050405020304" pitchFamily="18" charset="0"/>
-                <a:cs typeface="Times New Roman" panose="02020603050405020304" pitchFamily="18" charset="0"/>
-              </a:rPr>
-              <a:t>The project focuses on </a:t>
-            </a:r>
-            <a:r>
-              <a:rPr lang="en-US" sz="2000" b="1" dirty="0">
-                <a:latin typeface="Times New Roman" panose="02020603050405020304" pitchFamily="18" charset="0"/>
-                <a:cs typeface="Times New Roman" panose="02020603050405020304" pitchFamily="18" charset="0"/>
-              </a:rPr>
-              <a:t>digital record management</a:t>
-            </a:r>
-            <a:r>
-              <a:rPr lang="en-US" sz="2000" dirty="0">
-                <a:latin typeface="Times New Roman" panose="02020603050405020304" pitchFamily="18" charset="0"/>
-                <a:cs typeface="Times New Roman" panose="02020603050405020304" pitchFamily="18" charset="0"/>
-              </a:rPr>
-              <a:t> and does not replace medical diagnosis or treatment processes.</a:t>
-            </a:r>
-          </a:p>
-          <a:p>
-            <a:endParaRPr lang="en-US" sz="2000" dirty="0">
-              <a:latin typeface="Times New Roman" panose="02020603050405020304" pitchFamily="18" charset="0"/>
-              <a:cs typeface="Times New Roman" panose="02020603050405020304" pitchFamily="18" charset="0"/>
-            </a:endParaRPr>
+            <a:pPr marL="0" marR="0" lvl="0" indent="0" algn="l" defTabSz="914400" rtl="0" eaLnBrk="0" fontAlgn="base" latinLnBrk="0" hangingPunct="0">
+              <a:lnSpc>
+                <a:spcPct val="100000"/>
+              </a:lnSpc>
+              <a:spcBef>
+                <a:spcPct val="0"/>
+              </a:spcBef>
+              <a:spcAft>
+                <a:spcPct val="0"/>
+              </a:spcAft>
+              <a:buClrTx/>
+              <a:buSzTx/>
+              <a:buFontTx/>
+              <a:buChar char="•"/>
+              <a:tabLst/>
+            </a:pPr>
+            <a:r>
+              <a:rPr kumimoji="0" lang="en-US" sz="2000" b="0" i="0" u="none" strike="noStrike" cap="none" normalizeH="0" baseline="0" dirty="0" smtClean="0">
+                <a:ln>
+                  <a:noFill/>
+                </a:ln>
+                <a:solidFill>
+                  <a:schemeClr val="tx1"/>
+                </a:solidFill>
+                <a:effectLst/>
+                <a:latin typeface="Times New Roman" panose="02020603050405020304" pitchFamily="18" charset="0"/>
+                <a:cs typeface="Times New Roman" panose="02020603050405020304" pitchFamily="18" charset="0"/>
+              </a:rPr>
+              <a:t>To provide </a:t>
+            </a:r>
+            <a:r>
+              <a:rPr kumimoji="0" lang="en-US" sz="2000" b="1" i="0" u="none" strike="noStrike" cap="none" normalizeH="0" baseline="0" dirty="0" smtClean="0">
+                <a:ln>
+                  <a:noFill/>
+                </a:ln>
+                <a:solidFill>
+                  <a:schemeClr val="tx1"/>
+                </a:solidFill>
+                <a:effectLst/>
+                <a:latin typeface="Times New Roman" panose="02020603050405020304" pitchFamily="18" charset="0"/>
+                <a:cs typeface="Times New Roman" panose="02020603050405020304" pitchFamily="18" charset="0"/>
+              </a:rPr>
+              <a:t>patient consent-based access</a:t>
+            </a:r>
+            <a:r>
+              <a:rPr kumimoji="0" lang="en-US" sz="2000" b="0" i="0" u="none" strike="noStrike" cap="none" normalizeH="0" baseline="0" dirty="0" smtClean="0">
+                <a:ln>
+                  <a:noFill/>
+                </a:ln>
+                <a:solidFill>
+                  <a:schemeClr val="tx1"/>
+                </a:solidFill>
+                <a:effectLst/>
+                <a:latin typeface="Times New Roman" panose="02020603050405020304" pitchFamily="18" charset="0"/>
+                <a:cs typeface="Times New Roman" panose="02020603050405020304" pitchFamily="18" charset="0"/>
+              </a:rPr>
+              <a:t> to doctors for viewing medical records.</a:t>
+            </a:r>
+          </a:p>
+          <a:p>
+            <a:pPr marL="0" marR="0" lvl="0" indent="0" algn="l" defTabSz="914400" rtl="0" eaLnBrk="0" fontAlgn="base" latinLnBrk="0" hangingPunct="0">
+              <a:lnSpc>
+                <a:spcPct val="100000"/>
+              </a:lnSpc>
+              <a:spcBef>
+                <a:spcPct val="0"/>
+              </a:spcBef>
+              <a:spcAft>
+                <a:spcPct val="0"/>
+              </a:spcAft>
+              <a:buClrTx/>
+              <a:buSzTx/>
+              <a:buFontTx/>
+              <a:buChar char="•"/>
+              <a:tabLst/>
+            </a:pPr>
+            <a:r>
+              <a:rPr kumimoji="0" lang="en-US" sz="2000" b="0" i="0" u="none" strike="noStrike" cap="none" normalizeH="0" baseline="0" dirty="0" smtClean="0">
+                <a:ln>
+                  <a:noFill/>
+                </a:ln>
+                <a:solidFill>
+                  <a:schemeClr val="tx1"/>
+                </a:solidFill>
+                <a:effectLst/>
+                <a:latin typeface="Times New Roman" panose="02020603050405020304" pitchFamily="18" charset="0"/>
+                <a:cs typeface="Times New Roman" panose="02020603050405020304" pitchFamily="18" charset="0"/>
+              </a:rPr>
+              <a:t>To support </a:t>
+            </a:r>
+            <a:r>
+              <a:rPr kumimoji="0" lang="en-US" sz="2000" b="1" i="0" u="none" strike="noStrike" cap="none" normalizeH="0" baseline="0" dirty="0" smtClean="0">
+                <a:ln>
+                  <a:noFill/>
+                </a:ln>
+                <a:solidFill>
+                  <a:schemeClr val="tx1"/>
+                </a:solidFill>
+                <a:effectLst/>
+                <a:latin typeface="Times New Roman" panose="02020603050405020304" pitchFamily="18" charset="0"/>
+                <a:cs typeface="Times New Roman" panose="02020603050405020304" pitchFamily="18" charset="0"/>
+              </a:rPr>
+              <a:t>emergency access</a:t>
+            </a:r>
+            <a:r>
+              <a:rPr kumimoji="0" lang="en-US" sz="2000" b="0" i="0" u="none" strike="noStrike" cap="none" normalizeH="0" baseline="0" dirty="0" smtClean="0">
+                <a:ln>
+                  <a:noFill/>
+                </a:ln>
+                <a:solidFill>
+                  <a:schemeClr val="tx1"/>
+                </a:solidFill>
+                <a:effectLst/>
+                <a:latin typeface="Times New Roman" panose="02020603050405020304" pitchFamily="18" charset="0"/>
+                <a:cs typeface="Times New Roman" panose="02020603050405020304" pitchFamily="18" charset="0"/>
+              </a:rPr>
+              <a:t> through nominee authorization.</a:t>
+            </a:r>
           </a:p>
         </p:txBody>
       </p:sp>
     </p:spTree>
     <p:extLst>
       <p:ext uri="{BB962C8B-B14F-4D97-AF65-F5344CB8AC3E}">
-        <p14:creationId xmlns:p14="http://schemas.microsoft.com/office/powerpoint/2010/main" val="2332142558"/>
+        <p14:creationId xmlns:p14="http://schemas.microsoft.com/office/powerpoint/2010/main" val="3686323613"/>
       </p:ext>
     </p:extLst>
   </p:cSld>
@@ -10638,451 +10860,151 @@
           <a:p>
             <a:r>
               <a:rPr lang="en-IN" dirty="0"/>
-              <a:t>Limitations</a:t>
-            </a:r>
-          </a:p>
-        </p:txBody>
-      </p:sp>
-      <p:sp>
-        <p:nvSpPr>
-          <p:cNvPr id="5" name="Rectangle 2"/>
-          <p:cNvSpPr>
-            <a:spLocks noGrp="1" noChangeArrowheads="1"/>
+              <a:t>Scope of the Project</a:t>
+            </a:r>
+          </a:p>
+        </p:txBody>
+      </p:sp>
+      <p:sp>
+        <p:nvSpPr>
+          <p:cNvPr id="3" name="Content Placeholder 2"/>
+          <p:cNvSpPr>
+            <a:spLocks noGrp="1"/>
           </p:cNvSpPr>
           <p:nvPr>
             <p:ph idx="1"/>
           </p:nvPr>
         </p:nvSpPr>
-        <p:spPr bwMode="auto">
+        <p:spPr>
           <a:xfrm>
-            <a:off x="1484311" y="2847637"/>
-            <a:ext cx="8738033" cy="1938992"/>
+            <a:off x="1484311" y="3040486"/>
+            <a:ext cx="10018713" cy="3124201"/>
           </a:xfrm>
-          <a:prstGeom prst="rect">
-            <a:avLst/>
-          </a:prstGeom>
-          <a:noFill/>
-          <a:ln>
-            <a:noFill/>
-          </a:ln>
-          <a:effectLst/>
-          <a:extLst>
-            <a:ext uri="{909E8E84-426E-40DD-AFC4-6F175D3DCCD1}">
-              <a14:hiddenFill xmlns:a14="http://schemas.microsoft.com/office/drawing/2010/main">
-                <a:solidFill>
-                  <a:schemeClr val="accent1"/>
-                </a:solidFill>
-              </a14:hiddenFill>
-            </a:ext>
-            <a:ext uri="{91240B29-F687-4F45-9708-019B960494DF}">
-              <a14:hiddenLine xmlns:a14="http://schemas.microsoft.com/office/drawing/2010/main" w="9525">
-                <a:solidFill>
-                  <a:schemeClr val="tx1"/>
-                </a:solidFill>
-                <a:miter lim="800000"/>
-                <a:headEnd/>
-                <a:tailEnd/>
-              </a14:hiddenLine>
-            </a:ext>
-            <a:ext uri="{AF507438-7753-43E0-B8FC-AC1667EBCBE1}">
-              <a14:hiddenEffects xmlns:a14="http://schemas.microsoft.com/office/drawing/2010/main">
-                <a:effectLst>
-                  <a:outerShdw dist="35921" dir="2700000" algn="ctr" rotWithShape="0">
-                    <a:schemeClr val="bg2"/>
-                  </a:outerShdw>
-                </a:effectLst>
-              </a14:hiddenEffects>
-            </a:ext>
-          </a:extLst>
         </p:spPr>
         <p:txBody>
-          <a:bodyPr vert="horz" wrap="none" lIns="91440" tIns="45720" rIns="91440" bIns="45720" numCol="1" anchor="ctr" anchorCtr="0" compatLnSpc="1">
-            <a:prstTxWarp prst="textNoShape">
-              <a:avLst/>
-            </a:prstTxWarp>
-            <a:spAutoFit/>
+          <a:bodyPr>
+            <a:noAutofit/>
           </a:bodyPr>
           <a:lstStyle/>
           <a:p>
-            <a:pPr marL="0" marR="0" lvl="0" indent="0" algn="l" defTabSz="914400" rtl="0" eaLnBrk="0" fontAlgn="base" latinLnBrk="0" hangingPunct="0">
-              <a:lnSpc>
-                <a:spcPct val="100000"/>
-              </a:lnSpc>
-              <a:spcBef>
-                <a:spcPct val="0"/>
-              </a:spcBef>
-              <a:spcAft>
-                <a:spcPct val="0"/>
-              </a:spcAft>
-              <a:buClrTx/>
-              <a:buSzTx/>
-              <a:buFontTx/>
-              <a:buChar char="•"/>
-              <a:tabLst/>
-            </a:pPr>
-            <a:r>
-              <a:rPr kumimoji="0" lang="en-US" sz="2000" b="0" i="0" u="none" strike="noStrike" cap="none" normalizeH="0" baseline="0" dirty="0" smtClean="0">
-                <a:ln>
-                  <a:noFill/>
-                </a:ln>
-                <a:solidFill>
-                  <a:schemeClr val="tx1"/>
-                </a:solidFill>
-                <a:effectLst/>
-                <a:latin typeface="Times New Roman" panose="02020603050405020304" pitchFamily="18" charset="0"/>
-                <a:cs typeface="Times New Roman" panose="02020603050405020304" pitchFamily="18" charset="0"/>
-              </a:rPr>
-              <a:t>Requires </a:t>
-            </a:r>
-            <a:r>
-              <a:rPr kumimoji="0" lang="en-US" sz="2000" b="1" i="0" u="none" strike="noStrike" cap="none" normalizeH="0" baseline="0" dirty="0" err="1" smtClean="0">
-                <a:ln>
-                  <a:noFill/>
-                </a:ln>
-                <a:solidFill>
-                  <a:schemeClr val="tx1"/>
-                </a:solidFill>
-                <a:effectLst/>
+            <a:r>
+              <a:rPr lang="en-US" sz="2000" dirty="0">
+                <a:latin typeface="Times New Roman" panose="02020603050405020304" pitchFamily="18" charset="0"/>
+                <a:cs typeface="Times New Roman" panose="02020603050405020304" pitchFamily="18" charset="0"/>
+              </a:rPr>
+              <a:t>The scope of the Digital Health Card System includes:</a:t>
+            </a:r>
+          </a:p>
+          <a:p>
+            <a:r>
+              <a:rPr lang="en-US" sz="2000" dirty="0">
+                <a:latin typeface="Times New Roman" panose="02020603050405020304" pitchFamily="18" charset="0"/>
+                <a:cs typeface="Times New Roman" panose="02020603050405020304" pitchFamily="18" charset="0"/>
+              </a:rPr>
+              <a:t>Secure storage and management of patient health records.</a:t>
+            </a:r>
+          </a:p>
+          <a:p>
+            <a:r>
+              <a:rPr lang="en-US" sz="2000" dirty="0" err="1">
                 <a:latin typeface="Times New Roman" panose="02020603050405020304" pitchFamily="18" charset="0"/>
                 <a:cs typeface="Times New Roman" panose="02020603050405020304" pitchFamily="18" charset="0"/>
               </a:rPr>
               <a:t>Aadhaar</a:t>
             </a:r>
             <a:r>
-              <a:rPr kumimoji="0" lang="en-US" sz="2000" b="1" i="0" u="none" strike="noStrike" cap="none" normalizeH="0" baseline="0" dirty="0" smtClean="0">
-                <a:ln>
-                  <a:noFill/>
-                </a:ln>
-                <a:solidFill>
-                  <a:schemeClr val="tx1"/>
-                </a:solidFill>
-                <a:effectLst/>
-                <a:latin typeface="Times New Roman" panose="02020603050405020304" pitchFamily="18" charset="0"/>
-                <a:cs typeface="Times New Roman" panose="02020603050405020304" pitchFamily="18" charset="0"/>
-              </a:rPr>
-              <a:t> card and linked mobile number</a:t>
-            </a:r>
-            <a:r>
-              <a:rPr kumimoji="0" lang="en-US" sz="2000" b="0" i="0" u="none" strike="noStrike" cap="none" normalizeH="0" baseline="0" dirty="0" smtClean="0">
-                <a:ln>
-                  <a:noFill/>
-                </a:ln>
-                <a:solidFill>
-                  <a:schemeClr val="tx1"/>
-                </a:solidFill>
-                <a:effectLst/>
-                <a:latin typeface="Times New Roman" panose="02020603050405020304" pitchFamily="18" charset="0"/>
-                <a:cs typeface="Times New Roman" panose="02020603050405020304" pitchFamily="18" charset="0"/>
-              </a:rPr>
-              <a:t> for authentication.</a:t>
-            </a:r>
-          </a:p>
-          <a:p>
-            <a:pPr marL="0" marR="0" lvl="0" indent="0" algn="l" defTabSz="914400" rtl="0" eaLnBrk="0" fontAlgn="base" latinLnBrk="0" hangingPunct="0">
-              <a:lnSpc>
-                <a:spcPct val="100000"/>
-              </a:lnSpc>
-              <a:spcBef>
-                <a:spcPct val="0"/>
-              </a:spcBef>
-              <a:spcAft>
-                <a:spcPct val="0"/>
-              </a:spcAft>
-              <a:buClrTx/>
-              <a:buSzTx/>
-              <a:buFontTx/>
-              <a:buChar char="•"/>
-              <a:tabLst/>
-            </a:pPr>
-            <a:r>
-              <a:rPr kumimoji="0" lang="en-US" sz="2000" b="0" i="0" u="none" strike="noStrike" cap="none" normalizeH="0" baseline="0" dirty="0" smtClean="0">
-                <a:ln>
-                  <a:noFill/>
-                </a:ln>
-                <a:solidFill>
-                  <a:schemeClr val="tx1"/>
-                </a:solidFill>
-                <a:effectLst/>
-                <a:latin typeface="Times New Roman" panose="02020603050405020304" pitchFamily="18" charset="0"/>
-                <a:cs typeface="Times New Roman" panose="02020603050405020304" pitchFamily="18" charset="0"/>
-              </a:rPr>
-              <a:t>Needs </a:t>
-            </a:r>
-            <a:r>
-              <a:rPr kumimoji="0" lang="en-US" sz="2000" b="1" i="0" u="none" strike="noStrike" cap="none" normalizeH="0" baseline="0" dirty="0" smtClean="0">
-                <a:ln>
-                  <a:noFill/>
-                </a:ln>
-                <a:solidFill>
-                  <a:schemeClr val="tx1"/>
-                </a:solidFill>
-                <a:effectLst/>
-                <a:latin typeface="Times New Roman" panose="02020603050405020304" pitchFamily="18" charset="0"/>
-                <a:cs typeface="Times New Roman" panose="02020603050405020304" pitchFamily="18" charset="0"/>
-              </a:rPr>
-              <a:t>continuous internet connection</a:t>
-            </a:r>
-            <a:r>
-              <a:rPr kumimoji="0" lang="en-US" sz="2000" b="0" i="0" u="none" strike="noStrike" cap="none" normalizeH="0" baseline="0" dirty="0" smtClean="0">
-                <a:ln>
-                  <a:noFill/>
-                </a:ln>
-                <a:solidFill>
-                  <a:schemeClr val="tx1"/>
-                </a:solidFill>
-                <a:effectLst/>
-                <a:latin typeface="Times New Roman" panose="02020603050405020304" pitchFamily="18" charset="0"/>
-                <a:cs typeface="Times New Roman" panose="02020603050405020304" pitchFamily="18" charset="0"/>
-              </a:rPr>
-              <a:t> to work properly.</a:t>
-            </a:r>
-          </a:p>
-          <a:p>
-            <a:pPr marL="0" marR="0" lvl="0" indent="0" algn="l" defTabSz="914400" rtl="0" eaLnBrk="0" fontAlgn="base" latinLnBrk="0" hangingPunct="0">
-              <a:lnSpc>
-                <a:spcPct val="100000"/>
-              </a:lnSpc>
-              <a:spcBef>
-                <a:spcPct val="0"/>
-              </a:spcBef>
-              <a:spcAft>
-                <a:spcPct val="0"/>
-              </a:spcAft>
-              <a:buClrTx/>
-              <a:buSzTx/>
-              <a:buFontTx/>
-              <a:buChar char="•"/>
-              <a:tabLst/>
-            </a:pPr>
-            <a:r>
-              <a:rPr kumimoji="0" lang="en-US" sz="2000" b="0" i="0" u="none" strike="noStrike" cap="none" normalizeH="0" baseline="0" dirty="0" smtClean="0">
-                <a:ln>
-                  <a:noFill/>
-                </a:ln>
-                <a:solidFill>
-                  <a:schemeClr val="tx1"/>
-                </a:solidFill>
-                <a:effectLst/>
-                <a:latin typeface="Times New Roman" panose="02020603050405020304" pitchFamily="18" charset="0"/>
-                <a:cs typeface="Times New Roman" panose="02020603050405020304" pitchFamily="18" charset="0"/>
-              </a:rPr>
-              <a:t>Uses </a:t>
-            </a:r>
-            <a:r>
-              <a:rPr kumimoji="0" lang="en-US" sz="2000" b="1" i="0" u="none" strike="noStrike" cap="none" normalizeH="0" baseline="0" dirty="0" smtClean="0">
-                <a:ln>
-                  <a:noFill/>
-                </a:ln>
-                <a:solidFill>
-                  <a:schemeClr val="tx1"/>
-                </a:solidFill>
-                <a:effectLst/>
-                <a:latin typeface="Times New Roman" panose="02020603050405020304" pitchFamily="18" charset="0"/>
-                <a:cs typeface="Times New Roman" panose="02020603050405020304" pitchFamily="18" charset="0"/>
-              </a:rPr>
-              <a:t>hardcoded admin credentials</a:t>
-            </a:r>
-            <a:r>
-              <a:rPr kumimoji="0" lang="en-US" sz="2000" b="0" i="0" u="none" strike="noStrike" cap="none" normalizeH="0" baseline="0" dirty="0" smtClean="0">
-                <a:ln>
-                  <a:noFill/>
-                </a:ln>
-                <a:solidFill>
-                  <a:schemeClr val="tx1"/>
-                </a:solidFill>
-                <a:effectLst/>
-                <a:latin typeface="Times New Roman" panose="02020603050405020304" pitchFamily="18" charset="0"/>
-                <a:cs typeface="Times New Roman" panose="02020603050405020304" pitchFamily="18" charset="0"/>
-              </a:rPr>
-              <a:t>, which limits scalability.</a:t>
-            </a:r>
-          </a:p>
-          <a:p>
-            <a:pPr marL="0" marR="0" lvl="0" indent="0" algn="l" defTabSz="914400" rtl="0" eaLnBrk="0" fontAlgn="base" latinLnBrk="0" hangingPunct="0">
-              <a:lnSpc>
-                <a:spcPct val="100000"/>
-              </a:lnSpc>
-              <a:spcBef>
-                <a:spcPct val="0"/>
-              </a:spcBef>
-              <a:spcAft>
-                <a:spcPct val="0"/>
-              </a:spcAft>
-              <a:buClrTx/>
-              <a:buSzTx/>
-              <a:buFontTx/>
-              <a:buChar char="•"/>
-              <a:tabLst/>
-            </a:pPr>
-            <a:r>
-              <a:rPr kumimoji="0" lang="en-US" sz="2000" b="0" i="0" u="none" strike="noStrike" cap="none" normalizeH="0" baseline="0" dirty="0" smtClean="0">
-                <a:ln>
-                  <a:noFill/>
-                </a:ln>
-                <a:solidFill>
-                  <a:schemeClr val="tx1"/>
-                </a:solidFill>
-                <a:effectLst/>
-                <a:latin typeface="Times New Roman" panose="02020603050405020304" pitchFamily="18" charset="0"/>
-                <a:cs typeface="Times New Roman" panose="02020603050405020304" pitchFamily="18" charset="0"/>
-              </a:rPr>
-              <a:t>Emergency access depends on </a:t>
-            </a:r>
-            <a:r>
-              <a:rPr kumimoji="0" lang="en-US" sz="2000" b="1" i="0" u="none" strike="noStrike" cap="none" normalizeH="0" baseline="0" dirty="0" smtClean="0">
-                <a:ln>
-                  <a:noFill/>
-                </a:ln>
-                <a:solidFill>
-                  <a:schemeClr val="tx1"/>
-                </a:solidFill>
-                <a:effectLst/>
-                <a:latin typeface="Times New Roman" panose="02020603050405020304" pitchFamily="18" charset="0"/>
-                <a:cs typeface="Times New Roman" panose="02020603050405020304" pitchFamily="18" charset="0"/>
-              </a:rPr>
-              <a:t>admin/nominee approval</a:t>
-            </a:r>
-            <a:r>
-              <a:rPr kumimoji="0" lang="en-US" sz="2000" b="0" i="0" u="none" strike="noStrike" cap="none" normalizeH="0" baseline="0" dirty="0" smtClean="0">
-                <a:ln>
-                  <a:noFill/>
-                </a:ln>
-                <a:solidFill>
-                  <a:schemeClr val="tx1"/>
-                </a:solidFill>
-                <a:effectLst/>
-                <a:latin typeface="Times New Roman" panose="02020603050405020304" pitchFamily="18" charset="0"/>
-                <a:cs typeface="Times New Roman" panose="02020603050405020304" pitchFamily="18" charset="0"/>
-              </a:rPr>
-              <a:t>, which may cause delay.</a:t>
-            </a:r>
-          </a:p>
-          <a:p>
-            <a:pPr marL="0" marR="0" lvl="0" indent="0" algn="l" defTabSz="914400" rtl="0" eaLnBrk="0" fontAlgn="base" latinLnBrk="0" hangingPunct="0">
-              <a:lnSpc>
-                <a:spcPct val="100000"/>
-              </a:lnSpc>
-              <a:spcBef>
-                <a:spcPct val="0"/>
-              </a:spcBef>
-              <a:spcAft>
-                <a:spcPct val="0"/>
-              </a:spcAft>
-              <a:buClrTx/>
-              <a:buSzTx/>
-              <a:buFontTx/>
-              <a:buChar char="•"/>
-              <a:tabLst/>
-            </a:pPr>
-            <a:r>
-              <a:rPr kumimoji="0" lang="en-US" sz="2000" b="0" i="0" u="none" strike="noStrike" cap="none" normalizeH="0" baseline="0" dirty="0" smtClean="0">
-                <a:ln>
-                  <a:noFill/>
-                </a:ln>
-                <a:solidFill>
-                  <a:schemeClr val="tx1"/>
-                </a:solidFill>
-                <a:effectLst/>
-                <a:latin typeface="Times New Roman" panose="02020603050405020304" pitchFamily="18" charset="0"/>
-                <a:cs typeface="Times New Roman" panose="02020603050405020304" pitchFamily="18" charset="0"/>
-              </a:rPr>
-              <a:t>No </a:t>
-            </a:r>
-            <a:r>
-              <a:rPr kumimoji="0" lang="en-US" sz="2000" b="1" i="0" u="none" strike="noStrike" cap="none" normalizeH="0" baseline="0" dirty="0" smtClean="0">
-                <a:ln>
-                  <a:noFill/>
-                </a:ln>
-                <a:solidFill>
-                  <a:schemeClr val="tx1"/>
-                </a:solidFill>
-                <a:effectLst/>
-                <a:latin typeface="Times New Roman" panose="02020603050405020304" pitchFamily="18" charset="0"/>
-                <a:cs typeface="Times New Roman" panose="02020603050405020304" pitchFamily="18" charset="0"/>
-              </a:rPr>
-              <a:t>offline access</a:t>
-            </a:r>
-            <a:r>
-              <a:rPr kumimoji="0" lang="en-US" sz="2000" b="0" i="0" u="none" strike="noStrike" cap="none" normalizeH="0" baseline="0" dirty="0" smtClean="0">
-                <a:ln>
-                  <a:noFill/>
-                </a:ln>
-                <a:solidFill>
-                  <a:schemeClr val="tx1"/>
-                </a:solidFill>
-                <a:effectLst/>
-                <a:latin typeface="Times New Roman" panose="02020603050405020304" pitchFamily="18" charset="0"/>
-                <a:cs typeface="Times New Roman" panose="02020603050405020304" pitchFamily="18" charset="0"/>
-              </a:rPr>
-              <a:t> to medical records.</a:t>
-            </a:r>
-          </a:p>
-          <a:p>
-            <a:pPr marL="0" marR="0" lvl="0" indent="0" algn="l" defTabSz="914400" rtl="0" eaLnBrk="0" fontAlgn="base" latinLnBrk="0" hangingPunct="0">
-              <a:lnSpc>
-                <a:spcPct val="100000"/>
-              </a:lnSpc>
-              <a:spcBef>
-                <a:spcPct val="0"/>
-              </a:spcBef>
-              <a:spcAft>
-                <a:spcPct val="0"/>
-              </a:spcAft>
-              <a:buClrTx/>
-              <a:buSzTx/>
-              <a:buFontTx/>
-              <a:buChar char="•"/>
-              <a:tabLst/>
-            </a:pPr>
-            <a:r>
-              <a:rPr kumimoji="0" lang="en-US" sz="2000" b="0" i="0" u="none" strike="noStrike" cap="none" normalizeH="0" baseline="0" dirty="0" smtClean="0">
-                <a:ln>
-                  <a:noFill/>
-                </a:ln>
-                <a:solidFill>
-                  <a:schemeClr val="tx1"/>
-                </a:solidFill>
-                <a:effectLst/>
-                <a:latin typeface="Times New Roman" panose="02020603050405020304" pitchFamily="18" charset="0"/>
-                <a:cs typeface="Times New Roman" panose="02020603050405020304" pitchFamily="18" charset="0"/>
-              </a:rPr>
-              <a:t>Users with </a:t>
-            </a:r>
-            <a:r>
-              <a:rPr kumimoji="0" lang="en-US" sz="2000" b="1" i="0" u="none" strike="noStrike" cap="none" normalizeH="0" baseline="0" dirty="0" smtClean="0">
-                <a:ln>
-                  <a:noFill/>
-                </a:ln>
-                <a:solidFill>
-                  <a:schemeClr val="tx1"/>
-                </a:solidFill>
-                <a:effectLst/>
-                <a:latin typeface="Times New Roman" panose="02020603050405020304" pitchFamily="18" charset="0"/>
-                <a:cs typeface="Times New Roman" panose="02020603050405020304" pitchFamily="18" charset="0"/>
-              </a:rPr>
-              <a:t>low technical knowledge</a:t>
-            </a:r>
-            <a:r>
-              <a:rPr kumimoji="0" lang="en-US" sz="2000" b="0" i="0" u="none" strike="noStrike" cap="none" normalizeH="0" baseline="0" dirty="0" smtClean="0">
-                <a:ln>
-                  <a:noFill/>
-                </a:ln>
-                <a:solidFill>
-                  <a:schemeClr val="tx1"/>
-                </a:solidFill>
-                <a:effectLst/>
-                <a:latin typeface="Times New Roman" panose="02020603050405020304" pitchFamily="18" charset="0"/>
-                <a:cs typeface="Times New Roman" panose="02020603050405020304" pitchFamily="18" charset="0"/>
-              </a:rPr>
-              <a:t> may find it difficult to use</a:t>
-            </a:r>
+              <a:rPr lang="en-US" sz="2000" dirty="0">
+                <a:latin typeface="Times New Roman" panose="02020603050405020304" pitchFamily="18" charset="0"/>
+                <a:cs typeface="Times New Roman" panose="02020603050405020304" pitchFamily="18" charset="0"/>
+              </a:rPr>
+              <a:t>-based patient identity verification.</a:t>
+            </a:r>
+          </a:p>
+          <a:p>
+            <a:r>
+              <a:rPr lang="en-US" sz="2000" dirty="0">
+                <a:latin typeface="Times New Roman" panose="02020603050405020304" pitchFamily="18" charset="0"/>
+                <a:cs typeface="Times New Roman" panose="02020603050405020304" pitchFamily="18" charset="0"/>
+              </a:rPr>
+              <a:t>Digital access to prescriptions, lab reports, and medical history.</a:t>
+            </a:r>
+          </a:p>
+          <a:p>
+            <a:r>
+              <a:rPr lang="en-US" sz="2000" dirty="0">
+                <a:latin typeface="Times New Roman" panose="02020603050405020304" pitchFamily="18" charset="0"/>
+                <a:cs typeface="Times New Roman" panose="02020603050405020304" pitchFamily="18" charset="0"/>
+              </a:rPr>
+              <a:t>Admin-controlled verification of healthcare professionals.</a:t>
+            </a:r>
+          </a:p>
+          <a:p>
+            <a:r>
+              <a:rPr lang="en-US" sz="2000" dirty="0">
+                <a:latin typeface="Times New Roman" panose="02020603050405020304" pitchFamily="18" charset="0"/>
+                <a:cs typeface="Times New Roman" panose="02020603050405020304" pitchFamily="18" charset="0"/>
+              </a:rPr>
+              <a:t>Consent-based and emergency access mechanisms.</a:t>
+            </a:r>
+          </a:p>
+          <a:p>
+            <a:r>
+              <a:rPr lang="en-US" sz="2000" dirty="0">
+                <a:latin typeface="Times New Roman" panose="02020603050405020304" pitchFamily="18" charset="0"/>
+                <a:cs typeface="Times New Roman" panose="02020603050405020304" pitchFamily="18" charset="0"/>
+              </a:rPr>
+              <a:t>The system is designed for </a:t>
+            </a:r>
+            <a:r>
+              <a:rPr lang="en-US" sz="2000" b="1" dirty="0">
+                <a:latin typeface="Times New Roman" panose="02020603050405020304" pitchFamily="18" charset="0"/>
+                <a:cs typeface="Times New Roman" panose="02020603050405020304" pitchFamily="18" charset="0"/>
+              </a:rPr>
+              <a:t>hospitals, clinics, diagnostic labs, and patients</a:t>
+            </a:r>
+            <a:r>
+              <a:rPr lang="en-US" sz="2000" dirty="0">
+                <a:latin typeface="Times New Roman" panose="02020603050405020304" pitchFamily="18" charset="0"/>
+                <a:cs typeface="Times New Roman" panose="02020603050405020304" pitchFamily="18" charset="0"/>
+              </a:rPr>
+              <a:t>.</a:t>
+            </a:r>
+          </a:p>
+          <a:p>
+            <a:r>
+              <a:rPr lang="en-US" sz="2000" dirty="0">
+                <a:latin typeface="Times New Roman" panose="02020603050405020304" pitchFamily="18" charset="0"/>
+                <a:cs typeface="Times New Roman" panose="02020603050405020304" pitchFamily="18" charset="0"/>
+              </a:rPr>
+              <a:t>The project focuses on </a:t>
+            </a:r>
+            <a:r>
+              <a:rPr lang="en-US" sz="2000" b="1" dirty="0">
+                <a:latin typeface="Times New Roman" panose="02020603050405020304" pitchFamily="18" charset="0"/>
+                <a:cs typeface="Times New Roman" panose="02020603050405020304" pitchFamily="18" charset="0"/>
+              </a:rPr>
+              <a:t>digital record management</a:t>
+            </a:r>
+            <a:r>
+              <a:rPr lang="en-US" sz="2000" dirty="0">
+                <a:latin typeface="Times New Roman" panose="02020603050405020304" pitchFamily="18" charset="0"/>
+                <a:cs typeface="Times New Roman" panose="02020603050405020304" pitchFamily="18" charset="0"/>
+              </a:rPr>
+              <a:t> and does not replace medical diagnosis or treatment processes.</a:t>
+            </a:r>
+          </a:p>
+          <a:p>
+            <a:endParaRPr lang="en-US" sz="2000" dirty="0">
+              <a:latin typeface="Times New Roman" panose="02020603050405020304" pitchFamily="18" charset="0"/>
+              <a:cs typeface="Times New Roman" panose="02020603050405020304" pitchFamily="18" charset="0"/>
+            </a:endParaRPr>
           </a:p>
         </p:txBody>
       </p:sp>
     </p:spTree>
     <p:extLst>
       <p:ext uri="{BB962C8B-B14F-4D97-AF65-F5344CB8AC3E}">
-        <p14:creationId xmlns:p14="http://schemas.microsoft.com/office/powerpoint/2010/main" val="1407935658"/>
+        <p14:creationId xmlns:p14="http://schemas.microsoft.com/office/powerpoint/2010/main" val="2332142558"/>
       </p:ext>
     </p:extLst>
   </p:cSld>

--- a/Digital Health Card PPT.pptx
+++ b/Digital Health Card PPT.pptx
@@ -637,7 +637,7 @@
           <a:p>
             <a:fld id="{120C8855-6882-4AD7-B13D-6553AEF0D6D0}" type="datetimeFigureOut">
               <a:rPr lang="en-IN" smtClean="0"/>
-              <a:t>31-01-2026</a:t>
+              <a:t>01-02-2026</a:t>
             </a:fld>
             <a:endParaRPr lang="en-IN"/>
           </a:p>
@@ -933,7 +933,7 @@
           <a:p>
             <a:fld id="{120C8855-6882-4AD7-B13D-6553AEF0D6D0}" type="datetimeFigureOut">
               <a:rPr lang="en-IN" smtClean="0"/>
-              <a:t>31-01-2026</a:t>
+              <a:t>01-02-2026</a:t>
             </a:fld>
             <a:endParaRPr lang="en-IN"/>
           </a:p>
@@ -1181,7 +1181,7 @@
           <a:p>
             <a:fld id="{120C8855-6882-4AD7-B13D-6553AEF0D6D0}" type="datetimeFigureOut">
               <a:rPr lang="en-IN" smtClean="0"/>
-              <a:t>31-01-2026</a:t>
+              <a:t>01-02-2026</a:t>
             </a:fld>
             <a:endParaRPr lang="en-IN"/>
           </a:p>
@@ -1721,7 +1721,7 @@
           <a:p>
             <a:fld id="{120C8855-6882-4AD7-B13D-6553AEF0D6D0}" type="datetimeFigureOut">
               <a:rPr lang="en-IN" smtClean="0"/>
-              <a:t>31-01-2026</a:t>
+              <a:t>01-02-2026</a:t>
             </a:fld>
             <a:endParaRPr lang="en-IN"/>
           </a:p>
@@ -1969,7 +1969,7 @@
           <a:p>
             <a:fld id="{120C8855-6882-4AD7-B13D-6553AEF0D6D0}" type="datetimeFigureOut">
               <a:rPr lang="en-IN" smtClean="0"/>
-              <a:t>31-01-2026</a:t>
+              <a:t>01-02-2026</a:t>
             </a:fld>
             <a:endParaRPr lang="en-IN"/>
           </a:p>
@@ -2501,7 +2501,7 @@
           <a:p>
             <a:fld id="{120C8855-6882-4AD7-B13D-6553AEF0D6D0}" type="datetimeFigureOut">
               <a:rPr lang="en-IN" smtClean="0"/>
-              <a:t>31-01-2026</a:t>
+              <a:t>01-02-2026</a:t>
             </a:fld>
             <a:endParaRPr lang="en-IN"/>
           </a:p>
@@ -2798,7 +2798,7 @@
           <a:p>
             <a:fld id="{120C8855-6882-4AD7-B13D-6553AEF0D6D0}" type="datetimeFigureOut">
               <a:rPr lang="en-IN" smtClean="0"/>
-              <a:t>31-01-2026</a:t>
+              <a:t>01-02-2026</a:t>
             </a:fld>
             <a:endParaRPr lang="en-IN"/>
           </a:p>
@@ -2972,7 +2972,7 @@
           <a:p>
             <a:fld id="{120C8855-6882-4AD7-B13D-6553AEF0D6D0}" type="datetimeFigureOut">
               <a:rPr lang="en-IN" smtClean="0"/>
-              <a:t>31-01-2026</a:t>
+              <a:t>01-02-2026</a:t>
             </a:fld>
             <a:endParaRPr lang="en-IN"/>
           </a:p>
@@ -3152,7 +3152,7 @@
           <a:p>
             <a:fld id="{120C8855-6882-4AD7-B13D-6553AEF0D6D0}" type="datetimeFigureOut">
               <a:rPr lang="en-IN" smtClean="0"/>
-              <a:t>31-01-2026</a:t>
+              <a:t>01-02-2026</a:t>
             </a:fld>
             <a:endParaRPr lang="en-IN"/>
           </a:p>
@@ -3322,7 +3322,7 @@
           <a:p>
             <a:fld id="{120C8855-6882-4AD7-B13D-6553AEF0D6D0}" type="datetimeFigureOut">
               <a:rPr lang="en-IN" smtClean="0"/>
-              <a:t>31-01-2026</a:t>
+              <a:t>01-02-2026</a:t>
             </a:fld>
             <a:endParaRPr lang="en-IN"/>
           </a:p>
@@ -3573,7 +3573,7 @@
           <a:p>
             <a:fld id="{120C8855-6882-4AD7-B13D-6553AEF0D6D0}" type="datetimeFigureOut">
               <a:rPr lang="en-IN" smtClean="0"/>
-              <a:t>31-01-2026</a:t>
+              <a:t>01-02-2026</a:t>
             </a:fld>
             <a:endParaRPr lang="en-IN"/>
           </a:p>
@@ -3870,7 +3870,7 @@
           <a:p>
             <a:fld id="{120C8855-6882-4AD7-B13D-6553AEF0D6D0}" type="datetimeFigureOut">
               <a:rPr lang="en-IN" smtClean="0"/>
-              <a:t>31-01-2026</a:t>
+              <a:t>01-02-2026</a:t>
             </a:fld>
             <a:endParaRPr lang="en-IN"/>
           </a:p>
@@ -4312,7 +4312,7 @@
           <a:p>
             <a:fld id="{120C8855-6882-4AD7-B13D-6553AEF0D6D0}" type="datetimeFigureOut">
               <a:rPr lang="en-IN" smtClean="0"/>
-              <a:t>31-01-2026</a:t>
+              <a:t>01-02-2026</a:t>
             </a:fld>
             <a:endParaRPr lang="en-IN"/>
           </a:p>
@@ -4430,7 +4430,7 @@
           <a:p>
             <a:fld id="{120C8855-6882-4AD7-B13D-6553AEF0D6D0}" type="datetimeFigureOut">
               <a:rPr lang="en-IN" smtClean="0"/>
-              <a:t>31-01-2026</a:t>
+              <a:t>01-02-2026</a:t>
             </a:fld>
             <a:endParaRPr lang="en-IN"/>
           </a:p>
@@ -4525,7 +4525,7 @@
           <a:p>
             <a:fld id="{120C8855-6882-4AD7-B13D-6553AEF0D6D0}" type="datetimeFigureOut">
               <a:rPr lang="en-IN" smtClean="0"/>
-              <a:t>31-01-2026</a:t>
+              <a:t>01-02-2026</a:t>
             </a:fld>
             <a:endParaRPr lang="en-IN"/>
           </a:p>
@@ -4808,7 +4808,7 @@
           <a:p>
             <a:fld id="{120C8855-6882-4AD7-B13D-6553AEF0D6D0}" type="datetimeFigureOut">
               <a:rPr lang="en-IN" smtClean="0"/>
-              <a:t>31-01-2026</a:t>
+              <a:t>01-02-2026</a:t>
             </a:fld>
             <a:endParaRPr lang="en-IN"/>
           </a:p>
@@ -5099,7 +5099,7 @@
           <a:p>
             <a:fld id="{120C8855-6882-4AD7-B13D-6553AEF0D6D0}" type="datetimeFigureOut">
               <a:rPr lang="en-IN" smtClean="0"/>
-              <a:t>31-01-2026</a:t>
+              <a:t>01-02-2026</a:t>
             </a:fld>
             <a:endParaRPr lang="en-IN"/>
           </a:p>
@@ -5629,7 +5629,7 @@
           <a:p>
             <a:fld id="{120C8855-6882-4AD7-B13D-6553AEF0D6D0}" type="datetimeFigureOut">
               <a:rPr lang="en-IN" smtClean="0"/>
-              <a:t>31-01-2026</a:t>
+              <a:t>01-02-2026</a:t>
             </a:fld>
             <a:endParaRPr lang="en-IN"/>
           </a:p>
@@ -6442,8 +6442,8 @@
         </p:nvSpPr>
         <p:spPr bwMode="auto">
           <a:xfrm>
-            <a:off x="1484311" y="2847637"/>
-            <a:ext cx="8738033" cy="1938992"/>
+            <a:off x="1484311" y="3001525"/>
+            <a:ext cx="7677294" cy="1631216"/>
           </a:xfrm>
           <a:prstGeom prst="rect">
             <a:avLst/>
@@ -6681,26 +6681,8 @@
                 <a:latin typeface="Times New Roman" panose="02020603050405020304" pitchFamily="18" charset="0"/>
                 <a:cs typeface="Times New Roman" panose="02020603050405020304" pitchFamily="18" charset="0"/>
               </a:rPr>
-              <a:t>, which limits scalability.</a:t>
-            </a:r>
-          </a:p>
-          <a:p>
-            <a:pPr marL="0" marR="0" lvl="0" indent="0" algn="l" defTabSz="914400" rtl="0" eaLnBrk="0" fontAlgn="base" latinLnBrk="0" hangingPunct="0">
-              <a:lnSpc>
-                <a:spcPct val="100000"/>
-              </a:lnSpc>
-              <a:spcBef>
-                <a:spcPct val="0"/>
-              </a:spcBef>
-              <a:spcAft>
-                <a:spcPct val="0"/>
-              </a:spcAft>
-              <a:buClrTx/>
-              <a:buSzTx/>
-              <a:buFontTx/>
-              <a:buChar char="•"/>
-              <a:tabLst/>
-            </a:pPr>
+              <a:t>, which limits scalability</a:t>
+            </a:r>
             <a:r>
               <a:rPr kumimoji="0" lang="en-US" sz="2000" b="0" i="0" u="none" strike="noStrike" cap="none" normalizeH="0" baseline="0" dirty="0" smtClean="0">
                 <a:ln>
@@ -6713,36 +6695,19 @@
                 <a:latin typeface="Times New Roman" panose="02020603050405020304" pitchFamily="18" charset="0"/>
                 <a:cs typeface="Times New Roman" panose="02020603050405020304" pitchFamily="18" charset="0"/>
               </a:rPr>
-              <a:t>Emergency access depends on </a:t>
-            </a:r>
-            <a:r>
-              <a:rPr kumimoji="0" lang="en-US" sz="2000" b="1" i="0" u="none" strike="noStrike" cap="none" normalizeH="0" baseline="0" dirty="0" smtClean="0">
-                <a:ln>
-                  <a:noFill/>
-                </a:ln>
-                <a:solidFill>
-                  <a:schemeClr val="tx1"/>
-                </a:solidFill>
-                <a:effectLst/>
-                <a:latin typeface="Times New Roman" panose="02020603050405020304" pitchFamily="18" charset="0"/>
-                <a:cs typeface="Times New Roman" panose="02020603050405020304" pitchFamily="18" charset="0"/>
-              </a:rPr>
-              <a:t>admin/nominee approval</a:t>
-            </a:r>
-            <a:r>
-              <a:rPr kumimoji="0" lang="en-US" sz="2000" b="0" i="0" u="none" strike="noStrike" cap="none" normalizeH="0" baseline="0" dirty="0" smtClean="0">
-                <a:ln>
-                  <a:noFill/>
-                </a:ln>
-                <a:solidFill>
-                  <a:schemeClr val="tx1"/>
-                </a:solidFill>
-                <a:effectLst/>
-                <a:latin typeface="Times New Roman" panose="02020603050405020304" pitchFamily="18" charset="0"/>
-                <a:cs typeface="Times New Roman" panose="02020603050405020304" pitchFamily="18" charset="0"/>
-              </a:rPr>
-              <a:t>, which may cause delay.</a:t>
-            </a:r>
+              <a:t>.</a:t>
+            </a:r>
+            <a:endParaRPr kumimoji="0" lang="en-US" sz="2000" b="0" i="0" u="none" strike="noStrike" cap="none" normalizeH="0" baseline="0" dirty="0" smtClean="0">
+              <a:ln>
+                <a:noFill/>
+              </a:ln>
+              <a:solidFill>
+                <a:schemeClr val="tx1"/>
+              </a:solidFill>
+              <a:effectLst/>
+              <a:latin typeface="Times New Roman" panose="02020603050405020304" pitchFamily="18" charset="0"/>
+              <a:cs typeface="Times New Roman" panose="02020603050405020304" pitchFamily="18" charset="0"/>
+            </a:endParaRPr>
           </a:p>
           <a:p>
             <a:pPr marL="0" marR="0" lvl="0" indent="0" algn="l" defTabSz="914400" rtl="0" eaLnBrk="0" fontAlgn="base" latinLnBrk="0" hangingPunct="0">
@@ -8082,7 +8047,7 @@
       </p:sp>
       <p:pic>
         <p:nvPicPr>
-          <p:cNvPr id="2050" name="Picture 2" descr="ER2drawio"/>
+          <p:cNvPr id="2051" name="Picture 3" descr="ER2drawio (2)"/>
           <p:cNvPicPr>
             <a:picLocks noChangeAspect="1" noChangeArrowheads="1"/>
           </p:cNvPicPr>
@@ -8103,8 +8068,8 @@
         </p:blipFill>
         <p:spPr bwMode="auto">
           <a:xfrm>
-            <a:off x="2191926" y="1197735"/>
-            <a:ext cx="7943747" cy="5374849"/>
+            <a:off x="1571223" y="1041595"/>
+            <a:ext cx="10393250" cy="5642540"/>
           </a:xfrm>
           <a:prstGeom prst="rect">
             <a:avLst/>
@@ -8419,7 +8384,7 @@
         </p:nvSpPr>
         <p:spPr>
           <a:xfrm>
-            <a:off x="4069723" y="1275008"/>
+            <a:off x="6932373" y="437882"/>
             <a:ext cx="3346172" cy="769441"/>
           </a:xfrm>
           <a:prstGeom prst="rect">
@@ -8485,8 +8450,32 @@
         </p:blipFill>
         <p:spPr>
           <a:xfrm>
-            <a:off x="4836581" y="2994507"/>
+            <a:off x="2144897" y="117653"/>
             <a:ext cx="2095792" cy="1409897"/>
+          </a:xfrm>
+          <a:prstGeom prst="rect">
+            <a:avLst/>
+          </a:prstGeom>
+        </p:spPr>
+      </p:pic>
+      <p:pic>
+        <p:nvPicPr>
+          <p:cNvPr id="4" name="Picture 3"/>
+          <p:cNvPicPr>
+            <a:picLocks noChangeAspect="1"/>
+          </p:cNvPicPr>
+          <p:nvPr/>
+        </p:nvPicPr>
+        <p:blipFill>
+          <a:blip r:embed="rId3"/>
+          <a:stretch>
+            <a:fillRect/>
+          </a:stretch>
+        </p:blipFill>
+        <p:spPr>
+          <a:xfrm>
+            <a:off x="381303" y="1764406"/>
+            <a:ext cx="11377110" cy="4990693"/>
           </a:xfrm>
           <a:prstGeom prst="rect">
             <a:avLst/>
@@ -8985,7 +8974,21 @@
                 <a:latin typeface="Times New Roman" panose="02020603050405020304" pitchFamily="18" charset="0"/>
                 <a:cs typeface="Times New Roman" panose="02020603050405020304" pitchFamily="18" charset="0"/>
               </a:rPr>
-              <a:t>-based authentication, the system ensures easy access and improved reliability of medical data. Role-based access control and admin verification enhance system security, while digital report uploads by doctors and lab technicians ensure accurate and up-to-date medical information. The emergency access feature further strengthens the system by enabling timely treatment during critical situations. Overall, the system contributes to a more organized, accessible, and patient-centric healthcare management approach and has the potential for future expansion with advanced technologies and real-world integrations.</a:t>
+              <a:t>-based authentication, the system ensures easy access and improved reliability of medical data. Role-based access control and admin verification enhance system security, while digital report uploads by doctors and lab technicians ensure accurate and up-to-date medical information. The emergency </a:t>
+            </a:r>
+            <a:r>
+              <a:rPr lang="en-US" sz="2000" dirty="0" smtClean="0">
+                <a:latin typeface="Times New Roman" panose="02020603050405020304" pitchFamily="18" charset="0"/>
+                <a:cs typeface="Times New Roman" panose="02020603050405020304" pitchFamily="18" charset="0"/>
+              </a:rPr>
+              <a:t> </a:t>
+            </a:r>
+            <a:r>
+              <a:rPr lang="en-US" sz="2000" dirty="0">
+                <a:latin typeface="Times New Roman" panose="02020603050405020304" pitchFamily="18" charset="0"/>
+                <a:cs typeface="Times New Roman" panose="02020603050405020304" pitchFamily="18" charset="0"/>
+              </a:rPr>
+              <a:t>feature further strengthens the system by enabling timely treatment during critical situations. Overall, the system contributes to a more organized, accessible, and patient-centric healthcare management approach and has the potential for future expansion with advanced technologies and real-world integrations.</a:t>
             </a:r>
             <a:endParaRPr lang="en-IN" sz="2000" dirty="0">
               <a:latin typeface="Times New Roman" panose="02020603050405020304" pitchFamily="18" charset="0"/>
@@ -9613,7 +9616,35 @@
                 <a:latin typeface="Times New Roman" panose="02020603050405020304" pitchFamily="18" charset="0"/>
                 <a:cs typeface="Times New Roman" panose="02020603050405020304" pitchFamily="18" charset="0"/>
               </a:rPr>
-              <a:t>The Digital Health Card System is a secure healthcare management platform that allows patients to access and manage their medical records digitally. The system eliminates the need for carrying physical medical reports by providing centralized, role-based access to patient health data. It involves five main entities: Admin, Patient, Doctor, Lab Technician, and Nominee. </a:t>
+              <a:t>The Digital Health Card System is a secure healthcare management platform that allows patients to access and manage their medical records digitally. The system eliminates the need for carrying physical medical reports by providing centralized, role-based access to patient health data. It involves </a:t>
+            </a:r>
+            <a:r>
+              <a:rPr lang="en-US" sz="2000" dirty="0" smtClean="0">
+                <a:latin typeface="Times New Roman" panose="02020603050405020304" pitchFamily="18" charset="0"/>
+                <a:cs typeface="Times New Roman" panose="02020603050405020304" pitchFamily="18" charset="0"/>
+              </a:rPr>
+              <a:t>four</a:t>
+            </a:r>
+            <a:r>
+              <a:rPr lang="en-US" sz="2000" dirty="0" smtClean="0">
+                <a:latin typeface="Times New Roman" panose="02020603050405020304" pitchFamily="18" charset="0"/>
+                <a:cs typeface="Times New Roman" panose="02020603050405020304" pitchFamily="18" charset="0"/>
+              </a:rPr>
+              <a:t> </a:t>
+            </a:r>
+            <a:r>
+              <a:rPr lang="en-US" sz="2000" dirty="0">
+                <a:latin typeface="Times New Roman" panose="02020603050405020304" pitchFamily="18" charset="0"/>
+                <a:cs typeface="Times New Roman" panose="02020603050405020304" pitchFamily="18" charset="0"/>
+              </a:rPr>
+              <a:t>main entities: Admin, Patient, Doctor, Lab </a:t>
+            </a:r>
+            <a:r>
+              <a:rPr lang="en-US" sz="2000" dirty="0" smtClean="0">
+                <a:latin typeface="Times New Roman" panose="02020603050405020304" pitchFamily="18" charset="0"/>
+                <a:cs typeface="Times New Roman" panose="02020603050405020304" pitchFamily="18" charset="0"/>
+              </a:rPr>
+              <a:t>Technician. </a:t>
             </a:r>
             <a:r>
               <a:rPr lang="en-US" sz="2000" dirty="0" err="1">
@@ -9741,7 +9772,21 @@
                 <a:latin typeface="Times New Roman" panose="02020603050405020304" pitchFamily="18" charset="0"/>
                 <a:cs typeface="Times New Roman" panose="02020603050405020304" pitchFamily="18" charset="0"/>
               </a:rPr>
-              <a:t>-based authentication to uniquely identify patients and generates a Health Card ID that acts as a digital identity for accessing medical data. With role-based access control, the system ensures that only authorized users such as doctors and lab technicians can upload or modify patient data after admin verification. Additionally, the nominee-based emergency access mechanism allows doctors to access patient medical history during critical situations. This system aims to improve healthcare efficiency, data accessibility, and patient safety.</a:t>
+              <a:t>-based authentication to uniquely identify patients and generates a Health Card ID that acts as a digital identity for accessing medical data. With role-based access control, the system ensures that only authorized users such as doctors and lab technicians can upload or modify patient data after admin </a:t>
+            </a:r>
+            <a:r>
+              <a:rPr lang="en-US" sz="8000" dirty="0" smtClean="0">
+                <a:latin typeface="Times New Roman" panose="02020603050405020304" pitchFamily="18" charset="0"/>
+                <a:cs typeface="Times New Roman" panose="02020603050405020304" pitchFamily="18" charset="0"/>
+              </a:rPr>
+              <a:t>verification. </a:t>
+            </a:r>
+            <a:r>
+              <a:rPr lang="en-US" sz="8000" dirty="0">
+                <a:latin typeface="Times New Roman" panose="02020603050405020304" pitchFamily="18" charset="0"/>
+                <a:cs typeface="Times New Roman" panose="02020603050405020304" pitchFamily="18" charset="0"/>
+              </a:rPr>
+              <a:t>This system aims to improve healthcare efficiency, data accessibility, and patient safety.</a:t>
             </a:r>
           </a:p>
           <a:p>
@@ -9948,11 +9993,18 @@
               <a:t>The system consists of </a:t>
             </a:r>
             <a:r>
+              <a:rPr lang="en-US" sz="2000" b="1" dirty="0" smtClean="0">
+                <a:latin typeface="Times New Roman" panose="02020603050405020304" pitchFamily="18" charset="0"/>
+                <a:cs typeface="Times New Roman" panose="02020603050405020304" pitchFamily="18" charset="0"/>
+              </a:rPr>
+              <a:t>four </a:t>
+            </a:r>
+            <a:r>
               <a:rPr lang="en-US" sz="2000" b="1" dirty="0">
                 <a:latin typeface="Times New Roman" panose="02020603050405020304" pitchFamily="18" charset="0"/>
                 <a:cs typeface="Times New Roman" panose="02020603050405020304" pitchFamily="18" charset="0"/>
               </a:rPr>
-              <a:t>five main entities</a:t>
+              <a:t>main entities</a:t>
             </a:r>
             <a:r>
               <a:rPr lang="en-US" sz="2000" dirty="0">
@@ -9972,7 +10024,21 @@
                 <a:latin typeface="Times New Roman" panose="02020603050405020304" pitchFamily="18" charset="0"/>
                 <a:cs typeface="Times New Roman" panose="02020603050405020304" pitchFamily="18" charset="0"/>
               </a:rPr>
-              <a:t>Admin, Patient, Doctor, Nominee, and Lab Technician</a:t>
+              <a:t>Admin, Patient, </a:t>
+            </a:r>
+            <a:r>
+              <a:rPr lang="en-US" sz="2000" b="1" dirty="0" smtClean="0">
+                <a:latin typeface="Times New Roman" panose="02020603050405020304" pitchFamily="18" charset="0"/>
+                <a:cs typeface="Times New Roman" panose="02020603050405020304" pitchFamily="18" charset="0"/>
+              </a:rPr>
+              <a:t>Doctor and </a:t>
+            </a:r>
+            <a:r>
+              <a:rPr lang="en-US" sz="2000" b="1" dirty="0">
+                <a:latin typeface="Times New Roman" panose="02020603050405020304" pitchFamily="18" charset="0"/>
+                <a:cs typeface="Times New Roman" panose="02020603050405020304" pitchFamily="18" charset="0"/>
+              </a:rPr>
+              <a:t>Lab Technician</a:t>
             </a:r>
             <a:r>
               <a:rPr lang="en-US" sz="2000" dirty="0">
@@ -10174,8 +10240,8 @@
         </p:nvSpPr>
         <p:spPr bwMode="auto">
           <a:xfrm>
-            <a:off x="1484312" y="2490164"/>
-            <a:ext cx="9436973" cy="3477875"/>
+            <a:off x="1484312" y="2644052"/>
+            <a:ext cx="9436973" cy="3170099"/>
           </a:xfrm>
           <a:prstGeom prst="rect">
             <a:avLst/>
@@ -10561,8 +10627,33 @@
                 <a:latin typeface="Times New Roman" panose="02020603050405020304" pitchFamily="18" charset="0"/>
                 <a:cs typeface="Times New Roman" panose="02020603050405020304" pitchFamily="18" charset="0"/>
               </a:rPr>
-              <a:t> for Admin, Patient, Doctor, Lab Technician, and Nominee.</a:t>
-            </a:r>
+              <a:t> for Admin, Patient, Doctor, Lab </a:t>
+            </a:r>
+            <a:r>
+              <a:rPr kumimoji="0" lang="en-US" sz="2000" b="0" i="0" u="none" strike="noStrike" cap="none" normalizeH="0" baseline="0" dirty="0" smtClean="0">
+                <a:ln>
+                  <a:noFill/>
+                </a:ln>
+                <a:solidFill>
+                  <a:schemeClr val="tx1"/>
+                </a:solidFill>
+                <a:effectLst/>
+                <a:latin typeface="Times New Roman" panose="02020603050405020304" pitchFamily="18" charset="0"/>
+                <a:cs typeface="Times New Roman" panose="02020603050405020304" pitchFamily="18" charset="0"/>
+              </a:rPr>
+              <a:t>Technician.</a:t>
+            </a:r>
+            <a:endParaRPr kumimoji="0" lang="en-US" sz="2000" b="0" i="0" u="none" strike="noStrike" cap="none" normalizeH="0" baseline="0" dirty="0" smtClean="0">
+              <a:ln>
+                <a:noFill/>
+              </a:ln>
+              <a:solidFill>
+                <a:schemeClr val="tx1"/>
+              </a:solidFill>
+              <a:effectLst/>
+              <a:latin typeface="Times New Roman" panose="02020603050405020304" pitchFamily="18" charset="0"/>
+              <a:cs typeface="Times New Roman" panose="02020603050405020304" pitchFamily="18" charset="0"/>
+            </a:endParaRPr>
           </a:p>
           <a:p>
             <a:pPr marL="0" marR="0" lvl="0" indent="0" algn="l" defTabSz="914400" rtl="0" eaLnBrk="0" fontAlgn="base" latinLnBrk="0" hangingPunct="0">
@@ -10741,26 +10832,8 @@
                 <a:latin typeface="Times New Roman" panose="02020603050405020304" pitchFamily="18" charset="0"/>
                 <a:cs typeface="Times New Roman" panose="02020603050405020304" pitchFamily="18" charset="0"/>
               </a:rPr>
-              <a:t> to doctors for viewing medical records.</a:t>
-            </a:r>
-          </a:p>
-          <a:p>
-            <a:pPr marL="0" marR="0" lvl="0" indent="0" algn="l" defTabSz="914400" rtl="0" eaLnBrk="0" fontAlgn="base" latinLnBrk="0" hangingPunct="0">
-              <a:lnSpc>
-                <a:spcPct val="100000"/>
-              </a:lnSpc>
-              <a:spcBef>
-                <a:spcPct val="0"/>
-              </a:spcBef>
-              <a:spcAft>
-                <a:spcPct val="0"/>
-              </a:spcAft>
-              <a:buClrTx/>
-              <a:buSzTx/>
-              <a:buFontTx/>
-              <a:buChar char="•"/>
-              <a:tabLst/>
-            </a:pPr>
+              <a:t> to doctors for viewing medical records</a:t>
+            </a:r>
             <a:r>
               <a:rPr kumimoji="0" lang="en-US" sz="2000" b="0" i="0" u="none" strike="noStrike" cap="none" normalizeH="0" baseline="0" dirty="0" smtClean="0">
                 <a:ln>
@@ -10773,36 +10846,19 @@
                 <a:latin typeface="Times New Roman" panose="02020603050405020304" pitchFamily="18" charset="0"/>
                 <a:cs typeface="Times New Roman" panose="02020603050405020304" pitchFamily="18" charset="0"/>
               </a:rPr>
-              <a:t>To support </a:t>
-            </a:r>
-            <a:r>
-              <a:rPr kumimoji="0" lang="en-US" sz="2000" b="1" i="0" u="none" strike="noStrike" cap="none" normalizeH="0" baseline="0" dirty="0" smtClean="0">
-                <a:ln>
-                  <a:noFill/>
-                </a:ln>
-                <a:solidFill>
-                  <a:schemeClr val="tx1"/>
-                </a:solidFill>
-                <a:effectLst/>
-                <a:latin typeface="Times New Roman" panose="02020603050405020304" pitchFamily="18" charset="0"/>
-                <a:cs typeface="Times New Roman" panose="02020603050405020304" pitchFamily="18" charset="0"/>
-              </a:rPr>
-              <a:t>emergency access</a:t>
-            </a:r>
-            <a:r>
-              <a:rPr kumimoji="0" lang="en-US" sz="2000" b="0" i="0" u="none" strike="noStrike" cap="none" normalizeH="0" baseline="0" dirty="0" smtClean="0">
-                <a:ln>
-                  <a:noFill/>
-                </a:ln>
-                <a:solidFill>
-                  <a:schemeClr val="tx1"/>
-                </a:solidFill>
-                <a:effectLst/>
-                <a:latin typeface="Times New Roman" panose="02020603050405020304" pitchFamily="18" charset="0"/>
-                <a:cs typeface="Times New Roman" panose="02020603050405020304" pitchFamily="18" charset="0"/>
-              </a:rPr>
-              <a:t> through nominee authorization.</a:t>
-            </a:r>
+              <a:t>.</a:t>
+            </a:r>
+            <a:endParaRPr kumimoji="0" lang="en-US" sz="2000" b="0" i="0" u="none" strike="noStrike" cap="none" normalizeH="0" baseline="0" dirty="0" smtClean="0">
+              <a:ln>
+                <a:noFill/>
+              </a:ln>
+              <a:solidFill>
+                <a:schemeClr val="tx1"/>
+              </a:solidFill>
+              <a:effectLst/>
+              <a:latin typeface="Times New Roman" panose="02020603050405020304" pitchFamily="18" charset="0"/>
+              <a:cs typeface="Times New Roman" panose="02020603050405020304" pitchFamily="18" charset="0"/>
+            </a:endParaRPr>
           </a:p>
         </p:txBody>
       </p:sp>

--- a/Digital Health Card PPT.pptx
+++ b/Digital Health Card PPT.pptx
@@ -20,15 +20,16 @@
     <p:sldId id="272" r:id="rId14"/>
     <p:sldId id="273" r:id="rId15"/>
     <p:sldId id="274" r:id="rId16"/>
-    <p:sldId id="279" r:id="rId17"/>
-    <p:sldId id="280" r:id="rId18"/>
-    <p:sldId id="281" r:id="rId19"/>
-    <p:sldId id="282" r:id="rId20"/>
-    <p:sldId id="283" r:id="rId21"/>
-    <p:sldId id="271" r:id="rId22"/>
-    <p:sldId id="269" r:id="rId23"/>
-    <p:sldId id="270" r:id="rId24"/>
-    <p:sldId id="278" r:id="rId25"/>
+    <p:sldId id="285" r:id="rId17"/>
+    <p:sldId id="279" r:id="rId18"/>
+    <p:sldId id="280" r:id="rId19"/>
+    <p:sldId id="281" r:id="rId20"/>
+    <p:sldId id="282" r:id="rId21"/>
+    <p:sldId id="283" r:id="rId22"/>
+    <p:sldId id="271" r:id="rId23"/>
+    <p:sldId id="269" r:id="rId24"/>
+    <p:sldId id="270" r:id="rId25"/>
+    <p:sldId id="278" r:id="rId26"/>
   </p:sldIdLst>
   <p:sldSz cx="12192000" cy="6858000"/>
   <p:notesSz cx="6858000" cy="9144000"/>
@@ -7898,6 +7899,230 @@
       </p:grpSpPr>
       <p:sp>
         <p:nvSpPr>
+          <p:cNvPr id="2" name="Rectangle 1"/>
+          <p:cNvSpPr/>
+          <p:nvPr/>
+        </p:nvSpPr>
+        <p:spPr>
+          <a:xfrm>
+            <a:off x="2236631" y="1100329"/>
+            <a:ext cx="6096000" cy="4601260"/>
+          </a:xfrm>
+          <a:prstGeom prst="rect">
+            <a:avLst/>
+          </a:prstGeom>
+        </p:spPr>
+        <p:txBody>
+          <a:bodyPr>
+            <a:spAutoFit/>
+          </a:bodyPr>
+          <a:lstStyle/>
+          <a:p>
+            <a:pPr>
+              <a:spcBef>
+                <a:spcPts val="1200"/>
+              </a:spcBef>
+              <a:spcAft>
+                <a:spcPts val="300"/>
+              </a:spcAft>
+            </a:pPr>
+            <a:r>
+              <a:rPr lang="en-US" sz="4000" b="1" dirty="0">
+                <a:latin typeface="Calibri Light" panose="020F0302020204030204" pitchFamily="34" charset="0"/>
+                <a:ea typeface="Times New Roman" panose="02020603050405020304" pitchFamily="18" charset="0"/>
+                <a:cs typeface="Mangal"/>
+              </a:rPr>
+              <a:t>Nominee Access </a:t>
+            </a:r>
+            <a:r>
+              <a:rPr lang="en-US" sz="4000" b="1" dirty="0" smtClean="0">
+                <a:latin typeface="Calibri Light" panose="020F0302020204030204" pitchFamily="34" charset="0"/>
+                <a:ea typeface="Times New Roman" panose="02020603050405020304" pitchFamily="18" charset="0"/>
+                <a:cs typeface="Mangal"/>
+              </a:rPr>
+              <a:t>Module</a:t>
+            </a:r>
+          </a:p>
+          <a:p>
+            <a:pPr>
+              <a:spcBef>
+                <a:spcPts val="1200"/>
+              </a:spcBef>
+              <a:spcAft>
+                <a:spcPts val="300"/>
+              </a:spcAft>
+            </a:pPr>
+            <a:endParaRPr lang="en-IN" sz="4000" b="1" dirty="0">
+              <a:latin typeface="Calibri Light" panose="020F0302020204030204" pitchFamily="34" charset="0"/>
+              <a:ea typeface="Times New Roman" panose="02020603050405020304" pitchFamily="18" charset="0"/>
+              <a:cs typeface="Mangal"/>
+            </a:endParaRPr>
+          </a:p>
+          <a:p>
+            <a:r>
+              <a:rPr lang="en-IN" dirty="0">
+                <a:latin typeface="Times New Roman" panose="02020603050405020304" pitchFamily="18" charset="0"/>
+                <a:ea typeface="Times New Roman" panose="02020603050405020304" pitchFamily="18" charset="0"/>
+              </a:rPr>
+              <a:t>The Nominee Access Module handles emergency contact information within the system</a:t>
+            </a:r>
+            <a:r>
+              <a:rPr lang="en-IN" dirty="0" smtClean="0">
+                <a:latin typeface="Times New Roman" panose="02020603050405020304" pitchFamily="18" charset="0"/>
+                <a:ea typeface="Times New Roman" panose="02020603050405020304" pitchFamily="18" charset="0"/>
+              </a:rPr>
+              <a:t>.</a:t>
+            </a:r>
+          </a:p>
+          <a:p>
+            <a:endParaRPr lang="en-IN" dirty="0">
+              <a:latin typeface="Times New Roman" panose="02020603050405020304" pitchFamily="18" charset="0"/>
+              <a:ea typeface="Times New Roman" panose="02020603050405020304" pitchFamily="18" charset="0"/>
+            </a:endParaRPr>
+          </a:p>
+          <a:p>
+            <a:r>
+              <a:rPr lang="en-IN" b="1" dirty="0">
+                <a:latin typeface="Times New Roman" panose="02020603050405020304" pitchFamily="18" charset="0"/>
+                <a:ea typeface="Times New Roman" panose="02020603050405020304" pitchFamily="18" charset="0"/>
+              </a:rPr>
+              <a:t>Key functionalities</a:t>
+            </a:r>
+            <a:r>
+              <a:rPr lang="en-IN" b="1" dirty="0" smtClean="0">
+                <a:latin typeface="Times New Roman" panose="02020603050405020304" pitchFamily="18" charset="0"/>
+                <a:ea typeface="Times New Roman" panose="02020603050405020304" pitchFamily="18" charset="0"/>
+              </a:rPr>
+              <a:t>:</a:t>
+            </a:r>
+          </a:p>
+          <a:p>
+            <a:endParaRPr lang="en-IN" dirty="0">
+              <a:latin typeface="Times New Roman" panose="02020603050405020304" pitchFamily="18" charset="0"/>
+              <a:ea typeface="Times New Roman" panose="02020603050405020304" pitchFamily="18" charset="0"/>
+            </a:endParaRPr>
+          </a:p>
+          <a:p>
+            <a:pPr marL="342900" lvl="0" indent="-342900">
+              <a:buSzPts val="1000"/>
+              <a:buFont typeface="Symbol" panose="05050102010706020507" pitchFamily="18" charset="2"/>
+              <a:buChar char=""/>
+              <a:tabLst>
+                <a:tab pos="457200" algn="l"/>
+              </a:tabLst>
+            </a:pPr>
+            <a:r>
+              <a:rPr lang="en-IN" dirty="0">
+                <a:latin typeface="Times New Roman" panose="02020603050405020304" pitchFamily="18" charset="0"/>
+                <a:ea typeface="Times New Roman" panose="02020603050405020304" pitchFamily="18" charset="0"/>
+              </a:rPr>
+              <a:t>No login or registration required for nominees.</a:t>
+            </a:r>
+          </a:p>
+          <a:p>
+            <a:pPr marL="342900" lvl="0" indent="-342900">
+              <a:buSzPts val="1000"/>
+              <a:buFont typeface="Symbol" panose="05050102010706020507" pitchFamily="18" charset="2"/>
+              <a:buChar char=""/>
+              <a:tabLst>
+                <a:tab pos="457200" algn="l"/>
+              </a:tabLst>
+            </a:pPr>
+            <a:r>
+              <a:rPr lang="en-IN" dirty="0">
+                <a:latin typeface="Times New Roman" panose="02020603050405020304" pitchFamily="18" charset="0"/>
+                <a:ea typeface="Times New Roman" panose="02020603050405020304" pitchFamily="18" charset="0"/>
+              </a:rPr>
+              <a:t>Nominee contact details are securely stored in the system.</a:t>
+            </a:r>
+          </a:p>
+          <a:p>
+            <a:pPr marL="342900" lvl="0" indent="-342900">
+              <a:buSzPts val="1000"/>
+              <a:buFont typeface="Symbol" panose="05050102010706020507" pitchFamily="18" charset="2"/>
+              <a:buChar char=""/>
+              <a:tabLst>
+                <a:tab pos="457200" algn="l"/>
+              </a:tabLst>
+            </a:pPr>
+            <a:r>
+              <a:rPr lang="en-IN" dirty="0">
+                <a:latin typeface="Times New Roman" panose="02020603050405020304" pitchFamily="18" charset="0"/>
+                <a:ea typeface="Times New Roman" panose="02020603050405020304" pitchFamily="18" charset="0"/>
+              </a:rPr>
+              <a:t>Nominee information is </a:t>
+            </a:r>
+            <a:r>
+              <a:rPr lang="en-IN" b="1" dirty="0">
+                <a:latin typeface="Times New Roman" panose="02020603050405020304" pitchFamily="18" charset="0"/>
+                <a:ea typeface="Times New Roman" panose="02020603050405020304" pitchFamily="18" charset="0"/>
+              </a:rPr>
+              <a:t>visible only to authorized roles</a:t>
+            </a:r>
+            <a:r>
+              <a:rPr lang="en-IN" dirty="0">
+                <a:latin typeface="Times New Roman" panose="02020603050405020304" pitchFamily="18" charset="0"/>
+                <a:ea typeface="Times New Roman" panose="02020603050405020304" pitchFamily="18" charset="0"/>
+              </a:rPr>
+              <a:t> such as doctors.</a:t>
+            </a:r>
+          </a:p>
+          <a:p>
+            <a:pPr marL="342900" lvl="0" indent="-342900">
+              <a:buSzPts val="1000"/>
+              <a:buFont typeface="Symbol" panose="05050102010706020507" pitchFamily="18" charset="2"/>
+              <a:buChar char=""/>
+              <a:tabLst>
+                <a:tab pos="457200" algn="l"/>
+              </a:tabLst>
+            </a:pPr>
+            <a:r>
+              <a:rPr lang="en-IN" dirty="0">
+                <a:latin typeface="Times New Roman" panose="02020603050405020304" pitchFamily="18" charset="0"/>
+                <a:ea typeface="Times New Roman" panose="02020603050405020304" pitchFamily="18" charset="0"/>
+              </a:rPr>
+              <a:t>Enables communication with family members or caregivers during emergencies.</a:t>
+            </a:r>
+            <a:endParaRPr lang="en-IN" dirty="0">
+              <a:effectLst/>
+              <a:latin typeface="Times New Roman" panose="02020603050405020304" pitchFamily="18" charset="0"/>
+              <a:ea typeface="Times New Roman" panose="02020603050405020304" pitchFamily="18" charset="0"/>
+            </a:endParaRPr>
+          </a:p>
+        </p:txBody>
+      </p:sp>
+    </p:spTree>
+    <p:extLst>
+      <p:ext uri="{BB962C8B-B14F-4D97-AF65-F5344CB8AC3E}">
+        <p14:creationId xmlns:p14="http://schemas.microsoft.com/office/powerpoint/2010/main" val="2937846336"/>
+      </p:ext>
+    </p:extLst>
+  </p:cSld>
+  <p:clrMapOvr>
+    <a:masterClrMapping/>
+  </p:clrMapOvr>
+</p:sld>
+</file>
+
+<file path=ppt/slides/slide17.xml><?xml version="1.0" encoding="utf-8"?>
+<p:sld xmlns:a="http://schemas.openxmlformats.org/drawingml/2006/main" xmlns:r="http://schemas.openxmlformats.org/officeDocument/2006/relationships" xmlns:p="http://schemas.openxmlformats.org/presentationml/2006/main">
+  <p:cSld>
+    <p:spTree>
+      <p:nvGrpSpPr>
+        <p:cNvPr id="1" name=""/>
+        <p:cNvGrpSpPr/>
+        <p:nvPr/>
+      </p:nvGrpSpPr>
+      <p:grpSpPr>
+        <a:xfrm>
+          <a:off x="0" y="0"/>
+          <a:ext cx="0" cy="0"/>
+          <a:chOff x="0" y="0"/>
+          <a:chExt cx="0" cy="0"/>
+        </a:xfrm>
+      </p:grpSpPr>
+      <p:sp>
+        <p:nvSpPr>
           <p:cNvPr id="3" name="Rectangle 2"/>
           <p:cNvSpPr/>
           <p:nvPr/>
@@ -7999,7 +8224,7 @@
 </p:sld>
 </file>
 
-<file path=ppt/slides/slide17.xml><?xml version="1.0" encoding="utf-8"?>
+<file path=ppt/slides/slide18.xml><?xml version="1.0" encoding="utf-8"?>
 <p:sld xmlns:a="http://schemas.openxmlformats.org/drawingml/2006/main" xmlns:r="http://schemas.openxmlformats.org/officeDocument/2006/relationships" xmlns:p="http://schemas.openxmlformats.org/presentationml/2006/main">
   <p:cSld>
     <p:spTree>
@@ -8119,7 +8344,7 @@
 </p:sld>
 </file>
 
-<file path=ppt/slides/slide18.xml><?xml version="1.0" encoding="utf-8"?>
+<file path=ppt/slides/slide19.xml><?xml version="1.0" encoding="utf-8"?>
 <p:sld xmlns:a="http://schemas.openxmlformats.org/drawingml/2006/main" xmlns:r="http://schemas.openxmlformats.org/officeDocument/2006/relationships" xmlns:p="http://schemas.openxmlformats.org/presentationml/2006/main">
   <p:cSld>
     <p:spTree>
@@ -8223,126 +8448,6 @@
     <p:extLst>
       <p:ext uri="{BB962C8B-B14F-4D97-AF65-F5344CB8AC3E}">
         <p14:creationId xmlns:p14="http://schemas.microsoft.com/office/powerpoint/2010/main" val="1447519128"/>
-      </p:ext>
-    </p:extLst>
-  </p:cSld>
-  <p:clrMapOvr>
-    <a:masterClrMapping/>
-  </p:clrMapOvr>
-  <p:timing>
-    <p:tnLst>
-      <p:par>
-        <p:cTn id="1" dur="indefinite" restart="never" nodeType="tmRoot"/>
-      </p:par>
-    </p:tnLst>
-  </p:timing>
-</p:sld>
-</file>
-
-<file path=ppt/slides/slide19.xml><?xml version="1.0" encoding="utf-8"?>
-<p:sld xmlns:a="http://schemas.openxmlformats.org/drawingml/2006/main" xmlns:r="http://schemas.openxmlformats.org/officeDocument/2006/relationships" xmlns:p="http://schemas.openxmlformats.org/presentationml/2006/main">
-  <p:cSld>
-    <p:spTree>
-      <p:nvGrpSpPr>
-        <p:cNvPr id="1" name=""/>
-        <p:cNvGrpSpPr/>
-        <p:nvPr/>
-      </p:nvGrpSpPr>
-      <p:grpSpPr>
-        <a:xfrm>
-          <a:off x="0" y="0"/>
-          <a:ext cx="0" cy="0"/>
-          <a:chOff x="0" y="0"/>
-          <a:chExt cx="0" cy="0"/>
-        </a:xfrm>
-      </p:grpSpPr>
-      <p:sp>
-        <p:nvSpPr>
-          <p:cNvPr id="2" name="Rectangle 1"/>
-          <p:cNvSpPr/>
-          <p:nvPr/>
-        </p:nvSpPr>
-        <p:spPr>
-          <a:xfrm>
-            <a:off x="3956484" y="282193"/>
-            <a:ext cx="3329758" cy="707886"/>
-          </a:xfrm>
-          <a:prstGeom prst="rect">
-            <a:avLst/>
-          </a:prstGeom>
-        </p:spPr>
-        <p:txBody>
-          <a:bodyPr wrap="none">
-            <a:spAutoFit/>
-          </a:bodyPr>
-          <a:lstStyle/>
-          <a:p>
-            <a:r>
-              <a:rPr lang="en-US" sz="4000" b="1" dirty="0" smtClean="0"/>
-              <a:t>Class Diagram</a:t>
-            </a:r>
-            <a:endParaRPr lang="en-IN" sz="4000" b="1" dirty="0"/>
-          </a:p>
-        </p:txBody>
-      </p:sp>
-      <p:pic>
-        <p:nvPicPr>
-          <p:cNvPr id="4098" name="Picture 2" descr="class2Diagram"/>
-          <p:cNvPicPr>
-            <a:picLocks noChangeAspect="1" noChangeArrowheads="1"/>
-          </p:cNvPicPr>
-          <p:nvPr/>
-        </p:nvPicPr>
-        <p:blipFill>
-          <a:blip r:embed="rId2">
-            <a:extLst>
-              <a:ext uri="{28A0092B-C50C-407E-A947-70E740481C1C}">
-                <a14:useLocalDpi xmlns:a14="http://schemas.microsoft.com/office/drawing/2010/main" val="0"/>
-              </a:ext>
-            </a:extLst>
-          </a:blip>
-          <a:srcRect/>
-          <a:stretch>
-            <a:fillRect/>
-          </a:stretch>
-        </p:blipFill>
-        <p:spPr bwMode="auto">
-          <a:xfrm>
-            <a:off x="1416676" y="1152525"/>
-            <a:ext cx="10174310" cy="5705475"/>
-          </a:xfrm>
-          <a:prstGeom prst="rect">
-            <a:avLst/>
-          </a:prstGeom>
-          <a:noFill/>
-          <a:ln>
-            <a:noFill/>
-          </a:ln>
-          <a:extLst>
-            <a:ext uri="{909E8E84-426E-40DD-AFC4-6F175D3DCCD1}">
-              <a14:hiddenFill xmlns:a14="http://schemas.microsoft.com/office/drawing/2010/main">
-                <a:solidFill>
-                  <a:srgbClr val="FFFFFF"/>
-                </a:solidFill>
-              </a14:hiddenFill>
-            </a:ext>
-            <a:ext uri="{91240B29-F687-4F45-9708-019B960494DF}">
-              <a14:hiddenLine xmlns:a14="http://schemas.microsoft.com/office/drawing/2010/main" w="9525">
-                <a:solidFill>
-                  <a:srgbClr val="000000"/>
-                </a:solidFill>
-                <a:miter lim="800000"/>
-                <a:headEnd/>
-                <a:tailEnd/>
-              </a14:hiddenLine>
-            </a:ext>
-          </a:extLst>
-        </p:spPr>
-      </p:pic>
-    </p:spTree>
-    <p:extLst>
-      <p:ext uri="{BB962C8B-B14F-4D97-AF65-F5344CB8AC3E}">
-        <p14:creationId xmlns:p14="http://schemas.microsoft.com/office/powerpoint/2010/main" val="3837932852"/>
       </p:ext>
     </p:extLst>
   </p:cSld>
@@ -8527,6 +8632,126 @@
         </p:nvSpPr>
         <p:spPr>
           <a:xfrm>
+            <a:off x="3956484" y="282193"/>
+            <a:ext cx="3329758" cy="707886"/>
+          </a:xfrm>
+          <a:prstGeom prst="rect">
+            <a:avLst/>
+          </a:prstGeom>
+        </p:spPr>
+        <p:txBody>
+          <a:bodyPr wrap="none">
+            <a:spAutoFit/>
+          </a:bodyPr>
+          <a:lstStyle/>
+          <a:p>
+            <a:r>
+              <a:rPr lang="en-US" sz="4000" b="1" dirty="0" smtClean="0"/>
+              <a:t>Class Diagram</a:t>
+            </a:r>
+            <a:endParaRPr lang="en-IN" sz="4000" b="1" dirty="0"/>
+          </a:p>
+        </p:txBody>
+      </p:sp>
+      <p:pic>
+        <p:nvPicPr>
+          <p:cNvPr id="4098" name="Picture 2" descr="class2Diagram"/>
+          <p:cNvPicPr>
+            <a:picLocks noChangeAspect="1" noChangeArrowheads="1"/>
+          </p:cNvPicPr>
+          <p:nvPr/>
+        </p:nvPicPr>
+        <p:blipFill>
+          <a:blip r:embed="rId2">
+            <a:extLst>
+              <a:ext uri="{28A0092B-C50C-407E-A947-70E740481C1C}">
+                <a14:useLocalDpi xmlns:a14="http://schemas.microsoft.com/office/drawing/2010/main" val="0"/>
+              </a:ext>
+            </a:extLst>
+          </a:blip>
+          <a:srcRect/>
+          <a:stretch>
+            <a:fillRect/>
+          </a:stretch>
+        </p:blipFill>
+        <p:spPr bwMode="auto">
+          <a:xfrm>
+            <a:off x="1416676" y="1152525"/>
+            <a:ext cx="10174310" cy="5705475"/>
+          </a:xfrm>
+          <a:prstGeom prst="rect">
+            <a:avLst/>
+          </a:prstGeom>
+          <a:noFill/>
+          <a:ln>
+            <a:noFill/>
+          </a:ln>
+          <a:extLst>
+            <a:ext uri="{909E8E84-426E-40DD-AFC4-6F175D3DCCD1}">
+              <a14:hiddenFill xmlns:a14="http://schemas.microsoft.com/office/drawing/2010/main">
+                <a:solidFill>
+                  <a:srgbClr val="FFFFFF"/>
+                </a:solidFill>
+              </a14:hiddenFill>
+            </a:ext>
+            <a:ext uri="{91240B29-F687-4F45-9708-019B960494DF}">
+              <a14:hiddenLine xmlns:a14="http://schemas.microsoft.com/office/drawing/2010/main" w="9525">
+                <a:solidFill>
+                  <a:srgbClr val="000000"/>
+                </a:solidFill>
+                <a:miter lim="800000"/>
+                <a:headEnd/>
+                <a:tailEnd/>
+              </a14:hiddenLine>
+            </a:ext>
+          </a:extLst>
+        </p:spPr>
+      </p:pic>
+    </p:spTree>
+    <p:extLst>
+      <p:ext uri="{BB962C8B-B14F-4D97-AF65-F5344CB8AC3E}">
+        <p14:creationId xmlns:p14="http://schemas.microsoft.com/office/powerpoint/2010/main" val="3837932852"/>
+      </p:ext>
+    </p:extLst>
+  </p:cSld>
+  <p:clrMapOvr>
+    <a:masterClrMapping/>
+  </p:clrMapOvr>
+  <p:timing>
+    <p:tnLst>
+      <p:par>
+        <p:cTn id="1" dur="indefinite" restart="never" nodeType="tmRoot"/>
+      </p:par>
+    </p:tnLst>
+  </p:timing>
+</p:sld>
+</file>
+
+<file path=ppt/slides/slide21.xml><?xml version="1.0" encoding="utf-8"?>
+<p:sld xmlns:a="http://schemas.openxmlformats.org/drawingml/2006/main" xmlns:r="http://schemas.openxmlformats.org/officeDocument/2006/relationships" xmlns:p="http://schemas.openxmlformats.org/presentationml/2006/main">
+  <p:cSld>
+    <p:spTree>
+      <p:nvGrpSpPr>
+        <p:cNvPr id="1" name=""/>
+        <p:cNvGrpSpPr/>
+        <p:nvPr/>
+      </p:nvGrpSpPr>
+      <p:grpSpPr>
+        <a:xfrm>
+          <a:off x="0" y="0"/>
+          <a:ext cx="0" cy="0"/>
+          <a:chOff x="0" y="0"/>
+          <a:chExt cx="0" cy="0"/>
+        </a:xfrm>
+      </p:grpSpPr>
+      <p:sp>
+        <p:nvSpPr>
+          <p:cNvPr id="2" name="Rectangle 1"/>
+          <p:cNvSpPr/>
+          <p:nvPr/>
+        </p:nvSpPr>
+        <p:spPr>
+          <a:xfrm>
             <a:off x="3964580" y="359467"/>
             <a:ext cx="4357283" cy="707886"/>
           </a:xfrm>
@@ -8622,268 +8847,6 @@
 </p:sld>
 </file>
 
-<file path=ppt/slides/slide21.xml><?xml version="1.0" encoding="utf-8"?>
-<p:sld xmlns:a="http://schemas.openxmlformats.org/drawingml/2006/main" xmlns:r="http://schemas.openxmlformats.org/officeDocument/2006/relationships" xmlns:p="http://schemas.openxmlformats.org/presentationml/2006/main">
-  <p:cSld>
-    <p:spTree>
-      <p:nvGrpSpPr>
-        <p:cNvPr id="1" name=""/>
-        <p:cNvGrpSpPr/>
-        <p:nvPr/>
-      </p:nvGrpSpPr>
-      <p:grpSpPr>
-        <a:xfrm>
-          <a:off x="0" y="0"/>
-          <a:ext cx="0" cy="0"/>
-          <a:chOff x="0" y="0"/>
-          <a:chExt cx="0" cy="0"/>
-        </a:xfrm>
-      </p:grpSpPr>
-      <p:sp>
-        <p:nvSpPr>
-          <p:cNvPr id="2" name="TextBox 1"/>
-          <p:cNvSpPr txBox="1"/>
-          <p:nvPr/>
-        </p:nvSpPr>
-        <p:spPr>
-          <a:xfrm>
-            <a:off x="1828800" y="1661375"/>
-            <a:ext cx="7250806" cy="4247317"/>
-          </a:xfrm>
-          <a:prstGeom prst="rect">
-            <a:avLst/>
-          </a:prstGeom>
-          <a:noFill/>
-        </p:spPr>
-        <p:txBody>
-          <a:bodyPr wrap="square" rtlCol="0">
-            <a:spAutoFit/>
-          </a:bodyPr>
-          <a:lstStyle/>
-          <a:p>
-            <a:pPr marL="342900" indent="-342900">
-              <a:buFont typeface="Wingdings" pitchFamily="2" charset="2"/>
-              <a:buChar char="q"/>
-            </a:pPr>
-            <a:r>
-              <a:rPr lang="en-IN" b="1" dirty="0"/>
-              <a:t>Hardware Requirements</a:t>
-            </a:r>
-          </a:p>
-          <a:p>
-            <a:r>
-              <a:rPr lang="en-IN" dirty="0"/>
-              <a:t>          Processor: Intel i3 or above</a:t>
-            </a:r>
-          </a:p>
-          <a:p>
-            <a:r>
-              <a:rPr lang="en-IN" dirty="0"/>
-              <a:t>          RAM: Minimum 4 GB</a:t>
-            </a:r>
-          </a:p>
-          <a:p>
-            <a:r>
-              <a:rPr lang="en-IN" dirty="0"/>
-              <a:t>          Storage: 100GB HDD or SSD</a:t>
-            </a:r>
-          </a:p>
-          <a:p>
-            <a:endParaRPr lang="en-IN" dirty="0"/>
-          </a:p>
-          <a:p>
-            <a:pPr marL="342900" indent="-342900">
-              <a:buFont typeface="Wingdings" pitchFamily="2" charset="2"/>
-              <a:buChar char="q"/>
-            </a:pPr>
-            <a:r>
-              <a:rPr lang="en-IN" b="1" dirty="0"/>
-              <a:t>Software Requirements</a:t>
-            </a:r>
-          </a:p>
-          <a:p>
-            <a:r>
-              <a:rPr lang="en-IN" b="1" dirty="0"/>
-              <a:t>          </a:t>
-            </a:r>
-            <a:r>
-              <a:rPr lang="en-IN" dirty="0"/>
-              <a:t>Operating System: </a:t>
-            </a:r>
-            <a:r>
-              <a:rPr lang="en-IN" dirty="0" smtClean="0"/>
-              <a:t>Any Operating System(Windows ,</a:t>
-            </a:r>
-            <a:r>
-              <a:rPr lang="en-IN" dirty="0" err="1" smtClean="0"/>
-              <a:t>Linux,MacOs</a:t>
-            </a:r>
-            <a:r>
-              <a:rPr lang="en-IN" dirty="0" smtClean="0"/>
-              <a:t>)</a:t>
-            </a:r>
-            <a:endParaRPr lang="en-IN" dirty="0"/>
-          </a:p>
-          <a:p>
-            <a:r>
-              <a:rPr lang="en-IN" sz="1600" dirty="0"/>
-              <a:t>             </a:t>
-            </a:r>
-            <a:r>
-              <a:rPr lang="en-IN" dirty="0"/>
-              <a:t>Frontend: HTML, </a:t>
-            </a:r>
-            <a:r>
-              <a:rPr lang="en-IN" dirty="0" smtClean="0"/>
-              <a:t>CSS(</a:t>
-            </a:r>
-            <a:r>
-              <a:rPr lang="en-IN" dirty="0" err="1" smtClean="0"/>
-              <a:t>TalwindCSS</a:t>
-            </a:r>
-            <a:r>
-              <a:rPr lang="en-IN" dirty="0" smtClean="0"/>
-              <a:t>), </a:t>
-            </a:r>
-            <a:r>
-              <a:rPr lang="en-IN" dirty="0" err="1"/>
-              <a:t>Javascript</a:t>
-            </a:r>
-            <a:r>
-              <a:rPr lang="en-IN" dirty="0"/>
-              <a:t>,  React.js</a:t>
-            </a:r>
-          </a:p>
-          <a:p>
-            <a:r>
-              <a:rPr lang="en-IN" dirty="0"/>
-              <a:t>           Backend: ASP.NET </a:t>
-            </a:r>
-            <a:r>
-              <a:rPr lang="en-IN" dirty="0" smtClean="0"/>
-              <a:t>Core 8.0 Web App</a:t>
-            </a:r>
-            <a:endParaRPr lang="en-IN" dirty="0"/>
-          </a:p>
-          <a:p>
-            <a:r>
-              <a:rPr lang="en-IN" dirty="0"/>
-              <a:t>           Database: </a:t>
-            </a:r>
-            <a:r>
-              <a:rPr lang="en-IN" dirty="0" smtClean="0"/>
-              <a:t>MYSQL</a:t>
-            </a:r>
-          </a:p>
-          <a:p>
-            <a:r>
-              <a:rPr lang="en-US" dirty="0" smtClean="0"/>
-              <a:t>           Browser :Google Chrome / Mozilla </a:t>
-            </a:r>
-            <a:r>
-              <a:rPr lang="en-US" dirty="0" err="1" smtClean="0"/>
-              <a:t>FireFox</a:t>
-            </a:r>
-            <a:r>
-              <a:rPr lang="en-US" dirty="0" smtClean="0"/>
-              <a:t> / Microsoft Edge</a:t>
-            </a:r>
-            <a:endParaRPr lang="en-IN" dirty="0"/>
-          </a:p>
-          <a:p>
-            <a:r>
-              <a:rPr lang="en-IN" dirty="0"/>
-              <a:t>           Server: </a:t>
-            </a:r>
-            <a:r>
-              <a:rPr lang="en-IN" dirty="0" smtClean="0"/>
-              <a:t>http</a:t>
-            </a:r>
-            <a:endParaRPr lang="en-IN" dirty="0"/>
-          </a:p>
-          <a:p>
-            <a:r>
-              <a:rPr lang="en-IN" dirty="0"/>
-              <a:t>           IDE: Visual Studio, VS </a:t>
-            </a:r>
-            <a:r>
-              <a:rPr lang="en-IN" dirty="0" smtClean="0"/>
-              <a:t>Code</a:t>
-            </a:r>
-          </a:p>
-          <a:p>
-            <a:endParaRPr lang="en-IN" dirty="0"/>
-          </a:p>
-          <a:p>
-            <a:endParaRPr lang="en-IN" dirty="0"/>
-          </a:p>
-        </p:txBody>
-      </p:sp>
-      <p:sp>
-        <p:nvSpPr>
-          <p:cNvPr id="3" name="Rectangle 2"/>
-          <p:cNvSpPr/>
-          <p:nvPr/>
-        </p:nvSpPr>
-        <p:spPr>
-          <a:xfrm>
-            <a:off x="1590057" y="436739"/>
-            <a:ext cx="8290668" cy="707886"/>
-          </a:xfrm>
-          <a:prstGeom prst="rect">
-            <a:avLst/>
-          </a:prstGeom>
-        </p:spPr>
-        <p:txBody>
-          <a:bodyPr wrap="none">
-            <a:spAutoFit/>
-          </a:bodyPr>
-          <a:lstStyle/>
-          <a:p>
-            <a:pPr algn="ctr"/>
-            <a:r>
-              <a:rPr lang="en-IN" sz="4000" b="1" dirty="0"/>
-              <a:t>Software</a:t>
-            </a:r>
-            <a:r>
-              <a:rPr lang="en-IN" dirty="0"/>
-              <a:t> </a:t>
-            </a:r>
-            <a:r>
-              <a:rPr lang="en-IN" sz="4000" b="1" dirty="0"/>
-              <a:t>Requirements</a:t>
-            </a:r>
-            <a:r>
-              <a:rPr lang="en-IN" dirty="0"/>
-              <a:t> </a:t>
-            </a:r>
-            <a:r>
-              <a:rPr lang="en-IN" sz="4000" b="1" dirty="0"/>
-              <a:t>Specification</a:t>
-            </a:r>
-          </a:p>
-        </p:txBody>
-      </p:sp>
-    </p:spTree>
-    <p:extLst>
-      <p:ext uri="{BB962C8B-B14F-4D97-AF65-F5344CB8AC3E}">
-        <p14:creationId xmlns:p14="http://schemas.microsoft.com/office/powerpoint/2010/main" val="2497168187"/>
-      </p:ext>
-    </p:extLst>
-  </p:cSld>
-  <p:clrMapOvr>
-    <a:masterClrMapping/>
-  </p:clrMapOvr>
-  <p:timing>
-    <p:tnLst>
-      <p:par>
-        <p:cTn id="1" dur="indefinite" restart="never" nodeType="tmRoot"/>
-      </p:par>
-    </p:tnLst>
-  </p:timing>
-</p:sld>
-</file>
-
 <file path=ppt/slides/slide22.xml><?xml version="1.0" encoding="utf-8"?>
 <p:sld xmlns:a="http://schemas.openxmlformats.org/drawingml/2006/main" xmlns:r="http://schemas.openxmlformats.org/officeDocument/2006/relationships" xmlns:p="http://schemas.openxmlformats.org/presentationml/2006/main">
   <p:cSld>
@@ -8903,104 +8866,233 @@
       </p:grpSpPr>
       <p:sp>
         <p:nvSpPr>
-          <p:cNvPr id="2" name="Title 1"/>
-          <p:cNvSpPr>
-            <a:spLocks noGrp="1"/>
-          </p:cNvSpPr>
-          <p:nvPr>
-            <p:ph type="title"/>
-          </p:nvPr>
-        </p:nvSpPr>
-        <p:spPr/>
-        <p:txBody>
-          <a:bodyPr/>
-          <a:lstStyle/>
-          <a:p>
-            <a:r>
-              <a:rPr lang="en-US" dirty="0" smtClean="0"/>
-              <a:t>Conclusion</a:t>
-            </a:r>
-            <a:endParaRPr lang="en-IN" dirty="0"/>
-          </a:p>
-        </p:txBody>
-      </p:sp>
-      <p:sp>
-        <p:nvSpPr>
-          <p:cNvPr id="3" name="Content Placeholder 2"/>
-          <p:cNvSpPr>
-            <a:spLocks noGrp="1"/>
-          </p:cNvSpPr>
-          <p:nvPr>
-            <p:ph idx="1"/>
-          </p:nvPr>
-        </p:nvSpPr>
-        <p:spPr/>
-        <p:txBody>
-          <a:bodyPr>
-            <a:noAutofit/>
+          <p:cNvPr id="2" name="TextBox 1"/>
+          <p:cNvSpPr txBox="1"/>
+          <p:nvPr/>
+        </p:nvSpPr>
+        <p:spPr>
+          <a:xfrm>
+            <a:off x="1828800" y="1661375"/>
+            <a:ext cx="7250806" cy="4247317"/>
+          </a:xfrm>
+          <a:prstGeom prst="rect">
+            <a:avLst/>
+          </a:prstGeom>
+          <a:noFill/>
+        </p:spPr>
+        <p:txBody>
+          <a:bodyPr wrap="square" rtlCol="0">
+            <a:spAutoFit/>
           </a:bodyPr>
           <a:lstStyle/>
           <a:p>
-            <a:r>
-              <a:rPr lang="en-US" sz="2000" dirty="0">
-                <a:latin typeface="Times New Roman" panose="02020603050405020304" pitchFamily="18" charset="0"/>
-                <a:cs typeface="Times New Roman" panose="02020603050405020304" pitchFamily="18" charset="0"/>
-              </a:rPr>
-              <a:t>The </a:t>
-            </a:r>
-            <a:r>
-              <a:rPr lang="en-US" sz="2000" b="1" dirty="0">
-                <a:latin typeface="Times New Roman" panose="02020603050405020304" pitchFamily="18" charset="0"/>
-                <a:cs typeface="Times New Roman" panose="02020603050405020304" pitchFamily="18" charset="0"/>
-              </a:rPr>
-              <a:t>Digital Health Card System</a:t>
-            </a:r>
-            <a:r>
-              <a:rPr lang="en-US" sz="2000" dirty="0">
-                <a:latin typeface="Times New Roman" panose="02020603050405020304" pitchFamily="18" charset="0"/>
-                <a:cs typeface="Times New Roman" panose="02020603050405020304" pitchFamily="18" charset="0"/>
-              </a:rPr>
-              <a:t> successfully provides a secure and efficient platform for managing patient medical records digitally. By eliminating the need for physical reports and introducing </a:t>
-            </a:r>
-            <a:r>
-              <a:rPr lang="en-US" sz="2000" dirty="0" err="1">
-                <a:latin typeface="Times New Roman" panose="02020603050405020304" pitchFamily="18" charset="0"/>
-                <a:cs typeface="Times New Roman" panose="02020603050405020304" pitchFamily="18" charset="0"/>
-              </a:rPr>
-              <a:t>Aadhaar</a:t>
-            </a:r>
-            <a:r>
-              <a:rPr lang="en-US" sz="2000" dirty="0">
-                <a:latin typeface="Times New Roman" panose="02020603050405020304" pitchFamily="18" charset="0"/>
-                <a:cs typeface="Times New Roman" panose="02020603050405020304" pitchFamily="18" charset="0"/>
-              </a:rPr>
-              <a:t>-based authentication, the system ensures easy access and improved reliability of medical data. Role-based access control and admin verification enhance system security, while digital report uploads by doctors and lab technicians ensure accurate and up-to-date medical information. The emergency </a:t>
-            </a:r>
-            <a:r>
-              <a:rPr lang="en-US" sz="2000" dirty="0" smtClean="0">
-                <a:latin typeface="Times New Roman" panose="02020603050405020304" pitchFamily="18" charset="0"/>
-                <a:cs typeface="Times New Roman" panose="02020603050405020304" pitchFamily="18" charset="0"/>
-              </a:rPr>
+            <a:pPr marL="342900" indent="-342900">
+              <a:buFont typeface="Wingdings" pitchFamily="2" charset="2"/>
+              <a:buChar char="q"/>
+            </a:pPr>
+            <a:r>
+              <a:rPr lang="en-IN" b="1" dirty="0"/>
+              <a:t>Hardware Requirements</a:t>
+            </a:r>
+          </a:p>
+          <a:p>
+            <a:r>
+              <a:rPr lang="en-IN" dirty="0"/>
+              <a:t>          Processor: Intel i3 or above</a:t>
+            </a:r>
+          </a:p>
+          <a:p>
+            <a:r>
+              <a:rPr lang="en-IN" dirty="0"/>
+              <a:t>          RAM: Minimum 4 GB</a:t>
+            </a:r>
+          </a:p>
+          <a:p>
+            <a:r>
+              <a:rPr lang="en-IN" dirty="0"/>
+              <a:t>          Storage: 100GB HDD or SSD</a:t>
+            </a:r>
+          </a:p>
+          <a:p>
+            <a:endParaRPr lang="en-IN" dirty="0"/>
+          </a:p>
+          <a:p>
+            <a:pPr marL="342900" indent="-342900">
+              <a:buFont typeface="Wingdings" pitchFamily="2" charset="2"/>
+              <a:buChar char="q"/>
+            </a:pPr>
+            <a:r>
+              <a:rPr lang="en-IN" b="1" dirty="0"/>
+              <a:t>Software Requirements</a:t>
+            </a:r>
+          </a:p>
+          <a:p>
+            <a:r>
+              <a:rPr lang="en-IN" b="1" dirty="0"/>
+              <a:t>          </a:t>
+            </a:r>
+            <a:r>
+              <a:rPr lang="en-IN" dirty="0"/>
+              <a:t>Operating System: </a:t>
+            </a:r>
+            <a:r>
+              <a:rPr lang="en-IN" dirty="0" smtClean="0"/>
+              <a:t>Any Operating System(Windows ,</a:t>
+            </a:r>
+            <a:r>
+              <a:rPr lang="en-IN" dirty="0" err="1" smtClean="0"/>
+              <a:t>Linux,MacOs</a:t>
+            </a:r>
+            <a:r>
+              <a:rPr lang="en-IN" dirty="0" smtClean="0"/>
+              <a:t>)</a:t>
+            </a:r>
+            <a:endParaRPr lang="en-IN" dirty="0"/>
+          </a:p>
+          <a:p>
+            <a:r>
+              <a:rPr lang="en-IN" sz="1600" dirty="0"/>
+              <a:t>             </a:t>
+            </a:r>
+            <a:r>
+              <a:rPr lang="en-IN" dirty="0"/>
+              <a:t>Frontend: HTML, </a:t>
+            </a:r>
+            <a:r>
+              <a:rPr lang="en-IN" dirty="0" smtClean="0"/>
+              <a:t>CSS(</a:t>
+            </a:r>
+            <a:r>
+              <a:rPr lang="en-IN" dirty="0" err="1" smtClean="0"/>
+              <a:t>TalwindCSS</a:t>
+            </a:r>
+            <a:r>
+              <a:rPr lang="en-IN" dirty="0" smtClean="0"/>
+              <a:t>), </a:t>
+            </a:r>
+            <a:r>
+              <a:rPr lang="en-IN" dirty="0" err="1"/>
+              <a:t>Javascript</a:t>
+            </a:r>
+            <a:r>
+              <a:rPr lang="en-IN" dirty="0"/>
+              <a:t>,  React.js</a:t>
+            </a:r>
+          </a:p>
+          <a:p>
+            <a:r>
+              <a:rPr lang="en-IN" dirty="0"/>
+              <a:t>           Backend: ASP.NET </a:t>
+            </a:r>
+            <a:r>
+              <a:rPr lang="en-IN" dirty="0" smtClean="0"/>
+              <a:t>Core 8.0 Web App</a:t>
+            </a:r>
+            <a:endParaRPr lang="en-IN" dirty="0"/>
+          </a:p>
+          <a:p>
+            <a:r>
+              <a:rPr lang="en-IN" dirty="0"/>
+              <a:t>           Database: </a:t>
+            </a:r>
+            <a:r>
+              <a:rPr lang="en-IN" dirty="0" smtClean="0"/>
+              <a:t>MYSQL</a:t>
+            </a:r>
+          </a:p>
+          <a:p>
+            <a:r>
+              <a:rPr lang="en-US" dirty="0" smtClean="0"/>
+              <a:t>           Browser :Google Chrome / Mozilla </a:t>
+            </a:r>
+            <a:r>
+              <a:rPr lang="en-US" dirty="0" err="1" smtClean="0"/>
+              <a:t>FireFox</a:t>
+            </a:r>
+            <a:r>
+              <a:rPr lang="en-US" dirty="0" smtClean="0"/>
+              <a:t> / Microsoft Edge</a:t>
+            </a:r>
+            <a:endParaRPr lang="en-IN" dirty="0"/>
+          </a:p>
+          <a:p>
+            <a:r>
+              <a:rPr lang="en-IN" dirty="0"/>
+              <a:t>           Server: </a:t>
+            </a:r>
+            <a:r>
+              <a:rPr lang="en-IN" dirty="0" smtClean="0"/>
+              <a:t>http</a:t>
+            </a:r>
+            <a:endParaRPr lang="en-IN" dirty="0"/>
+          </a:p>
+          <a:p>
+            <a:r>
+              <a:rPr lang="en-IN" dirty="0"/>
+              <a:t>           IDE: Visual Studio, VS </a:t>
+            </a:r>
+            <a:r>
+              <a:rPr lang="en-IN" dirty="0" smtClean="0"/>
+              <a:t>Code</a:t>
+            </a:r>
+          </a:p>
+          <a:p>
+            <a:endParaRPr lang="en-IN" dirty="0"/>
+          </a:p>
+          <a:p>
+            <a:endParaRPr lang="en-IN" dirty="0"/>
+          </a:p>
+        </p:txBody>
+      </p:sp>
+      <p:sp>
+        <p:nvSpPr>
+          <p:cNvPr id="3" name="Rectangle 2"/>
+          <p:cNvSpPr/>
+          <p:nvPr/>
+        </p:nvSpPr>
+        <p:spPr>
+          <a:xfrm>
+            <a:off x="1590057" y="436739"/>
+            <a:ext cx="8290668" cy="707886"/>
+          </a:xfrm>
+          <a:prstGeom prst="rect">
+            <a:avLst/>
+          </a:prstGeom>
+        </p:spPr>
+        <p:txBody>
+          <a:bodyPr wrap="none">
+            <a:spAutoFit/>
+          </a:bodyPr>
+          <a:lstStyle/>
+          <a:p>
+            <a:pPr algn="ctr"/>
+            <a:r>
+              <a:rPr lang="en-IN" sz="4000" b="1" dirty="0"/>
+              <a:t>Software</a:t>
+            </a:r>
+            <a:r>
+              <a:rPr lang="en-IN" dirty="0"/>
               <a:t> </a:t>
             </a:r>
             <a:r>
-              <a:rPr lang="en-US" sz="2000" dirty="0">
-                <a:latin typeface="Times New Roman" panose="02020603050405020304" pitchFamily="18" charset="0"/>
-                <a:cs typeface="Times New Roman" panose="02020603050405020304" pitchFamily="18" charset="0"/>
-              </a:rPr>
-              <a:t>feature further strengthens the system by enabling timely treatment during critical situations. Overall, the system contributes to a more organized, accessible, and patient-centric healthcare management approach and has the potential for future expansion with advanced technologies and real-world integrations.</a:t>
-            </a:r>
-            <a:endParaRPr lang="en-IN" sz="2000" dirty="0">
-              <a:latin typeface="Times New Roman" panose="02020603050405020304" pitchFamily="18" charset="0"/>
-              <a:cs typeface="Times New Roman" panose="02020603050405020304" pitchFamily="18" charset="0"/>
-            </a:endParaRPr>
+              <a:rPr lang="en-IN" sz="4000" b="1" dirty="0"/>
+              <a:t>Requirements</a:t>
+            </a:r>
+            <a:r>
+              <a:rPr lang="en-IN" dirty="0"/>
+              <a:t> </a:t>
+            </a:r>
+            <a:r>
+              <a:rPr lang="en-IN" sz="4000" b="1" dirty="0"/>
+              <a:t>Specification</a:t>
+            </a:r>
           </a:p>
         </p:txBody>
       </p:sp>
     </p:spTree>
     <p:extLst>
       <p:ext uri="{BB962C8B-B14F-4D97-AF65-F5344CB8AC3E}">
-        <p14:creationId xmlns:p14="http://schemas.microsoft.com/office/powerpoint/2010/main" val="3330818025"/>
+        <p14:creationId xmlns:p14="http://schemas.microsoft.com/office/powerpoint/2010/main" val="2497168187"/>
       </p:ext>
     </p:extLst>
   </p:cSld>
@@ -9051,6 +9143,139 @@
           <a:p>
             <a:r>
               <a:rPr lang="en-US" dirty="0" smtClean="0"/>
+              <a:t>Conclusion</a:t>
+            </a:r>
+            <a:endParaRPr lang="en-IN" dirty="0"/>
+          </a:p>
+        </p:txBody>
+      </p:sp>
+      <p:sp>
+        <p:nvSpPr>
+          <p:cNvPr id="3" name="Content Placeholder 2"/>
+          <p:cNvSpPr>
+            <a:spLocks noGrp="1"/>
+          </p:cNvSpPr>
+          <p:nvPr>
+            <p:ph idx="1"/>
+          </p:nvPr>
+        </p:nvSpPr>
+        <p:spPr/>
+        <p:txBody>
+          <a:bodyPr>
+            <a:noAutofit/>
+          </a:bodyPr>
+          <a:lstStyle/>
+          <a:p>
+            <a:r>
+              <a:rPr lang="en-US" sz="2000" dirty="0">
+                <a:latin typeface="Times New Roman" panose="02020603050405020304" pitchFamily="18" charset="0"/>
+                <a:cs typeface="Times New Roman" panose="02020603050405020304" pitchFamily="18" charset="0"/>
+              </a:rPr>
+              <a:t>The </a:t>
+            </a:r>
+            <a:r>
+              <a:rPr lang="en-US" sz="2000" b="1" dirty="0">
+                <a:latin typeface="Times New Roman" panose="02020603050405020304" pitchFamily="18" charset="0"/>
+                <a:cs typeface="Times New Roman" panose="02020603050405020304" pitchFamily="18" charset="0"/>
+              </a:rPr>
+              <a:t>Digital Health Card System</a:t>
+            </a:r>
+            <a:r>
+              <a:rPr lang="en-US" sz="2000" dirty="0">
+                <a:latin typeface="Times New Roman" panose="02020603050405020304" pitchFamily="18" charset="0"/>
+                <a:cs typeface="Times New Roman" panose="02020603050405020304" pitchFamily="18" charset="0"/>
+              </a:rPr>
+              <a:t> successfully provides a secure and efficient platform for managing patient medical records digitally. By eliminating the need for physical reports and introducing </a:t>
+            </a:r>
+            <a:r>
+              <a:rPr lang="en-US" sz="2000" dirty="0" err="1">
+                <a:latin typeface="Times New Roman" panose="02020603050405020304" pitchFamily="18" charset="0"/>
+                <a:cs typeface="Times New Roman" panose="02020603050405020304" pitchFamily="18" charset="0"/>
+              </a:rPr>
+              <a:t>Aadhaar</a:t>
+            </a:r>
+            <a:r>
+              <a:rPr lang="en-US" sz="2000" dirty="0">
+                <a:latin typeface="Times New Roman" panose="02020603050405020304" pitchFamily="18" charset="0"/>
+                <a:cs typeface="Times New Roman" panose="02020603050405020304" pitchFamily="18" charset="0"/>
+              </a:rPr>
+              <a:t>-based authentication, the system ensures easy access and improved reliability of medical data. Role-based access control and admin verification enhance system security, while digital report uploads by doctors and lab technicians ensure accurate and up-to-date medical information. The emergency </a:t>
+            </a:r>
+            <a:r>
+              <a:rPr lang="en-US" sz="2000" dirty="0" smtClean="0">
+                <a:latin typeface="Times New Roman" panose="02020603050405020304" pitchFamily="18" charset="0"/>
+                <a:cs typeface="Times New Roman" panose="02020603050405020304" pitchFamily="18" charset="0"/>
+              </a:rPr>
+              <a:t> </a:t>
+            </a:r>
+            <a:r>
+              <a:rPr lang="en-US" sz="2000" dirty="0">
+                <a:latin typeface="Times New Roman" panose="02020603050405020304" pitchFamily="18" charset="0"/>
+                <a:cs typeface="Times New Roman" panose="02020603050405020304" pitchFamily="18" charset="0"/>
+              </a:rPr>
+              <a:t>feature further strengthens the system by enabling timely treatment during critical situations. Overall, the system contributes to a more organized, accessible, and patient-centric healthcare management approach and has the potential for future expansion with advanced technologies and real-world integrations.</a:t>
+            </a:r>
+            <a:endParaRPr lang="en-IN" sz="2000" dirty="0">
+              <a:latin typeface="Times New Roman" panose="02020603050405020304" pitchFamily="18" charset="0"/>
+              <a:cs typeface="Times New Roman" panose="02020603050405020304" pitchFamily="18" charset="0"/>
+            </a:endParaRPr>
+          </a:p>
+        </p:txBody>
+      </p:sp>
+    </p:spTree>
+    <p:extLst>
+      <p:ext uri="{BB962C8B-B14F-4D97-AF65-F5344CB8AC3E}">
+        <p14:creationId xmlns:p14="http://schemas.microsoft.com/office/powerpoint/2010/main" val="3330818025"/>
+      </p:ext>
+    </p:extLst>
+  </p:cSld>
+  <p:clrMapOvr>
+    <a:masterClrMapping/>
+  </p:clrMapOvr>
+  <p:timing>
+    <p:tnLst>
+      <p:par>
+        <p:cTn id="1" dur="indefinite" restart="never" nodeType="tmRoot"/>
+      </p:par>
+    </p:tnLst>
+  </p:timing>
+</p:sld>
+</file>
+
+<file path=ppt/slides/slide24.xml><?xml version="1.0" encoding="utf-8"?>
+<p:sld xmlns:a="http://schemas.openxmlformats.org/drawingml/2006/main" xmlns:r="http://schemas.openxmlformats.org/officeDocument/2006/relationships" xmlns:p="http://schemas.openxmlformats.org/presentationml/2006/main">
+  <p:cSld>
+    <p:spTree>
+      <p:nvGrpSpPr>
+        <p:cNvPr id="1" name=""/>
+        <p:cNvGrpSpPr/>
+        <p:nvPr/>
+      </p:nvGrpSpPr>
+      <p:grpSpPr>
+        <a:xfrm>
+          <a:off x="0" y="0"/>
+          <a:ext cx="0" cy="0"/>
+          <a:chOff x="0" y="0"/>
+          <a:chExt cx="0" cy="0"/>
+        </a:xfrm>
+      </p:grpSpPr>
+      <p:sp>
+        <p:nvSpPr>
+          <p:cNvPr id="2" name="Title 1"/>
+          <p:cNvSpPr>
+            <a:spLocks noGrp="1"/>
+          </p:cNvSpPr>
+          <p:nvPr>
+            <p:ph type="title"/>
+          </p:nvPr>
+        </p:nvSpPr>
+        <p:spPr/>
+        <p:txBody>
+          <a:bodyPr/>
+          <a:lstStyle/>
+          <a:p>
+            <a:r>
+              <a:rPr lang="en-US" dirty="0" smtClean="0"/>
               <a:t>Future Scope</a:t>
             </a:r>
             <a:endParaRPr lang="en-IN" dirty="0"/>
@@ -9490,7 +9715,7 @@
 </p:sld>
 </file>
 
-<file path=ppt/slides/slide24.xml><?xml version="1.0" encoding="utf-8"?>
+<file path=ppt/slides/slide25.xml><?xml version="1.0" encoding="utf-8"?>
 <p:sld xmlns:a="http://schemas.openxmlformats.org/drawingml/2006/main" xmlns:r="http://schemas.openxmlformats.org/officeDocument/2006/relationships" xmlns:p="http://schemas.openxmlformats.org/presentationml/2006/main">
   <p:cSld>
     <p:spTree>
@@ -9990,10 +10215,17 @@
                 <a:latin typeface="Times New Roman" panose="02020603050405020304" pitchFamily="18" charset="0"/>
                 <a:cs typeface="Times New Roman" panose="02020603050405020304" pitchFamily="18" charset="0"/>
               </a:rPr>
-              <a:t>The system consists of </a:t>
-            </a:r>
-            <a:r>
-              <a:rPr lang="en-US" sz="2000" b="1" dirty="0" smtClean="0">
+              <a:t>The system consists </a:t>
+            </a:r>
+            <a:r>
+              <a:rPr lang="en-US" sz="2000">
+                <a:latin typeface="Times New Roman" panose="02020603050405020304" pitchFamily="18" charset="0"/>
+                <a:cs typeface="Times New Roman" panose="02020603050405020304" pitchFamily="18" charset="0"/>
+              </a:rPr>
+              <a:t>of </a:t>
+            </a:r>
+            <a:r>
+              <a:rPr lang="en-US" sz="2000" b="1" smtClean="0">
                 <a:latin typeface="Times New Roman" panose="02020603050405020304" pitchFamily="18" charset="0"/>
                 <a:cs typeface="Times New Roman" panose="02020603050405020304" pitchFamily="18" charset="0"/>
               </a:rPr>
@@ -10041,12 +10273,30 @@
               <a:t>Lab Technician</a:t>
             </a:r>
             <a:r>
-              <a:rPr lang="en-US" sz="2000" dirty="0">
+              <a:rPr lang="en-US" sz="2000" dirty="0" smtClean="0">
                 <a:latin typeface="Times New Roman" panose="02020603050405020304" pitchFamily="18" charset="0"/>
                 <a:cs typeface="Times New Roman" panose="02020603050405020304" pitchFamily="18" charset="0"/>
               </a:rPr>
               <a:t>.</a:t>
             </a:r>
+          </a:p>
+          <a:p>
+            <a:r>
+              <a:rPr lang="en-US" sz="2000" dirty="0"/>
+              <a:t>The nominee role does not require login credentials. Nominee contact information is registered within the system and is </a:t>
+            </a:r>
+            <a:r>
+              <a:rPr lang="en-US" sz="2000" b="1" dirty="0"/>
+              <a:t>visible only to authorized users such as doctors</a:t>
+            </a:r>
+            <a:r>
+              <a:rPr lang="en-US" sz="2000" dirty="0"/>
+              <a:t>, enabling communication during emergencies.</a:t>
+            </a:r>
+            <a:endParaRPr lang="en-US" sz="2000" dirty="0">
+              <a:latin typeface="Times New Roman" panose="02020603050405020304" pitchFamily="18" charset="0"/>
+              <a:cs typeface="Times New Roman" panose="02020603050405020304" pitchFamily="18" charset="0"/>
+            </a:endParaRPr>
           </a:p>
           <a:p>
             <a:endParaRPr lang="en-IN" sz="2000" dirty="0">
